--- a/docs/Year1/BlockD/MS Assignment Template/Learning Log - Y1D_2022-23_ADSAI.pptx
+++ b/docs/Year1/BlockD/MS Assignment Template/Learning Log - Y1D_2022-23_ADSAI.pptx
@@ -5,7 +5,7 @@
     <p:sldMasterId id="2147483658" r:id="rId4"/>
   </p:sldMasterIdLst>
   <p:notesMasterIdLst>
-    <p:notesMasterId r:id="rId54"/>
+    <p:notesMasterId r:id="rId52"/>
   </p:notesMasterIdLst>
   <p:sldIdLst>
     <p:sldId id="256" r:id="rId5"/>
@@ -32,87 +32,85 @@
     <p:sldId id="329" r:id="rId26"/>
     <p:sldId id="331" r:id="rId27"/>
     <p:sldId id="332" r:id="rId28"/>
-    <p:sldId id="335" r:id="rId29"/>
-    <p:sldId id="336" r:id="rId30"/>
-    <p:sldId id="282" r:id="rId31"/>
-    <p:sldId id="283" r:id="rId32"/>
-    <p:sldId id="286" r:id="rId33"/>
-    <p:sldId id="314" r:id="rId34"/>
-    <p:sldId id="312" r:id="rId35"/>
-    <p:sldId id="313" r:id="rId36"/>
-    <p:sldId id="315" r:id="rId37"/>
-    <p:sldId id="292" r:id="rId38"/>
-    <p:sldId id="293" r:id="rId39"/>
-    <p:sldId id="294" r:id="rId40"/>
-    <p:sldId id="299" r:id="rId41"/>
-    <p:sldId id="300" r:id="rId42"/>
-    <p:sldId id="302" r:id="rId43"/>
-    <p:sldId id="303" r:id="rId44"/>
-    <p:sldId id="306" r:id="rId45"/>
-    <p:sldId id="307" r:id="rId46"/>
-    <p:sldId id="309" r:id="rId47"/>
-    <p:sldId id="310" r:id="rId48"/>
-    <p:sldId id="333" r:id="rId49"/>
-    <p:sldId id="334" r:id="rId50"/>
-    <p:sldId id="296" r:id="rId51"/>
-    <p:sldId id="297" r:id="rId52"/>
-    <p:sldId id="298" r:id="rId53"/>
+    <p:sldId id="282" r:id="rId29"/>
+    <p:sldId id="283" r:id="rId30"/>
+    <p:sldId id="286" r:id="rId31"/>
+    <p:sldId id="314" r:id="rId32"/>
+    <p:sldId id="312" r:id="rId33"/>
+    <p:sldId id="313" r:id="rId34"/>
+    <p:sldId id="315" r:id="rId35"/>
+    <p:sldId id="292" r:id="rId36"/>
+    <p:sldId id="293" r:id="rId37"/>
+    <p:sldId id="294" r:id="rId38"/>
+    <p:sldId id="299" r:id="rId39"/>
+    <p:sldId id="300" r:id="rId40"/>
+    <p:sldId id="302" r:id="rId41"/>
+    <p:sldId id="303" r:id="rId42"/>
+    <p:sldId id="306" r:id="rId43"/>
+    <p:sldId id="307" r:id="rId44"/>
+    <p:sldId id="309" r:id="rId45"/>
+    <p:sldId id="310" r:id="rId46"/>
+    <p:sldId id="333" r:id="rId47"/>
+    <p:sldId id="334" r:id="rId48"/>
+    <p:sldId id="296" r:id="rId49"/>
+    <p:sldId id="297" r:id="rId50"/>
+    <p:sldId id="298" r:id="rId51"/>
   </p:sldIdLst>
   <p:sldSz cx="9144000" cy="5143500" type="screen16x9"/>
   <p:notesSz cx="6858000" cy="9144000"/>
   <p:embeddedFontLst>
     <p:embeddedFont>
       <p:font typeface="Alfa Slab One" panose="020B0604020202020204" charset="0"/>
-      <p:regular r:id="rId55"/>
+      <p:regular r:id="rId53"/>
     </p:embeddedFont>
     <p:embeddedFont>
       <p:font typeface="Helvetica Neue" panose="020B0604020202020204" charset="0"/>
-      <p:regular r:id="rId56"/>
-      <p:bold r:id="rId57"/>
-      <p:italic r:id="rId58"/>
-      <p:boldItalic r:id="rId59"/>
+      <p:regular r:id="rId54"/>
+      <p:bold r:id="rId55"/>
+      <p:italic r:id="rId56"/>
+      <p:boldItalic r:id="rId57"/>
     </p:embeddedFont>
     <p:embeddedFont>
       <p:font typeface="Open Sans" panose="020B0606030504020204" pitchFamily="34" charset="0"/>
-      <p:regular r:id="rId60"/>
-      <p:bold r:id="rId61"/>
-      <p:italic r:id="rId62"/>
-      <p:boldItalic r:id="rId63"/>
+      <p:regular r:id="rId58"/>
+      <p:bold r:id="rId59"/>
+      <p:italic r:id="rId60"/>
+      <p:boldItalic r:id="rId61"/>
     </p:embeddedFont>
     <p:embeddedFont>
       <p:font typeface="Proxima Nova" panose="020B0604020202020204" charset="0"/>
-      <p:regular r:id="rId64"/>
-      <p:bold r:id="rId65"/>
-      <p:italic r:id="rId66"/>
-      <p:boldItalic r:id="rId67"/>
+      <p:regular r:id="rId62"/>
+      <p:bold r:id="rId63"/>
+      <p:italic r:id="rId64"/>
+      <p:boldItalic r:id="rId65"/>
     </p:embeddedFont>
     <p:embeddedFont>
       <p:font typeface="Roboto" panose="02000000000000000000" pitchFamily="2" charset="0"/>
-      <p:regular r:id="rId68"/>
-      <p:bold r:id="rId69"/>
-      <p:italic r:id="rId70"/>
-      <p:boldItalic r:id="rId71"/>
+      <p:regular r:id="rId66"/>
+      <p:bold r:id="rId67"/>
+      <p:italic r:id="rId68"/>
+      <p:boldItalic r:id="rId69"/>
     </p:embeddedFont>
     <p:embeddedFont>
       <p:font typeface="Roboto Light" panose="02000000000000000000" pitchFamily="2" charset="0"/>
-      <p:regular r:id="rId72"/>
-      <p:bold r:id="rId73"/>
-      <p:italic r:id="rId74"/>
-      <p:boldItalic r:id="rId75"/>
+      <p:regular r:id="rId70"/>
+      <p:bold r:id="rId71"/>
+      <p:italic r:id="rId72"/>
+      <p:boldItalic r:id="rId73"/>
     </p:embeddedFont>
     <p:embeddedFont>
       <p:font typeface="Roboto Thin" panose="02000000000000000000" pitchFamily="2" charset="0"/>
-      <p:regular r:id="rId76"/>
-      <p:bold r:id="rId77"/>
-      <p:italic r:id="rId78"/>
-      <p:boldItalic r:id="rId79"/>
+      <p:regular r:id="rId74"/>
+      <p:bold r:id="rId75"/>
+      <p:italic r:id="rId76"/>
+      <p:boldItalic r:id="rId77"/>
     </p:embeddedFont>
     <p:embeddedFont>
       <p:font typeface="Segoe UI" panose="020B0502040204020203" pitchFamily="34" charset="0"/>
-      <p:regular r:id="rId80"/>
-      <p:bold r:id="rId81"/>
-      <p:italic r:id="rId82"/>
-      <p:boldItalic r:id="rId83"/>
+      <p:regular r:id="rId78"/>
+      <p:bold r:id="rId79"/>
+      <p:italic r:id="rId80"/>
+      <p:boldItalic r:id="rId81"/>
     </p:embeddedFont>
   </p:embeddedFontLst>
   <p:defaultTextStyle>
@@ -487,6 +485,30 @@
     </pc:docChg>
   </pc:docChgLst>
   <pc:docChgLst>
+    <pc:chgData name="Engering, Elisabeth (210811)" userId="S::210811@buas.nl::e0321fa4-dab0-47ff-8663-e63a5ebcb72c" providerId="AD" clId="Web-{FCE27AD3-2A2C-486D-9BD5-2B0AE5F79050}"/>
+    <pc:docChg chg="modSld">
+      <pc:chgData name="Engering, Elisabeth (210811)" userId="S::210811@buas.nl::e0321fa4-dab0-47ff-8663-e63a5ebcb72c" providerId="AD" clId="Web-{FCE27AD3-2A2C-486D-9BD5-2B0AE5F79050}" dt="2021-10-22T09:47:28.281" v="1" actId="20577"/>
+      <pc:docMkLst>
+        <pc:docMk/>
+      </pc:docMkLst>
+      <pc:sldChg chg="modSp">
+        <pc:chgData name="Engering, Elisabeth (210811)" userId="S::210811@buas.nl::e0321fa4-dab0-47ff-8663-e63a5ebcb72c" providerId="AD" clId="Web-{FCE27AD3-2A2C-486D-9BD5-2B0AE5F79050}" dt="2021-10-22T09:47:28.281" v="1" actId="20577"/>
+        <pc:sldMkLst>
+          <pc:docMk/>
+          <pc:sldMk cId="0" sldId="269"/>
+        </pc:sldMkLst>
+        <pc:spChg chg="mod">
+          <ac:chgData name="Engering, Elisabeth (210811)" userId="S::210811@buas.nl::e0321fa4-dab0-47ff-8663-e63a5ebcb72c" providerId="AD" clId="Web-{FCE27AD3-2A2C-486D-9BD5-2B0AE5F79050}" dt="2021-10-22T09:47:28.281" v="1" actId="20577"/>
+          <ac:spMkLst>
+            <pc:docMk/>
+            <pc:sldMk cId="0" sldId="269"/>
+            <ac:spMk id="216" creationId="{00000000-0000-0000-0000-000000000000}"/>
+          </ac:spMkLst>
+        </pc:spChg>
+      </pc:sldChg>
+    </pc:docChg>
+  </pc:docChgLst>
+  <pc:docChgLst>
     <pc:chgData name="Kozlova, Zhanna" userId="S::kozlova.z@buas.nl::8d63d5a7-3991-4693-b13a-8e2a489aa357" providerId="AD" clId="Web-{CCDE9E4E-5D09-4395-A348-E3BF5775B480}"/>
     <pc:docChg chg="modSld">
       <pc:chgData name="Kozlova, Zhanna" userId="S::kozlova.z@buas.nl::8d63d5a7-3991-4693-b13a-8e2a489aa357" providerId="AD" clId="Web-{CCDE9E4E-5D09-4395-A348-E3BF5775B480}" dt="2021-09-17T15:01:29.178" v="173" actId="20577"/>
@@ -505,30 +527,6 @@
             <pc:docMk/>
             <pc:sldMk cId="0" sldId="265"/>
             <ac:spMk id="174" creationId="{00000000-0000-0000-0000-000000000000}"/>
-          </ac:spMkLst>
-        </pc:spChg>
-      </pc:sldChg>
-    </pc:docChg>
-  </pc:docChgLst>
-  <pc:docChgLst>
-    <pc:chgData name="Engering, Elisabeth (210811)" userId="S::210811@buas.nl::e0321fa4-dab0-47ff-8663-e63a5ebcb72c" providerId="AD" clId="Web-{FCE27AD3-2A2C-486D-9BD5-2B0AE5F79050}"/>
-    <pc:docChg chg="modSld">
-      <pc:chgData name="Engering, Elisabeth (210811)" userId="S::210811@buas.nl::e0321fa4-dab0-47ff-8663-e63a5ebcb72c" providerId="AD" clId="Web-{FCE27AD3-2A2C-486D-9BD5-2B0AE5F79050}" dt="2021-10-22T09:47:28.281" v="1" actId="20577"/>
-      <pc:docMkLst>
-        <pc:docMk/>
-      </pc:docMkLst>
-      <pc:sldChg chg="modSp">
-        <pc:chgData name="Engering, Elisabeth (210811)" userId="S::210811@buas.nl::e0321fa4-dab0-47ff-8663-e63a5ebcb72c" providerId="AD" clId="Web-{FCE27AD3-2A2C-486D-9BD5-2B0AE5F79050}" dt="2021-10-22T09:47:28.281" v="1" actId="20577"/>
-        <pc:sldMkLst>
-          <pc:docMk/>
-          <pc:sldMk cId="0" sldId="269"/>
-        </pc:sldMkLst>
-        <pc:spChg chg="mod">
-          <ac:chgData name="Engering, Elisabeth (210811)" userId="S::210811@buas.nl::e0321fa4-dab0-47ff-8663-e63a5ebcb72c" providerId="AD" clId="Web-{FCE27AD3-2A2C-486D-9BD5-2B0AE5F79050}" dt="2021-10-22T09:47:28.281" v="1" actId="20577"/>
-          <ac:spMkLst>
-            <pc:docMk/>
-            <pc:sldMk cId="0" sldId="269"/>
-            <ac:spMk id="216" creationId="{00000000-0000-0000-0000-000000000000}"/>
           </ac:spMkLst>
         </pc:spChg>
       </pc:sldChg>
@@ -3665,7 +3663,7 @@
   <p:cSld>
     <p:spTree>
       <p:nvGrpSpPr>
-        <p:cNvPr id="1" name="Shape 219"/>
+        <p:cNvPr id="1" name="Shape 352"/>
         <p:cNvGrpSpPr/>
         <p:nvPr/>
       </p:nvGrpSpPr>
@@ -3679,7 +3677,7 @@
       </p:grpSpPr>
       <p:sp>
         <p:nvSpPr>
-          <p:cNvPr id="220" name="Google Shape;220;g6b602ea5a7_1_524:notes"/>
+          <p:cNvPr id="353" name="Google Shape;353;g6b4f495656_0_691:notes"/>
           <p:cNvSpPr>
             <a:spLocks noGrp="1" noRot="1" noChangeAspect="1"/>
           </p:cNvSpPr>
@@ -3720,7 +3718,7 @@
       </p:sp>
       <p:sp>
         <p:nvSpPr>
-          <p:cNvPr id="221" name="Google Shape;221;g6b602ea5a7_1_524:notes"/>
+          <p:cNvPr id="354" name="Google Shape;354;g6b4f495656_0_691:notes"/>
           <p:cNvSpPr txBox="1">
             <a:spLocks noGrp="1"/>
           </p:cNvSpPr>
@@ -3752,16 +3750,31 @@
               </a:spcAft>
               <a:buNone/>
             </a:pPr>
+            <a:r>
+              <a:rPr lang="en"/>
+              <a:t>MUST BE COMPLETED IN WEEK 8, BUT SHOULD BE UPDATED REGULARLY</a:t>
+            </a:r>
             <a:endParaRPr/>
           </a:p>
+          <a:p>
+            <a:pPr marL="0" lvl="0" indent="0" algn="l" rtl="0">
+              <a:spcBef>
+                <a:spcPts val="0"/>
+              </a:spcBef>
+              <a:spcAft>
+                <a:spcPts val="0"/>
+              </a:spcAft>
+              <a:buNone/>
+            </a:pPr>
+            <a:r>
+              <a:rPr lang="en"/>
+              <a:t>This is where you link your evidence to each of the Intended Learning Outcomes of this block.</a:t>
+            </a:r>
+            <a:endParaRPr/>
+          </a:p>
         </p:txBody>
       </p:sp>
     </p:spTree>
-    <p:extLst>
-      <p:ext uri="{BB962C8B-B14F-4D97-AF65-F5344CB8AC3E}">
-        <p14:creationId xmlns:p14="http://schemas.microsoft.com/office/powerpoint/2010/main" val="824351924"/>
-      </p:ext>
-    </p:extLst>
   </p:cSld>
   <p:clrMapOvr>
     <a:masterClrMapping/>
@@ -3774,7 +3787,7 @@
   <p:cSld>
     <p:spTree>
       <p:nvGrpSpPr>
-        <p:cNvPr id="1" name="Shape 233"/>
+        <p:cNvPr id="1" name="Shape 359"/>
         <p:cNvGrpSpPr/>
         <p:nvPr/>
       </p:nvGrpSpPr>
@@ -3788,7 +3801,7 @@
       </p:grpSpPr>
       <p:sp>
         <p:nvSpPr>
-          <p:cNvPr id="234" name="Google Shape;234;g6b602ea5a7_1_535:notes"/>
+          <p:cNvPr id="360" name="Google Shape;360;g6b4f495656_0_703:notes"/>
           <p:cNvSpPr>
             <a:spLocks noGrp="1" noRot="1" noChangeAspect="1"/>
           </p:cNvSpPr>
@@ -3829,7 +3842,7 @@
       </p:sp>
       <p:sp>
         <p:nvSpPr>
-          <p:cNvPr id="235" name="Google Shape;235;g6b602ea5a7_1_535:notes"/>
+          <p:cNvPr id="361" name="Google Shape;361;g6b4f495656_0_703:notes"/>
           <p:cNvSpPr txBox="1">
             <a:spLocks noGrp="1"/>
           </p:cNvSpPr>
@@ -3866,11 +3879,6 @@
         </p:txBody>
       </p:sp>
     </p:spTree>
-    <p:extLst>
-      <p:ext uri="{BB962C8B-B14F-4D97-AF65-F5344CB8AC3E}">
-        <p14:creationId xmlns:p14="http://schemas.microsoft.com/office/powerpoint/2010/main" val="2437246261"/>
-      </p:ext>
-    </p:extLst>
   </p:cSld>
   <p:clrMapOvr>
     <a:masterClrMapping/>
@@ -3883,7 +3891,7 @@
   <p:cSld>
     <p:spTree>
       <p:nvGrpSpPr>
-        <p:cNvPr id="1" name="Shape 352"/>
+        <p:cNvPr id="1" name="Shape 389"/>
         <p:cNvGrpSpPr/>
         <p:nvPr/>
       </p:nvGrpSpPr>
@@ -3897,7 +3905,7 @@
       </p:grpSpPr>
       <p:sp>
         <p:nvSpPr>
-          <p:cNvPr id="353" name="Google Shape;353;g6b4f495656_0_691:notes"/>
+          <p:cNvPr id="390" name="Google Shape;390;g6b602ea5a7_1_270:notes"/>
           <p:cNvSpPr>
             <a:spLocks noGrp="1" noRot="1" noChangeAspect="1"/>
           </p:cNvSpPr>
@@ -3938,7 +3946,7 @@
       </p:sp>
       <p:sp>
         <p:nvSpPr>
-          <p:cNvPr id="354" name="Google Shape;354;g6b4f495656_0_691:notes"/>
+          <p:cNvPr id="391" name="Google Shape;391;g6b602ea5a7_1_270:notes"/>
           <p:cNvSpPr txBox="1">
             <a:spLocks noGrp="1"/>
           </p:cNvSpPr>
@@ -3970,26 +3978,6 @@
               </a:spcAft>
               <a:buNone/>
             </a:pPr>
-            <a:r>
-              <a:rPr lang="en"/>
-              <a:t>MUST BE COMPLETED IN WEEK 8, BUT SHOULD BE UPDATED REGULARLY</a:t>
-            </a:r>
-            <a:endParaRPr/>
-          </a:p>
-          <a:p>
-            <a:pPr marL="0" lvl="0" indent="0" algn="l" rtl="0">
-              <a:spcBef>
-                <a:spcPts val="0"/>
-              </a:spcBef>
-              <a:spcAft>
-                <a:spcPts val="0"/>
-              </a:spcAft>
-              <a:buNone/>
-            </a:pPr>
-            <a:r>
-              <a:rPr lang="en"/>
-              <a:t>This is where you link your evidence to each of the Intended Learning Outcomes of this block.</a:t>
-            </a:r>
             <a:endParaRPr/>
           </a:p>
         </p:txBody>
@@ -4007,7 +3995,7 @@
   <p:cSld>
     <p:spTree>
       <p:nvGrpSpPr>
-        <p:cNvPr id="1" name="Shape 359"/>
+        <p:cNvPr id="1" name="Shape 389"/>
         <p:cNvGrpSpPr/>
         <p:nvPr/>
       </p:nvGrpSpPr>
@@ -4021,7 +4009,7 @@
       </p:grpSpPr>
       <p:sp>
         <p:nvSpPr>
-          <p:cNvPr id="360" name="Google Shape;360;g6b4f495656_0_703:notes"/>
+          <p:cNvPr id="390" name="Google Shape;390;g6b602ea5a7_1_270:notes"/>
           <p:cNvSpPr>
             <a:spLocks noGrp="1" noRot="1" noChangeAspect="1"/>
           </p:cNvSpPr>
@@ -4062,7 +4050,7 @@
       </p:sp>
       <p:sp>
         <p:nvSpPr>
-          <p:cNvPr id="361" name="Google Shape;361;g6b4f495656_0_703:notes"/>
+          <p:cNvPr id="391" name="Google Shape;391;g6b602ea5a7_1_270:notes"/>
           <p:cNvSpPr txBox="1">
             <a:spLocks noGrp="1"/>
           </p:cNvSpPr>
@@ -4099,6 +4087,11 @@
         </p:txBody>
       </p:sp>
     </p:spTree>
+    <p:extLst>
+      <p:ext uri="{BB962C8B-B14F-4D97-AF65-F5344CB8AC3E}">
+        <p14:creationId xmlns:p14="http://schemas.microsoft.com/office/powerpoint/2010/main" val="200456282"/>
+      </p:ext>
+    </p:extLst>
   </p:cSld>
   <p:clrMapOvr>
     <a:masterClrMapping/>
@@ -4203,6 +4196,11 @@
         </p:txBody>
       </p:sp>
     </p:spTree>
+    <p:extLst>
+      <p:ext uri="{BB962C8B-B14F-4D97-AF65-F5344CB8AC3E}">
+        <p14:creationId xmlns:p14="http://schemas.microsoft.com/office/powerpoint/2010/main" val="3205224980"/>
+      </p:ext>
+    </p:extLst>
   </p:cSld>
   <p:clrMapOvr>
     <a:masterClrMapping/>
@@ -4413,7 +4411,7 @@
     </p:spTree>
     <p:extLst>
       <p:ext uri="{BB962C8B-B14F-4D97-AF65-F5344CB8AC3E}">
-        <p14:creationId xmlns:p14="http://schemas.microsoft.com/office/powerpoint/2010/main" val="200456282"/>
+        <p14:creationId xmlns:p14="http://schemas.microsoft.com/office/powerpoint/2010/main" val="1278525387"/>
       </p:ext>
     </p:extLst>
   </p:cSld>
@@ -4428,7 +4426,7 @@
   <p:cSld>
     <p:spTree>
       <p:nvGrpSpPr>
-        <p:cNvPr id="1" name="Shape 389"/>
+        <p:cNvPr id="1" name="Shape 359"/>
         <p:cNvGrpSpPr/>
         <p:nvPr/>
       </p:nvGrpSpPr>
@@ -4442,7 +4440,7 @@
       </p:grpSpPr>
       <p:sp>
         <p:nvSpPr>
-          <p:cNvPr id="390" name="Google Shape;390;g6b602ea5a7_1_270:notes"/>
+          <p:cNvPr id="360" name="Google Shape;360;g6b4f495656_0_703:notes"/>
           <p:cNvSpPr>
             <a:spLocks noGrp="1" noRot="1" noChangeAspect="1"/>
           </p:cNvSpPr>
@@ -4483,7 +4481,7 @@
       </p:sp>
       <p:sp>
         <p:nvSpPr>
-          <p:cNvPr id="391" name="Google Shape;391;g6b602ea5a7_1_270:notes"/>
+          <p:cNvPr id="361" name="Google Shape;361;g6b4f495656_0_703:notes"/>
           <p:cNvSpPr txBox="1">
             <a:spLocks noGrp="1"/>
           </p:cNvSpPr>
@@ -4520,11 +4518,6 @@
         </p:txBody>
       </p:sp>
     </p:spTree>
-    <p:extLst>
-      <p:ext uri="{BB962C8B-B14F-4D97-AF65-F5344CB8AC3E}">
-        <p14:creationId xmlns:p14="http://schemas.microsoft.com/office/powerpoint/2010/main" val="3205224980"/>
-      </p:ext>
-    </p:extLst>
   </p:cSld>
   <p:clrMapOvr>
     <a:masterClrMapping/>
@@ -4537,7 +4530,7 @@
   <p:cSld>
     <p:spTree>
       <p:nvGrpSpPr>
-        <p:cNvPr id="1" name="Shape 389"/>
+        <p:cNvPr id="1" name="Shape 452"/>
         <p:cNvGrpSpPr/>
         <p:nvPr/>
       </p:nvGrpSpPr>
@@ -4551,7 +4544,7 @@
       </p:grpSpPr>
       <p:sp>
         <p:nvSpPr>
-          <p:cNvPr id="390" name="Google Shape;390;g6b602ea5a7_1_270:notes"/>
+          <p:cNvPr id="453" name="Google Shape;453;g6b602ea5a7_1_346:notes"/>
           <p:cNvSpPr>
             <a:spLocks noGrp="1" noRot="1" noChangeAspect="1"/>
           </p:cNvSpPr>
@@ -4592,7 +4585,7 @@
       </p:sp>
       <p:sp>
         <p:nvSpPr>
-          <p:cNvPr id="391" name="Google Shape;391;g6b602ea5a7_1_270:notes"/>
+          <p:cNvPr id="454" name="Google Shape;454;g6b602ea5a7_1_346:notes"/>
           <p:cNvSpPr txBox="1">
             <a:spLocks noGrp="1"/>
           </p:cNvSpPr>
@@ -4629,11 +4622,6 @@
         </p:txBody>
       </p:sp>
     </p:spTree>
-    <p:extLst>
-      <p:ext uri="{BB962C8B-B14F-4D97-AF65-F5344CB8AC3E}">
-        <p14:creationId xmlns:p14="http://schemas.microsoft.com/office/powerpoint/2010/main" val="1278525387"/>
-      </p:ext>
-    </p:extLst>
   </p:cSld>
   <p:clrMapOvr>
     <a:masterClrMapping/>
@@ -4646,7 +4634,7 @@
   <p:cSld>
     <p:spTree>
       <p:nvGrpSpPr>
-        <p:cNvPr id="1" name="Shape 359"/>
+        <p:cNvPr id="1" name="Shape 463"/>
         <p:cNvGrpSpPr/>
         <p:nvPr/>
       </p:nvGrpSpPr>
@@ -4660,7 +4648,7 @@
       </p:grpSpPr>
       <p:sp>
         <p:nvSpPr>
-          <p:cNvPr id="360" name="Google Shape;360;g6b4f495656_0_703:notes"/>
+          <p:cNvPr id="464" name="Google Shape;464;g6b4f495656_0_721:notes"/>
           <p:cNvSpPr>
             <a:spLocks noGrp="1" noRot="1" noChangeAspect="1"/>
           </p:cNvSpPr>
@@ -4701,7 +4689,7 @@
       </p:sp>
       <p:sp>
         <p:nvSpPr>
-          <p:cNvPr id="361" name="Google Shape;361;g6b4f495656_0_703:notes"/>
+          <p:cNvPr id="465" name="Google Shape;465;g6b4f495656_0_721:notes"/>
           <p:cNvSpPr txBox="1">
             <a:spLocks noGrp="1"/>
           </p:cNvSpPr>
@@ -4750,7 +4738,7 @@
   <p:cSld>
     <p:spTree>
       <p:nvGrpSpPr>
-        <p:cNvPr id="1" name="Shape 452"/>
+        <p:cNvPr id="1" name="Shape 471"/>
         <p:cNvGrpSpPr/>
         <p:nvPr/>
       </p:nvGrpSpPr>
@@ -4764,7 +4752,7 @@
       </p:grpSpPr>
       <p:sp>
         <p:nvSpPr>
-          <p:cNvPr id="453" name="Google Shape;453;g6b602ea5a7_1_346:notes"/>
+          <p:cNvPr id="472" name="Google Shape;472;g6b602ea5a7_1_359:notes"/>
           <p:cNvSpPr>
             <a:spLocks noGrp="1" noRot="1" noChangeAspect="1"/>
           </p:cNvSpPr>
@@ -4805,7 +4793,7 @@
       </p:sp>
       <p:sp>
         <p:nvSpPr>
-          <p:cNvPr id="454" name="Google Shape;454;g6b602ea5a7_1_346:notes"/>
+          <p:cNvPr id="473" name="Google Shape;473;g6b602ea5a7_1_359:notes"/>
           <p:cNvSpPr txBox="1">
             <a:spLocks noGrp="1"/>
           </p:cNvSpPr>
@@ -4946,6 +4934,11 @@
         </p:txBody>
       </p:sp>
     </p:spTree>
+    <p:extLst>
+      <p:ext uri="{BB962C8B-B14F-4D97-AF65-F5344CB8AC3E}">
+        <p14:creationId xmlns:p14="http://schemas.microsoft.com/office/powerpoint/2010/main" val="693897508"/>
+      </p:ext>
+    </p:extLst>
   </p:cSld>
   <p:clrMapOvr>
     <a:masterClrMapping/>
@@ -5050,6 +5043,11 @@
         </p:txBody>
       </p:sp>
     </p:spTree>
+    <p:extLst>
+      <p:ext uri="{BB962C8B-B14F-4D97-AF65-F5344CB8AC3E}">
+        <p14:creationId xmlns:p14="http://schemas.microsoft.com/office/powerpoint/2010/main" val="1393390409"/>
+      </p:ext>
+    </p:extLst>
   </p:cSld>
   <p:clrMapOvr>
     <a:masterClrMapping/>
@@ -5156,7 +5154,7 @@
     </p:spTree>
     <p:extLst>
       <p:ext uri="{BB962C8B-B14F-4D97-AF65-F5344CB8AC3E}">
-        <p14:creationId xmlns:p14="http://schemas.microsoft.com/office/powerpoint/2010/main" val="693897508"/>
+        <p14:creationId xmlns:p14="http://schemas.microsoft.com/office/powerpoint/2010/main" val="2396244362"/>
       </p:ext>
     </p:extLst>
   </p:cSld>
@@ -5265,7 +5263,7 @@
     </p:spTree>
     <p:extLst>
       <p:ext uri="{BB962C8B-B14F-4D97-AF65-F5344CB8AC3E}">
-        <p14:creationId xmlns:p14="http://schemas.microsoft.com/office/powerpoint/2010/main" val="1393390409"/>
+        <p14:creationId xmlns:p14="http://schemas.microsoft.com/office/powerpoint/2010/main" val="1287584648"/>
       </p:ext>
     </p:extLst>
   </p:cSld>
@@ -5374,7 +5372,7 @@
     </p:spTree>
     <p:extLst>
       <p:ext uri="{BB962C8B-B14F-4D97-AF65-F5344CB8AC3E}">
-        <p14:creationId xmlns:p14="http://schemas.microsoft.com/office/powerpoint/2010/main" val="2396244362"/>
+        <p14:creationId xmlns:p14="http://schemas.microsoft.com/office/powerpoint/2010/main" val="3384878734"/>
       </p:ext>
     </p:extLst>
   </p:cSld>
@@ -5639,7 +5637,7 @@
     </p:spTree>
     <p:extLst>
       <p:ext uri="{BB962C8B-B14F-4D97-AF65-F5344CB8AC3E}">
-        <p14:creationId xmlns:p14="http://schemas.microsoft.com/office/powerpoint/2010/main" val="1287584648"/>
+        <p14:creationId xmlns:p14="http://schemas.microsoft.com/office/powerpoint/2010/main" val="186889209"/>
       </p:ext>
     </p:extLst>
   </p:cSld>
@@ -5748,7 +5746,7 @@
     </p:spTree>
     <p:extLst>
       <p:ext uri="{BB962C8B-B14F-4D97-AF65-F5344CB8AC3E}">
-        <p14:creationId xmlns:p14="http://schemas.microsoft.com/office/powerpoint/2010/main" val="3384878734"/>
+        <p14:creationId xmlns:p14="http://schemas.microsoft.com/office/powerpoint/2010/main" val="3965966335"/>
       </p:ext>
     </p:extLst>
   </p:cSld>
@@ -5857,7 +5855,7 @@
     </p:spTree>
     <p:extLst>
       <p:ext uri="{BB962C8B-B14F-4D97-AF65-F5344CB8AC3E}">
-        <p14:creationId xmlns:p14="http://schemas.microsoft.com/office/powerpoint/2010/main" val="186889209"/>
+        <p14:creationId xmlns:p14="http://schemas.microsoft.com/office/powerpoint/2010/main" val="441064371"/>
       </p:ext>
     </p:extLst>
   </p:cSld>
@@ -5966,7 +5964,7 @@
     </p:spTree>
     <p:extLst>
       <p:ext uri="{BB962C8B-B14F-4D97-AF65-F5344CB8AC3E}">
-        <p14:creationId xmlns:p14="http://schemas.microsoft.com/office/powerpoint/2010/main" val="3965966335"/>
+        <p14:creationId xmlns:p14="http://schemas.microsoft.com/office/powerpoint/2010/main" val="2177648033"/>
       </p:ext>
     </p:extLst>
   </p:cSld>
@@ -6075,7 +6073,7 @@
     </p:spTree>
     <p:extLst>
       <p:ext uri="{BB962C8B-B14F-4D97-AF65-F5344CB8AC3E}">
-        <p14:creationId xmlns:p14="http://schemas.microsoft.com/office/powerpoint/2010/main" val="441064371"/>
+        <p14:creationId xmlns:p14="http://schemas.microsoft.com/office/powerpoint/2010/main" val="700268424"/>
       </p:ext>
     </p:extLst>
   </p:cSld>
@@ -6090,7 +6088,7 @@
   <p:cSld>
     <p:spTree>
       <p:nvGrpSpPr>
-        <p:cNvPr id="1" name="Shape 463"/>
+        <p:cNvPr id="1" name="Shape 493"/>
         <p:cNvGrpSpPr/>
         <p:nvPr/>
       </p:nvGrpSpPr>
@@ -6104,7 +6102,7 @@
       </p:grpSpPr>
       <p:sp>
         <p:nvSpPr>
-          <p:cNvPr id="464" name="Google Shape;464;g6b4f495656_0_721:notes"/>
+          <p:cNvPr id="494" name="Google Shape;494;g6b4f495656_0_753:notes"/>
           <p:cNvSpPr>
             <a:spLocks noGrp="1" noRot="1" noChangeAspect="1"/>
           </p:cNvSpPr>
@@ -6145,7 +6143,7 @@
       </p:sp>
       <p:sp>
         <p:nvSpPr>
-          <p:cNvPr id="465" name="Google Shape;465;g6b4f495656_0_721:notes"/>
+          <p:cNvPr id="495" name="Google Shape;495;g6b4f495656_0_753:notes"/>
           <p:cNvSpPr txBox="1">
             <a:spLocks noGrp="1"/>
           </p:cNvSpPr>
@@ -6177,16 +6175,31 @@
               </a:spcAft>
               <a:buNone/>
             </a:pPr>
+            <a:r>
+              <a:rPr lang="en"/>
+              <a:t>MUST BE COMPLETED IN WEEK 8</a:t>
+            </a:r>
             <a:endParaRPr/>
           </a:p>
+          <a:p>
+            <a:pPr marL="0" lvl="0" indent="0" algn="l" rtl="0">
+              <a:spcBef>
+                <a:spcPts val="0"/>
+              </a:spcBef>
+              <a:spcAft>
+                <a:spcPts val="0"/>
+              </a:spcAft>
+              <a:buNone/>
+            </a:pPr>
+            <a:r>
+              <a:rPr lang="en"/>
+              <a:t>Summative reflection on your progress during the block including a critical assessment of everything you did and learned during the block. This is a comprehensive review of everything recorded in Section B, evaluated against the goals and planning laid out in Section A.</a:t>
+            </a:r>
+            <a:endParaRPr/>
+          </a:p>
         </p:txBody>
       </p:sp>
     </p:spTree>
-    <p:extLst>
-      <p:ext uri="{BB962C8B-B14F-4D97-AF65-F5344CB8AC3E}">
-        <p14:creationId xmlns:p14="http://schemas.microsoft.com/office/powerpoint/2010/main" val="2177648033"/>
-      </p:ext>
-    </p:extLst>
   </p:cSld>
   <p:clrMapOvr>
     <a:masterClrMapping/>
@@ -6199,7 +6212,7 @@
   <p:cSld>
     <p:spTree>
       <p:nvGrpSpPr>
-        <p:cNvPr id="1" name="Shape 471"/>
+        <p:cNvPr id="1" name="Shape 500"/>
         <p:cNvGrpSpPr/>
         <p:nvPr/>
       </p:nvGrpSpPr>
@@ -6213,7 +6226,7 @@
       </p:grpSpPr>
       <p:sp>
         <p:nvSpPr>
-          <p:cNvPr id="472" name="Google Shape;472;g6b602ea5a7_1_359:notes"/>
+          <p:cNvPr id="501" name="Google Shape;501;g6b602ea5a7_1_212:notes"/>
           <p:cNvSpPr>
             <a:spLocks noGrp="1" noRot="1" noChangeAspect="1"/>
           </p:cNvSpPr>
@@ -6254,7 +6267,7 @@
       </p:sp>
       <p:sp>
         <p:nvSpPr>
-          <p:cNvPr id="473" name="Google Shape;473;g6b602ea5a7_1_359:notes"/>
+          <p:cNvPr id="502" name="Google Shape;502;g6b602ea5a7_1_212:notes"/>
           <p:cNvSpPr txBox="1">
             <a:spLocks noGrp="1"/>
           </p:cNvSpPr>
@@ -6291,11 +6304,6 @@
         </p:txBody>
       </p:sp>
     </p:spTree>
-    <p:extLst>
-      <p:ext uri="{BB962C8B-B14F-4D97-AF65-F5344CB8AC3E}">
-        <p14:creationId xmlns:p14="http://schemas.microsoft.com/office/powerpoint/2010/main" val="700268424"/>
-      </p:ext>
-    </p:extLst>
   </p:cSld>
   <p:clrMapOvr>
     <a:masterClrMapping/>
@@ -6304,234 +6312,6 @@
 </file>
 
 <file path=ppt/notesSlides/notesSlide47.xml><?xml version="1.0" encoding="utf-8"?>
-<p:notes xmlns:a="http://schemas.openxmlformats.org/drawingml/2006/main" xmlns:r="http://schemas.openxmlformats.org/officeDocument/2006/relationships" xmlns:p="http://schemas.openxmlformats.org/presentationml/2006/main" showMasterSp="0" showMasterPhAnim="0">
-  <p:cSld>
-    <p:spTree>
-      <p:nvGrpSpPr>
-        <p:cNvPr id="1" name="Shape 493"/>
-        <p:cNvGrpSpPr/>
-        <p:nvPr/>
-      </p:nvGrpSpPr>
-      <p:grpSpPr>
-        <a:xfrm>
-          <a:off x="0" y="0"/>
-          <a:ext cx="0" cy="0"/>
-          <a:chOff x="0" y="0"/>
-          <a:chExt cx="0" cy="0"/>
-        </a:xfrm>
-      </p:grpSpPr>
-      <p:sp>
-        <p:nvSpPr>
-          <p:cNvPr id="494" name="Google Shape;494;g6b4f495656_0_753:notes"/>
-          <p:cNvSpPr>
-            <a:spLocks noGrp="1" noRot="1" noChangeAspect="1"/>
-          </p:cNvSpPr>
-          <p:nvPr>
-            <p:ph type="sldImg" idx="2"/>
-          </p:nvPr>
-        </p:nvSpPr>
-        <p:spPr>
-          <a:xfrm>
-            <a:off x="381000" y="685800"/>
-            <a:ext cx="6096000" cy="3429000"/>
-          </a:xfrm>
-          <a:custGeom>
-            <a:avLst/>
-            <a:gdLst/>
-            <a:ahLst/>
-            <a:cxnLst/>
-            <a:rect l="l" t="t" r="r" b="b"/>
-            <a:pathLst>
-              <a:path w="120000" h="120000" extrusionOk="0">
-                <a:moveTo>
-                  <a:pt x="0" y="0"/>
-                </a:moveTo>
-                <a:lnTo>
-                  <a:pt x="120000" y="0"/>
-                </a:lnTo>
-                <a:lnTo>
-                  <a:pt x="120000" y="120000"/>
-                </a:lnTo>
-                <a:lnTo>
-                  <a:pt x="0" y="120000"/>
-                </a:lnTo>
-                <a:close/>
-              </a:path>
-            </a:pathLst>
-          </a:custGeom>
-        </p:spPr>
-      </p:sp>
-      <p:sp>
-        <p:nvSpPr>
-          <p:cNvPr id="495" name="Google Shape;495;g6b4f495656_0_753:notes"/>
-          <p:cNvSpPr txBox="1">
-            <a:spLocks noGrp="1"/>
-          </p:cNvSpPr>
-          <p:nvPr>
-            <p:ph type="body" idx="1"/>
-          </p:nvPr>
-        </p:nvSpPr>
-        <p:spPr>
-          <a:xfrm>
-            <a:off x="685800" y="4343400"/>
-            <a:ext cx="5486400" cy="4114800"/>
-          </a:xfrm>
-          <a:prstGeom prst="rect">
-            <a:avLst/>
-          </a:prstGeom>
-        </p:spPr>
-        <p:txBody>
-          <a:bodyPr spcFirstLastPara="1" wrap="square" lIns="91425" tIns="91425" rIns="91425" bIns="91425" anchor="t" anchorCtr="0">
-            <a:noAutofit/>
-          </a:bodyPr>
-          <a:lstStyle/>
-          <a:p>
-            <a:pPr marL="0" lvl="0" indent="0" algn="l" rtl="0">
-              <a:spcBef>
-                <a:spcPts val="0"/>
-              </a:spcBef>
-              <a:spcAft>
-                <a:spcPts val="0"/>
-              </a:spcAft>
-              <a:buNone/>
-            </a:pPr>
-            <a:r>
-              <a:rPr lang="en"/>
-              <a:t>MUST BE COMPLETED IN WEEK 8</a:t>
-            </a:r>
-            <a:endParaRPr/>
-          </a:p>
-          <a:p>
-            <a:pPr marL="0" lvl="0" indent="0" algn="l" rtl="0">
-              <a:spcBef>
-                <a:spcPts val="0"/>
-              </a:spcBef>
-              <a:spcAft>
-                <a:spcPts val="0"/>
-              </a:spcAft>
-              <a:buNone/>
-            </a:pPr>
-            <a:r>
-              <a:rPr lang="en"/>
-              <a:t>Summative reflection on your progress during the block including a critical assessment of everything you did and learned during the block. This is a comprehensive review of everything recorded in Section B, evaluated against the goals and planning laid out in Section A.</a:t>
-            </a:r>
-            <a:endParaRPr/>
-          </a:p>
-        </p:txBody>
-      </p:sp>
-    </p:spTree>
-  </p:cSld>
-  <p:clrMapOvr>
-    <a:masterClrMapping/>
-  </p:clrMapOvr>
-</p:notes>
-</file>
-
-<file path=ppt/notesSlides/notesSlide48.xml><?xml version="1.0" encoding="utf-8"?>
-<p:notes xmlns:a="http://schemas.openxmlformats.org/drawingml/2006/main" xmlns:r="http://schemas.openxmlformats.org/officeDocument/2006/relationships" xmlns:p="http://schemas.openxmlformats.org/presentationml/2006/main" showMasterSp="0" showMasterPhAnim="0">
-  <p:cSld>
-    <p:spTree>
-      <p:nvGrpSpPr>
-        <p:cNvPr id="1" name="Shape 500"/>
-        <p:cNvGrpSpPr/>
-        <p:nvPr/>
-      </p:nvGrpSpPr>
-      <p:grpSpPr>
-        <a:xfrm>
-          <a:off x="0" y="0"/>
-          <a:ext cx="0" cy="0"/>
-          <a:chOff x="0" y="0"/>
-          <a:chExt cx="0" cy="0"/>
-        </a:xfrm>
-      </p:grpSpPr>
-      <p:sp>
-        <p:nvSpPr>
-          <p:cNvPr id="501" name="Google Shape;501;g6b602ea5a7_1_212:notes"/>
-          <p:cNvSpPr>
-            <a:spLocks noGrp="1" noRot="1" noChangeAspect="1"/>
-          </p:cNvSpPr>
-          <p:nvPr>
-            <p:ph type="sldImg" idx="2"/>
-          </p:nvPr>
-        </p:nvSpPr>
-        <p:spPr>
-          <a:xfrm>
-            <a:off x="381000" y="685800"/>
-            <a:ext cx="6096000" cy="3429000"/>
-          </a:xfrm>
-          <a:custGeom>
-            <a:avLst/>
-            <a:gdLst/>
-            <a:ahLst/>
-            <a:cxnLst/>
-            <a:rect l="l" t="t" r="r" b="b"/>
-            <a:pathLst>
-              <a:path w="120000" h="120000" extrusionOk="0">
-                <a:moveTo>
-                  <a:pt x="0" y="0"/>
-                </a:moveTo>
-                <a:lnTo>
-                  <a:pt x="120000" y="0"/>
-                </a:lnTo>
-                <a:lnTo>
-                  <a:pt x="120000" y="120000"/>
-                </a:lnTo>
-                <a:lnTo>
-                  <a:pt x="0" y="120000"/>
-                </a:lnTo>
-                <a:close/>
-              </a:path>
-            </a:pathLst>
-          </a:custGeom>
-        </p:spPr>
-      </p:sp>
-      <p:sp>
-        <p:nvSpPr>
-          <p:cNvPr id="502" name="Google Shape;502;g6b602ea5a7_1_212:notes"/>
-          <p:cNvSpPr txBox="1">
-            <a:spLocks noGrp="1"/>
-          </p:cNvSpPr>
-          <p:nvPr>
-            <p:ph type="body" idx="1"/>
-          </p:nvPr>
-        </p:nvSpPr>
-        <p:spPr>
-          <a:xfrm>
-            <a:off x="685800" y="4343400"/>
-            <a:ext cx="5486400" cy="4114800"/>
-          </a:xfrm>
-          <a:prstGeom prst="rect">
-            <a:avLst/>
-          </a:prstGeom>
-        </p:spPr>
-        <p:txBody>
-          <a:bodyPr spcFirstLastPara="1" wrap="square" lIns="91425" tIns="91425" rIns="91425" bIns="91425" anchor="t" anchorCtr="0">
-            <a:noAutofit/>
-          </a:bodyPr>
-          <a:lstStyle/>
-          <a:p>
-            <a:pPr marL="0" lvl="0" indent="0" algn="l" rtl="0">
-              <a:spcBef>
-                <a:spcPts val="0"/>
-              </a:spcBef>
-              <a:spcAft>
-                <a:spcPts val="0"/>
-              </a:spcAft>
-              <a:buNone/>
-            </a:pPr>
-            <a:endParaRPr/>
-          </a:p>
-        </p:txBody>
-      </p:sp>
-    </p:spTree>
-  </p:cSld>
-  <p:clrMapOvr>
-    <a:masterClrMapping/>
-  </p:clrMapOvr>
-</p:notes>
-</file>
-
-<file path=ppt/notesSlides/notesSlide49.xml><?xml version="1.0" encoding="utf-8"?>
 <p:notes xmlns:a="http://schemas.openxmlformats.org/drawingml/2006/main" xmlns:r="http://schemas.openxmlformats.org/officeDocument/2006/relationships" xmlns:p="http://schemas.openxmlformats.org/presentationml/2006/main" showMasterSp="0" showMasterPhAnim="0">
   <p:cSld>
     <p:spTree>
@@ -22035,751 +21815,6 @@
   <p:cSld>
     <p:spTree>
       <p:nvGrpSpPr>
-        <p:cNvPr id="1" name="Shape 222"/>
-        <p:cNvGrpSpPr/>
-        <p:nvPr/>
-      </p:nvGrpSpPr>
-      <p:grpSpPr>
-        <a:xfrm>
-          <a:off x="0" y="0"/>
-          <a:ext cx="0" cy="0"/>
-          <a:chOff x="0" y="0"/>
-          <a:chExt cx="0" cy="0"/>
-        </a:xfrm>
-      </p:grpSpPr>
-      <p:sp>
-        <p:nvSpPr>
-          <p:cNvPr id="223" name="Google Shape;223;p26"/>
-          <p:cNvSpPr txBox="1">
-            <a:spLocks noGrp="1"/>
-          </p:cNvSpPr>
-          <p:nvPr>
-            <p:ph type="title"/>
-          </p:nvPr>
-        </p:nvSpPr>
-        <p:spPr>
-          <a:xfrm>
-            <a:off x="667512" y="0"/>
-            <a:ext cx="5486400" cy="572700"/>
-          </a:xfrm>
-          <a:prstGeom prst="rect">
-            <a:avLst/>
-          </a:prstGeom>
-        </p:spPr>
-        <p:txBody>
-          <a:bodyPr spcFirstLastPara="1" wrap="square" lIns="91425" tIns="91425" rIns="91425" bIns="91425" anchor="ctr" anchorCtr="0">
-            <a:noAutofit/>
-          </a:bodyPr>
-          <a:lstStyle/>
-          <a:p>
-            <a:pPr marL="0" lvl="0" indent="0" algn="l" rtl="0">
-              <a:spcBef>
-                <a:spcPts val="0"/>
-              </a:spcBef>
-              <a:spcAft>
-                <a:spcPts val="0"/>
-              </a:spcAft>
-              <a:buNone/>
-            </a:pPr>
-            <a:r>
-              <a:rPr lang="en" dirty="0"/>
-              <a:t>Week </a:t>
-            </a:r>
-            <a:r>
-              <a:rPr lang="en-NL" dirty="0"/>
-              <a:t>9</a:t>
-            </a:r>
-            <a:r>
-              <a:rPr lang="en" dirty="0"/>
-              <a:t> - Log</a:t>
-            </a:r>
-            <a:endParaRPr dirty="0"/>
-          </a:p>
-        </p:txBody>
-      </p:sp>
-      <p:sp>
-        <p:nvSpPr>
-          <p:cNvPr id="224" name="Google Shape;224;p26"/>
-          <p:cNvSpPr txBox="1">
-            <a:spLocks noGrp="1"/>
-          </p:cNvSpPr>
-          <p:nvPr>
-            <p:ph type="subTitle" idx="4"/>
-          </p:nvPr>
-        </p:nvSpPr>
-        <p:spPr>
-          <a:xfrm>
-            <a:off x="4663440" y="758952"/>
-            <a:ext cx="4297800" cy="393900"/>
-          </a:xfrm>
-          <a:prstGeom prst="rect">
-            <a:avLst/>
-          </a:prstGeom>
-        </p:spPr>
-        <p:txBody>
-          <a:bodyPr spcFirstLastPara="1" wrap="square" lIns="91425" tIns="91425" rIns="91425" bIns="91425" anchor="t" anchorCtr="0">
-            <a:noAutofit/>
-          </a:bodyPr>
-          <a:lstStyle/>
-          <a:p>
-            <a:pPr marL="0" lvl="0" indent="0" algn="l" rtl="0">
-              <a:spcBef>
-                <a:spcPts val="0"/>
-              </a:spcBef>
-              <a:spcAft>
-                <a:spcPts val="800"/>
-              </a:spcAft>
-              <a:buNone/>
-            </a:pPr>
-            <a:r>
-              <a:rPr lang="en"/>
-              <a:t>Reflection</a:t>
-            </a:r>
-            <a:endParaRPr/>
-          </a:p>
-        </p:txBody>
-      </p:sp>
-      <p:sp>
-        <p:nvSpPr>
-          <p:cNvPr id="225" name="Google Shape;225;p26"/>
-          <p:cNvSpPr txBox="1">
-            <a:spLocks noGrp="1"/>
-          </p:cNvSpPr>
-          <p:nvPr>
-            <p:ph type="subTitle" idx="1"/>
-          </p:nvPr>
-        </p:nvSpPr>
-        <p:spPr>
-          <a:xfrm>
-            <a:off x="186167" y="758952"/>
-            <a:ext cx="4294500" cy="393900"/>
-          </a:xfrm>
-          <a:prstGeom prst="rect">
-            <a:avLst/>
-          </a:prstGeom>
-        </p:spPr>
-        <p:txBody>
-          <a:bodyPr spcFirstLastPara="1" wrap="square" lIns="91425" tIns="91425" rIns="91425" bIns="91425" anchor="t" anchorCtr="0">
-            <a:noAutofit/>
-          </a:bodyPr>
-          <a:lstStyle/>
-          <a:p>
-            <a:pPr marL="0" lvl="0" indent="0" algn="l" rtl="0">
-              <a:spcBef>
-                <a:spcPts val="0"/>
-              </a:spcBef>
-              <a:spcAft>
-                <a:spcPts val="800"/>
-              </a:spcAft>
-              <a:buNone/>
-            </a:pPr>
-            <a:r>
-              <a:rPr lang="en"/>
-              <a:t>What did you do?</a:t>
-            </a:r>
-            <a:endParaRPr/>
-          </a:p>
-        </p:txBody>
-      </p:sp>
-      <p:sp>
-        <p:nvSpPr>
-          <p:cNvPr id="226" name="Google Shape;226;p26"/>
-          <p:cNvSpPr txBox="1">
-            <a:spLocks noGrp="1"/>
-          </p:cNvSpPr>
-          <p:nvPr>
-            <p:ph type="body" idx="2"/>
-          </p:nvPr>
-        </p:nvSpPr>
-        <p:spPr>
-          <a:xfrm>
-            <a:off x="182875" y="1152697"/>
-            <a:ext cx="4294500" cy="3812400"/>
-          </a:xfrm>
-          <a:prstGeom prst="rect">
-            <a:avLst/>
-          </a:prstGeom>
-        </p:spPr>
-        <p:txBody>
-          <a:bodyPr spcFirstLastPara="1" wrap="square" lIns="91425" tIns="91425" rIns="91425" bIns="91425" anchor="t" anchorCtr="0">
-            <a:noAutofit/>
-          </a:bodyPr>
-          <a:lstStyle/>
-          <a:p>
-            <a:pPr marL="182880" lvl="0" indent="-154940" algn="l" rtl="0">
-              <a:spcBef>
-                <a:spcPts val="0"/>
-              </a:spcBef>
-              <a:spcAft>
-                <a:spcPts val="0"/>
-              </a:spcAft>
-              <a:buSzPts val="1000"/>
-              <a:buChar char="●"/>
-            </a:pPr>
-            <a:r>
-              <a:rPr lang="en"/>
-              <a:t>What goal(s) did you set for this week?</a:t>
-            </a:r>
-            <a:endParaRPr/>
-          </a:p>
-          <a:p>
-            <a:pPr marL="182880" lvl="0" indent="-154940" algn="l" rtl="0">
-              <a:spcBef>
-                <a:spcPts val="0"/>
-              </a:spcBef>
-              <a:spcAft>
-                <a:spcPts val="0"/>
-              </a:spcAft>
-              <a:buSzPts val="1000"/>
-              <a:buChar char="●"/>
-            </a:pPr>
-            <a:r>
-              <a:rPr lang="en"/>
-              <a:t>What have you actually been able to do? </a:t>
-            </a:r>
-            <a:endParaRPr/>
-          </a:p>
-          <a:p>
-            <a:pPr marL="182880" lvl="0" indent="-154940" algn="l" rtl="0">
-              <a:spcBef>
-                <a:spcPts val="0"/>
-              </a:spcBef>
-              <a:spcAft>
-                <a:spcPts val="0"/>
-              </a:spcAft>
-              <a:buSzPts val="1000"/>
-              <a:buChar char="●"/>
-            </a:pPr>
-            <a:r>
-              <a:rPr lang="en"/>
-              <a:t>Showcase the evidence of your progress (production artifacts, short descriptions-links-pictures animated gifs, etc.)</a:t>
-            </a:r>
-            <a:endParaRPr/>
-          </a:p>
-        </p:txBody>
-      </p:sp>
-      <p:sp>
-        <p:nvSpPr>
-          <p:cNvPr id="227" name="Google Shape;227;p26"/>
-          <p:cNvSpPr txBox="1">
-            <a:spLocks noGrp="1"/>
-          </p:cNvSpPr>
-          <p:nvPr>
-            <p:ph type="body" idx="3"/>
-          </p:nvPr>
-        </p:nvSpPr>
-        <p:spPr>
-          <a:xfrm>
-            <a:off x="4663450" y="1152698"/>
-            <a:ext cx="4297800" cy="1625700"/>
-          </a:xfrm>
-          <a:prstGeom prst="rect">
-            <a:avLst/>
-          </a:prstGeom>
-        </p:spPr>
-        <p:txBody>
-          <a:bodyPr spcFirstLastPara="1" wrap="square" lIns="91425" tIns="91425" rIns="91425" bIns="91425" anchor="t" anchorCtr="0">
-            <a:noAutofit/>
-          </a:bodyPr>
-          <a:lstStyle/>
-          <a:p>
-            <a:pPr marL="182880" lvl="0" indent="-154940" algn="l" rtl="0">
-              <a:spcBef>
-                <a:spcPts val="0"/>
-              </a:spcBef>
-              <a:spcAft>
-                <a:spcPts val="0"/>
-              </a:spcAft>
-              <a:buSzPts val="1000"/>
-              <a:buChar char="●"/>
-            </a:pPr>
-            <a:r>
-              <a:rPr lang="en"/>
-              <a:t>How did the week go? </a:t>
-            </a:r>
-            <a:endParaRPr/>
-          </a:p>
-          <a:p>
-            <a:pPr marL="182880" lvl="0" indent="-154940" algn="l" rtl="0">
-              <a:spcBef>
-                <a:spcPts val="0"/>
-              </a:spcBef>
-              <a:spcAft>
-                <a:spcPts val="0"/>
-              </a:spcAft>
-              <a:buSzPts val="1000"/>
-              <a:buChar char="●"/>
-            </a:pPr>
-            <a:r>
-              <a:rPr lang="en"/>
-              <a:t>What went well? </a:t>
-            </a:r>
-            <a:endParaRPr/>
-          </a:p>
-          <a:p>
-            <a:pPr marL="182880" lvl="0" indent="-154940" algn="l" rtl="0">
-              <a:spcBef>
-                <a:spcPts val="0"/>
-              </a:spcBef>
-              <a:spcAft>
-                <a:spcPts val="0"/>
-              </a:spcAft>
-              <a:buSzPts val="1000"/>
-              <a:buChar char="●"/>
-            </a:pPr>
-            <a:r>
-              <a:rPr lang="en"/>
-              <a:t>What didn’t go so well? </a:t>
-            </a:r>
-            <a:endParaRPr/>
-          </a:p>
-          <a:p>
-            <a:pPr marL="182880" lvl="0" indent="-154940" algn="l" rtl="0">
-              <a:spcBef>
-                <a:spcPts val="0"/>
-              </a:spcBef>
-              <a:spcAft>
-                <a:spcPts val="0"/>
-              </a:spcAft>
-              <a:buSzPts val="1000"/>
-              <a:buChar char="●"/>
-            </a:pPr>
-            <a:r>
-              <a:rPr lang="en"/>
-              <a:t>What did you learn? </a:t>
-            </a:r>
-            <a:endParaRPr/>
-          </a:p>
-          <a:p>
-            <a:pPr marL="182880" lvl="0" indent="-154940" algn="l" rtl="0">
-              <a:spcBef>
-                <a:spcPts val="0"/>
-              </a:spcBef>
-              <a:spcAft>
-                <a:spcPts val="0"/>
-              </a:spcAft>
-              <a:buSzPts val="1000"/>
-              <a:buChar char="●"/>
-            </a:pPr>
-            <a:r>
-              <a:rPr lang="en"/>
-              <a:t>What could be added as an Action point looking forward to next week?</a:t>
-            </a:r>
-            <a:endParaRPr/>
-          </a:p>
-        </p:txBody>
-      </p:sp>
-      <p:sp>
-        <p:nvSpPr>
-          <p:cNvPr id="228" name="Google Shape;228;p26"/>
-          <p:cNvSpPr txBox="1">
-            <a:spLocks noGrp="1"/>
-          </p:cNvSpPr>
-          <p:nvPr>
-            <p:ph type="title" idx="6"/>
-          </p:nvPr>
-        </p:nvSpPr>
-        <p:spPr>
-          <a:xfrm>
-            <a:off x="7068300" y="1650"/>
-            <a:ext cx="1984200" cy="572700"/>
-          </a:xfrm>
-          <a:prstGeom prst="rect">
-            <a:avLst/>
-          </a:prstGeom>
-        </p:spPr>
-        <p:txBody>
-          <a:bodyPr spcFirstLastPara="1" wrap="square" lIns="91425" tIns="91425" rIns="91425" bIns="91425" anchor="b" anchorCtr="0">
-            <a:noAutofit/>
-          </a:bodyPr>
-          <a:lstStyle/>
-          <a:p>
-            <a:pPr marL="0" lvl="0" indent="0" algn="r" rtl="0">
-              <a:spcBef>
-                <a:spcPts val="0"/>
-              </a:spcBef>
-              <a:spcAft>
-                <a:spcPts val="0"/>
-              </a:spcAft>
-              <a:buNone/>
-            </a:pPr>
-            <a:r>
-              <a:rPr lang="en"/>
-              <a:t>1/3</a:t>
-            </a:r>
-            <a:endParaRPr/>
-          </a:p>
-        </p:txBody>
-      </p:sp>
-      <p:sp>
-        <p:nvSpPr>
-          <p:cNvPr id="229" name="Google Shape;229;p26"/>
-          <p:cNvSpPr txBox="1">
-            <a:spLocks noGrp="1"/>
-          </p:cNvSpPr>
-          <p:nvPr>
-            <p:ph type="title" idx="5"/>
-          </p:nvPr>
-        </p:nvSpPr>
-        <p:spPr>
-          <a:xfrm>
-            <a:off x="0" y="0"/>
-            <a:ext cx="576000" cy="572700"/>
-          </a:xfrm>
-          <a:prstGeom prst="rect">
-            <a:avLst/>
-          </a:prstGeom>
-        </p:spPr>
-        <p:txBody>
-          <a:bodyPr spcFirstLastPara="1" wrap="square" lIns="91425" tIns="91425" rIns="91425" bIns="91425" anchor="ctr" anchorCtr="0">
-            <a:noAutofit/>
-          </a:bodyPr>
-          <a:lstStyle/>
-          <a:p>
-            <a:pPr marL="0" lvl="0" indent="0" algn="ctr" rtl="0">
-              <a:spcBef>
-                <a:spcPts val="0"/>
-              </a:spcBef>
-              <a:spcAft>
-                <a:spcPts val="0"/>
-              </a:spcAft>
-              <a:buNone/>
-            </a:pPr>
-            <a:r>
-              <a:rPr lang="en-NL" dirty="0"/>
-              <a:t>9</a:t>
-            </a:r>
-            <a:endParaRPr dirty="0"/>
-          </a:p>
-        </p:txBody>
-      </p:sp>
-      <p:sp>
-        <p:nvSpPr>
-          <p:cNvPr id="230" name="Google Shape;230;p26"/>
-          <p:cNvSpPr/>
-          <p:nvPr/>
-        </p:nvSpPr>
-        <p:spPr>
-          <a:xfrm>
-            <a:off x="0" y="576072"/>
-            <a:ext cx="9144000" cy="91500"/>
-          </a:xfrm>
-          <a:prstGeom prst="rect">
-            <a:avLst/>
-          </a:prstGeom>
-          <a:solidFill>
-            <a:srgbClr val="666666"/>
-          </a:solidFill>
-          <a:ln>
-            <a:noFill/>
-          </a:ln>
-        </p:spPr>
-        <p:txBody>
-          <a:bodyPr spcFirstLastPara="1" wrap="square" lIns="91425" tIns="91425" rIns="91425" bIns="91425" anchor="ctr" anchorCtr="0">
-            <a:noAutofit/>
-          </a:bodyPr>
-          <a:lstStyle/>
-          <a:p>
-            <a:pPr marL="0" lvl="0" indent="0" algn="l" rtl="0">
-              <a:spcBef>
-                <a:spcPts val="0"/>
-              </a:spcBef>
-              <a:spcAft>
-                <a:spcPts val="0"/>
-              </a:spcAft>
-              <a:buNone/>
-            </a:pPr>
-            <a:endParaRPr/>
-          </a:p>
-        </p:txBody>
-      </p:sp>
-    </p:spTree>
-    <p:extLst>
-      <p:ext uri="{BB962C8B-B14F-4D97-AF65-F5344CB8AC3E}">
-        <p14:creationId xmlns:p14="http://schemas.microsoft.com/office/powerpoint/2010/main" val="622046559"/>
-      </p:ext>
-    </p:extLst>
-  </p:cSld>
-  <p:clrMapOvr>
-    <a:masterClrMapping/>
-  </p:clrMapOvr>
-</p:sld>
-</file>
-
-<file path=ppt/slides/slide26.xml><?xml version="1.0" encoding="utf-8"?>
-<p:sld xmlns:a="http://schemas.openxmlformats.org/drawingml/2006/main" xmlns:r="http://schemas.openxmlformats.org/officeDocument/2006/relationships" xmlns:p="http://schemas.openxmlformats.org/presentationml/2006/main">
-  <p:cSld>
-    <p:spTree>
-      <p:nvGrpSpPr>
-        <p:cNvPr id="1" name="Shape 236"/>
-        <p:cNvGrpSpPr/>
-        <p:nvPr/>
-      </p:nvGrpSpPr>
-      <p:grpSpPr>
-        <a:xfrm>
-          <a:off x="0" y="0"/>
-          <a:ext cx="0" cy="0"/>
-          <a:chOff x="0" y="0"/>
-          <a:chExt cx="0" cy="0"/>
-        </a:xfrm>
-      </p:grpSpPr>
-      <p:sp>
-        <p:nvSpPr>
-          <p:cNvPr id="237" name="Google Shape;237;p27"/>
-          <p:cNvSpPr txBox="1">
-            <a:spLocks noGrp="1"/>
-          </p:cNvSpPr>
-          <p:nvPr>
-            <p:ph type="title"/>
-          </p:nvPr>
-        </p:nvSpPr>
-        <p:spPr>
-          <a:xfrm>
-            <a:off x="667512" y="0"/>
-            <a:ext cx="5486400" cy="572700"/>
-          </a:xfrm>
-          <a:prstGeom prst="rect">
-            <a:avLst/>
-          </a:prstGeom>
-        </p:spPr>
-        <p:txBody>
-          <a:bodyPr spcFirstLastPara="1" wrap="square" lIns="91425" tIns="91425" rIns="91425" bIns="91425" anchor="ctr" anchorCtr="0">
-            <a:noAutofit/>
-          </a:bodyPr>
-          <a:lstStyle/>
-          <a:p>
-            <a:pPr marL="0" lvl="0" indent="0" algn="l" rtl="0">
-              <a:spcBef>
-                <a:spcPts val="0"/>
-              </a:spcBef>
-              <a:spcAft>
-                <a:spcPts val="0"/>
-              </a:spcAft>
-              <a:buNone/>
-            </a:pPr>
-            <a:r>
-              <a:rPr lang="en" dirty="0"/>
-              <a:t>Week </a:t>
-            </a:r>
-            <a:r>
-              <a:rPr lang="en-NL" dirty="0"/>
-              <a:t>9</a:t>
-            </a:r>
-            <a:r>
-              <a:rPr lang="en" dirty="0"/>
-              <a:t> - Feedback</a:t>
-            </a:r>
-            <a:endParaRPr dirty="0"/>
-          </a:p>
-        </p:txBody>
-      </p:sp>
-      <p:sp>
-        <p:nvSpPr>
-          <p:cNvPr id="238" name="Google Shape;238;p27"/>
-          <p:cNvSpPr txBox="1">
-            <a:spLocks noGrp="1"/>
-          </p:cNvSpPr>
-          <p:nvPr>
-            <p:ph type="subTitle" idx="1"/>
-          </p:nvPr>
-        </p:nvSpPr>
-        <p:spPr>
-          <a:xfrm>
-            <a:off x="186167" y="758952"/>
-            <a:ext cx="4294500" cy="393900"/>
-          </a:xfrm>
-          <a:prstGeom prst="rect">
-            <a:avLst/>
-          </a:prstGeom>
-        </p:spPr>
-        <p:txBody>
-          <a:bodyPr spcFirstLastPara="1" wrap="square" lIns="91425" tIns="91425" rIns="91425" bIns="91425" anchor="t" anchorCtr="0">
-            <a:noAutofit/>
-          </a:bodyPr>
-          <a:lstStyle/>
-          <a:p>
-            <a:pPr marL="0" lvl="0" indent="0" algn="l" rtl="0">
-              <a:spcBef>
-                <a:spcPts val="0"/>
-              </a:spcBef>
-              <a:spcAft>
-                <a:spcPts val="800"/>
-              </a:spcAft>
-              <a:buNone/>
-            </a:pPr>
-            <a:r>
-              <a:rPr lang="en"/>
-              <a:t>Team, individual, peer, workshop feedback</a:t>
-            </a:r>
-            <a:endParaRPr/>
-          </a:p>
-        </p:txBody>
-      </p:sp>
-      <p:sp>
-        <p:nvSpPr>
-          <p:cNvPr id="239" name="Google Shape;239;p27"/>
-          <p:cNvSpPr txBox="1">
-            <a:spLocks noGrp="1"/>
-          </p:cNvSpPr>
-          <p:nvPr>
-            <p:ph type="body" idx="2"/>
-          </p:nvPr>
-        </p:nvSpPr>
-        <p:spPr>
-          <a:xfrm>
-            <a:off x="182875" y="1152697"/>
-            <a:ext cx="4294500" cy="3812400"/>
-          </a:xfrm>
-          <a:prstGeom prst="rect">
-            <a:avLst/>
-          </a:prstGeom>
-        </p:spPr>
-        <p:txBody>
-          <a:bodyPr spcFirstLastPara="1" wrap="square" lIns="91425" tIns="91425" rIns="91425" bIns="91425" anchor="t" anchorCtr="0">
-            <a:noAutofit/>
-          </a:bodyPr>
-          <a:lstStyle/>
-          <a:p>
-            <a:pPr marL="182880" lvl="0" indent="-154940" algn="l" rtl="0">
-              <a:spcBef>
-                <a:spcPts val="0"/>
-              </a:spcBef>
-              <a:spcAft>
-                <a:spcPts val="0"/>
-              </a:spcAft>
-              <a:buSzPts val="1000"/>
-              <a:buChar char="●"/>
-            </a:pPr>
-            <a:r>
-              <a:rPr lang="en" b="1"/>
-              <a:t>[Reviewer]</a:t>
-            </a:r>
-            <a:r>
-              <a:rPr lang="en"/>
-              <a:t> Feedback</a:t>
-            </a:r>
-            <a:endParaRPr/>
-          </a:p>
-          <a:p>
-            <a:pPr marL="0" lvl="0" indent="0" algn="l" rtl="0">
-              <a:spcBef>
-                <a:spcPts val="800"/>
-              </a:spcBef>
-              <a:spcAft>
-                <a:spcPts val="800"/>
-              </a:spcAft>
-              <a:buNone/>
-            </a:pPr>
-            <a:r>
-              <a:rPr lang="en"/>
-              <a:t>Response</a:t>
-            </a:r>
-            <a:endParaRPr/>
-          </a:p>
-        </p:txBody>
-      </p:sp>
-      <p:sp>
-        <p:nvSpPr>
-          <p:cNvPr id="240" name="Google Shape;240;p27"/>
-          <p:cNvSpPr txBox="1">
-            <a:spLocks noGrp="1"/>
-          </p:cNvSpPr>
-          <p:nvPr>
-            <p:ph type="title" idx="4"/>
-          </p:nvPr>
-        </p:nvSpPr>
-        <p:spPr>
-          <a:xfrm>
-            <a:off x="7068300" y="1650"/>
-            <a:ext cx="1984200" cy="572700"/>
-          </a:xfrm>
-          <a:prstGeom prst="rect">
-            <a:avLst/>
-          </a:prstGeom>
-        </p:spPr>
-        <p:txBody>
-          <a:bodyPr spcFirstLastPara="1" wrap="square" lIns="91425" tIns="91425" rIns="91425" bIns="91425" anchor="b" anchorCtr="0">
-            <a:noAutofit/>
-          </a:bodyPr>
-          <a:lstStyle/>
-          <a:p>
-            <a:pPr marL="0" lvl="0" indent="0" algn="r" rtl="0">
-              <a:spcBef>
-                <a:spcPts val="0"/>
-              </a:spcBef>
-              <a:spcAft>
-                <a:spcPts val="0"/>
-              </a:spcAft>
-              <a:buNone/>
-            </a:pPr>
-            <a:r>
-              <a:rPr lang="en"/>
-              <a:t>2/3</a:t>
-            </a:r>
-            <a:endParaRPr/>
-          </a:p>
-        </p:txBody>
-      </p:sp>
-      <p:sp>
-        <p:nvSpPr>
-          <p:cNvPr id="241" name="Google Shape;241;p27"/>
-          <p:cNvSpPr txBox="1">
-            <a:spLocks noGrp="1"/>
-          </p:cNvSpPr>
-          <p:nvPr>
-            <p:ph type="title" idx="3"/>
-          </p:nvPr>
-        </p:nvSpPr>
-        <p:spPr>
-          <a:xfrm>
-            <a:off x="0" y="0"/>
-            <a:ext cx="576000" cy="572700"/>
-          </a:xfrm>
-          <a:prstGeom prst="rect">
-            <a:avLst/>
-          </a:prstGeom>
-        </p:spPr>
-        <p:txBody>
-          <a:bodyPr spcFirstLastPara="1" wrap="square" lIns="91425" tIns="91425" rIns="91425" bIns="91425" anchor="ctr" anchorCtr="0">
-            <a:noAutofit/>
-          </a:bodyPr>
-          <a:lstStyle/>
-          <a:p>
-            <a:pPr marL="0" lvl="0" indent="0" algn="ctr" rtl="0">
-              <a:spcBef>
-                <a:spcPts val="0"/>
-              </a:spcBef>
-              <a:spcAft>
-                <a:spcPts val="0"/>
-              </a:spcAft>
-              <a:buNone/>
-            </a:pPr>
-            <a:r>
-              <a:rPr lang="en-NL" dirty="0"/>
-              <a:t>9</a:t>
-            </a:r>
-            <a:endParaRPr dirty="0"/>
-          </a:p>
-        </p:txBody>
-      </p:sp>
-    </p:spTree>
-    <p:extLst>
-      <p:ext uri="{BB962C8B-B14F-4D97-AF65-F5344CB8AC3E}">
-        <p14:creationId xmlns:p14="http://schemas.microsoft.com/office/powerpoint/2010/main" val="803266630"/>
-      </p:ext>
-    </p:extLst>
-  </p:cSld>
-  <p:clrMapOvr>
-    <a:masterClrMapping/>
-  </p:clrMapOvr>
-</p:sld>
-</file>
-
-<file path=ppt/slides/slide27.xml><?xml version="1.0" encoding="utf-8"?>
-<p:sld xmlns:a="http://schemas.openxmlformats.org/drawingml/2006/main" xmlns:r="http://schemas.openxmlformats.org/officeDocument/2006/relationships" xmlns:p="http://schemas.openxmlformats.org/presentationml/2006/main">
-  <p:cSld>
-    <p:spTree>
-      <p:nvGrpSpPr>
         <p:cNvPr id="1" name="Shape 355"/>
         <p:cNvGrpSpPr/>
         <p:nvPr/>
@@ -22962,7 +21997,7 @@
 </p:sld>
 </file>
 
-<file path=ppt/slides/slide28.xml><?xml version="1.0" encoding="utf-8"?>
+<file path=ppt/slides/slide26.xml><?xml version="1.0" encoding="utf-8"?>
 <p:sld xmlns:a="http://schemas.openxmlformats.org/drawingml/2006/main" xmlns:r="http://schemas.openxmlformats.org/officeDocument/2006/relationships" xmlns:p="http://schemas.openxmlformats.org/presentationml/2006/main">
   <p:cSld>
     <p:spTree>
@@ -23180,6 +22215,753 @@
         </p:txBody>
       </p:sp>
     </p:spTree>
+  </p:cSld>
+  <p:clrMapOvr>
+    <a:masterClrMapping/>
+  </p:clrMapOvr>
+</p:sld>
+</file>
+
+<file path=ppt/slides/slide27.xml><?xml version="1.0" encoding="utf-8"?>
+<p:sld xmlns:a="http://schemas.openxmlformats.org/drawingml/2006/main" xmlns:r="http://schemas.openxmlformats.org/officeDocument/2006/relationships" xmlns:p="http://schemas.openxmlformats.org/presentationml/2006/main">
+  <p:cSld>
+    <p:spTree>
+      <p:nvGrpSpPr>
+        <p:cNvPr id="1" name="Shape 392"/>
+        <p:cNvGrpSpPr/>
+        <p:nvPr/>
+      </p:nvGrpSpPr>
+      <p:grpSpPr>
+        <a:xfrm>
+          <a:off x="0" y="0"/>
+          <a:ext cx="0" cy="0"/>
+          <a:chOff x="0" y="0"/>
+          <a:chExt cx="0" cy="0"/>
+        </a:xfrm>
+      </p:grpSpPr>
+      <p:sp>
+        <p:nvSpPr>
+          <p:cNvPr id="393" name="Google Shape;393;p42"/>
+          <p:cNvSpPr txBox="1">
+            <a:spLocks noGrp="1"/>
+          </p:cNvSpPr>
+          <p:nvPr>
+            <p:ph type="title"/>
+          </p:nvPr>
+        </p:nvSpPr>
+        <p:spPr>
+          <a:xfrm>
+            <a:off x="68250" y="0"/>
+            <a:ext cx="777300" cy="576000"/>
+          </a:xfrm>
+          <a:prstGeom prst="rect">
+            <a:avLst/>
+          </a:prstGeom>
+        </p:spPr>
+        <p:txBody>
+          <a:bodyPr spcFirstLastPara="1" wrap="square" lIns="91425" tIns="91425" rIns="91425" bIns="91425" anchor="ctr" anchorCtr="0">
+            <a:noAutofit/>
+          </a:bodyPr>
+          <a:lstStyle/>
+          <a:p>
+            <a:pPr marL="0" lvl="0" indent="0" algn="l" rtl="0">
+              <a:spcBef>
+                <a:spcPts val="0"/>
+              </a:spcBef>
+              <a:spcAft>
+                <a:spcPts val="0"/>
+              </a:spcAft>
+              <a:buNone/>
+            </a:pPr>
+            <a:r>
+              <a:rPr lang="en"/>
+              <a:t>ILO 1</a:t>
+            </a:r>
+            <a:endParaRPr/>
+          </a:p>
+        </p:txBody>
+      </p:sp>
+      <p:sp>
+        <p:nvSpPr>
+          <p:cNvPr id="394" name="Google Shape;394;p42"/>
+          <p:cNvSpPr txBox="1">
+            <a:spLocks noGrp="1"/>
+          </p:cNvSpPr>
+          <p:nvPr>
+            <p:ph type="title" idx="2"/>
+          </p:nvPr>
+        </p:nvSpPr>
+        <p:spPr>
+          <a:xfrm>
+            <a:off x="7068300" y="0"/>
+            <a:ext cx="1984200" cy="576000"/>
+          </a:xfrm>
+          <a:prstGeom prst="rect">
+            <a:avLst/>
+          </a:prstGeom>
+        </p:spPr>
+        <p:txBody>
+          <a:bodyPr spcFirstLastPara="1" wrap="square" lIns="91425" tIns="91425" rIns="91425" bIns="91425" anchor="b" anchorCtr="0">
+            <a:noAutofit/>
+          </a:bodyPr>
+          <a:lstStyle/>
+          <a:p>
+            <a:pPr marL="0" lvl="0" indent="0" algn="r" rtl="0">
+              <a:spcBef>
+                <a:spcPts val="0"/>
+              </a:spcBef>
+              <a:spcAft>
+                <a:spcPts val="0"/>
+              </a:spcAft>
+              <a:buNone/>
+            </a:pPr>
+            <a:r>
+              <a:rPr lang="en"/>
+              <a:t>3/4</a:t>
+            </a:r>
+            <a:endParaRPr/>
+          </a:p>
+        </p:txBody>
+      </p:sp>
+      <p:sp>
+        <p:nvSpPr>
+          <p:cNvPr id="395" name="Google Shape;395;p42"/>
+          <p:cNvSpPr txBox="1">
+            <a:spLocks noGrp="1"/>
+          </p:cNvSpPr>
+          <p:nvPr>
+            <p:ph type="body" idx="1"/>
+          </p:nvPr>
+        </p:nvSpPr>
+        <p:spPr>
+          <a:xfrm>
+            <a:off x="182880" y="1069848"/>
+            <a:ext cx="5486400" cy="3895200"/>
+          </a:xfrm>
+          <a:prstGeom prst="rect">
+            <a:avLst/>
+          </a:prstGeom>
+        </p:spPr>
+        <p:txBody>
+          <a:bodyPr spcFirstLastPara="1" wrap="square" lIns="91425" tIns="91425" rIns="91425" bIns="91425" anchor="t" anchorCtr="0">
+            <a:noAutofit/>
+          </a:bodyPr>
+          <a:lstStyle/>
+          <a:p>
+            <a:pPr marL="0" lvl="0" indent="0" algn="l" rtl="0">
+              <a:lnSpc>
+                <a:spcPct val="115000"/>
+              </a:lnSpc>
+              <a:spcBef>
+                <a:spcPts val="0"/>
+              </a:spcBef>
+              <a:spcAft>
+                <a:spcPts val="0"/>
+              </a:spcAft>
+              <a:buNone/>
+            </a:pPr>
+            <a:r>
+              <a:rPr lang="en" sz="900" i="1">
+                <a:solidFill>
+                  <a:schemeClr val="lt1"/>
+                </a:solidFill>
+                <a:latin typeface="Helvetica Neue"/>
+                <a:ea typeface="Helvetica Neue"/>
+                <a:cs typeface="Helvetica Neue"/>
+                <a:sym typeface="Helvetica Neue"/>
+              </a:rPr>
+              <a:t>Show your best examples, do not go overboard, add in short description, you are free to alter this layout (or add slides per evidence) to suit your needs. Just be sure that it is clear.</a:t>
+            </a:r>
+            <a:endParaRPr sz="900">
+              <a:solidFill>
+                <a:schemeClr val="lt1"/>
+              </a:solidFill>
+            </a:endParaRPr>
+          </a:p>
+          <a:p>
+            <a:pPr marL="0" lvl="0" indent="0" algn="l" rtl="0">
+              <a:lnSpc>
+                <a:spcPct val="115000"/>
+              </a:lnSpc>
+              <a:spcBef>
+                <a:spcPts val="0"/>
+              </a:spcBef>
+              <a:spcAft>
+                <a:spcPts val="0"/>
+              </a:spcAft>
+              <a:buNone/>
+            </a:pPr>
+            <a:endParaRPr sz="700" i="1">
+              <a:solidFill>
+                <a:schemeClr val="lt1"/>
+              </a:solidFill>
+              <a:latin typeface="Helvetica Neue"/>
+              <a:ea typeface="Helvetica Neue"/>
+              <a:cs typeface="Helvetica Neue"/>
+              <a:sym typeface="Helvetica Neue"/>
+            </a:endParaRPr>
+          </a:p>
+        </p:txBody>
+      </p:sp>
+      <p:sp>
+        <p:nvSpPr>
+          <p:cNvPr id="396" name="Google Shape;396;p42"/>
+          <p:cNvSpPr txBox="1">
+            <a:spLocks noGrp="1"/>
+          </p:cNvSpPr>
+          <p:nvPr>
+            <p:ph type="title" idx="3"/>
+          </p:nvPr>
+        </p:nvSpPr>
+        <p:spPr>
+          <a:xfrm>
+            <a:off x="2049462" y="0"/>
+            <a:ext cx="4206300" cy="576000"/>
+          </a:xfrm>
+          <a:prstGeom prst="rect">
+            <a:avLst/>
+          </a:prstGeom>
+        </p:spPr>
+        <p:txBody>
+          <a:bodyPr spcFirstLastPara="1" wrap="square" lIns="91425" tIns="91425" rIns="91425" bIns="91425" anchor="ctr" anchorCtr="0">
+            <a:noAutofit/>
+          </a:bodyPr>
+          <a:lstStyle/>
+          <a:p>
+            <a:pPr marL="0" lvl="0" indent="0" algn="l" rtl="0">
+              <a:spcBef>
+                <a:spcPts val="0"/>
+              </a:spcBef>
+              <a:spcAft>
+                <a:spcPts val="0"/>
+              </a:spcAft>
+              <a:buNone/>
+            </a:pPr>
+            <a:r>
+              <a:rPr lang="en-GB" dirty="0"/>
+              <a:t>Demonstrates professional </a:t>
+            </a:r>
+            <a:r>
+              <a:rPr lang="en-GB" dirty="0" err="1"/>
+              <a:t>behavior</a:t>
+            </a:r>
+            <a:r>
+              <a:rPr lang="en-GB" dirty="0"/>
+              <a:t> as well as accountability and ethics in the application of industry best practices for planning, communication, collaboration, and responsible execution of work assignments,.</a:t>
+            </a:r>
+          </a:p>
+        </p:txBody>
+      </p:sp>
+      <p:sp>
+        <p:nvSpPr>
+          <p:cNvPr id="397" name="Google Shape;397;p42"/>
+          <p:cNvSpPr txBox="1">
+            <a:spLocks noGrp="1"/>
+          </p:cNvSpPr>
+          <p:nvPr>
+            <p:ph type="title" idx="4"/>
+          </p:nvPr>
+        </p:nvSpPr>
+        <p:spPr>
+          <a:xfrm>
+            <a:off x="68250" y="576000"/>
+            <a:ext cx="839700" cy="493800"/>
+          </a:xfrm>
+          <a:prstGeom prst="rect">
+            <a:avLst/>
+          </a:prstGeom>
+        </p:spPr>
+        <p:txBody>
+          <a:bodyPr spcFirstLastPara="1" wrap="square" lIns="91425" tIns="91425" rIns="91425" bIns="91425" anchor="ctr" anchorCtr="0">
+            <a:noAutofit/>
+          </a:bodyPr>
+          <a:lstStyle/>
+          <a:p>
+            <a:pPr marL="0" lvl="0" indent="0" algn="l" rtl="0">
+              <a:spcBef>
+                <a:spcPts val="0"/>
+              </a:spcBef>
+              <a:spcAft>
+                <a:spcPts val="0"/>
+              </a:spcAft>
+              <a:buNone/>
+            </a:pPr>
+            <a:r>
+              <a:rPr lang="en" dirty="0"/>
+              <a:t>1.</a:t>
+            </a:r>
+            <a:r>
+              <a:rPr lang="en-NL" dirty="0"/>
+              <a:t>1</a:t>
+            </a:r>
+            <a:endParaRPr dirty="0"/>
+          </a:p>
+        </p:txBody>
+      </p:sp>
+      <p:sp>
+        <p:nvSpPr>
+          <p:cNvPr id="398" name="Google Shape;398;p42"/>
+          <p:cNvSpPr txBox="1">
+            <a:spLocks noGrp="1"/>
+          </p:cNvSpPr>
+          <p:nvPr>
+            <p:ph type="title" idx="5"/>
+          </p:nvPr>
+        </p:nvSpPr>
+        <p:spPr>
+          <a:xfrm>
+            <a:off x="845550" y="576000"/>
+            <a:ext cx="7315200" cy="493800"/>
+          </a:xfrm>
+          <a:prstGeom prst="rect">
+            <a:avLst/>
+          </a:prstGeom>
+        </p:spPr>
+        <p:txBody>
+          <a:bodyPr spcFirstLastPara="1" wrap="square" lIns="91425" tIns="91425" rIns="91425" bIns="91425" anchor="ctr" anchorCtr="0">
+            <a:noAutofit/>
+          </a:bodyPr>
+          <a:lstStyle/>
+          <a:p>
+            <a:pPr marL="0" lvl="0" indent="0" algn="l" rtl="0">
+              <a:spcBef>
+                <a:spcPts val="0"/>
+              </a:spcBef>
+              <a:spcAft>
+                <a:spcPts val="0"/>
+              </a:spcAft>
+              <a:buNone/>
+            </a:pPr>
+            <a:r>
+              <a:rPr lang="en-GB" dirty="0"/>
+              <a:t>Creates and updates plans to work effectively based on agreed upon priorities with consideration of dependencies and risk, using sound estimates to achieve short and long-term project goals.	</a:t>
+            </a:r>
+            <a:endParaRPr dirty="0"/>
+          </a:p>
+        </p:txBody>
+      </p:sp>
+      <p:sp>
+        <p:nvSpPr>
+          <p:cNvPr id="399" name="Google Shape;399;p42"/>
+          <p:cNvSpPr txBox="1">
+            <a:spLocks noGrp="1"/>
+          </p:cNvSpPr>
+          <p:nvPr>
+            <p:ph type="title" idx="6"/>
+          </p:nvPr>
+        </p:nvSpPr>
+        <p:spPr>
+          <a:xfrm>
+            <a:off x="845550" y="0"/>
+            <a:ext cx="1368600" cy="576000"/>
+          </a:xfrm>
+          <a:prstGeom prst="rect">
+            <a:avLst/>
+          </a:prstGeom>
+        </p:spPr>
+        <p:txBody>
+          <a:bodyPr spcFirstLastPara="1" wrap="square" lIns="91425" tIns="91425" rIns="91425" bIns="91425" anchor="ctr" anchorCtr="0">
+            <a:noAutofit/>
+          </a:bodyPr>
+          <a:lstStyle/>
+          <a:p>
+            <a:pPr marL="0" lvl="0" indent="0" algn="l" rtl="0">
+              <a:spcBef>
+                <a:spcPts val="0"/>
+              </a:spcBef>
+              <a:spcAft>
+                <a:spcPts val="0"/>
+              </a:spcAft>
+              <a:buNone/>
+            </a:pPr>
+            <a:r>
+              <a:rPr lang="en-US" sz="900" dirty="0"/>
+              <a:t>Professional Practice</a:t>
+            </a:r>
+            <a:br>
+              <a:rPr lang="en-US" sz="900" dirty="0"/>
+            </a:br>
+            <a:endParaRPr sz="900" dirty="0"/>
+          </a:p>
+        </p:txBody>
+      </p:sp>
+    </p:spTree>
+  </p:cSld>
+  <p:clrMapOvr>
+    <a:masterClrMapping/>
+  </p:clrMapOvr>
+</p:sld>
+</file>
+
+<file path=ppt/slides/slide28.xml><?xml version="1.0" encoding="utf-8"?>
+<p:sld xmlns:a="http://schemas.openxmlformats.org/drawingml/2006/main" xmlns:r="http://schemas.openxmlformats.org/officeDocument/2006/relationships" xmlns:p="http://schemas.openxmlformats.org/presentationml/2006/main">
+  <p:cSld>
+    <p:spTree>
+      <p:nvGrpSpPr>
+        <p:cNvPr id="1" name="Shape 392"/>
+        <p:cNvGrpSpPr/>
+        <p:nvPr/>
+      </p:nvGrpSpPr>
+      <p:grpSpPr>
+        <a:xfrm>
+          <a:off x="0" y="0"/>
+          <a:ext cx="0" cy="0"/>
+          <a:chOff x="0" y="0"/>
+          <a:chExt cx="0" cy="0"/>
+        </a:xfrm>
+      </p:grpSpPr>
+      <p:sp>
+        <p:nvSpPr>
+          <p:cNvPr id="393" name="Google Shape;393;p42"/>
+          <p:cNvSpPr txBox="1">
+            <a:spLocks noGrp="1"/>
+          </p:cNvSpPr>
+          <p:nvPr>
+            <p:ph type="title"/>
+          </p:nvPr>
+        </p:nvSpPr>
+        <p:spPr>
+          <a:xfrm>
+            <a:off x="68250" y="0"/>
+            <a:ext cx="777300" cy="576000"/>
+          </a:xfrm>
+          <a:prstGeom prst="rect">
+            <a:avLst/>
+          </a:prstGeom>
+        </p:spPr>
+        <p:txBody>
+          <a:bodyPr spcFirstLastPara="1" wrap="square" lIns="91425" tIns="91425" rIns="91425" bIns="91425" anchor="ctr" anchorCtr="0">
+            <a:noAutofit/>
+          </a:bodyPr>
+          <a:lstStyle/>
+          <a:p>
+            <a:pPr marL="0" lvl="0" indent="0" algn="l" rtl="0">
+              <a:spcBef>
+                <a:spcPts val="0"/>
+              </a:spcBef>
+              <a:spcAft>
+                <a:spcPts val="0"/>
+              </a:spcAft>
+              <a:buNone/>
+            </a:pPr>
+            <a:r>
+              <a:rPr lang="en"/>
+              <a:t>ILO 1</a:t>
+            </a:r>
+            <a:endParaRPr/>
+          </a:p>
+        </p:txBody>
+      </p:sp>
+      <p:sp>
+        <p:nvSpPr>
+          <p:cNvPr id="394" name="Google Shape;394;p42"/>
+          <p:cNvSpPr txBox="1">
+            <a:spLocks noGrp="1"/>
+          </p:cNvSpPr>
+          <p:nvPr>
+            <p:ph type="title" idx="2"/>
+          </p:nvPr>
+        </p:nvSpPr>
+        <p:spPr>
+          <a:xfrm>
+            <a:off x="7068300" y="0"/>
+            <a:ext cx="1984200" cy="576000"/>
+          </a:xfrm>
+          <a:prstGeom prst="rect">
+            <a:avLst/>
+          </a:prstGeom>
+        </p:spPr>
+        <p:txBody>
+          <a:bodyPr spcFirstLastPara="1" wrap="square" lIns="91425" tIns="91425" rIns="91425" bIns="91425" anchor="b" anchorCtr="0">
+            <a:noAutofit/>
+          </a:bodyPr>
+          <a:lstStyle/>
+          <a:p>
+            <a:pPr marL="0" lvl="0" indent="0" algn="r" rtl="0">
+              <a:spcBef>
+                <a:spcPts val="0"/>
+              </a:spcBef>
+              <a:spcAft>
+                <a:spcPts val="0"/>
+              </a:spcAft>
+              <a:buNone/>
+            </a:pPr>
+            <a:r>
+              <a:rPr lang="en"/>
+              <a:t>3/4</a:t>
+            </a:r>
+            <a:endParaRPr/>
+          </a:p>
+        </p:txBody>
+      </p:sp>
+      <p:sp>
+        <p:nvSpPr>
+          <p:cNvPr id="395" name="Google Shape;395;p42"/>
+          <p:cNvSpPr txBox="1">
+            <a:spLocks noGrp="1"/>
+          </p:cNvSpPr>
+          <p:nvPr>
+            <p:ph type="body" idx="1"/>
+          </p:nvPr>
+        </p:nvSpPr>
+        <p:spPr>
+          <a:xfrm>
+            <a:off x="182880" y="1069848"/>
+            <a:ext cx="5486400" cy="3895200"/>
+          </a:xfrm>
+          <a:prstGeom prst="rect">
+            <a:avLst/>
+          </a:prstGeom>
+        </p:spPr>
+        <p:txBody>
+          <a:bodyPr spcFirstLastPara="1" wrap="square" lIns="91425" tIns="91425" rIns="91425" bIns="91425" anchor="t" anchorCtr="0">
+            <a:noAutofit/>
+          </a:bodyPr>
+          <a:lstStyle/>
+          <a:p>
+            <a:pPr marL="0" lvl="0" indent="0" algn="l" rtl="0">
+              <a:lnSpc>
+                <a:spcPct val="115000"/>
+              </a:lnSpc>
+              <a:spcBef>
+                <a:spcPts val="0"/>
+              </a:spcBef>
+              <a:spcAft>
+                <a:spcPts val="0"/>
+              </a:spcAft>
+              <a:buNone/>
+            </a:pPr>
+            <a:r>
+              <a:rPr lang="en" sz="900" i="1">
+                <a:solidFill>
+                  <a:schemeClr val="lt1"/>
+                </a:solidFill>
+                <a:latin typeface="Helvetica Neue"/>
+                <a:ea typeface="Helvetica Neue"/>
+                <a:cs typeface="Helvetica Neue"/>
+                <a:sym typeface="Helvetica Neue"/>
+              </a:rPr>
+              <a:t>Show your best examples, do not go overboard, add in short description, you are free to alter this layout (or add slides per evidence) to suit your needs. Just be sure that it is clear.</a:t>
+            </a:r>
+            <a:endParaRPr sz="900">
+              <a:solidFill>
+                <a:schemeClr val="lt1"/>
+              </a:solidFill>
+            </a:endParaRPr>
+          </a:p>
+          <a:p>
+            <a:pPr marL="0" lvl="0" indent="0" algn="l" rtl="0">
+              <a:lnSpc>
+                <a:spcPct val="115000"/>
+              </a:lnSpc>
+              <a:spcBef>
+                <a:spcPts val="0"/>
+              </a:spcBef>
+              <a:spcAft>
+                <a:spcPts val="0"/>
+              </a:spcAft>
+              <a:buNone/>
+            </a:pPr>
+            <a:endParaRPr sz="700" i="1">
+              <a:solidFill>
+                <a:schemeClr val="lt1"/>
+              </a:solidFill>
+              <a:latin typeface="Helvetica Neue"/>
+              <a:ea typeface="Helvetica Neue"/>
+              <a:cs typeface="Helvetica Neue"/>
+              <a:sym typeface="Helvetica Neue"/>
+            </a:endParaRPr>
+          </a:p>
+        </p:txBody>
+      </p:sp>
+      <p:sp>
+        <p:nvSpPr>
+          <p:cNvPr id="396" name="Google Shape;396;p42"/>
+          <p:cNvSpPr txBox="1">
+            <a:spLocks noGrp="1"/>
+          </p:cNvSpPr>
+          <p:nvPr>
+            <p:ph type="title" idx="3"/>
+          </p:nvPr>
+        </p:nvSpPr>
+        <p:spPr>
+          <a:xfrm>
+            <a:off x="2049462" y="0"/>
+            <a:ext cx="4206300" cy="576000"/>
+          </a:xfrm>
+          <a:prstGeom prst="rect">
+            <a:avLst/>
+          </a:prstGeom>
+        </p:spPr>
+        <p:txBody>
+          <a:bodyPr spcFirstLastPara="1" wrap="square" lIns="91425" tIns="91425" rIns="91425" bIns="91425" anchor="ctr" anchorCtr="0">
+            <a:noAutofit/>
+          </a:bodyPr>
+          <a:lstStyle/>
+          <a:p>
+            <a:pPr marL="0" lvl="0" indent="0" algn="l" rtl="0">
+              <a:spcBef>
+                <a:spcPts val="0"/>
+              </a:spcBef>
+              <a:spcAft>
+                <a:spcPts val="0"/>
+              </a:spcAft>
+              <a:buNone/>
+            </a:pPr>
+            <a:r>
+              <a:rPr lang="en-GB" dirty="0"/>
+              <a:t>Demonstrates professional </a:t>
+            </a:r>
+            <a:r>
+              <a:rPr lang="en-GB" dirty="0" err="1"/>
+              <a:t>behavior</a:t>
+            </a:r>
+            <a:r>
+              <a:rPr lang="en-GB" dirty="0"/>
+              <a:t> as well as accountability and ethics in the application of industry best practices for planning, communication, collaboration, and responsible execution of work assignments,.</a:t>
+            </a:r>
+          </a:p>
+        </p:txBody>
+      </p:sp>
+      <p:sp>
+        <p:nvSpPr>
+          <p:cNvPr id="397" name="Google Shape;397;p42"/>
+          <p:cNvSpPr txBox="1">
+            <a:spLocks noGrp="1"/>
+          </p:cNvSpPr>
+          <p:nvPr>
+            <p:ph type="title" idx="4"/>
+          </p:nvPr>
+        </p:nvSpPr>
+        <p:spPr>
+          <a:xfrm>
+            <a:off x="68250" y="576000"/>
+            <a:ext cx="839700" cy="493800"/>
+          </a:xfrm>
+          <a:prstGeom prst="rect">
+            <a:avLst/>
+          </a:prstGeom>
+        </p:spPr>
+        <p:txBody>
+          <a:bodyPr spcFirstLastPara="1" wrap="square" lIns="91425" tIns="91425" rIns="91425" bIns="91425" anchor="ctr" anchorCtr="0">
+            <a:noAutofit/>
+          </a:bodyPr>
+          <a:lstStyle/>
+          <a:p>
+            <a:pPr marL="0" lvl="0" indent="0" algn="l" rtl="0">
+              <a:spcBef>
+                <a:spcPts val="0"/>
+              </a:spcBef>
+              <a:spcAft>
+                <a:spcPts val="0"/>
+              </a:spcAft>
+              <a:buNone/>
+            </a:pPr>
+            <a:r>
+              <a:rPr lang="en" dirty="0"/>
+              <a:t>1.</a:t>
+            </a:r>
+            <a:r>
+              <a:rPr lang="en-NL" dirty="0"/>
+              <a:t>4</a:t>
+            </a:r>
+            <a:endParaRPr dirty="0"/>
+          </a:p>
+        </p:txBody>
+      </p:sp>
+      <p:sp>
+        <p:nvSpPr>
+          <p:cNvPr id="398" name="Google Shape;398;p42"/>
+          <p:cNvSpPr txBox="1">
+            <a:spLocks noGrp="1"/>
+          </p:cNvSpPr>
+          <p:nvPr>
+            <p:ph type="title" idx="5"/>
+          </p:nvPr>
+        </p:nvSpPr>
+        <p:spPr>
+          <a:xfrm>
+            <a:off x="845550" y="576000"/>
+            <a:ext cx="7315200" cy="493800"/>
+          </a:xfrm>
+          <a:prstGeom prst="rect">
+            <a:avLst/>
+          </a:prstGeom>
+        </p:spPr>
+        <p:txBody>
+          <a:bodyPr spcFirstLastPara="1" wrap="square" lIns="91425" tIns="91425" rIns="91425" bIns="91425" anchor="ctr" anchorCtr="0">
+            <a:noAutofit/>
+          </a:bodyPr>
+          <a:lstStyle/>
+          <a:p>
+            <a:pPr marL="0" lvl="0" indent="0" algn="l" rtl="0">
+              <a:spcBef>
+                <a:spcPts val="0"/>
+              </a:spcBef>
+              <a:spcAft>
+                <a:spcPts val="0"/>
+              </a:spcAft>
+              <a:buNone/>
+            </a:pPr>
+            <a:r>
+              <a:rPr lang="en-GB" dirty="0"/>
+              <a:t>Regularly and objectively reviews progress on project and team goals and processes, reflecting on the strengths and weaknesses through project and peer reviews.	</a:t>
+            </a:r>
+            <a:endParaRPr dirty="0"/>
+          </a:p>
+        </p:txBody>
+      </p:sp>
+      <p:sp>
+        <p:nvSpPr>
+          <p:cNvPr id="399" name="Google Shape;399;p42"/>
+          <p:cNvSpPr txBox="1">
+            <a:spLocks noGrp="1"/>
+          </p:cNvSpPr>
+          <p:nvPr>
+            <p:ph type="title" idx="6"/>
+          </p:nvPr>
+        </p:nvSpPr>
+        <p:spPr>
+          <a:xfrm>
+            <a:off x="845550" y="0"/>
+            <a:ext cx="1368600" cy="576000"/>
+          </a:xfrm>
+          <a:prstGeom prst="rect">
+            <a:avLst/>
+          </a:prstGeom>
+        </p:spPr>
+        <p:txBody>
+          <a:bodyPr spcFirstLastPara="1" wrap="square" lIns="91425" tIns="91425" rIns="91425" bIns="91425" anchor="ctr" anchorCtr="0">
+            <a:noAutofit/>
+          </a:bodyPr>
+          <a:lstStyle/>
+          <a:p>
+            <a:pPr marL="0" lvl="0" indent="0" algn="l" rtl="0">
+              <a:spcBef>
+                <a:spcPts val="0"/>
+              </a:spcBef>
+              <a:spcAft>
+                <a:spcPts val="0"/>
+              </a:spcAft>
+              <a:buNone/>
+            </a:pPr>
+            <a:r>
+              <a:rPr lang="en-US" sz="900" dirty="0"/>
+              <a:t>Professional Practice</a:t>
+            </a:r>
+            <a:br>
+              <a:rPr lang="en-US" sz="900" dirty="0"/>
+            </a:br>
+            <a:endParaRPr sz="900" dirty="0"/>
+          </a:p>
+        </p:txBody>
+      </p:sp>
+    </p:spTree>
+    <p:extLst>
+      <p:ext uri="{BB962C8B-B14F-4D97-AF65-F5344CB8AC3E}">
+        <p14:creationId xmlns:p14="http://schemas.microsoft.com/office/powerpoint/2010/main" val="2263231173"/>
+      </p:ext>
+    </p:extLst>
   </p:cSld>
   <p:clrMapOvr>
     <a:masterClrMapping/>
@@ -23457,7 +23239,7 @@
             </a:r>
             <a:r>
               <a:rPr lang="en-NL" dirty="0"/>
-              <a:t>1</a:t>
+              <a:t>5</a:t>
             </a:r>
             <a:endParaRPr dirty="0"/>
           </a:p>
@@ -23499,7 +23281,7 @@
             </a:pPr>
             <a:r>
               <a:rPr lang="en-GB" dirty="0"/>
-              <a:t>Creates and updates plans to work effectively based on agreed upon priorities with consideration of dependencies and risk, using sound estimates to achieve short and long-term project goals.	</a:t>
+              <a:t>Communicates productively while effectively adjusting to varied communication styles and intercultural differences in team work.	</a:t>
             </a:r>
             <a:endParaRPr dirty="0"/>
           </a:p>
@@ -23551,6 +23333,11 @@
         </p:txBody>
       </p:sp>
     </p:spTree>
+    <p:extLst>
+      <p:ext uri="{BB962C8B-B14F-4D97-AF65-F5344CB8AC3E}">
+        <p14:creationId xmlns:p14="http://schemas.microsoft.com/office/powerpoint/2010/main" val="4028970839"/>
+      </p:ext>
+    </p:extLst>
   </p:cSld>
   <p:clrMapOvr>
     <a:masterClrMapping/>
@@ -24320,758 +24107,6 @@
             </a:r>
             <a:r>
               <a:rPr lang="en-NL" dirty="0"/>
-              <a:t>4</a:t>
-            </a:r>
-            <a:endParaRPr dirty="0"/>
-          </a:p>
-        </p:txBody>
-      </p:sp>
-      <p:sp>
-        <p:nvSpPr>
-          <p:cNvPr id="398" name="Google Shape;398;p42"/>
-          <p:cNvSpPr txBox="1">
-            <a:spLocks noGrp="1"/>
-          </p:cNvSpPr>
-          <p:nvPr>
-            <p:ph type="title" idx="5"/>
-          </p:nvPr>
-        </p:nvSpPr>
-        <p:spPr>
-          <a:xfrm>
-            <a:off x="845550" y="576000"/>
-            <a:ext cx="7315200" cy="493800"/>
-          </a:xfrm>
-          <a:prstGeom prst="rect">
-            <a:avLst/>
-          </a:prstGeom>
-        </p:spPr>
-        <p:txBody>
-          <a:bodyPr spcFirstLastPara="1" wrap="square" lIns="91425" tIns="91425" rIns="91425" bIns="91425" anchor="ctr" anchorCtr="0">
-            <a:noAutofit/>
-          </a:bodyPr>
-          <a:lstStyle/>
-          <a:p>
-            <a:pPr marL="0" lvl="0" indent="0" algn="l" rtl="0">
-              <a:spcBef>
-                <a:spcPts val="0"/>
-              </a:spcBef>
-              <a:spcAft>
-                <a:spcPts val="0"/>
-              </a:spcAft>
-              <a:buNone/>
-            </a:pPr>
-            <a:r>
-              <a:rPr lang="en-GB" dirty="0"/>
-              <a:t>Regularly and objectively reviews progress on project and team goals and processes, reflecting on the strengths and weaknesses through project and peer reviews.	</a:t>
-            </a:r>
-            <a:endParaRPr dirty="0"/>
-          </a:p>
-        </p:txBody>
-      </p:sp>
-      <p:sp>
-        <p:nvSpPr>
-          <p:cNvPr id="399" name="Google Shape;399;p42"/>
-          <p:cNvSpPr txBox="1">
-            <a:spLocks noGrp="1"/>
-          </p:cNvSpPr>
-          <p:nvPr>
-            <p:ph type="title" idx="6"/>
-          </p:nvPr>
-        </p:nvSpPr>
-        <p:spPr>
-          <a:xfrm>
-            <a:off x="845550" y="0"/>
-            <a:ext cx="1368600" cy="576000"/>
-          </a:xfrm>
-          <a:prstGeom prst="rect">
-            <a:avLst/>
-          </a:prstGeom>
-        </p:spPr>
-        <p:txBody>
-          <a:bodyPr spcFirstLastPara="1" wrap="square" lIns="91425" tIns="91425" rIns="91425" bIns="91425" anchor="ctr" anchorCtr="0">
-            <a:noAutofit/>
-          </a:bodyPr>
-          <a:lstStyle/>
-          <a:p>
-            <a:pPr marL="0" lvl="0" indent="0" algn="l" rtl="0">
-              <a:spcBef>
-                <a:spcPts val="0"/>
-              </a:spcBef>
-              <a:spcAft>
-                <a:spcPts val="0"/>
-              </a:spcAft>
-              <a:buNone/>
-            </a:pPr>
-            <a:r>
-              <a:rPr lang="en-US" sz="900" dirty="0"/>
-              <a:t>Professional Practice</a:t>
-            </a:r>
-            <a:br>
-              <a:rPr lang="en-US" sz="900" dirty="0"/>
-            </a:br>
-            <a:endParaRPr sz="900" dirty="0"/>
-          </a:p>
-        </p:txBody>
-      </p:sp>
-    </p:spTree>
-    <p:extLst>
-      <p:ext uri="{BB962C8B-B14F-4D97-AF65-F5344CB8AC3E}">
-        <p14:creationId xmlns:p14="http://schemas.microsoft.com/office/powerpoint/2010/main" val="2263231173"/>
-      </p:ext>
-    </p:extLst>
-  </p:cSld>
-  <p:clrMapOvr>
-    <a:masterClrMapping/>
-  </p:clrMapOvr>
-</p:sld>
-</file>
-
-<file path=ppt/slides/slide31.xml><?xml version="1.0" encoding="utf-8"?>
-<p:sld xmlns:a="http://schemas.openxmlformats.org/drawingml/2006/main" xmlns:r="http://schemas.openxmlformats.org/officeDocument/2006/relationships" xmlns:p="http://schemas.openxmlformats.org/presentationml/2006/main">
-  <p:cSld>
-    <p:spTree>
-      <p:nvGrpSpPr>
-        <p:cNvPr id="1" name="Shape 392"/>
-        <p:cNvGrpSpPr/>
-        <p:nvPr/>
-      </p:nvGrpSpPr>
-      <p:grpSpPr>
-        <a:xfrm>
-          <a:off x="0" y="0"/>
-          <a:ext cx="0" cy="0"/>
-          <a:chOff x="0" y="0"/>
-          <a:chExt cx="0" cy="0"/>
-        </a:xfrm>
-      </p:grpSpPr>
-      <p:sp>
-        <p:nvSpPr>
-          <p:cNvPr id="393" name="Google Shape;393;p42"/>
-          <p:cNvSpPr txBox="1">
-            <a:spLocks noGrp="1"/>
-          </p:cNvSpPr>
-          <p:nvPr>
-            <p:ph type="title"/>
-          </p:nvPr>
-        </p:nvSpPr>
-        <p:spPr>
-          <a:xfrm>
-            <a:off x="68250" y="0"/>
-            <a:ext cx="777300" cy="576000"/>
-          </a:xfrm>
-          <a:prstGeom prst="rect">
-            <a:avLst/>
-          </a:prstGeom>
-        </p:spPr>
-        <p:txBody>
-          <a:bodyPr spcFirstLastPara="1" wrap="square" lIns="91425" tIns="91425" rIns="91425" bIns="91425" anchor="ctr" anchorCtr="0">
-            <a:noAutofit/>
-          </a:bodyPr>
-          <a:lstStyle/>
-          <a:p>
-            <a:pPr marL="0" lvl="0" indent="0" algn="l" rtl="0">
-              <a:spcBef>
-                <a:spcPts val="0"/>
-              </a:spcBef>
-              <a:spcAft>
-                <a:spcPts val="0"/>
-              </a:spcAft>
-              <a:buNone/>
-            </a:pPr>
-            <a:r>
-              <a:rPr lang="en"/>
-              <a:t>ILO 1</a:t>
-            </a:r>
-            <a:endParaRPr/>
-          </a:p>
-        </p:txBody>
-      </p:sp>
-      <p:sp>
-        <p:nvSpPr>
-          <p:cNvPr id="394" name="Google Shape;394;p42"/>
-          <p:cNvSpPr txBox="1">
-            <a:spLocks noGrp="1"/>
-          </p:cNvSpPr>
-          <p:nvPr>
-            <p:ph type="title" idx="2"/>
-          </p:nvPr>
-        </p:nvSpPr>
-        <p:spPr>
-          <a:xfrm>
-            <a:off x="7068300" y="0"/>
-            <a:ext cx="1984200" cy="576000"/>
-          </a:xfrm>
-          <a:prstGeom prst="rect">
-            <a:avLst/>
-          </a:prstGeom>
-        </p:spPr>
-        <p:txBody>
-          <a:bodyPr spcFirstLastPara="1" wrap="square" lIns="91425" tIns="91425" rIns="91425" bIns="91425" anchor="b" anchorCtr="0">
-            <a:noAutofit/>
-          </a:bodyPr>
-          <a:lstStyle/>
-          <a:p>
-            <a:pPr marL="0" lvl="0" indent="0" algn="r" rtl="0">
-              <a:spcBef>
-                <a:spcPts val="0"/>
-              </a:spcBef>
-              <a:spcAft>
-                <a:spcPts val="0"/>
-              </a:spcAft>
-              <a:buNone/>
-            </a:pPr>
-            <a:r>
-              <a:rPr lang="en"/>
-              <a:t>3/4</a:t>
-            </a:r>
-            <a:endParaRPr/>
-          </a:p>
-        </p:txBody>
-      </p:sp>
-      <p:sp>
-        <p:nvSpPr>
-          <p:cNvPr id="395" name="Google Shape;395;p42"/>
-          <p:cNvSpPr txBox="1">
-            <a:spLocks noGrp="1"/>
-          </p:cNvSpPr>
-          <p:nvPr>
-            <p:ph type="body" idx="1"/>
-          </p:nvPr>
-        </p:nvSpPr>
-        <p:spPr>
-          <a:xfrm>
-            <a:off x="182880" y="1069848"/>
-            <a:ext cx="5486400" cy="3895200"/>
-          </a:xfrm>
-          <a:prstGeom prst="rect">
-            <a:avLst/>
-          </a:prstGeom>
-        </p:spPr>
-        <p:txBody>
-          <a:bodyPr spcFirstLastPara="1" wrap="square" lIns="91425" tIns="91425" rIns="91425" bIns="91425" anchor="t" anchorCtr="0">
-            <a:noAutofit/>
-          </a:bodyPr>
-          <a:lstStyle/>
-          <a:p>
-            <a:pPr marL="0" lvl="0" indent="0" algn="l" rtl="0">
-              <a:lnSpc>
-                <a:spcPct val="115000"/>
-              </a:lnSpc>
-              <a:spcBef>
-                <a:spcPts val="0"/>
-              </a:spcBef>
-              <a:spcAft>
-                <a:spcPts val="0"/>
-              </a:spcAft>
-              <a:buNone/>
-            </a:pPr>
-            <a:r>
-              <a:rPr lang="en" sz="900" i="1">
-                <a:solidFill>
-                  <a:schemeClr val="lt1"/>
-                </a:solidFill>
-                <a:latin typeface="Helvetica Neue"/>
-                <a:ea typeface="Helvetica Neue"/>
-                <a:cs typeface="Helvetica Neue"/>
-                <a:sym typeface="Helvetica Neue"/>
-              </a:rPr>
-              <a:t>Show your best examples, do not go overboard, add in short description, you are free to alter this layout (or add slides per evidence) to suit your needs. Just be sure that it is clear.</a:t>
-            </a:r>
-            <a:endParaRPr sz="900">
-              <a:solidFill>
-                <a:schemeClr val="lt1"/>
-              </a:solidFill>
-            </a:endParaRPr>
-          </a:p>
-          <a:p>
-            <a:pPr marL="0" lvl="0" indent="0" algn="l" rtl="0">
-              <a:lnSpc>
-                <a:spcPct val="115000"/>
-              </a:lnSpc>
-              <a:spcBef>
-                <a:spcPts val="0"/>
-              </a:spcBef>
-              <a:spcAft>
-                <a:spcPts val="0"/>
-              </a:spcAft>
-              <a:buNone/>
-            </a:pPr>
-            <a:endParaRPr sz="700" i="1">
-              <a:solidFill>
-                <a:schemeClr val="lt1"/>
-              </a:solidFill>
-              <a:latin typeface="Helvetica Neue"/>
-              <a:ea typeface="Helvetica Neue"/>
-              <a:cs typeface="Helvetica Neue"/>
-              <a:sym typeface="Helvetica Neue"/>
-            </a:endParaRPr>
-          </a:p>
-        </p:txBody>
-      </p:sp>
-      <p:sp>
-        <p:nvSpPr>
-          <p:cNvPr id="396" name="Google Shape;396;p42"/>
-          <p:cNvSpPr txBox="1">
-            <a:spLocks noGrp="1"/>
-          </p:cNvSpPr>
-          <p:nvPr>
-            <p:ph type="title" idx="3"/>
-          </p:nvPr>
-        </p:nvSpPr>
-        <p:spPr>
-          <a:xfrm>
-            <a:off x="2049462" y="0"/>
-            <a:ext cx="4206300" cy="576000"/>
-          </a:xfrm>
-          <a:prstGeom prst="rect">
-            <a:avLst/>
-          </a:prstGeom>
-        </p:spPr>
-        <p:txBody>
-          <a:bodyPr spcFirstLastPara="1" wrap="square" lIns="91425" tIns="91425" rIns="91425" bIns="91425" anchor="ctr" anchorCtr="0">
-            <a:noAutofit/>
-          </a:bodyPr>
-          <a:lstStyle/>
-          <a:p>
-            <a:pPr marL="0" lvl="0" indent="0" algn="l" rtl="0">
-              <a:spcBef>
-                <a:spcPts val="0"/>
-              </a:spcBef>
-              <a:spcAft>
-                <a:spcPts val="0"/>
-              </a:spcAft>
-              <a:buNone/>
-            </a:pPr>
-            <a:r>
-              <a:rPr lang="en-GB" dirty="0"/>
-              <a:t>Demonstrates professional </a:t>
-            </a:r>
-            <a:r>
-              <a:rPr lang="en-GB" dirty="0" err="1"/>
-              <a:t>behavior</a:t>
-            </a:r>
-            <a:r>
-              <a:rPr lang="en-GB" dirty="0"/>
-              <a:t> as well as accountability and ethics in the application of industry best practices for planning, communication, collaboration, and responsible execution of work assignments,.</a:t>
-            </a:r>
-          </a:p>
-        </p:txBody>
-      </p:sp>
-      <p:sp>
-        <p:nvSpPr>
-          <p:cNvPr id="397" name="Google Shape;397;p42"/>
-          <p:cNvSpPr txBox="1">
-            <a:spLocks noGrp="1"/>
-          </p:cNvSpPr>
-          <p:nvPr>
-            <p:ph type="title" idx="4"/>
-          </p:nvPr>
-        </p:nvSpPr>
-        <p:spPr>
-          <a:xfrm>
-            <a:off x="68250" y="576000"/>
-            <a:ext cx="839700" cy="493800"/>
-          </a:xfrm>
-          <a:prstGeom prst="rect">
-            <a:avLst/>
-          </a:prstGeom>
-        </p:spPr>
-        <p:txBody>
-          <a:bodyPr spcFirstLastPara="1" wrap="square" lIns="91425" tIns="91425" rIns="91425" bIns="91425" anchor="ctr" anchorCtr="0">
-            <a:noAutofit/>
-          </a:bodyPr>
-          <a:lstStyle/>
-          <a:p>
-            <a:pPr marL="0" lvl="0" indent="0" algn="l" rtl="0">
-              <a:spcBef>
-                <a:spcPts val="0"/>
-              </a:spcBef>
-              <a:spcAft>
-                <a:spcPts val="0"/>
-              </a:spcAft>
-              <a:buNone/>
-            </a:pPr>
-            <a:r>
-              <a:rPr lang="en" dirty="0"/>
-              <a:t>1.</a:t>
-            </a:r>
-            <a:r>
-              <a:rPr lang="en-NL" dirty="0"/>
-              <a:t>5</a:t>
-            </a:r>
-            <a:endParaRPr dirty="0"/>
-          </a:p>
-        </p:txBody>
-      </p:sp>
-      <p:sp>
-        <p:nvSpPr>
-          <p:cNvPr id="398" name="Google Shape;398;p42"/>
-          <p:cNvSpPr txBox="1">
-            <a:spLocks noGrp="1"/>
-          </p:cNvSpPr>
-          <p:nvPr>
-            <p:ph type="title" idx="5"/>
-          </p:nvPr>
-        </p:nvSpPr>
-        <p:spPr>
-          <a:xfrm>
-            <a:off x="845550" y="576000"/>
-            <a:ext cx="7315200" cy="493800"/>
-          </a:xfrm>
-          <a:prstGeom prst="rect">
-            <a:avLst/>
-          </a:prstGeom>
-        </p:spPr>
-        <p:txBody>
-          <a:bodyPr spcFirstLastPara="1" wrap="square" lIns="91425" tIns="91425" rIns="91425" bIns="91425" anchor="ctr" anchorCtr="0">
-            <a:noAutofit/>
-          </a:bodyPr>
-          <a:lstStyle/>
-          <a:p>
-            <a:pPr marL="0" lvl="0" indent="0" algn="l" rtl="0">
-              <a:spcBef>
-                <a:spcPts val="0"/>
-              </a:spcBef>
-              <a:spcAft>
-                <a:spcPts val="0"/>
-              </a:spcAft>
-              <a:buNone/>
-            </a:pPr>
-            <a:r>
-              <a:rPr lang="en-GB" dirty="0"/>
-              <a:t>Communicates productively while effectively adjusting to varied communication styles and intercultural differences in team work.	</a:t>
-            </a:r>
-            <a:endParaRPr dirty="0"/>
-          </a:p>
-        </p:txBody>
-      </p:sp>
-      <p:sp>
-        <p:nvSpPr>
-          <p:cNvPr id="399" name="Google Shape;399;p42"/>
-          <p:cNvSpPr txBox="1">
-            <a:spLocks noGrp="1"/>
-          </p:cNvSpPr>
-          <p:nvPr>
-            <p:ph type="title" idx="6"/>
-          </p:nvPr>
-        </p:nvSpPr>
-        <p:spPr>
-          <a:xfrm>
-            <a:off x="845550" y="0"/>
-            <a:ext cx="1368600" cy="576000"/>
-          </a:xfrm>
-          <a:prstGeom prst="rect">
-            <a:avLst/>
-          </a:prstGeom>
-        </p:spPr>
-        <p:txBody>
-          <a:bodyPr spcFirstLastPara="1" wrap="square" lIns="91425" tIns="91425" rIns="91425" bIns="91425" anchor="ctr" anchorCtr="0">
-            <a:noAutofit/>
-          </a:bodyPr>
-          <a:lstStyle/>
-          <a:p>
-            <a:pPr marL="0" lvl="0" indent="0" algn="l" rtl="0">
-              <a:spcBef>
-                <a:spcPts val="0"/>
-              </a:spcBef>
-              <a:spcAft>
-                <a:spcPts val="0"/>
-              </a:spcAft>
-              <a:buNone/>
-            </a:pPr>
-            <a:r>
-              <a:rPr lang="en-US" sz="900" dirty="0"/>
-              <a:t>Professional Practice</a:t>
-            </a:r>
-            <a:br>
-              <a:rPr lang="en-US" sz="900" dirty="0"/>
-            </a:br>
-            <a:endParaRPr sz="900" dirty="0"/>
-          </a:p>
-        </p:txBody>
-      </p:sp>
-    </p:spTree>
-    <p:extLst>
-      <p:ext uri="{BB962C8B-B14F-4D97-AF65-F5344CB8AC3E}">
-        <p14:creationId xmlns:p14="http://schemas.microsoft.com/office/powerpoint/2010/main" val="4028970839"/>
-      </p:ext>
-    </p:extLst>
-  </p:cSld>
-  <p:clrMapOvr>
-    <a:masterClrMapping/>
-  </p:clrMapOvr>
-</p:sld>
-</file>
-
-<file path=ppt/slides/slide32.xml><?xml version="1.0" encoding="utf-8"?>
-<p:sld xmlns:a="http://schemas.openxmlformats.org/drawingml/2006/main" xmlns:r="http://schemas.openxmlformats.org/officeDocument/2006/relationships" xmlns:p="http://schemas.openxmlformats.org/presentationml/2006/main">
-  <p:cSld>
-    <p:spTree>
-      <p:nvGrpSpPr>
-        <p:cNvPr id="1" name="Shape 392"/>
-        <p:cNvGrpSpPr/>
-        <p:nvPr/>
-      </p:nvGrpSpPr>
-      <p:grpSpPr>
-        <a:xfrm>
-          <a:off x="0" y="0"/>
-          <a:ext cx="0" cy="0"/>
-          <a:chOff x="0" y="0"/>
-          <a:chExt cx="0" cy="0"/>
-        </a:xfrm>
-      </p:grpSpPr>
-      <p:sp>
-        <p:nvSpPr>
-          <p:cNvPr id="393" name="Google Shape;393;p42"/>
-          <p:cNvSpPr txBox="1">
-            <a:spLocks noGrp="1"/>
-          </p:cNvSpPr>
-          <p:nvPr>
-            <p:ph type="title"/>
-          </p:nvPr>
-        </p:nvSpPr>
-        <p:spPr>
-          <a:xfrm>
-            <a:off x="68250" y="0"/>
-            <a:ext cx="777300" cy="576000"/>
-          </a:xfrm>
-          <a:prstGeom prst="rect">
-            <a:avLst/>
-          </a:prstGeom>
-        </p:spPr>
-        <p:txBody>
-          <a:bodyPr spcFirstLastPara="1" wrap="square" lIns="91425" tIns="91425" rIns="91425" bIns="91425" anchor="ctr" anchorCtr="0">
-            <a:noAutofit/>
-          </a:bodyPr>
-          <a:lstStyle/>
-          <a:p>
-            <a:pPr marL="0" lvl="0" indent="0" algn="l" rtl="0">
-              <a:spcBef>
-                <a:spcPts val="0"/>
-              </a:spcBef>
-              <a:spcAft>
-                <a:spcPts val="0"/>
-              </a:spcAft>
-              <a:buNone/>
-            </a:pPr>
-            <a:r>
-              <a:rPr lang="en"/>
-              <a:t>ILO 1</a:t>
-            </a:r>
-            <a:endParaRPr/>
-          </a:p>
-        </p:txBody>
-      </p:sp>
-      <p:sp>
-        <p:nvSpPr>
-          <p:cNvPr id="394" name="Google Shape;394;p42"/>
-          <p:cNvSpPr txBox="1">
-            <a:spLocks noGrp="1"/>
-          </p:cNvSpPr>
-          <p:nvPr>
-            <p:ph type="title" idx="2"/>
-          </p:nvPr>
-        </p:nvSpPr>
-        <p:spPr>
-          <a:xfrm>
-            <a:off x="7068300" y="0"/>
-            <a:ext cx="1984200" cy="576000"/>
-          </a:xfrm>
-          <a:prstGeom prst="rect">
-            <a:avLst/>
-          </a:prstGeom>
-        </p:spPr>
-        <p:txBody>
-          <a:bodyPr spcFirstLastPara="1" wrap="square" lIns="91425" tIns="91425" rIns="91425" bIns="91425" anchor="b" anchorCtr="0">
-            <a:noAutofit/>
-          </a:bodyPr>
-          <a:lstStyle/>
-          <a:p>
-            <a:pPr marL="0" lvl="0" indent="0" algn="r" rtl="0">
-              <a:spcBef>
-                <a:spcPts val="0"/>
-              </a:spcBef>
-              <a:spcAft>
-                <a:spcPts val="0"/>
-              </a:spcAft>
-              <a:buNone/>
-            </a:pPr>
-            <a:r>
-              <a:rPr lang="en"/>
-              <a:t>3/4</a:t>
-            </a:r>
-            <a:endParaRPr/>
-          </a:p>
-        </p:txBody>
-      </p:sp>
-      <p:sp>
-        <p:nvSpPr>
-          <p:cNvPr id="395" name="Google Shape;395;p42"/>
-          <p:cNvSpPr txBox="1">
-            <a:spLocks noGrp="1"/>
-          </p:cNvSpPr>
-          <p:nvPr>
-            <p:ph type="body" idx="1"/>
-          </p:nvPr>
-        </p:nvSpPr>
-        <p:spPr>
-          <a:xfrm>
-            <a:off x="182880" y="1069848"/>
-            <a:ext cx="5486400" cy="3895200"/>
-          </a:xfrm>
-          <a:prstGeom prst="rect">
-            <a:avLst/>
-          </a:prstGeom>
-        </p:spPr>
-        <p:txBody>
-          <a:bodyPr spcFirstLastPara="1" wrap="square" lIns="91425" tIns="91425" rIns="91425" bIns="91425" anchor="t" anchorCtr="0">
-            <a:noAutofit/>
-          </a:bodyPr>
-          <a:lstStyle/>
-          <a:p>
-            <a:pPr marL="0" lvl="0" indent="0" algn="l" rtl="0">
-              <a:lnSpc>
-                <a:spcPct val="115000"/>
-              </a:lnSpc>
-              <a:spcBef>
-                <a:spcPts val="0"/>
-              </a:spcBef>
-              <a:spcAft>
-                <a:spcPts val="0"/>
-              </a:spcAft>
-              <a:buNone/>
-            </a:pPr>
-            <a:r>
-              <a:rPr lang="en" sz="900" i="1">
-                <a:solidFill>
-                  <a:schemeClr val="lt1"/>
-                </a:solidFill>
-                <a:latin typeface="Helvetica Neue"/>
-                <a:ea typeface="Helvetica Neue"/>
-                <a:cs typeface="Helvetica Neue"/>
-                <a:sym typeface="Helvetica Neue"/>
-              </a:rPr>
-              <a:t>Show your best examples, do not go overboard, add in short description, you are free to alter this layout (or add slides per evidence) to suit your needs. Just be sure that it is clear.</a:t>
-            </a:r>
-            <a:endParaRPr sz="900">
-              <a:solidFill>
-                <a:schemeClr val="lt1"/>
-              </a:solidFill>
-            </a:endParaRPr>
-          </a:p>
-          <a:p>
-            <a:pPr marL="0" lvl="0" indent="0" algn="l" rtl="0">
-              <a:lnSpc>
-                <a:spcPct val="115000"/>
-              </a:lnSpc>
-              <a:spcBef>
-                <a:spcPts val="0"/>
-              </a:spcBef>
-              <a:spcAft>
-                <a:spcPts val="0"/>
-              </a:spcAft>
-              <a:buNone/>
-            </a:pPr>
-            <a:endParaRPr sz="700" i="1">
-              <a:solidFill>
-                <a:schemeClr val="lt1"/>
-              </a:solidFill>
-              <a:latin typeface="Helvetica Neue"/>
-              <a:ea typeface="Helvetica Neue"/>
-              <a:cs typeface="Helvetica Neue"/>
-              <a:sym typeface="Helvetica Neue"/>
-            </a:endParaRPr>
-          </a:p>
-        </p:txBody>
-      </p:sp>
-      <p:sp>
-        <p:nvSpPr>
-          <p:cNvPr id="396" name="Google Shape;396;p42"/>
-          <p:cNvSpPr txBox="1">
-            <a:spLocks noGrp="1"/>
-          </p:cNvSpPr>
-          <p:nvPr>
-            <p:ph type="title" idx="3"/>
-          </p:nvPr>
-        </p:nvSpPr>
-        <p:spPr>
-          <a:xfrm>
-            <a:off x="2049462" y="0"/>
-            <a:ext cx="4206300" cy="576000"/>
-          </a:xfrm>
-          <a:prstGeom prst="rect">
-            <a:avLst/>
-          </a:prstGeom>
-        </p:spPr>
-        <p:txBody>
-          <a:bodyPr spcFirstLastPara="1" wrap="square" lIns="91425" tIns="91425" rIns="91425" bIns="91425" anchor="ctr" anchorCtr="0">
-            <a:noAutofit/>
-          </a:bodyPr>
-          <a:lstStyle/>
-          <a:p>
-            <a:pPr marL="0" lvl="0" indent="0" algn="l" rtl="0">
-              <a:spcBef>
-                <a:spcPts val="0"/>
-              </a:spcBef>
-              <a:spcAft>
-                <a:spcPts val="0"/>
-              </a:spcAft>
-              <a:buNone/>
-            </a:pPr>
-            <a:r>
-              <a:rPr lang="en-GB" dirty="0"/>
-              <a:t>Demonstrates professional </a:t>
-            </a:r>
-            <a:r>
-              <a:rPr lang="en-GB" dirty="0" err="1"/>
-              <a:t>behavior</a:t>
-            </a:r>
-            <a:r>
-              <a:rPr lang="en-GB" dirty="0"/>
-              <a:t> as well as accountability and ethics in the application of industry best practices for planning, communication, collaboration, and responsible execution of work assignments,.</a:t>
-            </a:r>
-          </a:p>
-        </p:txBody>
-      </p:sp>
-      <p:sp>
-        <p:nvSpPr>
-          <p:cNvPr id="397" name="Google Shape;397;p42"/>
-          <p:cNvSpPr txBox="1">
-            <a:spLocks noGrp="1"/>
-          </p:cNvSpPr>
-          <p:nvPr>
-            <p:ph type="title" idx="4"/>
-          </p:nvPr>
-        </p:nvSpPr>
-        <p:spPr>
-          <a:xfrm>
-            <a:off x="68250" y="576000"/>
-            <a:ext cx="839700" cy="493800"/>
-          </a:xfrm>
-          <a:prstGeom prst="rect">
-            <a:avLst/>
-          </a:prstGeom>
-        </p:spPr>
-        <p:txBody>
-          <a:bodyPr spcFirstLastPara="1" wrap="square" lIns="91425" tIns="91425" rIns="91425" bIns="91425" anchor="ctr" anchorCtr="0">
-            <a:noAutofit/>
-          </a:bodyPr>
-          <a:lstStyle/>
-          <a:p>
-            <a:pPr marL="0" lvl="0" indent="0" algn="l" rtl="0">
-              <a:spcBef>
-                <a:spcPts val="0"/>
-              </a:spcBef>
-              <a:spcAft>
-                <a:spcPts val="0"/>
-              </a:spcAft>
-              <a:buNone/>
-            </a:pPr>
-            <a:r>
-              <a:rPr lang="en" dirty="0"/>
-              <a:t>1.</a:t>
-            </a:r>
-            <a:r>
-              <a:rPr lang="en-NL" dirty="0"/>
               <a:t>6</a:t>
             </a:r>
             <a:endParaRPr dirty="0"/>
@@ -25178,7 +24213,7 @@
 </p:sld>
 </file>
 
-<file path=ppt/slides/slide33.xml><?xml version="1.0" encoding="utf-8"?>
+<file path=ppt/slides/slide31.xml><?xml version="1.0" encoding="utf-8"?>
 <p:sld xmlns:a="http://schemas.openxmlformats.org/drawingml/2006/main" xmlns:r="http://schemas.openxmlformats.org/officeDocument/2006/relationships" xmlns:p="http://schemas.openxmlformats.org/presentationml/2006/main">
   <p:cSld>
     <p:spTree>
@@ -25411,7 +24446,7 @@
 </p:sld>
 </file>
 
-<file path=ppt/slides/slide34.xml><?xml version="1.0" encoding="utf-8"?>
+<file path=ppt/slides/slide32.xml><?xml version="1.0" encoding="utf-8"?>
 <p:sld xmlns:a="http://schemas.openxmlformats.org/drawingml/2006/main" xmlns:r="http://schemas.openxmlformats.org/officeDocument/2006/relationships" xmlns:p="http://schemas.openxmlformats.org/presentationml/2006/main">
   <p:cSld>
     <p:spTree>
@@ -25733,6 +24768,550 @@
               <a:t>Professional Practice</a:t>
             </a:r>
             <a:endParaRPr/>
+          </a:p>
+        </p:txBody>
+      </p:sp>
+    </p:spTree>
+  </p:cSld>
+  <p:clrMapOvr>
+    <a:masterClrMapping/>
+  </p:clrMapOvr>
+</p:sld>
+</file>
+
+<file path=ppt/slides/slide33.xml><?xml version="1.0" encoding="utf-8"?>
+<p:sld xmlns:a="http://schemas.openxmlformats.org/drawingml/2006/main" xmlns:r="http://schemas.openxmlformats.org/officeDocument/2006/relationships" xmlns:p="http://schemas.openxmlformats.org/presentationml/2006/main">
+  <p:cSld>
+    <p:spTree>
+      <p:nvGrpSpPr>
+        <p:cNvPr id="1" name="Shape 466"/>
+        <p:cNvGrpSpPr/>
+        <p:nvPr/>
+      </p:nvGrpSpPr>
+      <p:grpSpPr>
+        <a:xfrm>
+          <a:off x="0" y="0"/>
+          <a:ext cx="0" cy="0"/>
+          <a:chOff x="0" y="0"/>
+          <a:chExt cx="0" cy="0"/>
+        </a:xfrm>
+      </p:grpSpPr>
+      <p:sp>
+        <p:nvSpPr>
+          <p:cNvPr id="467" name="Google Shape;467;p49"/>
+          <p:cNvSpPr txBox="1">
+            <a:spLocks noGrp="1"/>
+          </p:cNvSpPr>
+          <p:nvPr>
+            <p:ph type="ctrTitle"/>
+          </p:nvPr>
+        </p:nvSpPr>
+        <p:spPr>
+          <a:xfrm>
+            <a:off x="2286000" y="1104139"/>
+            <a:ext cx="6400800" cy="1501800"/>
+          </a:xfrm>
+          <a:prstGeom prst="rect">
+            <a:avLst/>
+          </a:prstGeom>
+        </p:spPr>
+        <p:txBody>
+          <a:bodyPr spcFirstLastPara="1" wrap="square" lIns="91425" tIns="91425" rIns="91425" bIns="91425" anchor="ctr" anchorCtr="0">
+            <a:noAutofit/>
+          </a:bodyPr>
+          <a:lstStyle/>
+          <a:p>
+            <a:pPr marL="0" lvl="0" indent="0" algn="ctr" rtl="0">
+              <a:spcBef>
+                <a:spcPts val="0"/>
+              </a:spcBef>
+              <a:spcAft>
+                <a:spcPts val="0"/>
+              </a:spcAft>
+              <a:buNone/>
+            </a:pPr>
+            <a:r>
+              <a:rPr lang="en"/>
+              <a:t>ILO 3</a:t>
+            </a:r>
+            <a:endParaRPr/>
+          </a:p>
+        </p:txBody>
+      </p:sp>
+      <p:sp>
+        <p:nvSpPr>
+          <p:cNvPr id="468" name="Google Shape;468;p49"/>
+          <p:cNvSpPr txBox="1">
+            <a:spLocks noGrp="1"/>
+          </p:cNvSpPr>
+          <p:nvPr>
+            <p:ph type="subTitle" idx="1"/>
+          </p:nvPr>
+        </p:nvSpPr>
+        <p:spPr>
+          <a:xfrm>
+            <a:off x="2286000" y="2503171"/>
+            <a:ext cx="6400800" cy="685800"/>
+          </a:xfrm>
+          <a:prstGeom prst="rect">
+            <a:avLst/>
+          </a:prstGeom>
+        </p:spPr>
+        <p:txBody>
+          <a:bodyPr spcFirstLastPara="1" wrap="square" lIns="91425" tIns="91425" rIns="91425" bIns="91425" anchor="ctr" anchorCtr="0">
+            <a:noAutofit/>
+          </a:bodyPr>
+          <a:lstStyle/>
+          <a:p>
+            <a:pPr marL="0" lvl="0" indent="0" algn="ctr" rtl="0">
+              <a:spcBef>
+                <a:spcPts val="0"/>
+              </a:spcBef>
+              <a:spcAft>
+                <a:spcPts val="0"/>
+              </a:spcAft>
+              <a:buNone/>
+            </a:pPr>
+            <a:r>
+              <a:rPr lang="en-NL" dirty="0"/>
+              <a:t>Legal</a:t>
+            </a:r>
+            <a:endParaRPr dirty="0"/>
+          </a:p>
+        </p:txBody>
+      </p:sp>
+      <p:sp>
+        <p:nvSpPr>
+          <p:cNvPr id="469" name="Google Shape;469;p49"/>
+          <p:cNvSpPr txBox="1">
+            <a:spLocks noGrp="1"/>
+          </p:cNvSpPr>
+          <p:nvPr>
+            <p:ph type="subTitle" idx="2"/>
+          </p:nvPr>
+        </p:nvSpPr>
+        <p:spPr>
+          <a:xfrm>
+            <a:off x="3200400" y="3353563"/>
+            <a:ext cx="5486400" cy="685800"/>
+          </a:xfrm>
+          <a:prstGeom prst="rect">
+            <a:avLst/>
+          </a:prstGeom>
+        </p:spPr>
+        <p:txBody>
+          <a:bodyPr spcFirstLastPara="1" wrap="square" lIns="91425" tIns="91425" rIns="91425" bIns="91425" anchor="ctr" anchorCtr="0">
+            <a:noAutofit/>
+          </a:bodyPr>
+          <a:lstStyle/>
+          <a:p>
+            <a:pPr marL="0" lvl="0" indent="0" algn="r" rtl="0">
+              <a:spcBef>
+                <a:spcPts val="0"/>
+              </a:spcBef>
+              <a:spcAft>
+                <a:spcPts val="0"/>
+              </a:spcAft>
+              <a:buNone/>
+            </a:pPr>
+            <a:r>
+              <a:rPr lang="en-GB" dirty="0"/>
+              <a:t>The student demonstrates the basic knowledge of legal frameworks governing AI by providing evidence of legal decision-making while working with privacy-sensitive data.</a:t>
+            </a:r>
+            <a:endParaRPr dirty="0"/>
+          </a:p>
+        </p:txBody>
+      </p:sp>
+      <p:sp>
+        <p:nvSpPr>
+          <p:cNvPr id="470" name="Google Shape;470;p49"/>
+          <p:cNvSpPr txBox="1"/>
+          <p:nvPr/>
+        </p:nvSpPr>
+        <p:spPr>
+          <a:xfrm>
+            <a:off x="-420624" y="749808"/>
+            <a:ext cx="3383400" cy="5120700"/>
+          </a:xfrm>
+          <a:prstGeom prst="rect">
+            <a:avLst/>
+          </a:prstGeom>
+          <a:noFill/>
+          <a:ln>
+            <a:noFill/>
+          </a:ln>
+        </p:spPr>
+        <p:txBody>
+          <a:bodyPr spcFirstLastPara="1" wrap="square" lIns="0" tIns="0" rIns="0" bIns="0" anchor="ctr" anchorCtr="0">
+            <a:noAutofit/>
+          </a:bodyPr>
+          <a:lstStyle/>
+          <a:p>
+            <a:pPr marL="0" lvl="0" indent="0" algn="l" rtl="0">
+              <a:spcBef>
+                <a:spcPts val="0"/>
+              </a:spcBef>
+              <a:spcAft>
+                <a:spcPts val="0"/>
+              </a:spcAft>
+              <a:buNone/>
+            </a:pPr>
+            <a:r>
+              <a:rPr lang="en" sz="40000">
+                <a:solidFill>
+                  <a:srgbClr val="999999"/>
+                </a:solidFill>
+                <a:latin typeface="Roboto"/>
+                <a:ea typeface="Roboto"/>
+                <a:cs typeface="Roboto"/>
+                <a:sym typeface="Roboto"/>
+              </a:rPr>
+              <a:t>3</a:t>
+            </a:r>
+            <a:endParaRPr sz="40000">
+              <a:solidFill>
+                <a:srgbClr val="999999"/>
+              </a:solidFill>
+              <a:latin typeface="Roboto"/>
+              <a:ea typeface="Roboto"/>
+              <a:cs typeface="Roboto"/>
+              <a:sym typeface="Roboto"/>
+            </a:endParaRPr>
+          </a:p>
+        </p:txBody>
+      </p:sp>
+    </p:spTree>
+  </p:cSld>
+  <p:clrMapOvr>
+    <a:masterClrMapping/>
+  </p:clrMapOvr>
+</p:sld>
+</file>
+
+<file path=ppt/slides/slide34.xml><?xml version="1.0" encoding="utf-8"?>
+<p:sld xmlns:a="http://schemas.openxmlformats.org/drawingml/2006/main" xmlns:r="http://schemas.openxmlformats.org/officeDocument/2006/relationships" xmlns:p="http://schemas.openxmlformats.org/presentationml/2006/main">
+  <p:cSld>
+    <p:spTree>
+      <p:nvGrpSpPr>
+        <p:cNvPr id="1" name="Shape 474"/>
+        <p:cNvGrpSpPr/>
+        <p:nvPr/>
+      </p:nvGrpSpPr>
+      <p:grpSpPr>
+        <a:xfrm>
+          <a:off x="0" y="0"/>
+          <a:ext cx="0" cy="0"/>
+          <a:chOff x="0" y="0"/>
+          <a:chExt cx="0" cy="0"/>
+        </a:xfrm>
+      </p:grpSpPr>
+      <p:sp>
+        <p:nvSpPr>
+          <p:cNvPr id="475" name="Google Shape;475;p50"/>
+          <p:cNvSpPr txBox="1">
+            <a:spLocks noGrp="1"/>
+          </p:cNvSpPr>
+          <p:nvPr>
+            <p:ph type="title"/>
+          </p:nvPr>
+        </p:nvSpPr>
+        <p:spPr>
+          <a:xfrm>
+            <a:off x="68250" y="0"/>
+            <a:ext cx="777300" cy="576000"/>
+          </a:xfrm>
+          <a:prstGeom prst="rect">
+            <a:avLst/>
+          </a:prstGeom>
+        </p:spPr>
+        <p:txBody>
+          <a:bodyPr spcFirstLastPara="1" wrap="square" lIns="91425" tIns="91425" rIns="91425" bIns="91425" anchor="ctr" anchorCtr="0">
+            <a:noAutofit/>
+          </a:bodyPr>
+          <a:lstStyle/>
+          <a:p>
+            <a:pPr marL="0" lvl="0" indent="0" algn="l" rtl="0">
+              <a:spcBef>
+                <a:spcPts val="0"/>
+              </a:spcBef>
+              <a:spcAft>
+                <a:spcPts val="0"/>
+              </a:spcAft>
+              <a:buNone/>
+            </a:pPr>
+            <a:r>
+              <a:rPr lang="en" dirty="0"/>
+              <a:t>ILO 3</a:t>
+            </a:r>
+            <a:endParaRPr dirty="0"/>
+          </a:p>
+        </p:txBody>
+      </p:sp>
+      <p:sp>
+        <p:nvSpPr>
+          <p:cNvPr id="476" name="Google Shape;476;p50"/>
+          <p:cNvSpPr txBox="1">
+            <a:spLocks noGrp="1"/>
+          </p:cNvSpPr>
+          <p:nvPr>
+            <p:ph type="title" idx="2"/>
+          </p:nvPr>
+        </p:nvSpPr>
+        <p:spPr>
+          <a:xfrm>
+            <a:off x="7068300" y="0"/>
+            <a:ext cx="1984200" cy="576000"/>
+          </a:xfrm>
+          <a:prstGeom prst="rect">
+            <a:avLst/>
+          </a:prstGeom>
+        </p:spPr>
+        <p:txBody>
+          <a:bodyPr spcFirstLastPara="1" wrap="square" lIns="91425" tIns="91425" rIns="91425" bIns="91425" anchor="b" anchorCtr="0">
+            <a:noAutofit/>
+          </a:bodyPr>
+          <a:lstStyle/>
+          <a:p>
+            <a:pPr marL="0" lvl="0" indent="0" algn="r" rtl="0">
+              <a:spcBef>
+                <a:spcPts val="0"/>
+              </a:spcBef>
+              <a:spcAft>
+                <a:spcPts val="0"/>
+              </a:spcAft>
+              <a:buNone/>
+            </a:pPr>
+            <a:r>
+              <a:rPr lang="en"/>
+              <a:t>1/1</a:t>
+            </a:r>
+            <a:endParaRPr/>
+          </a:p>
+        </p:txBody>
+      </p:sp>
+      <p:sp>
+        <p:nvSpPr>
+          <p:cNvPr id="477" name="Google Shape;477;p50"/>
+          <p:cNvSpPr txBox="1">
+            <a:spLocks noGrp="1"/>
+          </p:cNvSpPr>
+          <p:nvPr>
+            <p:ph type="body" idx="1"/>
+          </p:nvPr>
+        </p:nvSpPr>
+        <p:spPr>
+          <a:xfrm>
+            <a:off x="182880" y="1069848"/>
+            <a:ext cx="5486400" cy="3895200"/>
+          </a:xfrm>
+          <a:prstGeom prst="rect">
+            <a:avLst/>
+          </a:prstGeom>
+        </p:spPr>
+        <p:txBody>
+          <a:bodyPr spcFirstLastPara="1" wrap="square" lIns="91425" tIns="91425" rIns="91425" bIns="91425" anchor="t" anchorCtr="0">
+            <a:noAutofit/>
+          </a:bodyPr>
+          <a:lstStyle/>
+          <a:p>
+            <a:pPr marL="0" lvl="0" indent="0" algn="l" rtl="0">
+              <a:lnSpc>
+                <a:spcPct val="115000"/>
+              </a:lnSpc>
+              <a:spcBef>
+                <a:spcPts val="0"/>
+              </a:spcBef>
+              <a:spcAft>
+                <a:spcPts val="0"/>
+              </a:spcAft>
+              <a:buNone/>
+            </a:pPr>
+            <a:r>
+              <a:rPr lang="en" sz="900" i="1" dirty="0">
+                <a:solidFill>
+                  <a:schemeClr val="lt1"/>
+                </a:solidFill>
+                <a:latin typeface="Helvetica Neue"/>
+                <a:ea typeface="Helvetica Neue"/>
+                <a:cs typeface="Helvetica Neue"/>
+                <a:sym typeface="Helvetica Neue"/>
+              </a:rPr>
+              <a:t>Show your best examples, do not go overboard, add in short description, you are free to alter this layout (or add slides per evidence) to suit your needs. Just be sure that it is clear.</a:t>
+            </a:r>
+            <a:endParaRPr sz="900" dirty="0">
+              <a:solidFill>
+                <a:schemeClr val="lt1"/>
+              </a:solidFill>
+            </a:endParaRPr>
+          </a:p>
+          <a:p>
+            <a:pPr marL="0" lvl="0" indent="0" algn="l" rtl="0">
+              <a:lnSpc>
+                <a:spcPct val="115000"/>
+              </a:lnSpc>
+              <a:spcBef>
+                <a:spcPts val="0"/>
+              </a:spcBef>
+              <a:spcAft>
+                <a:spcPts val="0"/>
+              </a:spcAft>
+              <a:buNone/>
+            </a:pPr>
+            <a:endParaRPr sz="700" i="1" dirty="0">
+              <a:solidFill>
+                <a:schemeClr val="lt1"/>
+              </a:solidFill>
+              <a:latin typeface="Helvetica Neue"/>
+              <a:ea typeface="Helvetica Neue"/>
+              <a:cs typeface="Helvetica Neue"/>
+              <a:sym typeface="Helvetica Neue"/>
+            </a:endParaRPr>
+          </a:p>
+        </p:txBody>
+      </p:sp>
+      <p:sp>
+        <p:nvSpPr>
+          <p:cNvPr id="479" name="Google Shape;479;p50"/>
+          <p:cNvSpPr txBox="1">
+            <a:spLocks noGrp="1"/>
+          </p:cNvSpPr>
+          <p:nvPr>
+            <p:ph type="title" idx="4"/>
+          </p:nvPr>
+        </p:nvSpPr>
+        <p:spPr>
+          <a:xfrm>
+            <a:off x="68250" y="576000"/>
+            <a:ext cx="839700" cy="493800"/>
+          </a:xfrm>
+          <a:prstGeom prst="rect">
+            <a:avLst/>
+          </a:prstGeom>
+        </p:spPr>
+        <p:txBody>
+          <a:bodyPr spcFirstLastPara="1" wrap="square" lIns="91425" tIns="91425" rIns="91425" bIns="91425" anchor="ctr" anchorCtr="0">
+            <a:noAutofit/>
+          </a:bodyPr>
+          <a:lstStyle/>
+          <a:p>
+            <a:pPr marL="0" lvl="0" indent="0" algn="l" rtl="0">
+              <a:spcBef>
+                <a:spcPts val="0"/>
+              </a:spcBef>
+              <a:spcAft>
+                <a:spcPts val="0"/>
+              </a:spcAft>
+              <a:buNone/>
+            </a:pPr>
+            <a:r>
+              <a:rPr lang="en">
+                <a:solidFill>
+                  <a:srgbClr val="FFFFFF"/>
+                </a:solidFill>
+              </a:rPr>
+              <a:t>3.1</a:t>
+            </a:r>
+            <a:endParaRPr>
+              <a:solidFill>
+                <a:srgbClr val="FFFFFF"/>
+              </a:solidFill>
+            </a:endParaRPr>
+          </a:p>
+        </p:txBody>
+      </p:sp>
+      <p:sp>
+        <p:nvSpPr>
+          <p:cNvPr id="480" name="Google Shape;480;p50"/>
+          <p:cNvSpPr txBox="1">
+            <a:spLocks noGrp="1"/>
+          </p:cNvSpPr>
+          <p:nvPr>
+            <p:ph type="title" idx="5"/>
+          </p:nvPr>
+        </p:nvSpPr>
+        <p:spPr>
+          <a:xfrm>
+            <a:off x="845550" y="576000"/>
+            <a:ext cx="7315200" cy="493800"/>
+          </a:xfrm>
+          <a:prstGeom prst="rect">
+            <a:avLst/>
+          </a:prstGeom>
+        </p:spPr>
+        <p:txBody>
+          <a:bodyPr spcFirstLastPara="1" wrap="square" lIns="91425" tIns="91425" rIns="91425" bIns="91425" anchor="ctr" anchorCtr="0">
+            <a:noAutofit/>
+          </a:bodyPr>
+          <a:lstStyle/>
+          <a:p>
+            <a:pPr marL="0" lvl="0" indent="0" algn="l" rtl="0">
+              <a:spcBef>
+                <a:spcPts val="0"/>
+              </a:spcBef>
+              <a:spcAft>
+                <a:spcPts val="0"/>
+              </a:spcAft>
+              <a:buNone/>
+            </a:pPr>
+            <a:r>
+              <a:rPr lang="en-GB" dirty="0"/>
+              <a:t> Demonstrates the basic knowledge of legal frameworks governing AI by providing evidence of legal decision-making while working with privacy-sensitive data.</a:t>
+            </a:r>
+            <a:endParaRPr dirty="0"/>
+          </a:p>
+        </p:txBody>
+      </p:sp>
+      <p:sp>
+        <p:nvSpPr>
+          <p:cNvPr id="8" name="Google Shape;459;p48">
+            <a:extLst>
+              <a:ext uri="{FF2B5EF4-FFF2-40B4-BE49-F238E27FC236}">
+                <a16:creationId xmlns:a16="http://schemas.microsoft.com/office/drawing/2014/main" id="{DE8B85CC-86BE-FFBA-5E25-9E5D1318CD48}"/>
+              </a:ext>
+            </a:extLst>
+          </p:cNvPr>
+          <p:cNvSpPr txBox="1">
+            <a:spLocks noGrp="1"/>
+          </p:cNvSpPr>
+          <p:nvPr>
+            <p:ph type="title" idx="3"/>
+          </p:nvPr>
+        </p:nvSpPr>
+        <p:spPr>
+          <a:xfrm>
+            <a:off x="2049462" y="0"/>
+            <a:ext cx="4206300" cy="576000"/>
+          </a:xfrm>
+          <a:prstGeom prst="rect">
+            <a:avLst/>
+          </a:prstGeom>
+        </p:spPr>
+        <p:txBody>
+          <a:bodyPr spcFirstLastPara="1" wrap="square" lIns="91425" tIns="91425" rIns="91425" bIns="91425" anchor="ctr" anchorCtr="0">
+            <a:noAutofit/>
+          </a:bodyPr>
+          <a:lstStyle/>
+          <a:p>
+            <a:pPr marL="0" lvl="0" indent="0" algn="l" rtl="0">
+              <a:spcBef>
+                <a:spcPts val="0"/>
+              </a:spcBef>
+              <a:spcAft>
+                <a:spcPts val="0"/>
+              </a:spcAft>
+              <a:buNone/>
+            </a:pPr>
+            <a:r>
+              <a:rPr lang="en-GB" dirty="0"/>
+              <a:t>Demonstrates self-exploration and personal development, good academic practices in learning how to learn and the acquisition of professional knowledge through research, study, analysis, applied practice, discussion and The student demonstrates the basic knowledge of legal frameworks governing AI by providing evidence of legal decision-making while working with privacy-sensitive data.</a:t>
+            </a:r>
+            <a:br>
+              <a:rPr lang="en-GB" dirty="0"/>
+            </a:br>
+            <a:r>
+              <a:rPr lang="en-GB" dirty="0"/>
+              <a:t>.</a:t>
+            </a:r>
           </a:p>
         </p:txBody>
       </p:sp>
@@ -25797,7 +25376,7 @@
             </a:pPr>
             <a:r>
               <a:rPr lang="en"/>
-              <a:t>ILO 3</a:t>
+              <a:t>ILO 4</a:t>
             </a:r>
             <a:endParaRPr/>
           </a:p>
@@ -25838,8 +25417,16 @@
               <a:buNone/>
             </a:pPr>
             <a:r>
+              <a:rPr lang="en-US" dirty="0"/>
+              <a:t>Business </a:t>
+            </a:r>
+            <a:r>
+              <a:rPr lang="en-US" dirty="0" err="1"/>
+              <a:t>understandin</a:t>
+            </a:r>
+            <a:r>
               <a:rPr lang="en-NL" dirty="0"/>
-              <a:t>Legal</a:t>
+              <a:t>g</a:t>
             </a:r>
             <a:endParaRPr dirty="0"/>
           </a:p>
@@ -25881,7 +25468,7 @@
             </a:pPr>
             <a:r>
               <a:rPr lang="en-GB" dirty="0"/>
-              <a:t>The student demonstrates the basic knowledge of legal frameworks governing AI by providing evidence of legal decision-making while working with privacy-sensitive data.</a:t>
+              <a:t>The student is able to determine business objectives,  and produce a project plan.</a:t>
             </a:r>
             <a:endParaRPr dirty="0"/>
           </a:p>
@@ -25931,7 +25518,7 @@
                 <a:cs typeface="Roboto"/>
                 <a:sym typeface="Roboto"/>
               </a:rPr>
-              <a:t>3</a:t>
+              <a:t>4</a:t>
             </a:r>
             <a:endParaRPr sz="40000">
               <a:solidFill>
@@ -25946,6 +25533,11 @@
         </p:txBody>
       </p:sp>
     </p:spTree>
+    <p:extLst>
+      <p:ext uri="{BB962C8B-B14F-4D97-AF65-F5344CB8AC3E}">
+        <p14:creationId xmlns:p14="http://schemas.microsoft.com/office/powerpoint/2010/main" val="4111561620"/>
+      </p:ext>
+    </p:extLst>
   </p:cSld>
   <p:clrMapOvr>
     <a:masterClrMapping/>
@@ -26005,10 +25597,10 @@
               <a:buNone/>
             </a:pPr>
             <a:r>
-              <a:rPr lang="en" dirty="0"/>
-              <a:t>ILO 3</a:t>
-            </a:r>
-            <a:endParaRPr dirty="0"/>
+              <a:rPr lang="en"/>
+              <a:t>ILO 4</a:t>
+            </a:r>
+            <a:endParaRPr/>
           </a:p>
         </p:txBody>
       </p:sp>
@@ -26092,7 +25684,7 @@
               <a:buNone/>
             </a:pPr>
             <a:r>
-              <a:rPr lang="en" sz="900" i="1" dirty="0">
+              <a:rPr lang="en" sz="900" i="1">
                 <a:solidFill>
                   <a:schemeClr val="lt1"/>
                 </a:solidFill>
@@ -26103,7 +25695,7 @@
               </a:rPr>
               <a:t>Show your best examples, do not go overboard, add in short description, you are free to alter this layout (or add slides per evidence) to suit your needs. Just be sure that it is clear.</a:t>
             </a:r>
-            <a:endParaRPr sz="900" dirty="0">
+            <a:endParaRPr sz="900">
               <a:solidFill>
                 <a:schemeClr val="lt1"/>
               </a:solidFill>
@@ -26122,7 +25714,7 @@
               </a:spcAft>
               <a:buNone/>
             </a:pPr>
-            <a:endParaRPr sz="700" i="1" dirty="0">
+            <a:endParaRPr sz="700" i="1">
               <a:solidFill>
                 <a:schemeClr val="lt1"/>
               </a:solidFill>
@@ -26169,12 +25761,16 @@
               <a:buNone/>
             </a:pPr>
             <a:r>
+              <a:rPr lang="en"/>
+              <a:t>4</a:t>
+            </a:r>
+            <a:r>
               <a:rPr lang="en">
                 <a:solidFill>
                   <a:srgbClr val="FFFFFF"/>
                 </a:solidFill>
               </a:rPr>
-              <a:t>3.1</a:t>
+              <a:t>.1</a:t>
             </a:r>
             <a:endParaRPr>
               <a:solidFill>
@@ -26220,7 +25816,7 @@
             </a:pPr>
             <a:r>
               <a:rPr lang="en-GB" dirty="0"/>
-              <a:t> Demonstrates the basic knowledge of legal frameworks governing AI by providing evidence of legal decision-making while working with privacy-sensitive data.</a:t>
+              <a:t>The student is able to show understanding of the business understanding phase by writing a project plan. </a:t>
             </a:r>
             <a:endParaRPr dirty="0"/>
           </a:p>
@@ -26228,10 +25824,10 @@
       </p:sp>
       <p:sp>
         <p:nvSpPr>
-          <p:cNvPr id="8" name="Google Shape;459;p48">
+          <p:cNvPr id="7" name="Google Shape;459;p48">
             <a:extLst>
               <a:ext uri="{FF2B5EF4-FFF2-40B4-BE49-F238E27FC236}">
-                <a16:creationId xmlns:a16="http://schemas.microsoft.com/office/drawing/2014/main" id="{DE8B85CC-86BE-FFBA-5E25-9E5D1318CD48}"/>
+                <a16:creationId xmlns:a16="http://schemas.microsoft.com/office/drawing/2014/main" id="{53BB9E1B-97C5-2DA9-6DD8-8B90626EFB7C}"/>
               </a:ext>
             </a:extLst>
           </p:cNvPr>
@@ -26268,19 +25864,17 @@
             </a:pPr>
             <a:r>
               <a:rPr lang="en-GB" dirty="0"/>
-              <a:t>Demonstrates self-exploration and personal development, good academic practices in learning how to learn and the acquisition of professional knowledge through research, study, analysis, applied practice, discussion and The student demonstrates the basic knowledge of legal frameworks governing AI by providing evidence of legal decision-making while working with privacy-sensitive data.</a:t>
-            </a:r>
-            <a:br>
-              <a:rPr lang="en-GB" dirty="0"/>
-            </a:br>
-            <a:r>
-              <a:rPr lang="en-GB" dirty="0"/>
-              <a:t>.</a:t>
+              <a:t>The student is able to determine business objectives,  and produce a project plan.</a:t>
             </a:r>
           </a:p>
         </p:txBody>
       </p:sp>
     </p:spTree>
+    <p:extLst>
+      <p:ext uri="{BB962C8B-B14F-4D97-AF65-F5344CB8AC3E}">
+        <p14:creationId xmlns:p14="http://schemas.microsoft.com/office/powerpoint/2010/main" val="3889067802"/>
+      </p:ext>
+    </p:extLst>
   </p:cSld>
   <p:clrMapOvr>
     <a:masterClrMapping/>
@@ -26341,7 +25935,7 @@
             </a:pPr>
             <a:r>
               <a:rPr lang="en"/>
-              <a:t>ILO 4</a:t>
+              <a:t>ILO 5</a:t>
             </a:r>
             <a:endParaRPr/>
           </a:p>
@@ -26383,15 +25977,7 @@
             </a:pPr>
             <a:r>
               <a:rPr lang="en-US" dirty="0"/>
-              <a:t>Business </a:t>
-            </a:r>
-            <a:r>
-              <a:rPr lang="en-US" dirty="0" err="1"/>
-              <a:t>understandin</a:t>
-            </a:r>
-            <a:r>
-              <a:rPr lang="en-NL" dirty="0"/>
-              <a:t>g</a:t>
+              <a:t>Data Modelling and Evaluation</a:t>
             </a:r>
             <a:endParaRPr dirty="0"/>
           </a:p>
@@ -26433,7 +26019,7 @@
             </a:pPr>
             <a:r>
               <a:rPr lang="en-GB" dirty="0"/>
-              <a:t>The student is able to determine business objectives,  and produce a project plan.</a:t>
+              <a:t>The student is able to collect, combine, and explore the data. Further, they can assess data quality, and provide recommendations to improve the data management strategy. </a:t>
             </a:r>
             <a:endParaRPr dirty="0"/>
           </a:p>
@@ -26483,7 +26069,7 @@
                 <a:cs typeface="Roboto"/>
                 <a:sym typeface="Roboto"/>
               </a:rPr>
-              <a:t>4</a:t>
+              <a:t>5</a:t>
             </a:r>
             <a:endParaRPr sz="40000">
               <a:solidFill>
@@ -26500,7 +26086,7 @@
     </p:spTree>
     <p:extLst>
       <p:ext uri="{BB962C8B-B14F-4D97-AF65-F5344CB8AC3E}">
-        <p14:creationId xmlns:p14="http://schemas.microsoft.com/office/powerpoint/2010/main" val="4111561620"/>
+        <p14:creationId xmlns:p14="http://schemas.microsoft.com/office/powerpoint/2010/main" val="838485390"/>
       </p:ext>
     </p:extLst>
   </p:cSld>
@@ -26563,7 +26149,7 @@
             </a:pPr>
             <a:r>
               <a:rPr lang="en"/>
-              <a:t>ILO 4</a:t>
+              <a:t>ILO 5</a:t>
             </a:r>
             <a:endParaRPr/>
           </a:p>
@@ -26726,16 +26312,12 @@
               <a:buNone/>
             </a:pPr>
             <a:r>
-              <a:rPr lang="en"/>
-              <a:t>4</a:t>
-            </a:r>
-            <a:r>
               <a:rPr lang="en">
                 <a:solidFill>
                   <a:srgbClr val="FFFFFF"/>
                 </a:solidFill>
               </a:rPr>
-              <a:t>.1</a:t>
+              <a:t>5.1</a:t>
             </a:r>
             <a:endParaRPr>
               <a:solidFill>
@@ -26781,7 +26363,15 @@
             </a:pPr>
             <a:r>
               <a:rPr lang="en-GB" dirty="0"/>
-              <a:t>The student is able to show understanding of the business understanding phase by writing a project plan. </a:t>
+              <a:t>Shows understanding of the data understanding and preparation stage by </a:t>
+            </a:r>
+            <a:r>
+              <a:rPr lang="en-GB" dirty="0" err="1"/>
+              <a:t>preprocessing</a:t>
+            </a:r>
+            <a:r>
+              <a:rPr lang="en-GB" dirty="0"/>
+              <a:t> a dataset which is suited for further modelling. </a:t>
             </a:r>
             <a:endParaRPr dirty="0"/>
           </a:p>
@@ -26789,10 +26379,10 @@
       </p:sp>
       <p:sp>
         <p:nvSpPr>
-          <p:cNvPr id="7" name="Google Shape;459;p48">
+          <p:cNvPr id="9" name="Google Shape;459;p48">
             <a:extLst>
               <a:ext uri="{FF2B5EF4-FFF2-40B4-BE49-F238E27FC236}">
-                <a16:creationId xmlns:a16="http://schemas.microsoft.com/office/drawing/2014/main" id="{53BB9E1B-97C5-2DA9-6DD8-8B90626EFB7C}"/>
+                <a16:creationId xmlns:a16="http://schemas.microsoft.com/office/drawing/2014/main" id="{036C8E7A-7443-2E9F-2EE1-AED83B479FF4}"/>
               </a:ext>
             </a:extLst>
           </p:cNvPr>
@@ -26829,7 +26419,7 @@
             </a:pPr>
             <a:r>
               <a:rPr lang="en-GB" dirty="0"/>
-              <a:t>The student is able to determine business objectives,  and produce a project plan.</a:t>
+              <a:t>The student is able to collect, combine, and explore the data. Further, they can assess data quality, and provide recommendations to improve the data management strategy. </a:t>
             </a:r>
           </a:p>
         </p:txBody>
@@ -26837,7 +26427,7 @@
     </p:spTree>
     <p:extLst>
       <p:ext uri="{BB962C8B-B14F-4D97-AF65-F5344CB8AC3E}">
-        <p14:creationId xmlns:p14="http://schemas.microsoft.com/office/powerpoint/2010/main" val="3889067802"/>
+        <p14:creationId xmlns:p14="http://schemas.microsoft.com/office/powerpoint/2010/main" val="2864773729"/>
       </p:ext>
     </p:extLst>
   </p:cSld>
@@ -26899,10 +26489,14 @@
               <a:buNone/>
             </a:pPr>
             <a:r>
-              <a:rPr lang="en"/>
-              <a:t>ILO 5</a:t>
-            </a:r>
-            <a:endParaRPr/>
+              <a:rPr lang="en" dirty="0"/>
+              <a:t>ILO </a:t>
+            </a:r>
+            <a:r>
+              <a:rPr lang="en-NL" dirty="0"/>
+              <a:t>6</a:t>
+            </a:r>
+            <a:endParaRPr dirty="0"/>
           </a:p>
         </p:txBody>
       </p:sp>
@@ -26984,7 +26578,7 @@
             </a:pPr>
             <a:r>
               <a:rPr lang="en-GB" dirty="0"/>
-              <a:t>The student is able to collect, combine, and explore the data. Further, they can assess data quality, and provide recommendations to improve the data management strategy. </a:t>
+              <a:t>The student is able to select, implement and evaluate a machine learning model to meet the business requirement.</a:t>
             </a:r>
             <a:endParaRPr dirty="0"/>
           </a:p>
@@ -27025,7 +26619,7 @@
               <a:buNone/>
             </a:pPr>
             <a:r>
-              <a:rPr lang="en" sz="40000">
+              <a:rPr lang="en-NL" sz="40000" dirty="0">
                 <a:solidFill>
                   <a:srgbClr val="999999"/>
                 </a:solidFill>
@@ -27034,9 +26628,9 @@
                 <a:cs typeface="Roboto"/>
                 <a:sym typeface="Roboto"/>
               </a:rPr>
-              <a:t>5</a:t>
-            </a:r>
-            <a:endParaRPr sz="40000">
+              <a:t>6</a:t>
+            </a:r>
+            <a:endParaRPr sz="40000" dirty="0">
               <a:solidFill>
                 <a:srgbClr val="999999"/>
               </a:solidFill>
@@ -27051,7 +26645,7 @@
     </p:spTree>
     <p:extLst>
       <p:ext uri="{BB962C8B-B14F-4D97-AF65-F5344CB8AC3E}">
-        <p14:creationId xmlns:p14="http://schemas.microsoft.com/office/powerpoint/2010/main" val="838485390"/>
+        <p14:creationId xmlns:p14="http://schemas.microsoft.com/office/powerpoint/2010/main" val="2218588203"/>
       </p:ext>
     </p:extLst>
   </p:cSld>
@@ -27335,10 +26929,14 @@
               <a:buNone/>
             </a:pPr>
             <a:r>
-              <a:rPr lang="en"/>
-              <a:t>ILO 5</a:t>
-            </a:r>
-            <a:endParaRPr/>
+              <a:rPr lang="en" dirty="0"/>
+              <a:t>ILO </a:t>
+            </a:r>
+            <a:r>
+              <a:rPr lang="en-NL" dirty="0"/>
+              <a:t>6</a:t>
+            </a:r>
+            <a:endParaRPr dirty="0"/>
           </a:p>
         </p:txBody>
       </p:sp>
@@ -27499,14 +27097,22 @@
               <a:buNone/>
             </a:pPr>
             <a:r>
-              <a:rPr lang="en">
+              <a:rPr lang="en-NL" dirty="0"/>
+              <a:t>6</a:t>
+            </a:r>
+            <a:r>
+              <a:rPr lang="en" dirty="0">
                 <a:solidFill>
                   <a:srgbClr val="FFFFFF"/>
                 </a:solidFill>
               </a:rPr>
-              <a:t>5.1</a:t>
-            </a:r>
-            <a:endParaRPr>
+              <a:t>.</a:t>
+            </a:r>
+            <a:r>
+              <a:rPr lang="en-NL" dirty="0"/>
+              <a:t>1</a:t>
+            </a:r>
+            <a:endParaRPr dirty="0">
               <a:solidFill>
                 <a:srgbClr val="FFFFFF"/>
               </a:solidFill>
@@ -27550,15 +27156,7 @@
             </a:pPr>
             <a:r>
               <a:rPr lang="en-GB" dirty="0"/>
-              <a:t>Shows understanding of the data understanding and preparation stage by </a:t>
-            </a:r>
-            <a:r>
-              <a:rPr lang="en-GB" dirty="0" err="1"/>
-              <a:t>preprocessing</a:t>
-            </a:r>
-            <a:r>
-              <a:rPr lang="en-GB" dirty="0"/>
-              <a:t> a dataset which is suited for further modelling. </a:t>
+              <a:t>Demonstrates an understanding of the modelling and evaluation stage by developing a model suitable for deployment.</a:t>
             </a:r>
             <a:endParaRPr dirty="0"/>
           </a:p>
@@ -27566,10 +27164,10 @@
       </p:sp>
       <p:sp>
         <p:nvSpPr>
-          <p:cNvPr id="9" name="Google Shape;459;p48">
+          <p:cNvPr id="7" name="Google Shape;459;p48">
             <a:extLst>
               <a:ext uri="{FF2B5EF4-FFF2-40B4-BE49-F238E27FC236}">
-                <a16:creationId xmlns:a16="http://schemas.microsoft.com/office/drawing/2014/main" id="{036C8E7A-7443-2E9F-2EE1-AED83B479FF4}"/>
+                <a16:creationId xmlns:a16="http://schemas.microsoft.com/office/drawing/2014/main" id="{5161B9CD-FD90-1846-8EE0-48554F0A839A}"/>
               </a:ext>
             </a:extLst>
           </p:cNvPr>
@@ -27606,7 +27204,7 @@
             </a:pPr>
             <a:r>
               <a:rPr lang="en-GB" dirty="0"/>
-              <a:t>The student is able to collect, combine, and explore the data. Further, they can assess data quality, and provide recommendations to improve the data management strategy. </a:t>
+              <a:t>The student is able to select, implement and evaluate a machine learning model to meet the business requirement.</a:t>
             </a:r>
           </a:p>
         </p:txBody>
@@ -27614,7 +27212,7 @@
     </p:spTree>
     <p:extLst>
       <p:ext uri="{BB962C8B-B14F-4D97-AF65-F5344CB8AC3E}">
-        <p14:creationId xmlns:p14="http://schemas.microsoft.com/office/powerpoint/2010/main" val="2864773729"/>
+        <p14:creationId xmlns:p14="http://schemas.microsoft.com/office/powerpoint/2010/main" val="229156798"/>
       </p:ext>
     </p:extLst>
   </p:cSld>
@@ -27681,7 +27279,7 @@
             </a:r>
             <a:r>
               <a:rPr lang="en-NL" dirty="0"/>
-              <a:t>6</a:t>
+              <a:t>7</a:t>
             </a:r>
             <a:endParaRPr dirty="0"/>
           </a:p>
@@ -27723,7 +27321,7 @@
             </a:pPr>
             <a:r>
               <a:rPr lang="en-US" dirty="0"/>
-              <a:t>Data Modelling and Evaluation</a:t>
+              <a:t>Deployment </a:t>
             </a:r>
             <a:endParaRPr dirty="0"/>
           </a:p>
@@ -27765,7 +27363,7 @@
             </a:pPr>
             <a:r>
               <a:rPr lang="en-GB" dirty="0"/>
-              <a:t>The student is able to select, implement and evaluate a machine learning model to meet the business requirement.</a:t>
+              <a:t>Is able to plan deployment, disseminate the project results, produce a final report and review the project.</a:t>
             </a:r>
             <a:endParaRPr dirty="0"/>
           </a:p>
@@ -27815,7 +27413,7 @@
                 <a:cs typeface="Roboto"/>
                 <a:sym typeface="Roboto"/>
               </a:rPr>
-              <a:t>6</a:t>
+              <a:t>7</a:t>
             </a:r>
             <a:endParaRPr sz="40000" dirty="0">
               <a:solidFill>
@@ -27832,7 +27430,7 @@
     </p:spTree>
     <p:extLst>
       <p:ext uri="{BB962C8B-B14F-4D97-AF65-F5344CB8AC3E}">
-        <p14:creationId xmlns:p14="http://schemas.microsoft.com/office/powerpoint/2010/main" val="2218588203"/>
+        <p14:creationId xmlns:p14="http://schemas.microsoft.com/office/powerpoint/2010/main" val="2182435036"/>
       </p:ext>
     </p:extLst>
   </p:cSld>
@@ -27899,7 +27497,7 @@
             </a:r>
             <a:r>
               <a:rPr lang="en-NL" dirty="0"/>
-              <a:t>6</a:t>
+              <a:t>7</a:t>
             </a:r>
             <a:endParaRPr dirty="0"/>
           </a:p>
@@ -28062,8 +27660,12 @@
               <a:buNone/>
             </a:pPr>
             <a:r>
-              <a:rPr lang="en-NL" dirty="0"/>
-              <a:t>6</a:t>
+              <a:rPr lang="en-NL" dirty="0">
+                <a:solidFill>
+                  <a:srgbClr val="FFFFFF"/>
+                </a:solidFill>
+              </a:rPr>
+              <a:t>7</a:t>
             </a:r>
             <a:r>
               <a:rPr lang="en" dirty="0">
@@ -28121,7 +27723,15 @@
             </a:pPr>
             <a:r>
               <a:rPr lang="en-GB" dirty="0"/>
-              <a:t>Demonstrates an understanding of the modelling and evaluation stage by developing a model suitable for deployment.</a:t>
+              <a:t>Demonstrates understanding of the deployment stage by disseminating the project findings and conducting a project </a:t>
+            </a:r>
+            <a:r>
+              <a:rPr lang="en-GB" dirty="0" err="1"/>
+              <a:t>restrospective</a:t>
+            </a:r>
+            <a:r>
+              <a:rPr lang="en-GB" dirty="0"/>
+              <a:t>.</a:t>
             </a:r>
             <a:endParaRPr dirty="0"/>
           </a:p>
@@ -28132,7 +27742,7 @@
           <p:cNvPr id="7" name="Google Shape;459;p48">
             <a:extLst>
               <a:ext uri="{FF2B5EF4-FFF2-40B4-BE49-F238E27FC236}">
-                <a16:creationId xmlns:a16="http://schemas.microsoft.com/office/drawing/2014/main" id="{5161B9CD-FD90-1846-8EE0-48554F0A839A}"/>
+                <a16:creationId xmlns:a16="http://schemas.microsoft.com/office/drawing/2014/main" id="{08489BA6-ACAD-1AB4-6386-756898FD857B}"/>
               </a:ext>
             </a:extLst>
           </p:cNvPr>
@@ -28169,7 +27779,7 @@
             </a:pPr>
             <a:r>
               <a:rPr lang="en-GB" dirty="0"/>
-              <a:t>The student is able to select, implement and evaluate a machine learning model to meet the business requirement.</a:t>
+              <a:t>Is able to plan deployment, disseminate the project results, produce a final report and review the project.</a:t>
             </a:r>
           </a:p>
         </p:txBody>
@@ -28177,7 +27787,7 @@
     </p:spTree>
     <p:extLst>
       <p:ext uri="{BB962C8B-B14F-4D97-AF65-F5344CB8AC3E}">
-        <p14:creationId xmlns:p14="http://schemas.microsoft.com/office/powerpoint/2010/main" val="229156798"/>
+        <p14:creationId xmlns:p14="http://schemas.microsoft.com/office/powerpoint/2010/main" val="1031311886"/>
       </p:ext>
     </p:extLst>
   </p:cSld>
@@ -28240,11 +27850,15 @@
             </a:pPr>
             <a:r>
               <a:rPr lang="en" dirty="0"/>
-              <a:t>ILO </a:t>
+              <a:t>M</a:t>
+            </a:r>
+            <a:r>
+              <a:rPr lang="en-NL" dirty="0" err="1"/>
+              <a:t>edal</a:t>
             </a:r>
             <a:r>
               <a:rPr lang="en-NL" dirty="0"/>
-              <a:t>7</a:t>
+              <a:t> Challenges</a:t>
             </a:r>
             <a:endParaRPr dirty="0"/>
           </a:p>
@@ -28285,117 +27899,53 @@
               <a:buNone/>
             </a:pPr>
             <a:r>
-              <a:rPr lang="en-US" dirty="0"/>
-              <a:t>Deployment </a:t>
+              <a:rPr lang="en-NL" dirty="0"/>
+              <a:t>Going the extra mile!</a:t>
             </a:r>
             <a:endParaRPr dirty="0"/>
           </a:p>
         </p:txBody>
       </p:sp>
-      <p:sp>
-        <p:nvSpPr>
-          <p:cNvPr id="469" name="Google Shape;469;p49"/>
-          <p:cNvSpPr txBox="1">
-            <a:spLocks noGrp="1"/>
-          </p:cNvSpPr>
-          <p:nvPr>
-            <p:ph type="subTitle" idx="2"/>
-          </p:nvPr>
-        </p:nvSpPr>
-        <p:spPr>
-          <a:xfrm>
-            <a:off x="3200400" y="3353563"/>
-            <a:ext cx="5486400" cy="685800"/>
-          </a:xfrm>
-          <a:prstGeom prst="rect">
-            <a:avLst/>
-          </a:prstGeom>
-        </p:spPr>
-        <p:txBody>
-          <a:bodyPr spcFirstLastPara="1" wrap="square" lIns="91425" tIns="91425" rIns="91425" bIns="91425" anchor="ctr" anchorCtr="0">
-            <a:noAutofit/>
-          </a:bodyPr>
-          <a:lstStyle/>
-          <a:p>
-            <a:pPr marL="0" lvl="0" indent="0" algn="r" rtl="0">
-              <a:spcBef>
-                <a:spcPts val="0"/>
-              </a:spcBef>
-              <a:spcAft>
-                <a:spcPts val="0"/>
-              </a:spcAft>
-              <a:buNone/>
-            </a:pPr>
-            <a:r>
-              <a:rPr lang="en-GB" dirty="0"/>
-              <a:t>Is able to plan deployment, disseminate the project results, produce a final report and review the project.</a:t>
-            </a:r>
-            <a:endParaRPr dirty="0"/>
-          </a:p>
-        </p:txBody>
-      </p:sp>
-      <p:sp>
-        <p:nvSpPr>
-          <p:cNvPr id="470" name="Google Shape;470;p49"/>
-          <p:cNvSpPr txBox="1"/>
+      <p:pic>
+        <p:nvPicPr>
+          <p:cNvPr id="7" name="Graphic 6" descr="Medal">
+            <a:extLst>
+              <a:ext uri="{FF2B5EF4-FFF2-40B4-BE49-F238E27FC236}">
+                <a16:creationId xmlns:a16="http://schemas.microsoft.com/office/drawing/2014/main" id="{2C2C6876-7040-0594-5C65-F9EFF1B3B318}"/>
+              </a:ext>
+            </a:extLst>
+          </p:cNvPr>
+          <p:cNvPicPr>
+            <a:picLocks noChangeAspect="1"/>
+          </p:cNvPicPr>
           <p:nvPr/>
-        </p:nvSpPr>
-        <p:spPr>
-          <a:xfrm>
-            <a:off x="-420624" y="749808"/>
-            <a:ext cx="3383400" cy="5120700"/>
-          </a:xfrm>
-          <a:prstGeom prst="rect">
-            <a:avLst/>
-          </a:prstGeom>
-          <a:noFill/>
-          <a:ln>
-            <a:noFill/>
-          </a:ln>
-        </p:spPr>
-        <p:txBody>
-          <a:bodyPr spcFirstLastPara="1" wrap="square" lIns="0" tIns="0" rIns="0" bIns="0" anchor="ctr" anchorCtr="0">
-            <a:noAutofit/>
-          </a:bodyPr>
-          <a:lstStyle/>
-          <a:p>
-            <a:pPr marL="0" lvl="0" indent="0" algn="l" rtl="0">
-              <a:spcBef>
-                <a:spcPts val="0"/>
-              </a:spcBef>
-              <a:spcAft>
-                <a:spcPts val="0"/>
-              </a:spcAft>
-              <a:buNone/>
-            </a:pPr>
-            <a:r>
-              <a:rPr lang="en-NL" sz="40000" dirty="0">
-                <a:solidFill>
-                  <a:srgbClr val="999999"/>
-                </a:solidFill>
-                <a:latin typeface="Roboto"/>
-                <a:ea typeface="Roboto"/>
-                <a:cs typeface="Roboto"/>
-                <a:sym typeface="Roboto"/>
-              </a:rPr>
-              <a:t>7</a:t>
-            </a:r>
-            <a:endParaRPr sz="40000" dirty="0">
-              <a:solidFill>
-                <a:srgbClr val="999999"/>
-              </a:solidFill>
-              <a:latin typeface="Roboto"/>
-              <a:ea typeface="Roboto"/>
-              <a:cs typeface="Roboto"/>
-              <a:sym typeface="Roboto"/>
-            </a:endParaRPr>
-          </a:p>
-        </p:txBody>
-      </p:sp>
+        </p:nvPicPr>
+        <p:blipFill>
+          <a:blip r:embed="rId3">
+            <a:extLst>
+              <a:ext uri="{96DAC541-7B7A-43D3-8B79-37D633B846F1}">
+                <asvg:svgBlip xmlns:asvg="http://schemas.microsoft.com/office/drawing/2016/SVG/main" r:embed="rId4"/>
+              </a:ext>
+            </a:extLst>
+          </a:blip>
+          <a:stretch>
+            <a:fillRect/>
+          </a:stretch>
+        </p:blipFill>
+        <p:spPr>
+          <a:xfrm>
+            <a:off x="-361666" y="1379845"/>
+            <a:ext cx="3492405" cy="3492405"/>
+          </a:xfrm>
+          <a:prstGeom prst="rect">
+            <a:avLst/>
+          </a:prstGeom>
+        </p:spPr>
+      </p:pic>
     </p:spTree>
     <p:extLst>
       <p:ext uri="{BB962C8B-B14F-4D97-AF65-F5344CB8AC3E}">
-        <p14:creationId xmlns:p14="http://schemas.microsoft.com/office/powerpoint/2010/main" val="2182435036"/>
+        <p14:creationId xmlns:p14="http://schemas.microsoft.com/office/powerpoint/2010/main" val="2832951812"/>
       </p:ext>
     </p:extLst>
   </p:cSld>
@@ -28424,521 +27974,6 @@
       </p:grpSpPr>
       <p:sp>
         <p:nvSpPr>
-          <p:cNvPr id="475" name="Google Shape;475;p50"/>
-          <p:cNvSpPr txBox="1">
-            <a:spLocks noGrp="1"/>
-          </p:cNvSpPr>
-          <p:nvPr>
-            <p:ph type="title"/>
-          </p:nvPr>
-        </p:nvSpPr>
-        <p:spPr>
-          <a:xfrm>
-            <a:off x="68250" y="0"/>
-            <a:ext cx="777300" cy="576000"/>
-          </a:xfrm>
-          <a:prstGeom prst="rect">
-            <a:avLst/>
-          </a:prstGeom>
-        </p:spPr>
-        <p:txBody>
-          <a:bodyPr spcFirstLastPara="1" wrap="square" lIns="91425" tIns="91425" rIns="91425" bIns="91425" anchor="ctr" anchorCtr="0">
-            <a:noAutofit/>
-          </a:bodyPr>
-          <a:lstStyle/>
-          <a:p>
-            <a:pPr marL="0" lvl="0" indent="0" algn="l" rtl="0">
-              <a:spcBef>
-                <a:spcPts val="0"/>
-              </a:spcBef>
-              <a:spcAft>
-                <a:spcPts val="0"/>
-              </a:spcAft>
-              <a:buNone/>
-            </a:pPr>
-            <a:r>
-              <a:rPr lang="en" dirty="0"/>
-              <a:t>ILO </a:t>
-            </a:r>
-            <a:r>
-              <a:rPr lang="en-NL" dirty="0"/>
-              <a:t>7</a:t>
-            </a:r>
-            <a:endParaRPr dirty="0"/>
-          </a:p>
-        </p:txBody>
-      </p:sp>
-      <p:sp>
-        <p:nvSpPr>
-          <p:cNvPr id="476" name="Google Shape;476;p50"/>
-          <p:cNvSpPr txBox="1">
-            <a:spLocks noGrp="1"/>
-          </p:cNvSpPr>
-          <p:nvPr>
-            <p:ph type="title" idx="2"/>
-          </p:nvPr>
-        </p:nvSpPr>
-        <p:spPr>
-          <a:xfrm>
-            <a:off x="7068300" y="0"/>
-            <a:ext cx="1984200" cy="576000"/>
-          </a:xfrm>
-          <a:prstGeom prst="rect">
-            <a:avLst/>
-          </a:prstGeom>
-        </p:spPr>
-        <p:txBody>
-          <a:bodyPr spcFirstLastPara="1" wrap="square" lIns="91425" tIns="91425" rIns="91425" bIns="91425" anchor="b" anchorCtr="0">
-            <a:noAutofit/>
-          </a:bodyPr>
-          <a:lstStyle/>
-          <a:p>
-            <a:pPr marL="0" lvl="0" indent="0" algn="r" rtl="0">
-              <a:spcBef>
-                <a:spcPts val="0"/>
-              </a:spcBef>
-              <a:spcAft>
-                <a:spcPts val="0"/>
-              </a:spcAft>
-              <a:buNone/>
-            </a:pPr>
-            <a:r>
-              <a:rPr lang="en"/>
-              <a:t>1/1</a:t>
-            </a:r>
-            <a:endParaRPr/>
-          </a:p>
-        </p:txBody>
-      </p:sp>
-      <p:sp>
-        <p:nvSpPr>
-          <p:cNvPr id="477" name="Google Shape;477;p50"/>
-          <p:cNvSpPr txBox="1">
-            <a:spLocks noGrp="1"/>
-          </p:cNvSpPr>
-          <p:nvPr>
-            <p:ph type="body" idx="1"/>
-          </p:nvPr>
-        </p:nvSpPr>
-        <p:spPr>
-          <a:xfrm>
-            <a:off x="182880" y="1069848"/>
-            <a:ext cx="5486400" cy="3895200"/>
-          </a:xfrm>
-          <a:prstGeom prst="rect">
-            <a:avLst/>
-          </a:prstGeom>
-        </p:spPr>
-        <p:txBody>
-          <a:bodyPr spcFirstLastPara="1" wrap="square" lIns="91425" tIns="91425" rIns="91425" bIns="91425" anchor="t" anchorCtr="0">
-            <a:noAutofit/>
-          </a:bodyPr>
-          <a:lstStyle/>
-          <a:p>
-            <a:pPr marL="0" lvl="0" indent="0" algn="l" rtl="0">
-              <a:lnSpc>
-                <a:spcPct val="115000"/>
-              </a:lnSpc>
-              <a:spcBef>
-                <a:spcPts val="0"/>
-              </a:spcBef>
-              <a:spcAft>
-                <a:spcPts val="0"/>
-              </a:spcAft>
-              <a:buNone/>
-            </a:pPr>
-            <a:r>
-              <a:rPr lang="en" sz="900" i="1">
-                <a:solidFill>
-                  <a:schemeClr val="lt1"/>
-                </a:solidFill>
-                <a:latin typeface="Helvetica Neue"/>
-                <a:ea typeface="Helvetica Neue"/>
-                <a:cs typeface="Helvetica Neue"/>
-                <a:sym typeface="Helvetica Neue"/>
-              </a:rPr>
-              <a:t>Show your best examples, do not go overboard, add in short description, you are free to alter this layout (or add slides per evidence) to suit your needs. Just be sure that it is clear.</a:t>
-            </a:r>
-            <a:endParaRPr sz="900">
-              <a:solidFill>
-                <a:schemeClr val="lt1"/>
-              </a:solidFill>
-            </a:endParaRPr>
-          </a:p>
-          <a:p>
-            <a:pPr marL="0" lvl="0" indent="0" algn="l" rtl="0">
-              <a:lnSpc>
-                <a:spcPct val="115000"/>
-              </a:lnSpc>
-              <a:spcBef>
-                <a:spcPts val="0"/>
-              </a:spcBef>
-              <a:spcAft>
-                <a:spcPts val="0"/>
-              </a:spcAft>
-              <a:buNone/>
-            </a:pPr>
-            <a:endParaRPr sz="700" i="1">
-              <a:solidFill>
-                <a:schemeClr val="lt1"/>
-              </a:solidFill>
-              <a:latin typeface="Helvetica Neue"/>
-              <a:ea typeface="Helvetica Neue"/>
-              <a:cs typeface="Helvetica Neue"/>
-              <a:sym typeface="Helvetica Neue"/>
-            </a:endParaRPr>
-          </a:p>
-        </p:txBody>
-      </p:sp>
-      <p:sp>
-        <p:nvSpPr>
-          <p:cNvPr id="479" name="Google Shape;479;p50"/>
-          <p:cNvSpPr txBox="1">
-            <a:spLocks noGrp="1"/>
-          </p:cNvSpPr>
-          <p:nvPr>
-            <p:ph type="title" idx="4"/>
-          </p:nvPr>
-        </p:nvSpPr>
-        <p:spPr>
-          <a:xfrm>
-            <a:off x="68250" y="576000"/>
-            <a:ext cx="839700" cy="493800"/>
-          </a:xfrm>
-          <a:prstGeom prst="rect">
-            <a:avLst/>
-          </a:prstGeom>
-        </p:spPr>
-        <p:txBody>
-          <a:bodyPr spcFirstLastPara="1" wrap="square" lIns="91425" tIns="91425" rIns="91425" bIns="91425" anchor="ctr" anchorCtr="0">
-            <a:noAutofit/>
-          </a:bodyPr>
-          <a:lstStyle/>
-          <a:p>
-            <a:pPr marL="0" lvl="0" indent="0" algn="l" rtl="0">
-              <a:spcBef>
-                <a:spcPts val="0"/>
-              </a:spcBef>
-              <a:spcAft>
-                <a:spcPts val="0"/>
-              </a:spcAft>
-              <a:buNone/>
-            </a:pPr>
-            <a:r>
-              <a:rPr lang="en-NL" dirty="0">
-                <a:solidFill>
-                  <a:srgbClr val="FFFFFF"/>
-                </a:solidFill>
-              </a:rPr>
-              <a:t>7</a:t>
-            </a:r>
-            <a:r>
-              <a:rPr lang="en" dirty="0">
-                <a:solidFill>
-                  <a:srgbClr val="FFFFFF"/>
-                </a:solidFill>
-              </a:rPr>
-              <a:t>.</a:t>
-            </a:r>
-            <a:r>
-              <a:rPr lang="en-NL" dirty="0"/>
-              <a:t>1</a:t>
-            </a:r>
-            <a:endParaRPr dirty="0">
-              <a:solidFill>
-                <a:srgbClr val="FFFFFF"/>
-              </a:solidFill>
-            </a:endParaRPr>
-          </a:p>
-        </p:txBody>
-      </p:sp>
-      <p:sp>
-        <p:nvSpPr>
-          <p:cNvPr id="480" name="Google Shape;480;p50"/>
-          <p:cNvSpPr txBox="1">
-            <a:spLocks noGrp="1"/>
-          </p:cNvSpPr>
-          <p:nvPr>
-            <p:ph type="title" idx="5"/>
-          </p:nvPr>
-        </p:nvSpPr>
-        <p:spPr>
-          <a:xfrm>
-            <a:off x="845550" y="576000"/>
-            <a:ext cx="7315200" cy="493800"/>
-          </a:xfrm>
-          <a:prstGeom prst="rect">
-            <a:avLst/>
-          </a:prstGeom>
-        </p:spPr>
-        <p:txBody>
-          <a:bodyPr spcFirstLastPara="1" wrap="square" lIns="91425" tIns="91425" rIns="91425" bIns="91425" anchor="ctr" anchorCtr="0">
-            <a:noAutofit/>
-          </a:bodyPr>
-          <a:lstStyle/>
-          <a:p>
-            <a:pPr marL="0" lvl="0" indent="0" algn="l" rtl="0">
-              <a:spcBef>
-                <a:spcPts val="0"/>
-              </a:spcBef>
-              <a:spcAft>
-                <a:spcPts val="0"/>
-              </a:spcAft>
-              <a:buNone/>
-            </a:pPr>
-            <a:r>
-              <a:rPr lang="en-GB" dirty="0"/>
-              <a:t>Demonstrates understanding of the deployment stage by disseminating the project findings and conducting a project </a:t>
-            </a:r>
-            <a:r>
-              <a:rPr lang="en-GB" dirty="0" err="1"/>
-              <a:t>restrospective</a:t>
-            </a:r>
-            <a:r>
-              <a:rPr lang="en-GB" dirty="0"/>
-              <a:t>.</a:t>
-            </a:r>
-            <a:endParaRPr dirty="0"/>
-          </a:p>
-        </p:txBody>
-      </p:sp>
-      <p:sp>
-        <p:nvSpPr>
-          <p:cNvPr id="7" name="Google Shape;459;p48">
-            <a:extLst>
-              <a:ext uri="{FF2B5EF4-FFF2-40B4-BE49-F238E27FC236}">
-                <a16:creationId xmlns:a16="http://schemas.microsoft.com/office/drawing/2014/main" id="{08489BA6-ACAD-1AB4-6386-756898FD857B}"/>
-              </a:ext>
-            </a:extLst>
-          </p:cNvPr>
-          <p:cNvSpPr txBox="1">
-            <a:spLocks noGrp="1"/>
-          </p:cNvSpPr>
-          <p:nvPr>
-            <p:ph type="title" idx="3"/>
-          </p:nvPr>
-        </p:nvSpPr>
-        <p:spPr>
-          <a:xfrm>
-            <a:off x="2049462" y="0"/>
-            <a:ext cx="4206300" cy="576000"/>
-          </a:xfrm>
-          <a:prstGeom prst="rect">
-            <a:avLst/>
-          </a:prstGeom>
-        </p:spPr>
-        <p:txBody>
-          <a:bodyPr spcFirstLastPara="1" wrap="square" lIns="91425" tIns="91425" rIns="91425" bIns="91425" anchor="ctr" anchorCtr="0">
-            <a:noAutofit/>
-          </a:bodyPr>
-          <a:lstStyle/>
-          <a:p>
-            <a:pPr marL="0" lvl="0" indent="0" algn="l" rtl="0">
-              <a:spcBef>
-                <a:spcPts val="0"/>
-              </a:spcBef>
-              <a:spcAft>
-                <a:spcPts val="0"/>
-              </a:spcAft>
-              <a:buNone/>
-            </a:pPr>
-            <a:r>
-              <a:rPr lang="en-GB" dirty="0"/>
-              <a:t>Is able to plan deployment, disseminate the project results, produce a final report and review the project.</a:t>
-            </a:r>
-          </a:p>
-        </p:txBody>
-      </p:sp>
-    </p:spTree>
-    <p:extLst>
-      <p:ext uri="{BB962C8B-B14F-4D97-AF65-F5344CB8AC3E}">
-        <p14:creationId xmlns:p14="http://schemas.microsoft.com/office/powerpoint/2010/main" val="1031311886"/>
-      </p:ext>
-    </p:extLst>
-  </p:cSld>
-  <p:clrMapOvr>
-    <a:masterClrMapping/>
-  </p:clrMapOvr>
-</p:sld>
-</file>
-
-<file path=ppt/slides/slide45.xml><?xml version="1.0" encoding="utf-8"?>
-<p:sld xmlns:a="http://schemas.openxmlformats.org/drawingml/2006/main" xmlns:r="http://schemas.openxmlformats.org/officeDocument/2006/relationships" xmlns:p="http://schemas.openxmlformats.org/presentationml/2006/main">
-  <p:cSld>
-    <p:spTree>
-      <p:nvGrpSpPr>
-        <p:cNvPr id="1" name="Shape 466"/>
-        <p:cNvGrpSpPr/>
-        <p:nvPr/>
-      </p:nvGrpSpPr>
-      <p:grpSpPr>
-        <a:xfrm>
-          <a:off x="0" y="0"/>
-          <a:ext cx="0" cy="0"/>
-          <a:chOff x="0" y="0"/>
-          <a:chExt cx="0" cy="0"/>
-        </a:xfrm>
-      </p:grpSpPr>
-      <p:sp>
-        <p:nvSpPr>
-          <p:cNvPr id="467" name="Google Shape;467;p49"/>
-          <p:cNvSpPr txBox="1">
-            <a:spLocks noGrp="1"/>
-          </p:cNvSpPr>
-          <p:nvPr>
-            <p:ph type="ctrTitle"/>
-          </p:nvPr>
-        </p:nvSpPr>
-        <p:spPr>
-          <a:xfrm>
-            <a:off x="2286000" y="1104139"/>
-            <a:ext cx="6400800" cy="1501800"/>
-          </a:xfrm>
-          <a:prstGeom prst="rect">
-            <a:avLst/>
-          </a:prstGeom>
-        </p:spPr>
-        <p:txBody>
-          <a:bodyPr spcFirstLastPara="1" wrap="square" lIns="91425" tIns="91425" rIns="91425" bIns="91425" anchor="ctr" anchorCtr="0">
-            <a:noAutofit/>
-          </a:bodyPr>
-          <a:lstStyle/>
-          <a:p>
-            <a:pPr marL="0" lvl="0" indent="0" algn="ctr" rtl="0">
-              <a:spcBef>
-                <a:spcPts val="0"/>
-              </a:spcBef>
-              <a:spcAft>
-                <a:spcPts val="0"/>
-              </a:spcAft>
-              <a:buNone/>
-            </a:pPr>
-            <a:r>
-              <a:rPr lang="en" dirty="0"/>
-              <a:t>M</a:t>
-            </a:r>
-            <a:r>
-              <a:rPr lang="en-NL" dirty="0" err="1"/>
-              <a:t>edal</a:t>
-            </a:r>
-            <a:r>
-              <a:rPr lang="en-NL" dirty="0"/>
-              <a:t> Challenges</a:t>
-            </a:r>
-            <a:endParaRPr dirty="0"/>
-          </a:p>
-        </p:txBody>
-      </p:sp>
-      <p:sp>
-        <p:nvSpPr>
-          <p:cNvPr id="468" name="Google Shape;468;p49"/>
-          <p:cNvSpPr txBox="1">
-            <a:spLocks noGrp="1"/>
-          </p:cNvSpPr>
-          <p:nvPr>
-            <p:ph type="subTitle" idx="1"/>
-          </p:nvPr>
-        </p:nvSpPr>
-        <p:spPr>
-          <a:xfrm>
-            <a:off x="2286000" y="2503171"/>
-            <a:ext cx="6400800" cy="685800"/>
-          </a:xfrm>
-          <a:prstGeom prst="rect">
-            <a:avLst/>
-          </a:prstGeom>
-        </p:spPr>
-        <p:txBody>
-          <a:bodyPr spcFirstLastPara="1" wrap="square" lIns="91425" tIns="91425" rIns="91425" bIns="91425" anchor="ctr" anchorCtr="0">
-            <a:noAutofit/>
-          </a:bodyPr>
-          <a:lstStyle/>
-          <a:p>
-            <a:pPr marL="0" lvl="0" indent="0" algn="ctr" rtl="0">
-              <a:spcBef>
-                <a:spcPts val="0"/>
-              </a:spcBef>
-              <a:spcAft>
-                <a:spcPts val="0"/>
-              </a:spcAft>
-              <a:buNone/>
-            </a:pPr>
-            <a:r>
-              <a:rPr lang="en-NL" dirty="0"/>
-              <a:t>Going the extra mile!</a:t>
-            </a:r>
-            <a:endParaRPr dirty="0"/>
-          </a:p>
-        </p:txBody>
-      </p:sp>
-      <p:pic>
-        <p:nvPicPr>
-          <p:cNvPr id="7" name="Graphic 6" descr="Medal">
-            <a:extLst>
-              <a:ext uri="{FF2B5EF4-FFF2-40B4-BE49-F238E27FC236}">
-                <a16:creationId xmlns:a16="http://schemas.microsoft.com/office/drawing/2014/main" id="{2C2C6876-7040-0594-5C65-F9EFF1B3B318}"/>
-              </a:ext>
-            </a:extLst>
-          </p:cNvPr>
-          <p:cNvPicPr>
-            <a:picLocks noChangeAspect="1"/>
-          </p:cNvPicPr>
-          <p:nvPr/>
-        </p:nvPicPr>
-        <p:blipFill>
-          <a:blip r:embed="rId3">
-            <a:extLst>
-              <a:ext uri="{96DAC541-7B7A-43D3-8B79-37D633B846F1}">
-                <asvg:svgBlip xmlns:asvg="http://schemas.microsoft.com/office/drawing/2016/SVG/main" r:embed="rId4"/>
-              </a:ext>
-            </a:extLst>
-          </a:blip>
-          <a:stretch>
-            <a:fillRect/>
-          </a:stretch>
-        </p:blipFill>
-        <p:spPr>
-          <a:xfrm>
-            <a:off x="-361666" y="1379845"/>
-            <a:ext cx="3492405" cy="3492405"/>
-          </a:xfrm>
-          <a:prstGeom prst="rect">
-            <a:avLst/>
-          </a:prstGeom>
-        </p:spPr>
-      </p:pic>
-    </p:spTree>
-    <p:extLst>
-      <p:ext uri="{BB962C8B-B14F-4D97-AF65-F5344CB8AC3E}">
-        <p14:creationId xmlns:p14="http://schemas.microsoft.com/office/powerpoint/2010/main" val="2832951812"/>
-      </p:ext>
-    </p:extLst>
-  </p:cSld>
-  <p:clrMapOvr>
-    <a:masterClrMapping/>
-  </p:clrMapOvr>
-</p:sld>
-</file>
-
-<file path=ppt/slides/slide46.xml><?xml version="1.0" encoding="utf-8"?>
-<p:sld xmlns:a="http://schemas.openxmlformats.org/drawingml/2006/main" xmlns:r="http://schemas.openxmlformats.org/officeDocument/2006/relationships" xmlns:p="http://schemas.openxmlformats.org/presentationml/2006/main">
-  <p:cSld>
-    <p:spTree>
-      <p:nvGrpSpPr>
-        <p:cNvPr id="1" name="Shape 474"/>
-        <p:cNvGrpSpPr/>
-        <p:nvPr/>
-      </p:nvGrpSpPr>
-      <p:grpSpPr>
-        <a:xfrm>
-          <a:off x="0" y="0"/>
-          <a:ext cx="0" cy="0"/>
-          <a:chOff x="0" y="0"/>
-          <a:chExt cx="0" cy="0"/>
-        </a:xfrm>
-      </p:grpSpPr>
-      <p:sp>
-        <p:nvSpPr>
           <p:cNvPr id="476" name="Google Shape;476;p50"/>
           <p:cNvSpPr txBox="1">
             <a:spLocks noGrp="1"/>
@@ -29254,7 +28289,7 @@
 </p:sld>
 </file>
 
-<file path=ppt/slides/slide47.xml><?xml version="1.0" encoding="utf-8"?>
+<file path=ppt/slides/slide45.xml><?xml version="1.0" encoding="utf-8"?>
 <p:sld xmlns:a="http://schemas.openxmlformats.org/drawingml/2006/main" xmlns:r="http://schemas.openxmlformats.org/officeDocument/2006/relationships" xmlns:p="http://schemas.openxmlformats.org/presentationml/2006/main">
   <p:cSld>
     <p:spTree>
@@ -29425,7 +28460,7 @@
 </p:sld>
 </file>
 
-<file path=ppt/slides/slide48.xml><?xml version="1.0" encoding="utf-8"?>
+<file path=ppt/slides/slide46.xml><?xml version="1.0" encoding="utf-8"?>
 <p:sld xmlns:a="http://schemas.openxmlformats.org/drawingml/2006/main" xmlns:r="http://schemas.openxmlformats.org/officeDocument/2006/relationships" xmlns:p="http://schemas.openxmlformats.org/presentationml/2006/main">
   <p:cSld>
     <p:spTree>
@@ -29748,7 +28783,7 @@
 </p:sld>
 </file>
 
-<file path=ppt/slides/slide49.xml><?xml version="1.0" encoding="utf-8"?>
+<file path=ppt/slides/slide47.xml><?xml version="1.0" encoding="utf-8"?>
 <p:sld xmlns:a="http://schemas.openxmlformats.org/drawingml/2006/main" xmlns:r="http://schemas.openxmlformats.org/officeDocument/2006/relationships" xmlns:p="http://schemas.openxmlformats.org/presentationml/2006/main">
   <p:cSld>
     <p:spTree>
@@ -33600,21 +32635,6 @@
 </file>
 
 <file path=customXml/item1.xml><?xml version="1.0" encoding="utf-8"?>
-<p:properties xmlns:p="http://schemas.microsoft.com/office/2006/metadata/properties" xmlns:xsi="http://www.w3.org/2001/XMLSchema-instance" xmlns:pc="http://schemas.microsoft.com/office/infopath/2007/PartnerControls">
-  <documentManagement/>
-</p:properties>
-</file>
-
-<file path=customXml/item2.xml><?xml version="1.0" encoding="utf-8"?>
-<?mso-contentType ?>
-<FormTemplates xmlns="http://schemas.microsoft.com/sharepoint/v3/contenttype/forms">
-  <Display>DocumentLibraryForm</Display>
-  <Edit>DocumentLibraryForm</Edit>
-  <New>DocumentLibraryForm</New>
-</FormTemplates>
-</file>
-
-<file path=customXml/item3.xml><?xml version="1.0" encoding="utf-8"?>
 <ct:contentTypeSchema xmlns:ct="http://schemas.microsoft.com/office/2006/metadata/contentType" xmlns:ma="http://schemas.microsoft.com/office/2006/metadata/properties/metaAttributes" ct:_="" ma:_="" ma:contentTypeName="Document" ma:contentTypeID="0x010100DB06FA0A2AD4DA488583749EC2534234" ma:contentTypeVersion="12" ma:contentTypeDescription="Create a new document." ma:contentTypeScope="" ma:versionID="886b513cfe8a01d235b598bb5d9e3280">
   <xsd:schema xmlns:xsd="http://www.w3.org/2001/XMLSchema" xmlns:xs="http://www.w3.org/2001/XMLSchema" xmlns:p="http://schemas.microsoft.com/office/2006/metadata/properties" xmlns:ns2="60348849-ecd6-40c5-8069-7b4f665118aa" xmlns:ns3="d3efc331-58f4-463c-b792-81d907c25a2d" targetNamespace="http://schemas.microsoft.com/office/2006/metadata/properties" ma:root="true" ma:fieldsID="ea6c152a0770c3b66e26597cca1a51d2" ns2:_="" ns3:_="">
     <xsd:import namespace="60348849-ecd6-40c5-8069-7b4f665118aa"/>
@@ -33831,31 +32851,22 @@
 </ct:contentTypeSchema>
 </file>
 
-<file path=customXml/itemProps1.xml><?xml version="1.0" encoding="utf-8"?>
-<ds:datastoreItem xmlns:ds="http://schemas.openxmlformats.org/officeDocument/2006/customXml" ds:itemID="{3067B86F-F5BB-4BE6-9A37-0E19E53CB68B}">
-  <ds:schemaRefs>
-    <ds:schemaRef ds:uri="04457b0b-0490-4995-8f27-e0b7141e5786"/>
-    <ds:schemaRef ds:uri="http://purl.org/dc/dcmitype/"/>
-    <ds:schemaRef ds:uri="http://purl.org/dc/elements/1.1/"/>
-    <ds:schemaRef ds:uri="http://purl.org/dc/terms/"/>
-    <ds:schemaRef ds:uri="http://schemas.microsoft.com/office/2006/documentManagement/types"/>
-    <ds:schemaRef ds:uri="http://schemas.microsoft.com/office/2006/metadata/properties"/>
-    <ds:schemaRef ds:uri="http://schemas.microsoft.com/office/infopath/2007/PartnerControls"/>
-    <ds:schemaRef ds:uri="http://schemas.openxmlformats.org/package/2006/metadata/core-properties"/>
-    <ds:schemaRef ds:uri="http://www.w3.org/XML/1998/namespace"/>
-  </ds:schemaRefs>
-</ds:datastoreItem>
+<file path=customXml/item2.xml><?xml version="1.0" encoding="utf-8"?>
+<p:properties xmlns:p="http://schemas.microsoft.com/office/2006/metadata/properties" xmlns:xsi="http://www.w3.org/2001/XMLSchema-instance" xmlns:pc="http://schemas.microsoft.com/office/infopath/2007/PartnerControls">
+  <documentManagement/>
+</p:properties>
 </file>
 
-<file path=customXml/itemProps2.xml><?xml version="1.0" encoding="utf-8"?>
-<ds:datastoreItem xmlns:ds="http://schemas.openxmlformats.org/officeDocument/2006/customXml" ds:itemID="{98D9791E-52D0-4ABB-925A-4EAECF798D9B}">
-  <ds:schemaRefs>
-    <ds:schemaRef ds:uri="http://schemas.microsoft.com/sharepoint/v3/contenttype/forms"/>
-  </ds:schemaRefs>
-</ds:datastoreItem>
+<file path=customXml/item3.xml><?xml version="1.0" encoding="utf-8"?>
+<?mso-contentType ?>
+<FormTemplates xmlns="http://schemas.microsoft.com/sharepoint/v3/contenttype/forms">
+  <Display>DocumentLibraryForm</Display>
+  <Edit>DocumentLibraryForm</Edit>
+  <New>DocumentLibraryForm</New>
+</FormTemplates>
 </file>
 
-<file path=customXml/itemProps3.xml><?xml version="1.0" encoding="utf-8"?>
+<file path=customXml/itemProps1.xml><?xml version="1.0" encoding="utf-8"?>
 <ds:datastoreItem xmlns:ds="http://schemas.openxmlformats.org/officeDocument/2006/customXml" ds:itemID="{DD6AE36C-DA72-47BC-B734-316C2170376B}">
   <ds:schemaRefs>
     <ds:schemaRef ds:uri="http://schemas.microsoft.com/office/2006/metadata/contentType"/>
@@ -33872,4 +32883,28 @@
     <ds:schemaRef ds:uri="http://schemas.microsoft.com/internal/obd"/>
   </ds:schemaRefs>
 </ds:datastoreItem>
+</file>
+
+<file path=customXml/itemProps2.xml><?xml version="1.0" encoding="utf-8"?>
+<ds:datastoreItem xmlns:ds="http://schemas.openxmlformats.org/officeDocument/2006/customXml" ds:itemID="{3067B86F-F5BB-4BE6-9A37-0E19E53CB68B}">
+  <ds:schemaRefs>
+    <ds:schemaRef ds:uri="04457b0b-0490-4995-8f27-e0b7141e5786"/>
+    <ds:schemaRef ds:uri="http://purl.org/dc/dcmitype/"/>
+    <ds:schemaRef ds:uri="http://purl.org/dc/elements/1.1/"/>
+    <ds:schemaRef ds:uri="http://purl.org/dc/terms/"/>
+    <ds:schemaRef ds:uri="http://schemas.microsoft.com/office/2006/documentManagement/types"/>
+    <ds:schemaRef ds:uri="http://schemas.microsoft.com/office/2006/metadata/properties"/>
+    <ds:schemaRef ds:uri="http://schemas.microsoft.com/office/infopath/2007/PartnerControls"/>
+    <ds:schemaRef ds:uri="http://schemas.openxmlformats.org/package/2006/metadata/core-properties"/>
+    <ds:schemaRef ds:uri="http://www.w3.org/XML/1998/namespace"/>
+  </ds:schemaRefs>
+</ds:datastoreItem>
+</file>
+
+<file path=customXml/itemProps3.xml><?xml version="1.0" encoding="utf-8"?>
+<ds:datastoreItem xmlns:ds="http://schemas.openxmlformats.org/officeDocument/2006/customXml" ds:itemID="{98D9791E-52D0-4ABB-925A-4EAECF798D9B}">
+  <ds:schemaRefs>
+    <ds:schemaRef ds:uri="http://schemas.microsoft.com/sharepoint/v3/contenttype/forms"/>
+  </ds:schemaRefs>
+</ds:datastoreItem>
 </file>
--- a/docs/Year1/BlockD/MS Assignment Template/Learning Log - Y1D_2022-23_ADSAI.pptx
+++ b/docs/Year1/BlockD/MS Assignment Template/Learning Log - Y1D_2022-23_ADSAI.pptx
@@ -5,7 +5,7 @@
     <p:sldMasterId id="2147483658" r:id="rId4"/>
   </p:sldMasterIdLst>
   <p:notesMasterIdLst>
-    <p:notesMasterId r:id="rId52"/>
+    <p:notesMasterId r:id="rId54"/>
   </p:notesMasterIdLst>
   <p:sldIdLst>
     <p:sldId id="256" r:id="rId5"/>
@@ -32,85 +32,83 @@
     <p:sldId id="329" r:id="rId26"/>
     <p:sldId id="331" r:id="rId27"/>
     <p:sldId id="332" r:id="rId28"/>
-    <p:sldId id="282" r:id="rId29"/>
-    <p:sldId id="283" r:id="rId30"/>
-    <p:sldId id="286" r:id="rId31"/>
-    <p:sldId id="314" r:id="rId32"/>
-    <p:sldId id="312" r:id="rId33"/>
-    <p:sldId id="313" r:id="rId34"/>
-    <p:sldId id="315" r:id="rId35"/>
-    <p:sldId id="292" r:id="rId36"/>
-    <p:sldId id="293" r:id="rId37"/>
-    <p:sldId id="294" r:id="rId38"/>
-    <p:sldId id="299" r:id="rId39"/>
-    <p:sldId id="300" r:id="rId40"/>
-    <p:sldId id="302" r:id="rId41"/>
-    <p:sldId id="303" r:id="rId42"/>
-    <p:sldId id="306" r:id="rId43"/>
-    <p:sldId id="307" r:id="rId44"/>
-    <p:sldId id="309" r:id="rId45"/>
-    <p:sldId id="310" r:id="rId46"/>
-    <p:sldId id="333" r:id="rId47"/>
-    <p:sldId id="334" r:id="rId48"/>
-    <p:sldId id="296" r:id="rId49"/>
-    <p:sldId id="297" r:id="rId50"/>
-    <p:sldId id="298" r:id="rId51"/>
+    <p:sldId id="335" r:id="rId29"/>
+    <p:sldId id="336" r:id="rId30"/>
+    <p:sldId id="282" r:id="rId31"/>
+    <p:sldId id="283" r:id="rId32"/>
+    <p:sldId id="286" r:id="rId33"/>
+    <p:sldId id="314" r:id="rId34"/>
+    <p:sldId id="312" r:id="rId35"/>
+    <p:sldId id="313" r:id="rId36"/>
+    <p:sldId id="315" r:id="rId37"/>
+    <p:sldId id="292" r:id="rId38"/>
+    <p:sldId id="293" r:id="rId39"/>
+    <p:sldId id="294" r:id="rId40"/>
+    <p:sldId id="299" r:id="rId41"/>
+    <p:sldId id="300" r:id="rId42"/>
+    <p:sldId id="302" r:id="rId43"/>
+    <p:sldId id="303" r:id="rId44"/>
+    <p:sldId id="306" r:id="rId45"/>
+    <p:sldId id="307" r:id="rId46"/>
+    <p:sldId id="309" r:id="rId47"/>
+    <p:sldId id="310" r:id="rId48"/>
+    <p:sldId id="333" r:id="rId49"/>
+    <p:sldId id="334" r:id="rId50"/>
+    <p:sldId id="296" r:id="rId51"/>
+    <p:sldId id="297" r:id="rId52"/>
+    <p:sldId id="298" r:id="rId53"/>
   </p:sldIdLst>
   <p:sldSz cx="9144000" cy="5143500" type="screen16x9"/>
   <p:notesSz cx="6858000" cy="9144000"/>
   <p:embeddedFontLst>
     <p:embeddedFont>
-      <p:font typeface="Alfa Slab One" panose="020B0604020202020204" charset="0"/>
-      <p:regular r:id="rId53"/>
-    </p:embeddedFont>
-    <p:embeddedFont>
       <p:font typeface="Helvetica Neue" panose="020B0604020202020204" charset="0"/>
-      <p:regular r:id="rId54"/>
-      <p:bold r:id="rId55"/>
-      <p:italic r:id="rId56"/>
-      <p:boldItalic r:id="rId57"/>
+      <p:regular r:id="rId55"/>
+      <p:bold r:id="rId56"/>
+      <p:italic r:id="rId57"/>
+      <p:boldItalic r:id="rId58"/>
     </p:embeddedFont>
     <p:embeddedFont>
       <p:font typeface="Open Sans" panose="020B0606030504020204" pitchFamily="34" charset="0"/>
-      <p:regular r:id="rId58"/>
-      <p:bold r:id="rId59"/>
-      <p:italic r:id="rId60"/>
-      <p:boldItalic r:id="rId61"/>
+      <p:regular r:id="rId59"/>
+      <p:bold r:id="rId60"/>
+      <p:italic r:id="rId61"/>
+      <p:boldItalic r:id="rId62"/>
     </p:embeddedFont>
     <p:embeddedFont>
       <p:font typeface="Proxima Nova" panose="020B0604020202020204" charset="0"/>
-      <p:regular r:id="rId62"/>
-      <p:bold r:id="rId63"/>
-      <p:italic r:id="rId64"/>
-      <p:boldItalic r:id="rId65"/>
+      <p:regular r:id="rId63"/>
+      <p:bold r:id="rId64"/>
+      <p:italic r:id="rId65"/>
+      <p:boldItalic r:id="rId66"/>
     </p:embeddedFont>
     <p:embeddedFont>
       <p:font typeface="Roboto" panose="02000000000000000000" pitchFamily="2" charset="0"/>
-      <p:regular r:id="rId66"/>
-      <p:bold r:id="rId67"/>
-      <p:italic r:id="rId68"/>
-      <p:boldItalic r:id="rId69"/>
+      <p:regular r:id="rId67"/>
+      <p:bold r:id="rId68"/>
+      <p:italic r:id="rId69"/>
+      <p:boldItalic r:id="rId70"/>
     </p:embeddedFont>
     <p:embeddedFont>
       <p:font typeface="Roboto Light" panose="02000000000000000000" pitchFamily="2" charset="0"/>
-      <p:regular r:id="rId70"/>
-      <p:bold r:id="rId71"/>
-      <p:italic r:id="rId72"/>
-      <p:boldItalic r:id="rId73"/>
+      <p:regular r:id="rId71"/>
+      <p:bold r:id="rId72"/>
+      <p:italic r:id="rId73"/>
+      <p:boldItalic r:id="rId74"/>
     </p:embeddedFont>
     <p:embeddedFont>
       <p:font typeface="Roboto Thin" panose="02000000000000000000" pitchFamily="2" charset="0"/>
-      <p:regular r:id="rId74"/>
-      <p:bold r:id="rId75"/>
-      <p:italic r:id="rId76"/>
-      <p:boldItalic r:id="rId77"/>
+      <p:regular r:id="rId75"/>
+      <p:bold r:id="rId76"/>
+      <p:italic r:id="rId77"/>
+      <p:boldItalic r:id="rId78"/>
     </p:embeddedFont>
     <p:embeddedFont>
       <p:font typeface="Segoe UI" panose="020B0502040204020203" pitchFamily="34" charset="0"/>
-      <p:regular r:id="rId78"/>
-      <p:bold r:id="rId79"/>
-      <p:italic r:id="rId80"/>
-      <p:boldItalic r:id="rId81"/>
+      <p:regular r:id="rId79"/>
+      <p:bold r:id="rId80"/>
+      <p:italic r:id="rId81"/>
+      <p:boldItalic r:id="rId82"/>
     </p:embeddedFont>
   </p:embeddedFontLst>
   <p:defaultTextStyle>
@@ -376,15 +374,8 @@
 <file path=ppt/revisionInfo.xml><?xml version="1.0" encoding="utf-8"?>
 <p1510:revInfo xmlns:a="http://schemas.openxmlformats.org/drawingml/2006/main" xmlns:r="http://schemas.openxmlformats.org/officeDocument/2006/relationships" xmlns:p1510="http://schemas.microsoft.com/office/powerpoint/2015/10/main">
   <p1510:revLst>
-    <p1510:client id="{021F3184-B9B0-48E9-BB84-4F46E3F22836}" v="8" dt="2021-08-31T10:05:44.704"/>
-    <p1510:client id="{2B37B9BF-F45E-4790-ABCD-F8EFDB07ACFB}" v="24" dt="2021-08-31T10:03:02.688"/>
-    <p1510:client id="{2C351369-646F-4408-9DA0-A3C9314D39E3}" v="35" dt="2021-11-04T15:12:24.104"/>
-    <p1510:client id="{342B10AE-9F51-4A99-9205-98D06BBEA5D7}" v="14" dt="2021-09-17T14:30:21.170"/>
-    <p1510:client id="{93F31332-918B-45B0-A28E-5082ED56062B}" v="25" dt="2021-09-17T14:25:59.778"/>
-    <p1510:client id="{AD121B51-E0ED-4064-B3F3-5BF26986F106}" v="1" dt="2021-10-12T08:22:19.306"/>
-    <p1510:client id="{CB69438A-5F84-4332-AEBF-7ECEA1C9D5A5}" v="29" dt="2021-10-08T07:37:31.922"/>
-    <p1510:client id="{CCDE9E4E-5D09-4395-A348-E3BF5775B480}" v="174" dt="2021-09-17T15:01:29.178"/>
-    <p1510:client id="{FCE27AD3-2A2C-486D-9BD5-2B0AE5F79050}" v="2" dt="2021-10-22T09:47:28.281"/>
+    <p1510:client id="{B6AD3A1D-3DA4-8758-FD62-5DA92953167B}" v="10" dt="2023-04-21T09:54:27.239"/>
+    <p1510:client id="{EEA758BD-E0AD-A9A4-715C-D7AFC84E8D6C}" v="56" dt="2023-04-21T09:52:14.256"/>
   </p1510:revLst>
 </p1510:revInfo>
 </file>
@@ -392,24 +383,24 @@
 <file path=ppt/changesInfos/changesInfo1.xml><?xml version="1.0" encoding="utf-8"?>
 <pc:chgInfo xmlns:a="http://schemas.openxmlformats.org/drawingml/2006/main" xmlns:r="http://schemas.openxmlformats.org/officeDocument/2006/relationships" xmlns:ac="http://schemas.microsoft.com/office/drawing/2013/main/command" xmlns:pc="http://schemas.microsoft.com/office/powerpoint/2013/main/command">
   <pc:docChgLst>
-    <pc:chgData name="Blerck, Irene van" userId="S::blerck.i@buas.nl::a459afc0-a645-4902-97f4-db4ffab93732" providerId="AD" clId="Web-{93F31332-918B-45B0-A28E-5082ED56062B}"/>
+    <pc:chgData name="Heijligers, Bram" userId="S::heijligers.b@buas.nl::5cef929d-ecf9-4fca-bf12-bc5ee065fc99" providerId="AD" clId="Web-{B6AD3A1D-3DA4-8758-FD62-5DA92953167B}"/>
     <pc:docChg chg="modSld">
-      <pc:chgData name="Blerck, Irene van" userId="S::blerck.i@buas.nl::a459afc0-a645-4902-97f4-db4ffab93732" providerId="AD" clId="Web-{93F31332-918B-45B0-A28E-5082ED56062B}" dt="2021-09-17T14:25:59.778" v="24" actId="20577"/>
+      <pc:chgData name="Heijligers, Bram" userId="S::heijligers.b@buas.nl::5cef929d-ecf9-4fca-bf12-bc5ee065fc99" providerId="AD" clId="Web-{B6AD3A1D-3DA4-8758-FD62-5DA92953167B}" dt="2023-04-21T09:54:24.770" v="8" actId="20577"/>
       <pc:docMkLst>
         <pc:docMk/>
       </pc:docMkLst>
       <pc:sldChg chg="modSp">
-        <pc:chgData name="Blerck, Irene van" userId="S::blerck.i@buas.nl::a459afc0-a645-4902-97f4-db4ffab93732" providerId="AD" clId="Web-{93F31332-918B-45B0-A28E-5082ED56062B}" dt="2021-09-17T14:25:59.778" v="24" actId="20577"/>
+        <pc:chgData name="Heijligers, Bram" userId="S::heijligers.b@buas.nl::5cef929d-ecf9-4fca-bf12-bc5ee065fc99" providerId="AD" clId="Web-{B6AD3A1D-3DA4-8758-FD62-5DA92953167B}" dt="2023-04-21T09:54:24.770" v="8" actId="20577"/>
         <pc:sldMkLst>
           <pc:docMk/>
-          <pc:sldMk cId="0" sldId="265"/>
+          <pc:sldMk cId="0" sldId="258"/>
         </pc:sldMkLst>
         <pc:spChg chg="mod">
-          <ac:chgData name="Blerck, Irene van" userId="S::blerck.i@buas.nl::a459afc0-a645-4902-97f4-db4ffab93732" providerId="AD" clId="Web-{93F31332-918B-45B0-A28E-5082ED56062B}" dt="2021-09-17T14:25:59.778" v="24" actId="20577"/>
+          <ac:chgData name="Heijligers, Bram" userId="S::heijligers.b@buas.nl::5cef929d-ecf9-4fca-bf12-bc5ee065fc99" providerId="AD" clId="Web-{B6AD3A1D-3DA4-8758-FD62-5DA92953167B}" dt="2023-04-21T09:54:24.770" v="8" actId="20577"/>
           <ac:spMkLst>
             <pc:docMk/>
-            <pc:sldMk cId="0" sldId="265"/>
-            <ac:spMk id="174" creationId="{00000000-0000-0000-0000-000000000000}"/>
+            <pc:sldMk cId="0" sldId="258"/>
+            <ac:spMk id="110" creationId="{00000000-0000-0000-0000-000000000000}"/>
           </ac:spMkLst>
         </pc:spChg>
       </pc:sldChg>
@@ -485,6 +476,140 @@
     </pc:docChg>
   </pc:docChgLst>
   <pc:docChgLst>
+    <pc:chgData name="Blerck, Irene van" userId="S::blerck.i@buas.nl::a459afc0-a645-4902-97f4-db4ffab93732" providerId="AD" clId="Web-{342B10AE-9F51-4A99-9205-98D06BBEA5D7}"/>
+    <pc:docChg chg="modSld">
+      <pc:chgData name="Blerck, Irene van" userId="S::blerck.i@buas.nl::a459afc0-a645-4902-97f4-db4ffab93732" providerId="AD" clId="Web-{342B10AE-9F51-4A99-9205-98D06BBEA5D7}" dt="2021-09-17T14:30:21.170" v="13" actId="20577"/>
+      <pc:docMkLst>
+        <pc:docMk/>
+      </pc:docMkLst>
+      <pc:sldChg chg="modSp">
+        <pc:chgData name="Blerck, Irene van" userId="S::blerck.i@buas.nl::a459afc0-a645-4902-97f4-db4ffab93732" providerId="AD" clId="Web-{342B10AE-9F51-4A99-9205-98D06BBEA5D7}" dt="2021-09-17T14:30:21.170" v="13" actId="20577"/>
+        <pc:sldMkLst>
+          <pc:docMk/>
+          <pc:sldMk cId="0" sldId="265"/>
+        </pc:sldMkLst>
+        <pc:spChg chg="mod">
+          <ac:chgData name="Blerck, Irene van" userId="S::blerck.i@buas.nl::a459afc0-a645-4902-97f4-db4ffab93732" providerId="AD" clId="Web-{342B10AE-9F51-4A99-9205-98D06BBEA5D7}" dt="2021-09-17T14:30:21.170" v="13" actId="20577"/>
+          <ac:spMkLst>
+            <pc:docMk/>
+            <pc:sldMk cId="0" sldId="265"/>
+            <ac:spMk id="174" creationId="{00000000-0000-0000-0000-000000000000}"/>
+          </ac:spMkLst>
+        </pc:spChg>
+      </pc:sldChg>
+    </pc:docChg>
+  </pc:docChgLst>
+  <pc:docChgLst>
+    <pc:chgData name="Heijligers, Bram" userId="5cef929d-ecf9-4fca-bf12-bc5ee065fc99" providerId="ADAL" clId="{4CC77BDB-D4D3-4087-97C6-BB9A5FD50B21}"/>
+    <pc:docChg chg="custSel modSld">
+      <pc:chgData name="Heijligers, Bram" userId="5cef929d-ecf9-4fca-bf12-bc5ee065fc99" providerId="ADAL" clId="{4CC77BDB-D4D3-4087-97C6-BB9A5FD50B21}" dt="2023-04-13T08:48:04.731" v="225" actId="20577"/>
+      <pc:docMkLst>
+        <pc:docMk/>
+      </pc:docMkLst>
+      <pc:sldChg chg="modSp mod">
+        <pc:chgData name="Heijligers, Bram" userId="5cef929d-ecf9-4fca-bf12-bc5ee065fc99" providerId="ADAL" clId="{4CC77BDB-D4D3-4087-97C6-BB9A5FD50B21}" dt="2023-04-13T08:47:32.870" v="221" actId="6549"/>
+        <pc:sldMkLst>
+          <pc:docMk/>
+          <pc:sldMk cId="0" sldId="262"/>
+        </pc:sldMkLst>
+        <pc:spChg chg="mod">
+          <ac:chgData name="Heijligers, Bram" userId="5cef929d-ecf9-4fca-bf12-bc5ee065fc99" providerId="ADAL" clId="{4CC77BDB-D4D3-4087-97C6-BB9A5FD50B21}" dt="2023-04-13T08:42:22.581" v="0" actId="20577"/>
+          <ac:spMkLst>
+            <pc:docMk/>
+            <pc:sldMk cId="0" sldId="262"/>
+            <ac:spMk id="146" creationId="{00000000-0000-0000-0000-000000000000}"/>
+          </ac:spMkLst>
+        </pc:spChg>
+        <pc:graphicFrameChg chg="modGraphic">
+          <ac:chgData name="Heijligers, Bram" userId="5cef929d-ecf9-4fca-bf12-bc5ee065fc99" providerId="ADAL" clId="{4CC77BDB-D4D3-4087-97C6-BB9A5FD50B21}" dt="2023-04-13T08:47:32.870" v="221" actId="6549"/>
+          <ac:graphicFrameMkLst>
+            <pc:docMk/>
+            <pc:sldMk cId="0" sldId="262"/>
+            <ac:graphicFrameMk id="148" creationId="{00000000-0000-0000-0000-000000000000}"/>
+          </ac:graphicFrameMkLst>
+        </pc:graphicFrameChg>
+      </pc:sldChg>
+      <pc:sldChg chg="modSp mod">
+        <pc:chgData name="Heijligers, Bram" userId="5cef929d-ecf9-4fca-bf12-bc5ee065fc99" providerId="ADAL" clId="{4CC77BDB-D4D3-4087-97C6-BB9A5FD50B21}" dt="2023-04-13T08:48:02.003" v="223" actId="20577"/>
+        <pc:sldMkLst>
+          <pc:docMk/>
+          <pc:sldMk cId="0" sldId="297"/>
+        </pc:sldMkLst>
+        <pc:spChg chg="mod">
+          <ac:chgData name="Heijligers, Bram" userId="5cef929d-ecf9-4fca-bf12-bc5ee065fc99" providerId="ADAL" clId="{4CC77BDB-D4D3-4087-97C6-BB9A5FD50B21}" dt="2023-04-13T08:48:02.003" v="223" actId="20577"/>
+          <ac:spMkLst>
+            <pc:docMk/>
+            <pc:sldMk cId="0" sldId="297"/>
+            <ac:spMk id="508" creationId="{00000000-0000-0000-0000-000000000000}"/>
+          </ac:spMkLst>
+        </pc:spChg>
+      </pc:sldChg>
+      <pc:sldChg chg="modSp mod">
+        <pc:chgData name="Heijligers, Bram" userId="5cef929d-ecf9-4fca-bf12-bc5ee065fc99" providerId="ADAL" clId="{4CC77BDB-D4D3-4087-97C6-BB9A5FD50B21}" dt="2023-04-13T08:48:04.731" v="225" actId="20577"/>
+        <pc:sldMkLst>
+          <pc:docMk/>
+          <pc:sldMk cId="0" sldId="298"/>
+        </pc:sldMkLst>
+        <pc:spChg chg="mod">
+          <ac:chgData name="Heijligers, Bram" userId="5cef929d-ecf9-4fca-bf12-bc5ee065fc99" providerId="ADAL" clId="{4CC77BDB-D4D3-4087-97C6-BB9A5FD50B21}" dt="2023-04-13T08:48:04.731" v="225" actId="20577"/>
+          <ac:spMkLst>
+            <pc:docMk/>
+            <pc:sldMk cId="0" sldId="298"/>
+            <ac:spMk id="515" creationId="{00000000-0000-0000-0000-000000000000}"/>
+          </ac:spMkLst>
+        </pc:spChg>
+      </pc:sldChg>
+    </pc:docChg>
+  </pc:docChgLst>
+  <pc:docChgLst>
+    <pc:chgData name="Heijligers, Bram" userId="S::heijligers.b@buas.nl::5cef929d-ecf9-4fca-bf12-bc5ee065fc99" providerId="AD" clId="Web-{CB69438A-5F84-4332-AEBF-7ECEA1C9D5A5}"/>
+    <pc:docChg chg="modSld">
+      <pc:chgData name="Heijligers, Bram" userId="S::heijligers.b@buas.nl::5cef929d-ecf9-4fca-bf12-bc5ee065fc99" providerId="AD" clId="Web-{CB69438A-5F84-4332-AEBF-7ECEA1C9D5A5}" dt="2021-10-08T07:37:31.922" v="28" actId="20577"/>
+      <pc:docMkLst>
+        <pc:docMk/>
+      </pc:docMkLst>
+      <pc:sldChg chg="modSp">
+        <pc:chgData name="Heijligers, Bram" userId="S::heijligers.b@buas.nl::5cef929d-ecf9-4fca-bf12-bc5ee065fc99" providerId="AD" clId="Web-{CB69438A-5F84-4332-AEBF-7ECEA1C9D5A5}" dt="2021-10-08T07:37:31.922" v="28" actId="20577"/>
+        <pc:sldMkLst>
+          <pc:docMk/>
+          <pc:sldMk cId="0" sldId="269"/>
+        </pc:sldMkLst>
+        <pc:spChg chg="mod">
+          <ac:chgData name="Heijligers, Bram" userId="S::heijligers.b@buas.nl::5cef929d-ecf9-4fca-bf12-bc5ee065fc99" providerId="AD" clId="Web-{CB69438A-5F84-4332-AEBF-7ECEA1C9D5A5}" dt="2021-10-08T07:37:31.922" v="28" actId="20577"/>
+          <ac:spMkLst>
+            <pc:docMk/>
+            <pc:sldMk cId="0" sldId="269"/>
+            <ac:spMk id="216" creationId="{00000000-0000-0000-0000-000000000000}"/>
+          </ac:spMkLst>
+        </pc:spChg>
+      </pc:sldChg>
+    </pc:docChg>
+  </pc:docChgLst>
+  <pc:docChgLst>
+    <pc:chgData name="Bhushan, Nitin" userId="S::bhushan.n@buas.nl::b70ad1ac-80f8-452d-97e3-49086ae68978" providerId="AD" clId="Web-{2C351369-646F-4408-9DA0-A3C9314D39E3}"/>
+    <pc:docChg chg="modSld">
+      <pc:chgData name="Bhushan, Nitin" userId="S::bhushan.n@buas.nl::b70ad1ac-80f8-452d-97e3-49086ae68978" providerId="AD" clId="Web-{2C351369-646F-4408-9DA0-A3C9314D39E3}" dt="2021-11-04T15:12:24.104" v="34" actId="20577"/>
+      <pc:docMkLst>
+        <pc:docMk/>
+      </pc:docMkLst>
+      <pc:sldChg chg="modSp">
+        <pc:chgData name="Bhushan, Nitin" userId="S::bhushan.n@buas.nl::b70ad1ac-80f8-452d-97e3-49086ae68978" providerId="AD" clId="Web-{2C351369-646F-4408-9DA0-A3C9314D39E3}" dt="2021-11-04T15:12:24.104" v="34" actId="20577"/>
+        <pc:sldMkLst>
+          <pc:docMk/>
+          <pc:sldMk cId="0" sldId="271"/>
+        </pc:sldMkLst>
+        <pc:spChg chg="mod">
+          <ac:chgData name="Bhushan, Nitin" userId="S::bhushan.n@buas.nl::b70ad1ac-80f8-452d-97e3-49086ae68978" providerId="AD" clId="Web-{2C351369-646F-4408-9DA0-A3C9314D39E3}" dt="2021-11-04T15:12:24.104" v="34" actId="20577"/>
+          <ac:spMkLst>
+            <pc:docMk/>
+            <pc:sldMk cId="0" sldId="271"/>
+            <ac:spMk id="239" creationId="{00000000-0000-0000-0000-000000000000}"/>
+          </ac:spMkLst>
+        </pc:spChg>
+      </pc:sldChg>
+    </pc:docChg>
+  </pc:docChgLst>
+  <pc:docChgLst>
     <pc:chgData name="Engering, Elisabeth (210811)" userId="S::210811@buas.nl::e0321fa4-dab0-47ff-8663-e63a5ebcb72c" providerId="AD" clId="Web-{FCE27AD3-2A2C-486D-9BD5-2B0AE5F79050}"/>
     <pc:docChg chg="modSld">
       <pc:chgData name="Engering, Elisabeth (210811)" userId="S::210811@buas.nl::e0321fa4-dab0-47ff-8663-e63a5ebcb72c" providerId="AD" clId="Web-{FCE27AD3-2A2C-486D-9BD5-2B0AE5F79050}" dt="2021-10-22T09:47:28.281" v="1" actId="20577"/>
@@ -509,50 +634,18 @@
     </pc:docChg>
   </pc:docChgLst>
   <pc:docChgLst>
-    <pc:chgData name="Kozlova, Zhanna" userId="S::kozlova.z@buas.nl::8d63d5a7-3991-4693-b13a-8e2a489aa357" providerId="AD" clId="Web-{CCDE9E4E-5D09-4395-A348-E3BF5775B480}"/>
-    <pc:docChg chg="modSld">
-      <pc:chgData name="Kozlova, Zhanna" userId="S::kozlova.z@buas.nl::8d63d5a7-3991-4693-b13a-8e2a489aa357" providerId="AD" clId="Web-{CCDE9E4E-5D09-4395-A348-E3BF5775B480}" dt="2021-09-17T15:01:29.178" v="173" actId="20577"/>
+    <pc:chgData name="Biswas, Abhishek" userId="S::biswas.a@buas.nl::fb8d240a-d551-4b24-ab9a-9862bbc79dd8" providerId="AD" clId="Web-{AD121B51-E0ED-4064-B3F3-5BF26986F106}"/>
+    <pc:docChg chg="">
+      <pc:chgData name="Biswas, Abhishek" userId="S::biswas.a@buas.nl::fb8d240a-d551-4b24-ab9a-9862bbc79dd8" providerId="AD" clId="Web-{AD121B51-E0ED-4064-B3F3-5BF26986F106}" dt="2021-10-12T08:22:19.306" v="0"/>
       <pc:docMkLst>
         <pc:docMk/>
       </pc:docMkLst>
-      <pc:sldChg chg="modSp">
-        <pc:chgData name="Kozlova, Zhanna" userId="S::kozlova.z@buas.nl::8d63d5a7-3991-4693-b13a-8e2a489aa357" providerId="AD" clId="Web-{CCDE9E4E-5D09-4395-A348-E3BF5775B480}" dt="2021-09-17T15:01:29.178" v="173" actId="20577"/>
+      <pc:sldChg chg="addCm">
+        <pc:chgData name="Biswas, Abhishek" userId="S::biswas.a@buas.nl::fb8d240a-d551-4b24-ab9a-9862bbc79dd8" providerId="AD" clId="Web-{AD121B51-E0ED-4064-B3F3-5BF26986F106}" dt="2021-10-12T08:22:19.306" v="0"/>
         <pc:sldMkLst>
           <pc:docMk/>
-          <pc:sldMk cId="0" sldId="265"/>
+          <pc:sldMk cId="0" sldId="282"/>
         </pc:sldMkLst>
-        <pc:spChg chg="mod">
-          <ac:chgData name="Kozlova, Zhanna" userId="S::kozlova.z@buas.nl::8d63d5a7-3991-4693-b13a-8e2a489aa357" providerId="AD" clId="Web-{CCDE9E4E-5D09-4395-A348-E3BF5775B480}" dt="2021-09-17T15:01:29.178" v="173" actId="20577"/>
-          <ac:spMkLst>
-            <pc:docMk/>
-            <pc:sldMk cId="0" sldId="265"/>
-            <ac:spMk id="174" creationId="{00000000-0000-0000-0000-000000000000}"/>
-          </ac:spMkLst>
-        </pc:spChg>
-      </pc:sldChg>
-    </pc:docChg>
-  </pc:docChgLst>
-  <pc:docChgLst>
-    <pc:chgData name="Blerck, Irene van" userId="S::blerck.i@buas.nl::a459afc0-a645-4902-97f4-db4ffab93732" providerId="AD" clId="Web-{342B10AE-9F51-4A99-9205-98D06BBEA5D7}"/>
-    <pc:docChg chg="modSld">
-      <pc:chgData name="Blerck, Irene van" userId="S::blerck.i@buas.nl::a459afc0-a645-4902-97f4-db4ffab93732" providerId="AD" clId="Web-{342B10AE-9F51-4A99-9205-98D06BBEA5D7}" dt="2021-09-17T14:30:21.170" v="13" actId="20577"/>
-      <pc:docMkLst>
-        <pc:docMk/>
-      </pc:docMkLst>
-      <pc:sldChg chg="modSp">
-        <pc:chgData name="Blerck, Irene van" userId="S::blerck.i@buas.nl::a459afc0-a645-4902-97f4-db4ffab93732" providerId="AD" clId="Web-{342B10AE-9F51-4A99-9205-98D06BBEA5D7}" dt="2021-09-17T14:30:21.170" v="13" actId="20577"/>
-        <pc:sldMkLst>
-          <pc:docMk/>
-          <pc:sldMk cId="0" sldId="265"/>
-        </pc:sldMkLst>
-        <pc:spChg chg="mod">
-          <ac:chgData name="Blerck, Irene van" userId="S::blerck.i@buas.nl::a459afc0-a645-4902-97f4-db4ffab93732" providerId="AD" clId="Web-{342B10AE-9F51-4A99-9205-98D06BBEA5D7}" dt="2021-09-17T14:30:21.170" v="13" actId="20577"/>
-          <ac:spMkLst>
-            <pc:docMk/>
-            <pc:sldMk cId="0" sldId="265"/>
-            <ac:spMk id="174" creationId="{00000000-0000-0000-0000-000000000000}"/>
-          </ac:spMkLst>
-        </pc:spChg>
       </pc:sldChg>
     </pc:docChg>
   </pc:docChgLst>
@@ -1318,64 +1411,286 @@
     </pc:docChg>
   </pc:docChgLst>
   <pc:docChgLst>
-    <pc:chgData name="Heijligers, Bram" userId="S::heijligers.b@buas.nl::5cef929d-ecf9-4fca-bf12-bc5ee065fc99" providerId="AD" clId="Web-{CB69438A-5F84-4332-AEBF-7ECEA1C9D5A5}"/>
+    <pc:chgData name="Blerck, Irene van" userId="S::blerck.i@buas.nl::a459afc0-a645-4902-97f4-db4ffab93732" providerId="AD" clId="Web-{93F31332-918B-45B0-A28E-5082ED56062B}"/>
     <pc:docChg chg="modSld">
-      <pc:chgData name="Heijligers, Bram" userId="S::heijligers.b@buas.nl::5cef929d-ecf9-4fca-bf12-bc5ee065fc99" providerId="AD" clId="Web-{CB69438A-5F84-4332-AEBF-7ECEA1C9D5A5}" dt="2021-10-08T07:37:31.922" v="28" actId="20577"/>
+      <pc:chgData name="Blerck, Irene van" userId="S::blerck.i@buas.nl::a459afc0-a645-4902-97f4-db4ffab93732" providerId="AD" clId="Web-{93F31332-918B-45B0-A28E-5082ED56062B}" dt="2021-09-17T14:25:59.778" v="24" actId="20577"/>
       <pc:docMkLst>
         <pc:docMk/>
       </pc:docMkLst>
       <pc:sldChg chg="modSp">
-        <pc:chgData name="Heijligers, Bram" userId="S::heijligers.b@buas.nl::5cef929d-ecf9-4fca-bf12-bc5ee065fc99" providerId="AD" clId="Web-{CB69438A-5F84-4332-AEBF-7ECEA1C9D5A5}" dt="2021-10-08T07:37:31.922" v="28" actId="20577"/>
+        <pc:chgData name="Blerck, Irene van" userId="S::blerck.i@buas.nl::a459afc0-a645-4902-97f4-db4ffab93732" providerId="AD" clId="Web-{93F31332-918B-45B0-A28E-5082ED56062B}" dt="2021-09-17T14:25:59.778" v="24" actId="20577"/>
         <pc:sldMkLst>
           <pc:docMk/>
-          <pc:sldMk cId="0" sldId="269"/>
+          <pc:sldMk cId="0" sldId="265"/>
         </pc:sldMkLst>
         <pc:spChg chg="mod">
-          <ac:chgData name="Heijligers, Bram" userId="S::heijligers.b@buas.nl::5cef929d-ecf9-4fca-bf12-bc5ee065fc99" providerId="AD" clId="Web-{CB69438A-5F84-4332-AEBF-7ECEA1C9D5A5}" dt="2021-10-08T07:37:31.922" v="28" actId="20577"/>
+          <ac:chgData name="Blerck, Irene van" userId="S::blerck.i@buas.nl::a459afc0-a645-4902-97f4-db4ffab93732" providerId="AD" clId="Web-{93F31332-918B-45B0-A28E-5082ED56062B}" dt="2021-09-17T14:25:59.778" v="24" actId="20577"/>
           <ac:spMkLst>
             <pc:docMk/>
-            <pc:sldMk cId="0" sldId="269"/>
-            <ac:spMk id="216" creationId="{00000000-0000-0000-0000-000000000000}"/>
+            <pc:sldMk cId="0" sldId="265"/>
+            <ac:spMk id="174" creationId="{00000000-0000-0000-0000-000000000000}"/>
           </ac:spMkLst>
         </pc:spChg>
       </pc:sldChg>
     </pc:docChg>
   </pc:docChgLst>
   <pc:docChgLst>
-    <pc:chgData name="Biswas, Abhishek" userId="S::biswas.a@buas.nl::fb8d240a-d551-4b24-ab9a-9862bbc79dd8" providerId="AD" clId="Web-{AD121B51-E0ED-4064-B3F3-5BF26986F106}"/>
-    <pc:docChg chg="">
-      <pc:chgData name="Biswas, Abhishek" userId="S::biswas.a@buas.nl::fb8d240a-d551-4b24-ab9a-9862bbc79dd8" providerId="AD" clId="Web-{AD121B51-E0ED-4064-B3F3-5BF26986F106}" dt="2021-10-12T08:22:19.306" v="0"/>
+    <pc:chgData name="Kozlova, Zhanna" userId="S::kozlova.z@buas.nl::8d63d5a7-3991-4693-b13a-8e2a489aa357" providerId="AD" clId="Web-{CCDE9E4E-5D09-4395-A348-E3BF5775B480}"/>
+    <pc:docChg chg="modSld">
+      <pc:chgData name="Kozlova, Zhanna" userId="S::kozlova.z@buas.nl::8d63d5a7-3991-4693-b13a-8e2a489aa357" providerId="AD" clId="Web-{CCDE9E4E-5D09-4395-A348-E3BF5775B480}" dt="2021-09-17T15:01:29.178" v="173" actId="20577"/>
       <pc:docMkLst>
         <pc:docMk/>
       </pc:docMkLst>
-      <pc:sldChg chg="addCm">
-        <pc:chgData name="Biswas, Abhishek" userId="S::biswas.a@buas.nl::fb8d240a-d551-4b24-ab9a-9862bbc79dd8" providerId="AD" clId="Web-{AD121B51-E0ED-4064-B3F3-5BF26986F106}" dt="2021-10-12T08:22:19.306" v="0"/>
+      <pc:sldChg chg="modSp">
+        <pc:chgData name="Kozlova, Zhanna" userId="S::kozlova.z@buas.nl::8d63d5a7-3991-4693-b13a-8e2a489aa357" providerId="AD" clId="Web-{CCDE9E4E-5D09-4395-A348-E3BF5775B480}" dt="2021-09-17T15:01:29.178" v="173" actId="20577"/>
         <pc:sldMkLst>
           <pc:docMk/>
-          <pc:sldMk cId="0" sldId="282"/>
+          <pc:sldMk cId="0" sldId="265"/>
         </pc:sldMkLst>
+        <pc:spChg chg="mod">
+          <ac:chgData name="Kozlova, Zhanna" userId="S::kozlova.z@buas.nl::8d63d5a7-3991-4693-b13a-8e2a489aa357" providerId="AD" clId="Web-{CCDE9E4E-5D09-4395-A348-E3BF5775B480}" dt="2021-09-17T15:01:29.178" v="173" actId="20577"/>
+          <ac:spMkLst>
+            <pc:docMk/>
+            <pc:sldMk cId="0" sldId="265"/>
+            <ac:spMk id="174" creationId="{00000000-0000-0000-0000-000000000000}"/>
+          </ac:spMkLst>
+        </pc:spChg>
       </pc:sldChg>
     </pc:docChg>
   </pc:docChgLst>
   <pc:docChgLst>
-    <pc:chgData name="Bhushan, Nitin" userId="S::bhushan.n@buas.nl::b70ad1ac-80f8-452d-97e3-49086ae68978" providerId="AD" clId="Web-{2C351369-646F-4408-9DA0-A3C9314D39E3}"/>
+    <pc:chgData name="Heijligers, Bram" userId="S::heijligers.b@buas.nl::5cef929d-ecf9-4fca-bf12-bc5ee065fc99" providerId="AD" clId="Web-{EEA758BD-E0AD-A9A4-715C-D7AFC84E8D6C}"/>
     <pc:docChg chg="modSld">
-      <pc:chgData name="Bhushan, Nitin" userId="S::bhushan.n@buas.nl::b70ad1ac-80f8-452d-97e3-49086ae68978" providerId="AD" clId="Web-{2C351369-646F-4408-9DA0-A3C9314D39E3}" dt="2021-11-04T15:12:24.104" v="34" actId="20577"/>
+      <pc:chgData name="Heijligers, Bram" userId="S::heijligers.b@buas.nl::5cef929d-ecf9-4fca-bf12-bc5ee065fc99" providerId="AD" clId="Web-{EEA758BD-E0AD-A9A4-715C-D7AFC84E8D6C}" dt="2023-04-21T09:52:14.256" v="41" actId="20577"/>
       <pc:docMkLst>
         <pc:docMk/>
       </pc:docMkLst>
       <pc:sldChg chg="modSp">
-        <pc:chgData name="Bhushan, Nitin" userId="S::bhushan.n@buas.nl::b70ad1ac-80f8-452d-97e3-49086ae68978" providerId="AD" clId="Web-{2C351369-646F-4408-9DA0-A3C9314D39E3}" dt="2021-11-04T15:12:24.104" v="34" actId="20577"/>
+        <pc:chgData name="Heijligers, Bram" userId="S::heijligers.b@buas.nl::5cef929d-ecf9-4fca-bf12-bc5ee065fc99" providerId="AD" clId="Web-{EEA758BD-E0AD-A9A4-715C-D7AFC84E8D6C}" dt="2023-04-21T09:43:02.743" v="1" actId="20577"/>
         <pc:sldMkLst>
           <pc:docMk/>
-          <pc:sldMk cId="0" sldId="271"/>
+          <pc:sldMk cId="0" sldId="283"/>
         </pc:sldMkLst>
         <pc:spChg chg="mod">
-          <ac:chgData name="Bhushan, Nitin" userId="S::bhushan.n@buas.nl::b70ad1ac-80f8-452d-97e3-49086ae68978" providerId="AD" clId="Web-{2C351369-646F-4408-9DA0-A3C9314D39E3}" dt="2021-11-04T15:12:24.104" v="34" actId="20577"/>
+          <ac:chgData name="Heijligers, Bram" userId="S::heijligers.b@buas.nl::5cef929d-ecf9-4fca-bf12-bc5ee065fc99" providerId="AD" clId="Web-{EEA758BD-E0AD-A9A4-715C-D7AFC84E8D6C}" dt="2023-04-21T09:43:02.743" v="1" actId="20577"/>
           <ac:spMkLst>
             <pc:docMk/>
-            <pc:sldMk cId="0" sldId="271"/>
-            <ac:spMk id="239" creationId="{00000000-0000-0000-0000-000000000000}"/>
+            <pc:sldMk cId="0" sldId="283"/>
+            <ac:spMk id="364" creationId="{00000000-0000-0000-0000-000000000000}"/>
+          </ac:spMkLst>
+        </pc:spChg>
+      </pc:sldChg>
+      <pc:sldChg chg="modSp">
+        <pc:chgData name="Heijligers, Bram" userId="S::heijligers.b@buas.nl::5cef929d-ecf9-4fca-bf12-bc5ee065fc99" providerId="AD" clId="Web-{EEA758BD-E0AD-A9A4-715C-D7AFC84E8D6C}" dt="2023-04-21T09:46:03.528" v="5" actId="20577"/>
+        <pc:sldMkLst>
+          <pc:docMk/>
+          <pc:sldMk cId="0" sldId="293"/>
+        </pc:sldMkLst>
+        <pc:spChg chg="mod">
+          <ac:chgData name="Heijligers, Bram" userId="S::heijligers.b@buas.nl::5cef929d-ecf9-4fca-bf12-bc5ee065fc99" providerId="AD" clId="Web-{EEA758BD-E0AD-A9A4-715C-D7AFC84E8D6C}" dt="2023-04-21T09:46:03.528" v="5" actId="20577"/>
+          <ac:spMkLst>
+            <pc:docMk/>
+            <pc:sldMk cId="0" sldId="293"/>
+            <ac:spMk id="469" creationId="{00000000-0000-0000-0000-000000000000}"/>
+          </ac:spMkLst>
+        </pc:spChg>
+      </pc:sldChg>
+      <pc:sldChg chg="modSp">
+        <pc:chgData name="Heijligers, Bram" userId="S::heijligers.b@buas.nl::5cef929d-ecf9-4fca-bf12-bc5ee065fc99" providerId="AD" clId="Web-{EEA758BD-E0AD-A9A4-715C-D7AFC84E8D6C}" dt="2023-04-21T09:45:51.575" v="3" actId="20577"/>
+        <pc:sldMkLst>
+          <pc:docMk/>
+          <pc:sldMk cId="0" sldId="294"/>
+        </pc:sldMkLst>
+        <pc:spChg chg="mod">
+          <ac:chgData name="Heijligers, Bram" userId="S::heijligers.b@buas.nl::5cef929d-ecf9-4fca-bf12-bc5ee065fc99" providerId="AD" clId="Web-{EEA758BD-E0AD-A9A4-715C-D7AFC84E8D6C}" dt="2023-04-21T09:45:51.575" v="3" actId="20577"/>
+          <ac:spMkLst>
+            <pc:docMk/>
+            <pc:sldMk cId="0" sldId="294"/>
+            <ac:spMk id="8" creationId="{DE8B85CC-86BE-FFBA-5E25-9E5D1318CD48}"/>
+          </ac:spMkLst>
+        </pc:spChg>
+      </pc:sldChg>
+      <pc:sldChg chg="modSp">
+        <pc:chgData name="Heijligers, Bram" userId="S::heijligers.b@buas.nl::5cef929d-ecf9-4fca-bf12-bc5ee065fc99" providerId="AD" clId="Web-{EEA758BD-E0AD-A9A4-715C-D7AFC84E8D6C}" dt="2023-04-21T09:46:28.763" v="7" actId="20577"/>
+        <pc:sldMkLst>
+          <pc:docMk/>
+          <pc:sldMk cId="4111561620" sldId="299"/>
+        </pc:sldMkLst>
+        <pc:spChg chg="mod">
+          <ac:chgData name="Heijligers, Bram" userId="S::heijligers.b@buas.nl::5cef929d-ecf9-4fca-bf12-bc5ee065fc99" providerId="AD" clId="Web-{EEA758BD-E0AD-A9A4-715C-D7AFC84E8D6C}" dt="2023-04-21T09:46:28.763" v="7" actId="20577"/>
+          <ac:spMkLst>
+            <pc:docMk/>
+            <pc:sldMk cId="4111561620" sldId="299"/>
+            <ac:spMk id="469" creationId="{00000000-0000-0000-0000-000000000000}"/>
+          </ac:spMkLst>
+        </pc:spChg>
+      </pc:sldChg>
+      <pc:sldChg chg="modSp">
+        <pc:chgData name="Heijligers, Bram" userId="S::heijligers.b@buas.nl::5cef929d-ecf9-4fca-bf12-bc5ee065fc99" providerId="AD" clId="Web-{EEA758BD-E0AD-A9A4-715C-D7AFC84E8D6C}" dt="2023-04-21T09:47:19.717" v="12" actId="20577"/>
+        <pc:sldMkLst>
+          <pc:docMk/>
+          <pc:sldMk cId="3889067802" sldId="300"/>
+        </pc:sldMkLst>
+        <pc:spChg chg="mod">
+          <ac:chgData name="Heijligers, Bram" userId="S::heijligers.b@buas.nl::5cef929d-ecf9-4fca-bf12-bc5ee065fc99" providerId="AD" clId="Web-{EEA758BD-E0AD-A9A4-715C-D7AFC84E8D6C}" dt="2023-04-21T09:47:19.717" v="12" actId="20577"/>
+          <ac:spMkLst>
+            <pc:docMk/>
+            <pc:sldMk cId="3889067802" sldId="300"/>
+            <ac:spMk id="7" creationId="{53BB9E1B-97C5-2DA9-6DD8-8B90626EFB7C}"/>
+          </ac:spMkLst>
+        </pc:spChg>
+        <pc:spChg chg="mod">
+          <ac:chgData name="Heijligers, Bram" userId="S::heijligers.b@buas.nl::5cef929d-ecf9-4fca-bf12-bc5ee065fc99" providerId="AD" clId="Web-{EEA758BD-E0AD-A9A4-715C-D7AFC84E8D6C}" dt="2023-04-21T09:47:00.764" v="9" actId="20577"/>
+          <ac:spMkLst>
+            <pc:docMk/>
+            <pc:sldMk cId="3889067802" sldId="300"/>
+            <ac:spMk id="480" creationId="{00000000-0000-0000-0000-000000000000}"/>
+          </ac:spMkLst>
+        </pc:spChg>
+      </pc:sldChg>
+      <pc:sldChg chg="modSp">
+        <pc:chgData name="Heijligers, Bram" userId="S::heijligers.b@buas.nl::5cef929d-ecf9-4fca-bf12-bc5ee065fc99" providerId="AD" clId="Web-{EEA758BD-E0AD-A9A4-715C-D7AFC84E8D6C}" dt="2023-04-21T09:48:07.875" v="16" actId="20577"/>
+        <pc:sldMkLst>
+          <pc:docMk/>
+          <pc:sldMk cId="838485390" sldId="302"/>
+        </pc:sldMkLst>
+        <pc:spChg chg="mod">
+          <ac:chgData name="Heijligers, Bram" userId="S::heijligers.b@buas.nl::5cef929d-ecf9-4fca-bf12-bc5ee065fc99" providerId="AD" clId="Web-{EEA758BD-E0AD-A9A4-715C-D7AFC84E8D6C}" dt="2023-04-21T09:48:07.875" v="16" actId="20577"/>
+          <ac:spMkLst>
+            <pc:docMk/>
+            <pc:sldMk cId="838485390" sldId="302"/>
+            <ac:spMk id="468" creationId="{00000000-0000-0000-0000-000000000000}"/>
+          </ac:spMkLst>
+        </pc:spChg>
+        <pc:spChg chg="mod">
+          <ac:chgData name="Heijligers, Bram" userId="S::heijligers.b@buas.nl::5cef929d-ecf9-4fca-bf12-bc5ee065fc99" providerId="AD" clId="Web-{EEA758BD-E0AD-A9A4-715C-D7AFC84E8D6C}" dt="2023-04-21T09:47:54.156" v="14" actId="20577"/>
+          <ac:spMkLst>
+            <pc:docMk/>
+            <pc:sldMk cId="838485390" sldId="302"/>
+            <ac:spMk id="469" creationId="{00000000-0000-0000-0000-000000000000}"/>
+          </ac:spMkLst>
+        </pc:spChg>
+      </pc:sldChg>
+      <pc:sldChg chg="modSp">
+        <pc:chgData name="Heijligers, Bram" userId="S::heijligers.b@buas.nl::5cef929d-ecf9-4fca-bf12-bc5ee065fc99" providerId="AD" clId="Web-{EEA758BD-E0AD-A9A4-715C-D7AFC84E8D6C}" dt="2023-04-21T09:48:28.891" v="20" actId="20577"/>
+        <pc:sldMkLst>
+          <pc:docMk/>
+          <pc:sldMk cId="2864773729" sldId="303"/>
+        </pc:sldMkLst>
+        <pc:spChg chg="mod">
+          <ac:chgData name="Heijligers, Bram" userId="S::heijligers.b@buas.nl::5cef929d-ecf9-4fca-bf12-bc5ee065fc99" providerId="AD" clId="Web-{EEA758BD-E0AD-A9A4-715C-D7AFC84E8D6C}" dt="2023-04-21T09:48:28.891" v="20" actId="20577"/>
+          <ac:spMkLst>
+            <pc:docMk/>
+            <pc:sldMk cId="2864773729" sldId="303"/>
+            <ac:spMk id="9" creationId="{036C8E7A-7443-2E9F-2EE1-AED83B479FF4}"/>
+          </ac:spMkLst>
+        </pc:spChg>
+        <pc:spChg chg="mod">
+          <ac:chgData name="Heijligers, Bram" userId="S::heijligers.b@buas.nl::5cef929d-ecf9-4fca-bf12-bc5ee065fc99" providerId="AD" clId="Web-{EEA758BD-E0AD-A9A4-715C-D7AFC84E8D6C}" dt="2023-04-21T09:48:18.781" v="18" actId="20577"/>
+          <ac:spMkLst>
+            <pc:docMk/>
+            <pc:sldMk cId="2864773729" sldId="303"/>
+            <ac:spMk id="480" creationId="{00000000-0000-0000-0000-000000000000}"/>
+          </ac:spMkLst>
+        </pc:spChg>
+      </pc:sldChg>
+      <pc:sldChg chg="modSp">
+        <pc:chgData name="Heijligers, Bram" userId="S::heijligers.b@buas.nl::5cef929d-ecf9-4fca-bf12-bc5ee065fc99" providerId="AD" clId="Web-{EEA758BD-E0AD-A9A4-715C-D7AFC84E8D6C}" dt="2023-04-21T09:48:47.876" v="22" actId="20577"/>
+        <pc:sldMkLst>
+          <pc:docMk/>
+          <pc:sldMk cId="2218588203" sldId="306"/>
+        </pc:sldMkLst>
+        <pc:spChg chg="mod">
+          <ac:chgData name="Heijligers, Bram" userId="S::heijligers.b@buas.nl::5cef929d-ecf9-4fca-bf12-bc5ee065fc99" providerId="AD" clId="Web-{EEA758BD-E0AD-A9A4-715C-D7AFC84E8D6C}" dt="2023-04-21T09:48:47.876" v="22" actId="20577"/>
+          <ac:spMkLst>
+            <pc:docMk/>
+            <pc:sldMk cId="2218588203" sldId="306"/>
+            <ac:spMk id="469" creationId="{00000000-0000-0000-0000-000000000000}"/>
+          </ac:spMkLst>
+        </pc:spChg>
+      </pc:sldChg>
+      <pc:sldChg chg="modSp">
+        <pc:chgData name="Heijligers, Bram" userId="S::heijligers.b@buas.nl::5cef929d-ecf9-4fca-bf12-bc5ee065fc99" providerId="AD" clId="Web-{EEA758BD-E0AD-A9A4-715C-D7AFC84E8D6C}" dt="2023-04-21T09:49:24.048" v="26" actId="20577"/>
+        <pc:sldMkLst>
+          <pc:docMk/>
+          <pc:sldMk cId="229156798" sldId="307"/>
+        </pc:sldMkLst>
+        <pc:spChg chg="mod">
+          <ac:chgData name="Heijligers, Bram" userId="S::heijligers.b@buas.nl::5cef929d-ecf9-4fca-bf12-bc5ee065fc99" providerId="AD" clId="Web-{EEA758BD-E0AD-A9A4-715C-D7AFC84E8D6C}" dt="2023-04-21T09:49:02.501" v="24" actId="20577"/>
+          <ac:spMkLst>
+            <pc:docMk/>
+            <pc:sldMk cId="229156798" sldId="307"/>
+            <ac:spMk id="7" creationId="{5161B9CD-FD90-1846-8EE0-48554F0A839A}"/>
+          </ac:spMkLst>
+        </pc:spChg>
+        <pc:spChg chg="mod">
+          <ac:chgData name="Heijligers, Bram" userId="S::heijligers.b@buas.nl::5cef929d-ecf9-4fca-bf12-bc5ee065fc99" providerId="AD" clId="Web-{EEA758BD-E0AD-A9A4-715C-D7AFC84E8D6C}" dt="2023-04-21T09:49:24.048" v="26" actId="20577"/>
+          <ac:spMkLst>
+            <pc:docMk/>
+            <pc:sldMk cId="229156798" sldId="307"/>
+            <ac:spMk id="480" creationId="{00000000-0000-0000-0000-000000000000}"/>
+          </ac:spMkLst>
+        </pc:spChg>
+      </pc:sldChg>
+      <pc:sldChg chg="addSp delSp modSp">
+        <pc:chgData name="Heijligers, Bram" userId="S::heijligers.b@buas.nl::5cef929d-ecf9-4fca-bf12-bc5ee065fc99" providerId="AD" clId="Web-{EEA758BD-E0AD-A9A4-715C-D7AFC84E8D6C}" dt="2023-04-21T09:50:49.066" v="37" actId="20577"/>
+        <pc:sldMkLst>
+          <pc:docMk/>
+          <pc:sldMk cId="2182435036" sldId="309"/>
+        </pc:sldMkLst>
+        <pc:spChg chg="mod">
+          <ac:chgData name="Heijligers, Bram" userId="S::heijligers.b@buas.nl::5cef929d-ecf9-4fca-bf12-bc5ee065fc99" providerId="AD" clId="Web-{EEA758BD-E0AD-A9A4-715C-D7AFC84E8D6C}" dt="2023-04-21T09:50:49.066" v="37" actId="20577"/>
+          <ac:spMkLst>
+            <pc:docMk/>
+            <pc:sldMk cId="2182435036" sldId="309"/>
+            <ac:spMk id="469" creationId="{00000000-0000-0000-0000-000000000000}"/>
+          </ac:spMkLst>
+        </pc:spChg>
+        <pc:graphicFrameChg chg="add del mod">
+          <ac:chgData name="Heijligers, Bram" userId="S::heijligers.b@buas.nl::5cef929d-ecf9-4fca-bf12-bc5ee065fc99" providerId="AD" clId="Web-{EEA758BD-E0AD-A9A4-715C-D7AFC84E8D6C}" dt="2023-04-21T09:50:12.628" v="31"/>
+          <ac:graphicFrameMkLst>
+            <pc:docMk/>
+            <pc:sldMk cId="2182435036" sldId="309"/>
+            <ac:graphicFrameMk id="3" creationId="{588032F7-4A78-A4A9-0C84-3D08660E06C5}"/>
+          </ac:graphicFrameMkLst>
+        </pc:graphicFrameChg>
+        <pc:graphicFrameChg chg="add del mod">
+          <ac:chgData name="Heijligers, Bram" userId="S::heijligers.b@buas.nl::5cef929d-ecf9-4fca-bf12-bc5ee065fc99" providerId="AD" clId="Web-{EEA758BD-E0AD-A9A4-715C-D7AFC84E8D6C}" dt="2023-04-21T09:50:11.987" v="30"/>
+          <ac:graphicFrameMkLst>
+            <pc:docMk/>
+            <pc:sldMk cId="2182435036" sldId="309"/>
+            <ac:graphicFrameMk id="5" creationId="{A9620462-545D-3252-D611-3B18BB954988}"/>
+          </ac:graphicFrameMkLst>
+        </pc:graphicFrameChg>
+        <pc:graphicFrameChg chg="add del mod">
+          <ac:chgData name="Heijligers, Bram" userId="S::heijligers.b@buas.nl::5cef929d-ecf9-4fca-bf12-bc5ee065fc99" providerId="AD" clId="Web-{EEA758BD-E0AD-A9A4-715C-D7AFC84E8D6C}" dt="2023-04-21T09:50:18.956" v="33"/>
+          <ac:graphicFrameMkLst>
+            <pc:docMk/>
+            <pc:sldMk cId="2182435036" sldId="309"/>
+            <ac:graphicFrameMk id="7" creationId="{68729829-6DCF-BDF7-937A-ED2CDC63EF43}"/>
+          </ac:graphicFrameMkLst>
+        </pc:graphicFrameChg>
+      </pc:sldChg>
+      <pc:sldChg chg="modSp">
+        <pc:chgData name="Heijligers, Bram" userId="S::heijligers.b@buas.nl::5cef929d-ecf9-4fca-bf12-bc5ee065fc99" providerId="AD" clId="Web-{EEA758BD-E0AD-A9A4-715C-D7AFC84E8D6C}" dt="2023-04-21T09:52:14.256" v="41" actId="20577"/>
+        <pc:sldMkLst>
+          <pc:docMk/>
+          <pc:sldMk cId="1031311886" sldId="310"/>
+        </pc:sldMkLst>
+        <pc:spChg chg="mod">
+          <ac:chgData name="Heijligers, Bram" userId="S::heijligers.b@buas.nl::5cef929d-ecf9-4fca-bf12-bc5ee065fc99" providerId="AD" clId="Web-{EEA758BD-E0AD-A9A4-715C-D7AFC84E8D6C}" dt="2023-04-21T09:51:32.661" v="39" actId="20577"/>
+          <ac:spMkLst>
+            <pc:docMk/>
+            <pc:sldMk cId="1031311886" sldId="310"/>
+            <ac:spMk id="7" creationId="{08489BA6-ACAD-1AB4-6386-756898FD857B}"/>
+          </ac:spMkLst>
+        </pc:spChg>
+        <pc:spChg chg="mod">
+          <ac:chgData name="Heijligers, Bram" userId="S::heijligers.b@buas.nl::5cef929d-ecf9-4fca-bf12-bc5ee065fc99" providerId="AD" clId="Web-{EEA758BD-E0AD-A9A4-715C-D7AFC84E8D6C}" dt="2023-04-21T09:52:14.256" v="41" actId="20577"/>
+          <ac:spMkLst>
+            <pc:docMk/>
+            <pc:sldMk cId="1031311886" sldId="310"/>
+            <ac:spMk id="480" creationId="{00000000-0000-0000-0000-000000000000}"/>
           </ac:spMkLst>
         </pc:spChg>
       </pc:sldChg>
@@ -3663,7 +3978,7 @@
   <p:cSld>
     <p:spTree>
       <p:nvGrpSpPr>
-        <p:cNvPr id="1" name="Shape 352"/>
+        <p:cNvPr id="1" name="Shape 219"/>
         <p:cNvGrpSpPr/>
         <p:nvPr/>
       </p:nvGrpSpPr>
@@ -3677,7 +3992,7 @@
       </p:grpSpPr>
       <p:sp>
         <p:nvSpPr>
-          <p:cNvPr id="353" name="Google Shape;353;g6b4f495656_0_691:notes"/>
+          <p:cNvPr id="220" name="Google Shape;220;g6b602ea5a7_1_524:notes"/>
           <p:cNvSpPr>
             <a:spLocks noGrp="1" noRot="1" noChangeAspect="1"/>
           </p:cNvSpPr>
@@ -3718,7 +4033,7 @@
       </p:sp>
       <p:sp>
         <p:nvSpPr>
-          <p:cNvPr id="354" name="Google Shape;354;g6b4f495656_0_691:notes"/>
+          <p:cNvPr id="221" name="Google Shape;221;g6b602ea5a7_1_524:notes"/>
           <p:cNvSpPr txBox="1">
             <a:spLocks noGrp="1"/>
           </p:cNvSpPr>
@@ -3750,31 +4065,16 @@
               </a:spcAft>
               <a:buNone/>
             </a:pPr>
-            <a:r>
-              <a:rPr lang="en"/>
-              <a:t>MUST BE COMPLETED IN WEEK 8, BUT SHOULD BE UPDATED REGULARLY</a:t>
-            </a:r>
             <a:endParaRPr/>
           </a:p>
-          <a:p>
-            <a:pPr marL="0" lvl="0" indent="0" algn="l" rtl="0">
-              <a:spcBef>
-                <a:spcPts val="0"/>
-              </a:spcBef>
-              <a:spcAft>
-                <a:spcPts val="0"/>
-              </a:spcAft>
-              <a:buNone/>
-            </a:pPr>
-            <a:r>
-              <a:rPr lang="en"/>
-              <a:t>This is where you link your evidence to each of the Intended Learning Outcomes of this block.</a:t>
-            </a:r>
-            <a:endParaRPr/>
-          </a:p>
         </p:txBody>
       </p:sp>
     </p:spTree>
+    <p:extLst>
+      <p:ext uri="{BB962C8B-B14F-4D97-AF65-F5344CB8AC3E}">
+        <p14:creationId xmlns:p14="http://schemas.microsoft.com/office/powerpoint/2010/main" val="824351924"/>
+      </p:ext>
+    </p:extLst>
   </p:cSld>
   <p:clrMapOvr>
     <a:masterClrMapping/>
@@ -3787,7 +4087,7 @@
   <p:cSld>
     <p:spTree>
       <p:nvGrpSpPr>
-        <p:cNvPr id="1" name="Shape 359"/>
+        <p:cNvPr id="1" name="Shape 233"/>
         <p:cNvGrpSpPr/>
         <p:nvPr/>
       </p:nvGrpSpPr>
@@ -3801,7 +4101,7 @@
       </p:grpSpPr>
       <p:sp>
         <p:nvSpPr>
-          <p:cNvPr id="360" name="Google Shape;360;g6b4f495656_0_703:notes"/>
+          <p:cNvPr id="234" name="Google Shape;234;g6b602ea5a7_1_535:notes"/>
           <p:cNvSpPr>
             <a:spLocks noGrp="1" noRot="1" noChangeAspect="1"/>
           </p:cNvSpPr>
@@ -3842,7 +4142,7 @@
       </p:sp>
       <p:sp>
         <p:nvSpPr>
-          <p:cNvPr id="361" name="Google Shape;361;g6b4f495656_0_703:notes"/>
+          <p:cNvPr id="235" name="Google Shape;235;g6b602ea5a7_1_535:notes"/>
           <p:cNvSpPr txBox="1">
             <a:spLocks noGrp="1"/>
           </p:cNvSpPr>
@@ -3879,6 +4179,11 @@
         </p:txBody>
       </p:sp>
     </p:spTree>
+    <p:extLst>
+      <p:ext uri="{BB962C8B-B14F-4D97-AF65-F5344CB8AC3E}">
+        <p14:creationId xmlns:p14="http://schemas.microsoft.com/office/powerpoint/2010/main" val="2437246261"/>
+      </p:ext>
+    </p:extLst>
   </p:cSld>
   <p:clrMapOvr>
     <a:masterClrMapping/>
@@ -3891,7 +4196,7 @@
   <p:cSld>
     <p:spTree>
       <p:nvGrpSpPr>
-        <p:cNvPr id="1" name="Shape 389"/>
+        <p:cNvPr id="1" name="Shape 352"/>
         <p:cNvGrpSpPr/>
         <p:nvPr/>
       </p:nvGrpSpPr>
@@ -3905,7 +4210,7 @@
       </p:grpSpPr>
       <p:sp>
         <p:nvSpPr>
-          <p:cNvPr id="390" name="Google Shape;390;g6b602ea5a7_1_270:notes"/>
+          <p:cNvPr id="353" name="Google Shape;353;g6b4f495656_0_691:notes"/>
           <p:cNvSpPr>
             <a:spLocks noGrp="1" noRot="1" noChangeAspect="1"/>
           </p:cNvSpPr>
@@ -3946,7 +4251,7 @@
       </p:sp>
       <p:sp>
         <p:nvSpPr>
-          <p:cNvPr id="391" name="Google Shape;391;g6b602ea5a7_1_270:notes"/>
+          <p:cNvPr id="354" name="Google Shape;354;g6b4f495656_0_691:notes"/>
           <p:cNvSpPr txBox="1">
             <a:spLocks noGrp="1"/>
           </p:cNvSpPr>
@@ -3978,6 +4283,26 @@
               </a:spcAft>
               <a:buNone/>
             </a:pPr>
+            <a:r>
+              <a:rPr lang="en"/>
+              <a:t>MUST BE COMPLETED IN WEEK 8, BUT SHOULD BE UPDATED REGULARLY</a:t>
+            </a:r>
+            <a:endParaRPr/>
+          </a:p>
+          <a:p>
+            <a:pPr marL="0" lvl="0" indent="0" algn="l" rtl="0">
+              <a:spcBef>
+                <a:spcPts val="0"/>
+              </a:spcBef>
+              <a:spcAft>
+                <a:spcPts val="0"/>
+              </a:spcAft>
+              <a:buNone/>
+            </a:pPr>
+            <a:r>
+              <a:rPr lang="en"/>
+              <a:t>This is where you link your evidence to each of the Intended Learning Outcomes of this block.</a:t>
+            </a:r>
             <a:endParaRPr/>
           </a:p>
         </p:txBody>
@@ -3995,7 +4320,7 @@
   <p:cSld>
     <p:spTree>
       <p:nvGrpSpPr>
-        <p:cNvPr id="1" name="Shape 389"/>
+        <p:cNvPr id="1" name="Shape 359"/>
         <p:cNvGrpSpPr/>
         <p:nvPr/>
       </p:nvGrpSpPr>
@@ -4009,7 +4334,7 @@
       </p:grpSpPr>
       <p:sp>
         <p:nvSpPr>
-          <p:cNvPr id="390" name="Google Shape;390;g6b602ea5a7_1_270:notes"/>
+          <p:cNvPr id="360" name="Google Shape;360;g6b4f495656_0_703:notes"/>
           <p:cNvSpPr>
             <a:spLocks noGrp="1" noRot="1" noChangeAspect="1"/>
           </p:cNvSpPr>
@@ -4050,7 +4375,7 @@
       </p:sp>
       <p:sp>
         <p:nvSpPr>
-          <p:cNvPr id="391" name="Google Shape;391;g6b602ea5a7_1_270:notes"/>
+          <p:cNvPr id="361" name="Google Shape;361;g6b4f495656_0_703:notes"/>
           <p:cNvSpPr txBox="1">
             <a:spLocks noGrp="1"/>
           </p:cNvSpPr>
@@ -4087,11 +4412,6 @@
         </p:txBody>
       </p:sp>
     </p:spTree>
-    <p:extLst>
-      <p:ext uri="{BB962C8B-B14F-4D97-AF65-F5344CB8AC3E}">
-        <p14:creationId xmlns:p14="http://schemas.microsoft.com/office/powerpoint/2010/main" val="200456282"/>
-      </p:ext>
-    </p:extLst>
   </p:cSld>
   <p:clrMapOvr>
     <a:masterClrMapping/>
@@ -4196,11 +4516,6 @@
         </p:txBody>
       </p:sp>
     </p:spTree>
-    <p:extLst>
-      <p:ext uri="{BB962C8B-B14F-4D97-AF65-F5344CB8AC3E}">
-        <p14:creationId xmlns:p14="http://schemas.microsoft.com/office/powerpoint/2010/main" val="3205224980"/>
-      </p:ext>
-    </p:extLst>
   </p:cSld>
   <p:clrMapOvr>
     <a:masterClrMapping/>
@@ -4411,7 +4726,7 @@
     </p:spTree>
     <p:extLst>
       <p:ext uri="{BB962C8B-B14F-4D97-AF65-F5344CB8AC3E}">
-        <p14:creationId xmlns:p14="http://schemas.microsoft.com/office/powerpoint/2010/main" val="1278525387"/>
+        <p14:creationId xmlns:p14="http://schemas.microsoft.com/office/powerpoint/2010/main" val="200456282"/>
       </p:ext>
     </p:extLst>
   </p:cSld>
@@ -4426,7 +4741,7 @@
   <p:cSld>
     <p:spTree>
       <p:nvGrpSpPr>
-        <p:cNvPr id="1" name="Shape 359"/>
+        <p:cNvPr id="1" name="Shape 389"/>
         <p:cNvGrpSpPr/>
         <p:nvPr/>
       </p:nvGrpSpPr>
@@ -4440,7 +4755,7 @@
       </p:grpSpPr>
       <p:sp>
         <p:nvSpPr>
-          <p:cNvPr id="360" name="Google Shape;360;g6b4f495656_0_703:notes"/>
+          <p:cNvPr id="390" name="Google Shape;390;g6b602ea5a7_1_270:notes"/>
           <p:cNvSpPr>
             <a:spLocks noGrp="1" noRot="1" noChangeAspect="1"/>
           </p:cNvSpPr>
@@ -4481,7 +4796,7 @@
       </p:sp>
       <p:sp>
         <p:nvSpPr>
-          <p:cNvPr id="361" name="Google Shape;361;g6b4f495656_0_703:notes"/>
+          <p:cNvPr id="391" name="Google Shape;391;g6b602ea5a7_1_270:notes"/>
           <p:cNvSpPr txBox="1">
             <a:spLocks noGrp="1"/>
           </p:cNvSpPr>
@@ -4518,6 +4833,11 @@
         </p:txBody>
       </p:sp>
     </p:spTree>
+    <p:extLst>
+      <p:ext uri="{BB962C8B-B14F-4D97-AF65-F5344CB8AC3E}">
+        <p14:creationId xmlns:p14="http://schemas.microsoft.com/office/powerpoint/2010/main" val="3205224980"/>
+      </p:ext>
+    </p:extLst>
   </p:cSld>
   <p:clrMapOvr>
     <a:masterClrMapping/>
@@ -4530,7 +4850,7 @@
   <p:cSld>
     <p:spTree>
       <p:nvGrpSpPr>
-        <p:cNvPr id="1" name="Shape 452"/>
+        <p:cNvPr id="1" name="Shape 389"/>
         <p:cNvGrpSpPr/>
         <p:nvPr/>
       </p:nvGrpSpPr>
@@ -4544,7 +4864,7 @@
       </p:grpSpPr>
       <p:sp>
         <p:nvSpPr>
-          <p:cNvPr id="453" name="Google Shape;453;g6b602ea5a7_1_346:notes"/>
+          <p:cNvPr id="390" name="Google Shape;390;g6b602ea5a7_1_270:notes"/>
           <p:cNvSpPr>
             <a:spLocks noGrp="1" noRot="1" noChangeAspect="1"/>
           </p:cNvSpPr>
@@ -4585,7 +4905,7 @@
       </p:sp>
       <p:sp>
         <p:nvSpPr>
-          <p:cNvPr id="454" name="Google Shape;454;g6b602ea5a7_1_346:notes"/>
+          <p:cNvPr id="391" name="Google Shape;391;g6b602ea5a7_1_270:notes"/>
           <p:cNvSpPr txBox="1">
             <a:spLocks noGrp="1"/>
           </p:cNvSpPr>
@@ -4622,6 +4942,11 @@
         </p:txBody>
       </p:sp>
     </p:spTree>
+    <p:extLst>
+      <p:ext uri="{BB962C8B-B14F-4D97-AF65-F5344CB8AC3E}">
+        <p14:creationId xmlns:p14="http://schemas.microsoft.com/office/powerpoint/2010/main" val="1278525387"/>
+      </p:ext>
+    </p:extLst>
   </p:cSld>
   <p:clrMapOvr>
     <a:masterClrMapping/>
@@ -4634,7 +4959,7 @@
   <p:cSld>
     <p:spTree>
       <p:nvGrpSpPr>
-        <p:cNvPr id="1" name="Shape 463"/>
+        <p:cNvPr id="1" name="Shape 359"/>
         <p:cNvGrpSpPr/>
         <p:nvPr/>
       </p:nvGrpSpPr>
@@ -4648,7 +4973,7 @@
       </p:grpSpPr>
       <p:sp>
         <p:nvSpPr>
-          <p:cNvPr id="464" name="Google Shape;464;g6b4f495656_0_721:notes"/>
+          <p:cNvPr id="360" name="Google Shape;360;g6b4f495656_0_703:notes"/>
           <p:cNvSpPr>
             <a:spLocks noGrp="1" noRot="1" noChangeAspect="1"/>
           </p:cNvSpPr>
@@ -4689,7 +5014,7 @@
       </p:sp>
       <p:sp>
         <p:nvSpPr>
-          <p:cNvPr id="465" name="Google Shape;465;g6b4f495656_0_721:notes"/>
+          <p:cNvPr id="361" name="Google Shape;361;g6b4f495656_0_703:notes"/>
           <p:cNvSpPr txBox="1">
             <a:spLocks noGrp="1"/>
           </p:cNvSpPr>
@@ -4738,7 +5063,7 @@
   <p:cSld>
     <p:spTree>
       <p:nvGrpSpPr>
-        <p:cNvPr id="1" name="Shape 471"/>
+        <p:cNvPr id="1" name="Shape 452"/>
         <p:cNvGrpSpPr/>
         <p:nvPr/>
       </p:nvGrpSpPr>
@@ -4752,7 +5077,7 @@
       </p:grpSpPr>
       <p:sp>
         <p:nvSpPr>
-          <p:cNvPr id="472" name="Google Shape;472;g6b602ea5a7_1_359:notes"/>
+          <p:cNvPr id="453" name="Google Shape;453;g6b602ea5a7_1_346:notes"/>
           <p:cNvSpPr>
             <a:spLocks noGrp="1" noRot="1" noChangeAspect="1"/>
           </p:cNvSpPr>
@@ -4793,7 +5118,7 @@
       </p:sp>
       <p:sp>
         <p:nvSpPr>
-          <p:cNvPr id="473" name="Google Shape;473;g6b602ea5a7_1_359:notes"/>
+          <p:cNvPr id="454" name="Google Shape;454;g6b602ea5a7_1_346:notes"/>
           <p:cNvSpPr txBox="1">
             <a:spLocks noGrp="1"/>
           </p:cNvSpPr>
@@ -4934,11 +5259,6 @@
         </p:txBody>
       </p:sp>
     </p:spTree>
-    <p:extLst>
-      <p:ext uri="{BB962C8B-B14F-4D97-AF65-F5344CB8AC3E}">
-        <p14:creationId xmlns:p14="http://schemas.microsoft.com/office/powerpoint/2010/main" val="693897508"/>
-      </p:ext>
-    </p:extLst>
   </p:cSld>
   <p:clrMapOvr>
     <a:masterClrMapping/>
@@ -5043,11 +5363,6 @@
         </p:txBody>
       </p:sp>
     </p:spTree>
-    <p:extLst>
-      <p:ext uri="{BB962C8B-B14F-4D97-AF65-F5344CB8AC3E}">
-        <p14:creationId xmlns:p14="http://schemas.microsoft.com/office/powerpoint/2010/main" val="1393390409"/>
-      </p:ext>
-    </p:extLst>
   </p:cSld>
   <p:clrMapOvr>
     <a:masterClrMapping/>
@@ -5154,7 +5469,7 @@
     </p:spTree>
     <p:extLst>
       <p:ext uri="{BB962C8B-B14F-4D97-AF65-F5344CB8AC3E}">
-        <p14:creationId xmlns:p14="http://schemas.microsoft.com/office/powerpoint/2010/main" val="2396244362"/>
+        <p14:creationId xmlns:p14="http://schemas.microsoft.com/office/powerpoint/2010/main" val="693897508"/>
       </p:ext>
     </p:extLst>
   </p:cSld>
@@ -5263,7 +5578,7 @@
     </p:spTree>
     <p:extLst>
       <p:ext uri="{BB962C8B-B14F-4D97-AF65-F5344CB8AC3E}">
-        <p14:creationId xmlns:p14="http://schemas.microsoft.com/office/powerpoint/2010/main" val="1287584648"/>
+        <p14:creationId xmlns:p14="http://schemas.microsoft.com/office/powerpoint/2010/main" val="1393390409"/>
       </p:ext>
     </p:extLst>
   </p:cSld>
@@ -5372,7 +5687,7 @@
     </p:spTree>
     <p:extLst>
       <p:ext uri="{BB962C8B-B14F-4D97-AF65-F5344CB8AC3E}">
-        <p14:creationId xmlns:p14="http://schemas.microsoft.com/office/powerpoint/2010/main" val="3384878734"/>
+        <p14:creationId xmlns:p14="http://schemas.microsoft.com/office/powerpoint/2010/main" val="2396244362"/>
       </p:ext>
     </p:extLst>
   </p:cSld>
@@ -5475,7 +5790,7 @@
               <a:buNone/>
             </a:pPr>
             <a:r>
-              <a:rPr lang="en"/>
+              <a:rPr lang="en" dirty="0"/>
               <a:t>MUST BE UPDATED EVERY WEEK</a:t>
             </a:r>
             <a:endParaRPr/>
@@ -5491,7 +5806,7 @@
               <a:buNone/>
             </a:pPr>
             <a:r>
-              <a:rPr lang="en"/>
+              <a:rPr lang="en" dirty="0"/>
               <a:t>This is simply a log (journal) of what you do each day, and what you learn from it. It is your responsibility to update this regularly and frequently. Be sure to include working links to any specific evidence you are referencing (and make sure that you share your docs with the teaching team). Note: some of the required information may be captured in production documents such as your work log or peer reviews. </a:t>
             </a:r>
             <a:endParaRPr/>
@@ -5507,7 +5822,7 @@
               <a:buNone/>
             </a:pPr>
             <a:r>
-              <a:rPr lang="en"/>
+              <a:rPr lang="en" dirty="0"/>
               <a:t>In such cases, you simply need to provide links to those artifacts and may include any explanatory comment or reflection you feel is appropriate. </a:t>
             </a:r>
             <a:endParaRPr/>
@@ -5523,10 +5838,10 @@
               <a:buNone/>
             </a:pPr>
             <a:r>
-              <a:rPr lang="en"/>
+              <a:rPr lang="en" dirty="0"/>
               <a:t>(Some reflection is almost always a good idea as it provides the foundation for Section C.)</a:t>
             </a:r>
-            <a:endParaRPr/>
+            <a:endParaRPr dirty="0"/>
           </a:p>
         </p:txBody>
       </p:sp>
@@ -5637,7 +5952,7 @@
     </p:spTree>
     <p:extLst>
       <p:ext uri="{BB962C8B-B14F-4D97-AF65-F5344CB8AC3E}">
-        <p14:creationId xmlns:p14="http://schemas.microsoft.com/office/powerpoint/2010/main" val="186889209"/>
+        <p14:creationId xmlns:p14="http://schemas.microsoft.com/office/powerpoint/2010/main" val="1287584648"/>
       </p:ext>
     </p:extLst>
   </p:cSld>
@@ -5746,7 +6061,7 @@
     </p:spTree>
     <p:extLst>
       <p:ext uri="{BB962C8B-B14F-4D97-AF65-F5344CB8AC3E}">
-        <p14:creationId xmlns:p14="http://schemas.microsoft.com/office/powerpoint/2010/main" val="3965966335"/>
+        <p14:creationId xmlns:p14="http://schemas.microsoft.com/office/powerpoint/2010/main" val="3384878734"/>
       </p:ext>
     </p:extLst>
   </p:cSld>
@@ -5855,7 +6170,7 @@
     </p:spTree>
     <p:extLst>
       <p:ext uri="{BB962C8B-B14F-4D97-AF65-F5344CB8AC3E}">
-        <p14:creationId xmlns:p14="http://schemas.microsoft.com/office/powerpoint/2010/main" val="441064371"/>
+        <p14:creationId xmlns:p14="http://schemas.microsoft.com/office/powerpoint/2010/main" val="186889209"/>
       </p:ext>
     </p:extLst>
   </p:cSld>
@@ -5964,7 +6279,7 @@
     </p:spTree>
     <p:extLst>
       <p:ext uri="{BB962C8B-B14F-4D97-AF65-F5344CB8AC3E}">
-        <p14:creationId xmlns:p14="http://schemas.microsoft.com/office/powerpoint/2010/main" val="2177648033"/>
+        <p14:creationId xmlns:p14="http://schemas.microsoft.com/office/powerpoint/2010/main" val="3965966335"/>
       </p:ext>
     </p:extLst>
   </p:cSld>
@@ -6073,7 +6388,7 @@
     </p:spTree>
     <p:extLst>
       <p:ext uri="{BB962C8B-B14F-4D97-AF65-F5344CB8AC3E}">
-        <p14:creationId xmlns:p14="http://schemas.microsoft.com/office/powerpoint/2010/main" val="700268424"/>
+        <p14:creationId xmlns:p14="http://schemas.microsoft.com/office/powerpoint/2010/main" val="441064371"/>
       </p:ext>
     </p:extLst>
   </p:cSld>
@@ -6088,7 +6403,7 @@
   <p:cSld>
     <p:spTree>
       <p:nvGrpSpPr>
-        <p:cNvPr id="1" name="Shape 493"/>
+        <p:cNvPr id="1" name="Shape 463"/>
         <p:cNvGrpSpPr/>
         <p:nvPr/>
       </p:nvGrpSpPr>
@@ -6102,7 +6417,7 @@
       </p:grpSpPr>
       <p:sp>
         <p:nvSpPr>
-          <p:cNvPr id="494" name="Google Shape;494;g6b4f495656_0_753:notes"/>
+          <p:cNvPr id="464" name="Google Shape;464;g6b4f495656_0_721:notes"/>
           <p:cNvSpPr>
             <a:spLocks noGrp="1" noRot="1" noChangeAspect="1"/>
           </p:cNvSpPr>
@@ -6143,7 +6458,7 @@
       </p:sp>
       <p:sp>
         <p:nvSpPr>
-          <p:cNvPr id="495" name="Google Shape;495;g6b4f495656_0_753:notes"/>
+          <p:cNvPr id="465" name="Google Shape;465;g6b4f495656_0_721:notes"/>
           <p:cNvSpPr txBox="1">
             <a:spLocks noGrp="1"/>
           </p:cNvSpPr>
@@ -6175,31 +6490,16 @@
               </a:spcAft>
               <a:buNone/>
             </a:pPr>
-            <a:r>
-              <a:rPr lang="en"/>
-              <a:t>MUST BE COMPLETED IN WEEK 8</a:t>
-            </a:r>
             <a:endParaRPr/>
           </a:p>
-          <a:p>
-            <a:pPr marL="0" lvl="0" indent="0" algn="l" rtl="0">
-              <a:spcBef>
-                <a:spcPts val="0"/>
-              </a:spcBef>
-              <a:spcAft>
-                <a:spcPts val="0"/>
-              </a:spcAft>
-              <a:buNone/>
-            </a:pPr>
-            <a:r>
-              <a:rPr lang="en"/>
-              <a:t>Summative reflection on your progress during the block including a critical assessment of everything you did and learned during the block. This is a comprehensive review of everything recorded in Section B, evaluated against the goals and planning laid out in Section A.</a:t>
-            </a:r>
-            <a:endParaRPr/>
-          </a:p>
         </p:txBody>
       </p:sp>
     </p:spTree>
+    <p:extLst>
+      <p:ext uri="{BB962C8B-B14F-4D97-AF65-F5344CB8AC3E}">
+        <p14:creationId xmlns:p14="http://schemas.microsoft.com/office/powerpoint/2010/main" val="2177648033"/>
+      </p:ext>
+    </p:extLst>
   </p:cSld>
   <p:clrMapOvr>
     <a:masterClrMapping/>
@@ -6212,7 +6512,7 @@
   <p:cSld>
     <p:spTree>
       <p:nvGrpSpPr>
-        <p:cNvPr id="1" name="Shape 500"/>
+        <p:cNvPr id="1" name="Shape 471"/>
         <p:cNvGrpSpPr/>
         <p:nvPr/>
       </p:nvGrpSpPr>
@@ -6226,7 +6526,7 @@
       </p:grpSpPr>
       <p:sp>
         <p:nvSpPr>
-          <p:cNvPr id="501" name="Google Shape;501;g6b602ea5a7_1_212:notes"/>
+          <p:cNvPr id="472" name="Google Shape;472;g6b602ea5a7_1_359:notes"/>
           <p:cNvSpPr>
             <a:spLocks noGrp="1" noRot="1" noChangeAspect="1"/>
           </p:cNvSpPr>
@@ -6267,7 +6567,7 @@
       </p:sp>
       <p:sp>
         <p:nvSpPr>
-          <p:cNvPr id="502" name="Google Shape;502;g6b602ea5a7_1_212:notes"/>
+          <p:cNvPr id="473" name="Google Shape;473;g6b602ea5a7_1_359:notes"/>
           <p:cNvSpPr txBox="1">
             <a:spLocks noGrp="1"/>
           </p:cNvSpPr>
@@ -6299,6 +6599,135 @@
               </a:spcAft>
               <a:buNone/>
             </a:pPr>
+            <a:endParaRPr/>
+          </a:p>
+        </p:txBody>
+      </p:sp>
+    </p:spTree>
+    <p:extLst>
+      <p:ext uri="{BB962C8B-B14F-4D97-AF65-F5344CB8AC3E}">
+        <p14:creationId xmlns:p14="http://schemas.microsoft.com/office/powerpoint/2010/main" val="700268424"/>
+      </p:ext>
+    </p:extLst>
+  </p:cSld>
+  <p:clrMapOvr>
+    <a:masterClrMapping/>
+  </p:clrMapOvr>
+</p:notes>
+</file>
+
+<file path=ppt/notesSlides/notesSlide47.xml><?xml version="1.0" encoding="utf-8"?>
+<p:notes xmlns:a="http://schemas.openxmlformats.org/drawingml/2006/main" xmlns:r="http://schemas.openxmlformats.org/officeDocument/2006/relationships" xmlns:p="http://schemas.openxmlformats.org/presentationml/2006/main" showMasterSp="0" showMasterPhAnim="0">
+  <p:cSld>
+    <p:spTree>
+      <p:nvGrpSpPr>
+        <p:cNvPr id="1" name="Shape 493"/>
+        <p:cNvGrpSpPr/>
+        <p:nvPr/>
+      </p:nvGrpSpPr>
+      <p:grpSpPr>
+        <a:xfrm>
+          <a:off x="0" y="0"/>
+          <a:ext cx="0" cy="0"/>
+          <a:chOff x="0" y="0"/>
+          <a:chExt cx="0" cy="0"/>
+        </a:xfrm>
+      </p:grpSpPr>
+      <p:sp>
+        <p:nvSpPr>
+          <p:cNvPr id="494" name="Google Shape;494;g6b4f495656_0_753:notes"/>
+          <p:cNvSpPr>
+            <a:spLocks noGrp="1" noRot="1" noChangeAspect="1"/>
+          </p:cNvSpPr>
+          <p:nvPr>
+            <p:ph type="sldImg" idx="2"/>
+          </p:nvPr>
+        </p:nvSpPr>
+        <p:spPr>
+          <a:xfrm>
+            <a:off x="381000" y="685800"/>
+            <a:ext cx="6096000" cy="3429000"/>
+          </a:xfrm>
+          <a:custGeom>
+            <a:avLst/>
+            <a:gdLst/>
+            <a:ahLst/>
+            <a:cxnLst/>
+            <a:rect l="l" t="t" r="r" b="b"/>
+            <a:pathLst>
+              <a:path w="120000" h="120000" extrusionOk="0">
+                <a:moveTo>
+                  <a:pt x="0" y="0"/>
+                </a:moveTo>
+                <a:lnTo>
+                  <a:pt x="120000" y="0"/>
+                </a:lnTo>
+                <a:lnTo>
+                  <a:pt x="120000" y="120000"/>
+                </a:lnTo>
+                <a:lnTo>
+                  <a:pt x="0" y="120000"/>
+                </a:lnTo>
+                <a:close/>
+              </a:path>
+            </a:pathLst>
+          </a:custGeom>
+        </p:spPr>
+      </p:sp>
+      <p:sp>
+        <p:nvSpPr>
+          <p:cNvPr id="495" name="Google Shape;495;g6b4f495656_0_753:notes"/>
+          <p:cNvSpPr txBox="1">
+            <a:spLocks noGrp="1"/>
+          </p:cNvSpPr>
+          <p:nvPr>
+            <p:ph type="body" idx="1"/>
+          </p:nvPr>
+        </p:nvSpPr>
+        <p:spPr>
+          <a:xfrm>
+            <a:off x="685800" y="4343400"/>
+            <a:ext cx="5486400" cy="4114800"/>
+          </a:xfrm>
+          <a:prstGeom prst="rect">
+            <a:avLst/>
+          </a:prstGeom>
+        </p:spPr>
+        <p:txBody>
+          <a:bodyPr spcFirstLastPara="1" wrap="square" lIns="91425" tIns="91425" rIns="91425" bIns="91425" anchor="t" anchorCtr="0">
+            <a:noAutofit/>
+          </a:bodyPr>
+          <a:lstStyle/>
+          <a:p>
+            <a:pPr marL="0" lvl="0" indent="0" algn="l" rtl="0">
+              <a:spcBef>
+                <a:spcPts val="0"/>
+              </a:spcBef>
+              <a:spcAft>
+                <a:spcPts val="0"/>
+              </a:spcAft>
+              <a:buNone/>
+            </a:pPr>
+            <a:r>
+              <a:rPr lang="en"/>
+              <a:t>MUST BE COMPLETED IN WEEK 8</a:t>
+            </a:r>
+            <a:endParaRPr/>
+          </a:p>
+          <a:p>
+            <a:pPr marL="0" lvl="0" indent="0" algn="l" rtl="0">
+              <a:spcBef>
+                <a:spcPts val="0"/>
+              </a:spcBef>
+              <a:spcAft>
+                <a:spcPts val="0"/>
+              </a:spcAft>
+              <a:buNone/>
+            </a:pPr>
+            <a:r>
+              <a:rPr lang="en"/>
+              <a:t>Summative reflection on your progress during the block including a critical assessment of everything you did and learned during the block. This is a comprehensive review of everything recorded in Section B, evaluated against the goals and planning laid out in Section A.</a:t>
+            </a:r>
             <a:endParaRPr/>
           </a:p>
         </p:txBody>
@@ -6311,7 +6740,111 @@
 </p:notes>
 </file>
 
-<file path=ppt/notesSlides/notesSlide47.xml><?xml version="1.0" encoding="utf-8"?>
+<file path=ppt/notesSlides/notesSlide48.xml><?xml version="1.0" encoding="utf-8"?>
+<p:notes xmlns:a="http://schemas.openxmlformats.org/drawingml/2006/main" xmlns:r="http://schemas.openxmlformats.org/officeDocument/2006/relationships" xmlns:p="http://schemas.openxmlformats.org/presentationml/2006/main" showMasterSp="0" showMasterPhAnim="0">
+  <p:cSld>
+    <p:spTree>
+      <p:nvGrpSpPr>
+        <p:cNvPr id="1" name="Shape 500"/>
+        <p:cNvGrpSpPr/>
+        <p:nvPr/>
+      </p:nvGrpSpPr>
+      <p:grpSpPr>
+        <a:xfrm>
+          <a:off x="0" y="0"/>
+          <a:ext cx="0" cy="0"/>
+          <a:chOff x="0" y="0"/>
+          <a:chExt cx="0" cy="0"/>
+        </a:xfrm>
+      </p:grpSpPr>
+      <p:sp>
+        <p:nvSpPr>
+          <p:cNvPr id="501" name="Google Shape;501;g6b602ea5a7_1_212:notes"/>
+          <p:cNvSpPr>
+            <a:spLocks noGrp="1" noRot="1" noChangeAspect="1"/>
+          </p:cNvSpPr>
+          <p:nvPr>
+            <p:ph type="sldImg" idx="2"/>
+          </p:nvPr>
+        </p:nvSpPr>
+        <p:spPr>
+          <a:xfrm>
+            <a:off x="381000" y="685800"/>
+            <a:ext cx="6096000" cy="3429000"/>
+          </a:xfrm>
+          <a:custGeom>
+            <a:avLst/>
+            <a:gdLst/>
+            <a:ahLst/>
+            <a:cxnLst/>
+            <a:rect l="l" t="t" r="r" b="b"/>
+            <a:pathLst>
+              <a:path w="120000" h="120000" extrusionOk="0">
+                <a:moveTo>
+                  <a:pt x="0" y="0"/>
+                </a:moveTo>
+                <a:lnTo>
+                  <a:pt x="120000" y="0"/>
+                </a:lnTo>
+                <a:lnTo>
+                  <a:pt x="120000" y="120000"/>
+                </a:lnTo>
+                <a:lnTo>
+                  <a:pt x="0" y="120000"/>
+                </a:lnTo>
+                <a:close/>
+              </a:path>
+            </a:pathLst>
+          </a:custGeom>
+        </p:spPr>
+      </p:sp>
+      <p:sp>
+        <p:nvSpPr>
+          <p:cNvPr id="502" name="Google Shape;502;g6b602ea5a7_1_212:notes"/>
+          <p:cNvSpPr txBox="1">
+            <a:spLocks noGrp="1"/>
+          </p:cNvSpPr>
+          <p:nvPr>
+            <p:ph type="body" idx="1"/>
+          </p:nvPr>
+        </p:nvSpPr>
+        <p:spPr>
+          <a:xfrm>
+            <a:off x="685800" y="4343400"/>
+            <a:ext cx="5486400" cy="4114800"/>
+          </a:xfrm>
+          <a:prstGeom prst="rect">
+            <a:avLst/>
+          </a:prstGeom>
+        </p:spPr>
+        <p:txBody>
+          <a:bodyPr spcFirstLastPara="1" wrap="square" lIns="91425" tIns="91425" rIns="91425" bIns="91425" anchor="t" anchorCtr="0">
+            <a:noAutofit/>
+          </a:bodyPr>
+          <a:lstStyle/>
+          <a:p>
+            <a:pPr marL="0" lvl="0" indent="0" algn="l" rtl="0">
+              <a:spcBef>
+                <a:spcPts val="0"/>
+              </a:spcBef>
+              <a:spcAft>
+                <a:spcPts val="0"/>
+              </a:spcAft>
+              <a:buNone/>
+            </a:pPr>
+            <a:endParaRPr/>
+          </a:p>
+        </p:txBody>
+      </p:sp>
+    </p:spTree>
+  </p:cSld>
+  <p:clrMapOvr>
+    <a:masterClrMapping/>
+  </p:clrMapOvr>
+</p:notes>
+</file>
+
+<file path=ppt/notesSlides/notesSlide49.xml><?xml version="1.0" encoding="utf-8"?>
 <p:notes xmlns:a="http://schemas.openxmlformats.org/drawingml/2006/main" xmlns:r="http://schemas.openxmlformats.org/officeDocument/2006/relationships" xmlns:p="http://schemas.openxmlformats.org/presentationml/2006/main" showMasterSp="0" showMasterPhAnim="0">
   <p:cSld>
     <p:spTree>
@@ -6508,7 +7041,7 @@
               <a:buNone/>
             </a:pPr>
             <a:r>
-              <a:rPr lang="en"/>
+              <a:rPr lang="en" dirty="0"/>
               <a:t>Copy and paste the feedback from the previous block’s assessment into the text box.</a:t>
             </a:r>
             <a:endParaRPr/>
@@ -6524,7 +7057,7 @@
               <a:buNone/>
             </a:pPr>
             <a:r>
-              <a:rPr lang="en"/>
+              <a:rPr lang="en" dirty="0"/>
               <a:t>Copy and paste the bullet points you listed on the “Lessons Learned” page in section C of your last block’s log.</a:t>
             </a:r>
             <a:endParaRPr/>
@@ -6540,10 +7073,10 @@
               <a:buNone/>
             </a:pPr>
             <a:r>
-              <a:rPr lang="en"/>
+              <a:rPr lang="en" dirty="0"/>
               <a:t>Compare the grade you gave yourself with the grade you received, and reevaluate or restate your feeling on your current level of progress.</a:t>
             </a:r>
-            <a:endParaRPr/>
+            <a:endParaRPr dirty="0"/>
           </a:p>
         </p:txBody>
       </p:sp>
@@ -11504,7 +12037,7 @@
             </a:pPr>
             <a:fld id="{00000000-1234-1234-1234-123412341234}" type="slidenum">
               <a:rPr lang="en"/>
-              <a:t>‹#›</a:t>
+              <a:t>‹nr.›</a:t>
             </a:fld>
             <a:endParaRPr/>
           </a:p>
@@ -15005,7 +15538,7 @@
             </a:pPr>
             <a:fld id="{00000000-1234-1234-1234-123412341234}" type="slidenum">
               <a:rPr lang="en"/>
-              <a:t>‹#›</a:t>
+              <a:t>‹nr.›</a:t>
             </a:fld>
             <a:endParaRPr/>
           </a:p>
@@ -21815,6 +22348,751 @@
   <p:cSld>
     <p:spTree>
       <p:nvGrpSpPr>
+        <p:cNvPr id="1" name="Shape 222"/>
+        <p:cNvGrpSpPr/>
+        <p:nvPr/>
+      </p:nvGrpSpPr>
+      <p:grpSpPr>
+        <a:xfrm>
+          <a:off x="0" y="0"/>
+          <a:ext cx="0" cy="0"/>
+          <a:chOff x="0" y="0"/>
+          <a:chExt cx="0" cy="0"/>
+        </a:xfrm>
+      </p:grpSpPr>
+      <p:sp>
+        <p:nvSpPr>
+          <p:cNvPr id="223" name="Google Shape;223;p26"/>
+          <p:cNvSpPr txBox="1">
+            <a:spLocks noGrp="1"/>
+          </p:cNvSpPr>
+          <p:nvPr>
+            <p:ph type="title"/>
+          </p:nvPr>
+        </p:nvSpPr>
+        <p:spPr>
+          <a:xfrm>
+            <a:off x="667512" y="0"/>
+            <a:ext cx="5486400" cy="572700"/>
+          </a:xfrm>
+          <a:prstGeom prst="rect">
+            <a:avLst/>
+          </a:prstGeom>
+        </p:spPr>
+        <p:txBody>
+          <a:bodyPr spcFirstLastPara="1" wrap="square" lIns="91425" tIns="91425" rIns="91425" bIns="91425" anchor="ctr" anchorCtr="0">
+            <a:noAutofit/>
+          </a:bodyPr>
+          <a:lstStyle/>
+          <a:p>
+            <a:pPr marL="0" lvl="0" indent="0" algn="l" rtl="0">
+              <a:spcBef>
+                <a:spcPts val="0"/>
+              </a:spcBef>
+              <a:spcAft>
+                <a:spcPts val="0"/>
+              </a:spcAft>
+              <a:buNone/>
+            </a:pPr>
+            <a:r>
+              <a:rPr lang="en" dirty="0"/>
+              <a:t>Week </a:t>
+            </a:r>
+            <a:r>
+              <a:rPr lang="en-NL" dirty="0"/>
+              <a:t>9</a:t>
+            </a:r>
+            <a:r>
+              <a:rPr lang="en" dirty="0"/>
+              <a:t> - Log</a:t>
+            </a:r>
+            <a:endParaRPr dirty="0"/>
+          </a:p>
+        </p:txBody>
+      </p:sp>
+      <p:sp>
+        <p:nvSpPr>
+          <p:cNvPr id="224" name="Google Shape;224;p26"/>
+          <p:cNvSpPr txBox="1">
+            <a:spLocks noGrp="1"/>
+          </p:cNvSpPr>
+          <p:nvPr>
+            <p:ph type="subTitle" idx="4"/>
+          </p:nvPr>
+        </p:nvSpPr>
+        <p:spPr>
+          <a:xfrm>
+            <a:off x="4663440" y="758952"/>
+            <a:ext cx="4297800" cy="393900"/>
+          </a:xfrm>
+          <a:prstGeom prst="rect">
+            <a:avLst/>
+          </a:prstGeom>
+        </p:spPr>
+        <p:txBody>
+          <a:bodyPr spcFirstLastPara="1" wrap="square" lIns="91425" tIns="91425" rIns="91425" bIns="91425" anchor="t" anchorCtr="0">
+            <a:noAutofit/>
+          </a:bodyPr>
+          <a:lstStyle/>
+          <a:p>
+            <a:pPr marL="0" lvl="0" indent="0" algn="l" rtl="0">
+              <a:spcBef>
+                <a:spcPts val="0"/>
+              </a:spcBef>
+              <a:spcAft>
+                <a:spcPts val="800"/>
+              </a:spcAft>
+              <a:buNone/>
+            </a:pPr>
+            <a:r>
+              <a:rPr lang="en"/>
+              <a:t>Reflection</a:t>
+            </a:r>
+            <a:endParaRPr/>
+          </a:p>
+        </p:txBody>
+      </p:sp>
+      <p:sp>
+        <p:nvSpPr>
+          <p:cNvPr id="225" name="Google Shape;225;p26"/>
+          <p:cNvSpPr txBox="1">
+            <a:spLocks noGrp="1"/>
+          </p:cNvSpPr>
+          <p:nvPr>
+            <p:ph type="subTitle" idx="1"/>
+          </p:nvPr>
+        </p:nvSpPr>
+        <p:spPr>
+          <a:xfrm>
+            <a:off x="186167" y="758952"/>
+            <a:ext cx="4294500" cy="393900"/>
+          </a:xfrm>
+          <a:prstGeom prst="rect">
+            <a:avLst/>
+          </a:prstGeom>
+        </p:spPr>
+        <p:txBody>
+          <a:bodyPr spcFirstLastPara="1" wrap="square" lIns="91425" tIns="91425" rIns="91425" bIns="91425" anchor="t" anchorCtr="0">
+            <a:noAutofit/>
+          </a:bodyPr>
+          <a:lstStyle/>
+          <a:p>
+            <a:pPr marL="0" lvl="0" indent="0" algn="l" rtl="0">
+              <a:spcBef>
+                <a:spcPts val="0"/>
+              </a:spcBef>
+              <a:spcAft>
+                <a:spcPts val="800"/>
+              </a:spcAft>
+              <a:buNone/>
+            </a:pPr>
+            <a:r>
+              <a:rPr lang="en"/>
+              <a:t>What did you do?</a:t>
+            </a:r>
+            <a:endParaRPr/>
+          </a:p>
+        </p:txBody>
+      </p:sp>
+      <p:sp>
+        <p:nvSpPr>
+          <p:cNvPr id="226" name="Google Shape;226;p26"/>
+          <p:cNvSpPr txBox="1">
+            <a:spLocks noGrp="1"/>
+          </p:cNvSpPr>
+          <p:nvPr>
+            <p:ph type="body" idx="2"/>
+          </p:nvPr>
+        </p:nvSpPr>
+        <p:spPr>
+          <a:xfrm>
+            <a:off x="182875" y="1152697"/>
+            <a:ext cx="4294500" cy="3812400"/>
+          </a:xfrm>
+          <a:prstGeom prst="rect">
+            <a:avLst/>
+          </a:prstGeom>
+        </p:spPr>
+        <p:txBody>
+          <a:bodyPr spcFirstLastPara="1" wrap="square" lIns="91425" tIns="91425" rIns="91425" bIns="91425" anchor="t" anchorCtr="0">
+            <a:noAutofit/>
+          </a:bodyPr>
+          <a:lstStyle/>
+          <a:p>
+            <a:pPr marL="182880" lvl="0" indent="-154940" algn="l" rtl="0">
+              <a:spcBef>
+                <a:spcPts val="0"/>
+              </a:spcBef>
+              <a:spcAft>
+                <a:spcPts val="0"/>
+              </a:spcAft>
+              <a:buSzPts val="1000"/>
+              <a:buChar char="●"/>
+            </a:pPr>
+            <a:r>
+              <a:rPr lang="en"/>
+              <a:t>What goal(s) did you set for this week?</a:t>
+            </a:r>
+            <a:endParaRPr/>
+          </a:p>
+          <a:p>
+            <a:pPr marL="182880" lvl="0" indent="-154940" algn="l" rtl="0">
+              <a:spcBef>
+                <a:spcPts val="0"/>
+              </a:spcBef>
+              <a:spcAft>
+                <a:spcPts val="0"/>
+              </a:spcAft>
+              <a:buSzPts val="1000"/>
+              <a:buChar char="●"/>
+            </a:pPr>
+            <a:r>
+              <a:rPr lang="en"/>
+              <a:t>What have you actually been able to do? </a:t>
+            </a:r>
+            <a:endParaRPr/>
+          </a:p>
+          <a:p>
+            <a:pPr marL="182880" lvl="0" indent="-154940" algn="l" rtl="0">
+              <a:spcBef>
+                <a:spcPts val="0"/>
+              </a:spcBef>
+              <a:spcAft>
+                <a:spcPts val="0"/>
+              </a:spcAft>
+              <a:buSzPts val="1000"/>
+              <a:buChar char="●"/>
+            </a:pPr>
+            <a:r>
+              <a:rPr lang="en"/>
+              <a:t>Showcase the evidence of your progress (production artifacts, short descriptions-links-pictures animated gifs, etc.)</a:t>
+            </a:r>
+            <a:endParaRPr/>
+          </a:p>
+        </p:txBody>
+      </p:sp>
+      <p:sp>
+        <p:nvSpPr>
+          <p:cNvPr id="227" name="Google Shape;227;p26"/>
+          <p:cNvSpPr txBox="1">
+            <a:spLocks noGrp="1"/>
+          </p:cNvSpPr>
+          <p:nvPr>
+            <p:ph type="body" idx="3"/>
+          </p:nvPr>
+        </p:nvSpPr>
+        <p:spPr>
+          <a:xfrm>
+            <a:off x="4663450" y="1152698"/>
+            <a:ext cx="4297800" cy="1625700"/>
+          </a:xfrm>
+          <a:prstGeom prst="rect">
+            <a:avLst/>
+          </a:prstGeom>
+        </p:spPr>
+        <p:txBody>
+          <a:bodyPr spcFirstLastPara="1" wrap="square" lIns="91425" tIns="91425" rIns="91425" bIns="91425" anchor="t" anchorCtr="0">
+            <a:noAutofit/>
+          </a:bodyPr>
+          <a:lstStyle/>
+          <a:p>
+            <a:pPr marL="182880" lvl="0" indent="-154940" algn="l" rtl="0">
+              <a:spcBef>
+                <a:spcPts val="0"/>
+              </a:spcBef>
+              <a:spcAft>
+                <a:spcPts val="0"/>
+              </a:spcAft>
+              <a:buSzPts val="1000"/>
+              <a:buChar char="●"/>
+            </a:pPr>
+            <a:r>
+              <a:rPr lang="en"/>
+              <a:t>How did the week go? </a:t>
+            </a:r>
+            <a:endParaRPr/>
+          </a:p>
+          <a:p>
+            <a:pPr marL="182880" lvl="0" indent="-154940" algn="l" rtl="0">
+              <a:spcBef>
+                <a:spcPts val="0"/>
+              </a:spcBef>
+              <a:spcAft>
+                <a:spcPts val="0"/>
+              </a:spcAft>
+              <a:buSzPts val="1000"/>
+              <a:buChar char="●"/>
+            </a:pPr>
+            <a:r>
+              <a:rPr lang="en"/>
+              <a:t>What went well? </a:t>
+            </a:r>
+            <a:endParaRPr/>
+          </a:p>
+          <a:p>
+            <a:pPr marL="182880" lvl="0" indent="-154940" algn="l" rtl="0">
+              <a:spcBef>
+                <a:spcPts val="0"/>
+              </a:spcBef>
+              <a:spcAft>
+                <a:spcPts val="0"/>
+              </a:spcAft>
+              <a:buSzPts val="1000"/>
+              <a:buChar char="●"/>
+            </a:pPr>
+            <a:r>
+              <a:rPr lang="en"/>
+              <a:t>What didn’t go so well? </a:t>
+            </a:r>
+            <a:endParaRPr/>
+          </a:p>
+          <a:p>
+            <a:pPr marL="182880" lvl="0" indent="-154940" algn="l" rtl="0">
+              <a:spcBef>
+                <a:spcPts val="0"/>
+              </a:spcBef>
+              <a:spcAft>
+                <a:spcPts val="0"/>
+              </a:spcAft>
+              <a:buSzPts val="1000"/>
+              <a:buChar char="●"/>
+            </a:pPr>
+            <a:r>
+              <a:rPr lang="en"/>
+              <a:t>What did you learn? </a:t>
+            </a:r>
+            <a:endParaRPr/>
+          </a:p>
+          <a:p>
+            <a:pPr marL="182880" lvl="0" indent="-154940" algn="l" rtl="0">
+              <a:spcBef>
+                <a:spcPts val="0"/>
+              </a:spcBef>
+              <a:spcAft>
+                <a:spcPts val="0"/>
+              </a:spcAft>
+              <a:buSzPts val="1000"/>
+              <a:buChar char="●"/>
+            </a:pPr>
+            <a:r>
+              <a:rPr lang="en"/>
+              <a:t>What could be added as an Action point looking forward to next week?</a:t>
+            </a:r>
+            <a:endParaRPr/>
+          </a:p>
+        </p:txBody>
+      </p:sp>
+      <p:sp>
+        <p:nvSpPr>
+          <p:cNvPr id="228" name="Google Shape;228;p26"/>
+          <p:cNvSpPr txBox="1">
+            <a:spLocks noGrp="1"/>
+          </p:cNvSpPr>
+          <p:nvPr>
+            <p:ph type="title" idx="6"/>
+          </p:nvPr>
+        </p:nvSpPr>
+        <p:spPr>
+          <a:xfrm>
+            <a:off x="7068300" y="1650"/>
+            <a:ext cx="1984200" cy="572700"/>
+          </a:xfrm>
+          <a:prstGeom prst="rect">
+            <a:avLst/>
+          </a:prstGeom>
+        </p:spPr>
+        <p:txBody>
+          <a:bodyPr spcFirstLastPara="1" wrap="square" lIns="91425" tIns="91425" rIns="91425" bIns="91425" anchor="b" anchorCtr="0">
+            <a:noAutofit/>
+          </a:bodyPr>
+          <a:lstStyle/>
+          <a:p>
+            <a:pPr marL="0" lvl="0" indent="0" algn="r" rtl="0">
+              <a:spcBef>
+                <a:spcPts val="0"/>
+              </a:spcBef>
+              <a:spcAft>
+                <a:spcPts val="0"/>
+              </a:spcAft>
+              <a:buNone/>
+            </a:pPr>
+            <a:r>
+              <a:rPr lang="en"/>
+              <a:t>1/3</a:t>
+            </a:r>
+            <a:endParaRPr/>
+          </a:p>
+        </p:txBody>
+      </p:sp>
+      <p:sp>
+        <p:nvSpPr>
+          <p:cNvPr id="229" name="Google Shape;229;p26"/>
+          <p:cNvSpPr txBox="1">
+            <a:spLocks noGrp="1"/>
+          </p:cNvSpPr>
+          <p:nvPr>
+            <p:ph type="title" idx="5"/>
+          </p:nvPr>
+        </p:nvSpPr>
+        <p:spPr>
+          <a:xfrm>
+            <a:off x="0" y="0"/>
+            <a:ext cx="576000" cy="572700"/>
+          </a:xfrm>
+          <a:prstGeom prst="rect">
+            <a:avLst/>
+          </a:prstGeom>
+        </p:spPr>
+        <p:txBody>
+          <a:bodyPr spcFirstLastPara="1" wrap="square" lIns="91425" tIns="91425" rIns="91425" bIns="91425" anchor="ctr" anchorCtr="0">
+            <a:noAutofit/>
+          </a:bodyPr>
+          <a:lstStyle/>
+          <a:p>
+            <a:pPr marL="0" lvl="0" indent="0" algn="ctr" rtl="0">
+              <a:spcBef>
+                <a:spcPts val="0"/>
+              </a:spcBef>
+              <a:spcAft>
+                <a:spcPts val="0"/>
+              </a:spcAft>
+              <a:buNone/>
+            </a:pPr>
+            <a:r>
+              <a:rPr lang="en-NL" dirty="0"/>
+              <a:t>9</a:t>
+            </a:r>
+            <a:endParaRPr dirty="0"/>
+          </a:p>
+        </p:txBody>
+      </p:sp>
+      <p:sp>
+        <p:nvSpPr>
+          <p:cNvPr id="230" name="Google Shape;230;p26"/>
+          <p:cNvSpPr/>
+          <p:nvPr/>
+        </p:nvSpPr>
+        <p:spPr>
+          <a:xfrm>
+            <a:off x="0" y="576072"/>
+            <a:ext cx="9144000" cy="91500"/>
+          </a:xfrm>
+          <a:prstGeom prst="rect">
+            <a:avLst/>
+          </a:prstGeom>
+          <a:solidFill>
+            <a:srgbClr val="666666"/>
+          </a:solidFill>
+          <a:ln>
+            <a:noFill/>
+          </a:ln>
+        </p:spPr>
+        <p:txBody>
+          <a:bodyPr spcFirstLastPara="1" wrap="square" lIns="91425" tIns="91425" rIns="91425" bIns="91425" anchor="ctr" anchorCtr="0">
+            <a:noAutofit/>
+          </a:bodyPr>
+          <a:lstStyle/>
+          <a:p>
+            <a:pPr marL="0" lvl="0" indent="0" algn="l" rtl="0">
+              <a:spcBef>
+                <a:spcPts val="0"/>
+              </a:spcBef>
+              <a:spcAft>
+                <a:spcPts val="0"/>
+              </a:spcAft>
+              <a:buNone/>
+            </a:pPr>
+            <a:endParaRPr/>
+          </a:p>
+        </p:txBody>
+      </p:sp>
+    </p:spTree>
+    <p:extLst>
+      <p:ext uri="{BB962C8B-B14F-4D97-AF65-F5344CB8AC3E}">
+        <p14:creationId xmlns:p14="http://schemas.microsoft.com/office/powerpoint/2010/main" val="622046559"/>
+      </p:ext>
+    </p:extLst>
+  </p:cSld>
+  <p:clrMapOvr>
+    <a:masterClrMapping/>
+  </p:clrMapOvr>
+</p:sld>
+</file>
+
+<file path=ppt/slides/slide26.xml><?xml version="1.0" encoding="utf-8"?>
+<p:sld xmlns:a="http://schemas.openxmlformats.org/drawingml/2006/main" xmlns:r="http://schemas.openxmlformats.org/officeDocument/2006/relationships" xmlns:p="http://schemas.openxmlformats.org/presentationml/2006/main">
+  <p:cSld>
+    <p:spTree>
+      <p:nvGrpSpPr>
+        <p:cNvPr id="1" name="Shape 236"/>
+        <p:cNvGrpSpPr/>
+        <p:nvPr/>
+      </p:nvGrpSpPr>
+      <p:grpSpPr>
+        <a:xfrm>
+          <a:off x="0" y="0"/>
+          <a:ext cx="0" cy="0"/>
+          <a:chOff x="0" y="0"/>
+          <a:chExt cx="0" cy="0"/>
+        </a:xfrm>
+      </p:grpSpPr>
+      <p:sp>
+        <p:nvSpPr>
+          <p:cNvPr id="237" name="Google Shape;237;p27"/>
+          <p:cNvSpPr txBox="1">
+            <a:spLocks noGrp="1"/>
+          </p:cNvSpPr>
+          <p:nvPr>
+            <p:ph type="title"/>
+          </p:nvPr>
+        </p:nvSpPr>
+        <p:spPr>
+          <a:xfrm>
+            <a:off x="667512" y="0"/>
+            <a:ext cx="5486400" cy="572700"/>
+          </a:xfrm>
+          <a:prstGeom prst="rect">
+            <a:avLst/>
+          </a:prstGeom>
+        </p:spPr>
+        <p:txBody>
+          <a:bodyPr spcFirstLastPara="1" wrap="square" lIns="91425" tIns="91425" rIns="91425" bIns="91425" anchor="ctr" anchorCtr="0">
+            <a:noAutofit/>
+          </a:bodyPr>
+          <a:lstStyle/>
+          <a:p>
+            <a:pPr marL="0" lvl="0" indent="0" algn="l" rtl="0">
+              <a:spcBef>
+                <a:spcPts val="0"/>
+              </a:spcBef>
+              <a:spcAft>
+                <a:spcPts val="0"/>
+              </a:spcAft>
+              <a:buNone/>
+            </a:pPr>
+            <a:r>
+              <a:rPr lang="en" dirty="0"/>
+              <a:t>Week </a:t>
+            </a:r>
+            <a:r>
+              <a:rPr lang="en-NL" dirty="0"/>
+              <a:t>9</a:t>
+            </a:r>
+            <a:r>
+              <a:rPr lang="en" dirty="0"/>
+              <a:t> - Feedback</a:t>
+            </a:r>
+            <a:endParaRPr dirty="0"/>
+          </a:p>
+        </p:txBody>
+      </p:sp>
+      <p:sp>
+        <p:nvSpPr>
+          <p:cNvPr id="238" name="Google Shape;238;p27"/>
+          <p:cNvSpPr txBox="1">
+            <a:spLocks noGrp="1"/>
+          </p:cNvSpPr>
+          <p:nvPr>
+            <p:ph type="subTitle" idx="1"/>
+          </p:nvPr>
+        </p:nvSpPr>
+        <p:spPr>
+          <a:xfrm>
+            <a:off x="186167" y="758952"/>
+            <a:ext cx="4294500" cy="393900"/>
+          </a:xfrm>
+          <a:prstGeom prst="rect">
+            <a:avLst/>
+          </a:prstGeom>
+        </p:spPr>
+        <p:txBody>
+          <a:bodyPr spcFirstLastPara="1" wrap="square" lIns="91425" tIns="91425" rIns="91425" bIns="91425" anchor="t" anchorCtr="0">
+            <a:noAutofit/>
+          </a:bodyPr>
+          <a:lstStyle/>
+          <a:p>
+            <a:pPr marL="0" lvl="0" indent="0" algn="l" rtl="0">
+              <a:spcBef>
+                <a:spcPts val="0"/>
+              </a:spcBef>
+              <a:spcAft>
+                <a:spcPts val="800"/>
+              </a:spcAft>
+              <a:buNone/>
+            </a:pPr>
+            <a:r>
+              <a:rPr lang="en"/>
+              <a:t>Team, individual, peer, workshop feedback</a:t>
+            </a:r>
+            <a:endParaRPr/>
+          </a:p>
+        </p:txBody>
+      </p:sp>
+      <p:sp>
+        <p:nvSpPr>
+          <p:cNvPr id="239" name="Google Shape;239;p27"/>
+          <p:cNvSpPr txBox="1">
+            <a:spLocks noGrp="1"/>
+          </p:cNvSpPr>
+          <p:nvPr>
+            <p:ph type="body" idx="2"/>
+          </p:nvPr>
+        </p:nvSpPr>
+        <p:spPr>
+          <a:xfrm>
+            <a:off x="182875" y="1152697"/>
+            <a:ext cx="4294500" cy="3812400"/>
+          </a:xfrm>
+          <a:prstGeom prst="rect">
+            <a:avLst/>
+          </a:prstGeom>
+        </p:spPr>
+        <p:txBody>
+          <a:bodyPr spcFirstLastPara="1" wrap="square" lIns="91425" tIns="91425" rIns="91425" bIns="91425" anchor="t" anchorCtr="0">
+            <a:noAutofit/>
+          </a:bodyPr>
+          <a:lstStyle/>
+          <a:p>
+            <a:pPr marL="182880" lvl="0" indent="-154940" algn="l" rtl="0">
+              <a:spcBef>
+                <a:spcPts val="0"/>
+              </a:spcBef>
+              <a:spcAft>
+                <a:spcPts val="0"/>
+              </a:spcAft>
+              <a:buSzPts val="1000"/>
+              <a:buChar char="●"/>
+            </a:pPr>
+            <a:r>
+              <a:rPr lang="en" b="1"/>
+              <a:t>[Reviewer]</a:t>
+            </a:r>
+            <a:r>
+              <a:rPr lang="en"/>
+              <a:t> Feedback</a:t>
+            </a:r>
+            <a:endParaRPr/>
+          </a:p>
+          <a:p>
+            <a:pPr marL="0" lvl="0" indent="0" algn="l" rtl="0">
+              <a:spcBef>
+                <a:spcPts val="800"/>
+              </a:spcBef>
+              <a:spcAft>
+                <a:spcPts val="800"/>
+              </a:spcAft>
+              <a:buNone/>
+            </a:pPr>
+            <a:r>
+              <a:rPr lang="en"/>
+              <a:t>Response</a:t>
+            </a:r>
+            <a:endParaRPr/>
+          </a:p>
+        </p:txBody>
+      </p:sp>
+      <p:sp>
+        <p:nvSpPr>
+          <p:cNvPr id="240" name="Google Shape;240;p27"/>
+          <p:cNvSpPr txBox="1">
+            <a:spLocks noGrp="1"/>
+          </p:cNvSpPr>
+          <p:nvPr>
+            <p:ph type="title" idx="4"/>
+          </p:nvPr>
+        </p:nvSpPr>
+        <p:spPr>
+          <a:xfrm>
+            <a:off x="7068300" y="1650"/>
+            <a:ext cx="1984200" cy="572700"/>
+          </a:xfrm>
+          <a:prstGeom prst="rect">
+            <a:avLst/>
+          </a:prstGeom>
+        </p:spPr>
+        <p:txBody>
+          <a:bodyPr spcFirstLastPara="1" wrap="square" lIns="91425" tIns="91425" rIns="91425" bIns="91425" anchor="b" anchorCtr="0">
+            <a:noAutofit/>
+          </a:bodyPr>
+          <a:lstStyle/>
+          <a:p>
+            <a:pPr marL="0" lvl="0" indent="0" algn="r" rtl="0">
+              <a:spcBef>
+                <a:spcPts val="0"/>
+              </a:spcBef>
+              <a:spcAft>
+                <a:spcPts val="0"/>
+              </a:spcAft>
+              <a:buNone/>
+            </a:pPr>
+            <a:r>
+              <a:rPr lang="en"/>
+              <a:t>2/3</a:t>
+            </a:r>
+            <a:endParaRPr/>
+          </a:p>
+        </p:txBody>
+      </p:sp>
+      <p:sp>
+        <p:nvSpPr>
+          <p:cNvPr id="241" name="Google Shape;241;p27"/>
+          <p:cNvSpPr txBox="1">
+            <a:spLocks noGrp="1"/>
+          </p:cNvSpPr>
+          <p:nvPr>
+            <p:ph type="title" idx="3"/>
+          </p:nvPr>
+        </p:nvSpPr>
+        <p:spPr>
+          <a:xfrm>
+            <a:off x="0" y="0"/>
+            <a:ext cx="576000" cy="572700"/>
+          </a:xfrm>
+          <a:prstGeom prst="rect">
+            <a:avLst/>
+          </a:prstGeom>
+        </p:spPr>
+        <p:txBody>
+          <a:bodyPr spcFirstLastPara="1" wrap="square" lIns="91425" tIns="91425" rIns="91425" bIns="91425" anchor="ctr" anchorCtr="0">
+            <a:noAutofit/>
+          </a:bodyPr>
+          <a:lstStyle/>
+          <a:p>
+            <a:pPr marL="0" lvl="0" indent="0" algn="ctr" rtl="0">
+              <a:spcBef>
+                <a:spcPts val="0"/>
+              </a:spcBef>
+              <a:spcAft>
+                <a:spcPts val="0"/>
+              </a:spcAft>
+              <a:buNone/>
+            </a:pPr>
+            <a:r>
+              <a:rPr lang="en-NL" dirty="0"/>
+              <a:t>9</a:t>
+            </a:r>
+            <a:endParaRPr dirty="0"/>
+          </a:p>
+        </p:txBody>
+      </p:sp>
+    </p:spTree>
+    <p:extLst>
+      <p:ext uri="{BB962C8B-B14F-4D97-AF65-F5344CB8AC3E}">
+        <p14:creationId xmlns:p14="http://schemas.microsoft.com/office/powerpoint/2010/main" val="803266630"/>
+      </p:ext>
+    </p:extLst>
+  </p:cSld>
+  <p:clrMapOvr>
+    <a:masterClrMapping/>
+  </p:clrMapOvr>
+</p:sld>
+</file>
+
+<file path=ppt/slides/slide27.xml><?xml version="1.0" encoding="utf-8"?>
+<p:sld xmlns:a="http://schemas.openxmlformats.org/drawingml/2006/main" xmlns:r="http://schemas.openxmlformats.org/officeDocument/2006/relationships" xmlns:p="http://schemas.openxmlformats.org/presentationml/2006/main">
+  <p:cSld>
+    <p:spTree>
+      <p:nvGrpSpPr>
         <p:cNvPr id="1" name="Shape 355"/>
         <p:cNvGrpSpPr/>
         <p:nvPr/>
@@ -21997,7 +23275,7 @@
 </p:sld>
 </file>
 
-<file path=ppt/slides/slide26.xml><?xml version="1.0" encoding="utf-8"?>
+<file path=ppt/slides/slide28.xml><?xml version="1.0" encoding="utf-8"?>
 <p:sld xmlns:a="http://schemas.openxmlformats.org/drawingml/2006/main" xmlns:r="http://schemas.openxmlformats.org/officeDocument/2006/relationships" xmlns:p="http://schemas.openxmlformats.org/presentationml/2006/main">
   <p:cSld>
     <p:spTree>
@@ -22095,10 +23373,9 @@
               <a:t>Professional </a:t>
             </a:r>
             <a:r>
-              <a:rPr lang="nl-NL" dirty="0" err="1"/>
+              <a:rPr lang="en-GB" dirty="0"/>
               <a:t>Practice</a:t>
             </a:r>
-            <a:endParaRPr dirty="0"/>
           </a:p>
         </p:txBody>
       </p:sp>
@@ -22215,753 +23492,6 @@
         </p:txBody>
       </p:sp>
     </p:spTree>
-  </p:cSld>
-  <p:clrMapOvr>
-    <a:masterClrMapping/>
-  </p:clrMapOvr>
-</p:sld>
-</file>
-
-<file path=ppt/slides/slide27.xml><?xml version="1.0" encoding="utf-8"?>
-<p:sld xmlns:a="http://schemas.openxmlformats.org/drawingml/2006/main" xmlns:r="http://schemas.openxmlformats.org/officeDocument/2006/relationships" xmlns:p="http://schemas.openxmlformats.org/presentationml/2006/main">
-  <p:cSld>
-    <p:spTree>
-      <p:nvGrpSpPr>
-        <p:cNvPr id="1" name="Shape 392"/>
-        <p:cNvGrpSpPr/>
-        <p:nvPr/>
-      </p:nvGrpSpPr>
-      <p:grpSpPr>
-        <a:xfrm>
-          <a:off x="0" y="0"/>
-          <a:ext cx="0" cy="0"/>
-          <a:chOff x="0" y="0"/>
-          <a:chExt cx="0" cy="0"/>
-        </a:xfrm>
-      </p:grpSpPr>
-      <p:sp>
-        <p:nvSpPr>
-          <p:cNvPr id="393" name="Google Shape;393;p42"/>
-          <p:cNvSpPr txBox="1">
-            <a:spLocks noGrp="1"/>
-          </p:cNvSpPr>
-          <p:nvPr>
-            <p:ph type="title"/>
-          </p:nvPr>
-        </p:nvSpPr>
-        <p:spPr>
-          <a:xfrm>
-            <a:off x="68250" y="0"/>
-            <a:ext cx="777300" cy="576000"/>
-          </a:xfrm>
-          <a:prstGeom prst="rect">
-            <a:avLst/>
-          </a:prstGeom>
-        </p:spPr>
-        <p:txBody>
-          <a:bodyPr spcFirstLastPara="1" wrap="square" lIns="91425" tIns="91425" rIns="91425" bIns="91425" anchor="ctr" anchorCtr="0">
-            <a:noAutofit/>
-          </a:bodyPr>
-          <a:lstStyle/>
-          <a:p>
-            <a:pPr marL="0" lvl="0" indent="0" algn="l" rtl="0">
-              <a:spcBef>
-                <a:spcPts val="0"/>
-              </a:spcBef>
-              <a:spcAft>
-                <a:spcPts val="0"/>
-              </a:spcAft>
-              <a:buNone/>
-            </a:pPr>
-            <a:r>
-              <a:rPr lang="en"/>
-              <a:t>ILO 1</a:t>
-            </a:r>
-            <a:endParaRPr/>
-          </a:p>
-        </p:txBody>
-      </p:sp>
-      <p:sp>
-        <p:nvSpPr>
-          <p:cNvPr id="394" name="Google Shape;394;p42"/>
-          <p:cNvSpPr txBox="1">
-            <a:spLocks noGrp="1"/>
-          </p:cNvSpPr>
-          <p:nvPr>
-            <p:ph type="title" idx="2"/>
-          </p:nvPr>
-        </p:nvSpPr>
-        <p:spPr>
-          <a:xfrm>
-            <a:off x="7068300" y="0"/>
-            <a:ext cx="1984200" cy="576000"/>
-          </a:xfrm>
-          <a:prstGeom prst="rect">
-            <a:avLst/>
-          </a:prstGeom>
-        </p:spPr>
-        <p:txBody>
-          <a:bodyPr spcFirstLastPara="1" wrap="square" lIns="91425" tIns="91425" rIns="91425" bIns="91425" anchor="b" anchorCtr="0">
-            <a:noAutofit/>
-          </a:bodyPr>
-          <a:lstStyle/>
-          <a:p>
-            <a:pPr marL="0" lvl="0" indent="0" algn="r" rtl="0">
-              <a:spcBef>
-                <a:spcPts val="0"/>
-              </a:spcBef>
-              <a:spcAft>
-                <a:spcPts val="0"/>
-              </a:spcAft>
-              <a:buNone/>
-            </a:pPr>
-            <a:r>
-              <a:rPr lang="en"/>
-              <a:t>3/4</a:t>
-            </a:r>
-            <a:endParaRPr/>
-          </a:p>
-        </p:txBody>
-      </p:sp>
-      <p:sp>
-        <p:nvSpPr>
-          <p:cNvPr id="395" name="Google Shape;395;p42"/>
-          <p:cNvSpPr txBox="1">
-            <a:spLocks noGrp="1"/>
-          </p:cNvSpPr>
-          <p:nvPr>
-            <p:ph type="body" idx="1"/>
-          </p:nvPr>
-        </p:nvSpPr>
-        <p:spPr>
-          <a:xfrm>
-            <a:off x="182880" y="1069848"/>
-            <a:ext cx="5486400" cy="3895200"/>
-          </a:xfrm>
-          <a:prstGeom prst="rect">
-            <a:avLst/>
-          </a:prstGeom>
-        </p:spPr>
-        <p:txBody>
-          <a:bodyPr spcFirstLastPara="1" wrap="square" lIns="91425" tIns="91425" rIns="91425" bIns="91425" anchor="t" anchorCtr="0">
-            <a:noAutofit/>
-          </a:bodyPr>
-          <a:lstStyle/>
-          <a:p>
-            <a:pPr marL="0" lvl="0" indent="0" algn="l" rtl="0">
-              <a:lnSpc>
-                <a:spcPct val="115000"/>
-              </a:lnSpc>
-              <a:spcBef>
-                <a:spcPts val="0"/>
-              </a:spcBef>
-              <a:spcAft>
-                <a:spcPts val="0"/>
-              </a:spcAft>
-              <a:buNone/>
-            </a:pPr>
-            <a:r>
-              <a:rPr lang="en" sz="900" i="1">
-                <a:solidFill>
-                  <a:schemeClr val="lt1"/>
-                </a:solidFill>
-                <a:latin typeface="Helvetica Neue"/>
-                <a:ea typeface="Helvetica Neue"/>
-                <a:cs typeface="Helvetica Neue"/>
-                <a:sym typeface="Helvetica Neue"/>
-              </a:rPr>
-              <a:t>Show your best examples, do not go overboard, add in short description, you are free to alter this layout (or add slides per evidence) to suit your needs. Just be sure that it is clear.</a:t>
-            </a:r>
-            <a:endParaRPr sz="900">
-              <a:solidFill>
-                <a:schemeClr val="lt1"/>
-              </a:solidFill>
-            </a:endParaRPr>
-          </a:p>
-          <a:p>
-            <a:pPr marL="0" lvl="0" indent="0" algn="l" rtl="0">
-              <a:lnSpc>
-                <a:spcPct val="115000"/>
-              </a:lnSpc>
-              <a:spcBef>
-                <a:spcPts val="0"/>
-              </a:spcBef>
-              <a:spcAft>
-                <a:spcPts val="0"/>
-              </a:spcAft>
-              <a:buNone/>
-            </a:pPr>
-            <a:endParaRPr sz="700" i="1">
-              <a:solidFill>
-                <a:schemeClr val="lt1"/>
-              </a:solidFill>
-              <a:latin typeface="Helvetica Neue"/>
-              <a:ea typeface="Helvetica Neue"/>
-              <a:cs typeface="Helvetica Neue"/>
-              <a:sym typeface="Helvetica Neue"/>
-            </a:endParaRPr>
-          </a:p>
-        </p:txBody>
-      </p:sp>
-      <p:sp>
-        <p:nvSpPr>
-          <p:cNvPr id="396" name="Google Shape;396;p42"/>
-          <p:cNvSpPr txBox="1">
-            <a:spLocks noGrp="1"/>
-          </p:cNvSpPr>
-          <p:nvPr>
-            <p:ph type="title" idx="3"/>
-          </p:nvPr>
-        </p:nvSpPr>
-        <p:spPr>
-          <a:xfrm>
-            <a:off x="2049462" y="0"/>
-            <a:ext cx="4206300" cy="576000"/>
-          </a:xfrm>
-          <a:prstGeom prst="rect">
-            <a:avLst/>
-          </a:prstGeom>
-        </p:spPr>
-        <p:txBody>
-          <a:bodyPr spcFirstLastPara="1" wrap="square" lIns="91425" tIns="91425" rIns="91425" bIns="91425" anchor="ctr" anchorCtr="0">
-            <a:noAutofit/>
-          </a:bodyPr>
-          <a:lstStyle/>
-          <a:p>
-            <a:pPr marL="0" lvl="0" indent="0" algn="l" rtl="0">
-              <a:spcBef>
-                <a:spcPts val="0"/>
-              </a:spcBef>
-              <a:spcAft>
-                <a:spcPts val="0"/>
-              </a:spcAft>
-              <a:buNone/>
-            </a:pPr>
-            <a:r>
-              <a:rPr lang="en-GB" dirty="0"/>
-              <a:t>Demonstrates professional </a:t>
-            </a:r>
-            <a:r>
-              <a:rPr lang="en-GB" dirty="0" err="1"/>
-              <a:t>behavior</a:t>
-            </a:r>
-            <a:r>
-              <a:rPr lang="en-GB" dirty="0"/>
-              <a:t> as well as accountability and ethics in the application of industry best practices for planning, communication, collaboration, and responsible execution of work assignments,.</a:t>
-            </a:r>
-          </a:p>
-        </p:txBody>
-      </p:sp>
-      <p:sp>
-        <p:nvSpPr>
-          <p:cNvPr id="397" name="Google Shape;397;p42"/>
-          <p:cNvSpPr txBox="1">
-            <a:spLocks noGrp="1"/>
-          </p:cNvSpPr>
-          <p:nvPr>
-            <p:ph type="title" idx="4"/>
-          </p:nvPr>
-        </p:nvSpPr>
-        <p:spPr>
-          <a:xfrm>
-            <a:off x="68250" y="576000"/>
-            <a:ext cx="839700" cy="493800"/>
-          </a:xfrm>
-          <a:prstGeom prst="rect">
-            <a:avLst/>
-          </a:prstGeom>
-        </p:spPr>
-        <p:txBody>
-          <a:bodyPr spcFirstLastPara="1" wrap="square" lIns="91425" tIns="91425" rIns="91425" bIns="91425" anchor="ctr" anchorCtr="0">
-            <a:noAutofit/>
-          </a:bodyPr>
-          <a:lstStyle/>
-          <a:p>
-            <a:pPr marL="0" lvl="0" indent="0" algn="l" rtl="0">
-              <a:spcBef>
-                <a:spcPts val="0"/>
-              </a:spcBef>
-              <a:spcAft>
-                <a:spcPts val="0"/>
-              </a:spcAft>
-              <a:buNone/>
-            </a:pPr>
-            <a:r>
-              <a:rPr lang="en" dirty="0"/>
-              <a:t>1.</a:t>
-            </a:r>
-            <a:r>
-              <a:rPr lang="en-NL" dirty="0"/>
-              <a:t>1</a:t>
-            </a:r>
-            <a:endParaRPr dirty="0"/>
-          </a:p>
-        </p:txBody>
-      </p:sp>
-      <p:sp>
-        <p:nvSpPr>
-          <p:cNvPr id="398" name="Google Shape;398;p42"/>
-          <p:cNvSpPr txBox="1">
-            <a:spLocks noGrp="1"/>
-          </p:cNvSpPr>
-          <p:nvPr>
-            <p:ph type="title" idx="5"/>
-          </p:nvPr>
-        </p:nvSpPr>
-        <p:spPr>
-          <a:xfrm>
-            <a:off x="845550" y="576000"/>
-            <a:ext cx="7315200" cy="493800"/>
-          </a:xfrm>
-          <a:prstGeom prst="rect">
-            <a:avLst/>
-          </a:prstGeom>
-        </p:spPr>
-        <p:txBody>
-          <a:bodyPr spcFirstLastPara="1" wrap="square" lIns="91425" tIns="91425" rIns="91425" bIns="91425" anchor="ctr" anchorCtr="0">
-            <a:noAutofit/>
-          </a:bodyPr>
-          <a:lstStyle/>
-          <a:p>
-            <a:pPr marL="0" lvl="0" indent="0" algn="l" rtl="0">
-              <a:spcBef>
-                <a:spcPts val="0"/>
-              </a:spcBef>
-              <a:spcAft>
-                <a:spcPts val="0"/>
-              </a:spcAft>
-              <a:buNone/>
-            </a:pPr>
-            <a:r>
-              <a:rPr lang="en-GB" dirty="0"/>
-              <a:t>Creates and updates plans to work effectively based on agreed upon priorities with consideration of dependencies and risk, using sound estimates to achieve short and long-term project goals.	</a:t>
-            </a:r>
-            <a:endParaRPr dirty="0"/>
-          </a:p>
-        </p:txBody>
-      </p:sp>
-      <p:sp>
-        <p:nvSpPr>
-          <p:cNvPr id="399" name="Google Shape;399;p42"/>
-          <p:cNvSpPr txBox="1">
-            <a:spLocks noGrp="1"/>
-          </p:cNvSpPr>
-          <p:nvPr>
-            <p:ph type="title" idx="6"/>
-          </p:nvPr>
-        </p:nvSpPr>
-        <p:spPr>
-          <a:xfrm>
-            <a:off x="845550" y="0"/>
-            <a:ext cx="1368600" cy="576000"/>
-          </a:xfrm>
-          <a:prstGeom prst="rect">
-            <a:avLst/>
-          </a:prstGeom>
-        </p:spPr>
-        <p:txBody>
-          <a:bodyPr spcFirstLastPara="1" wrap="square" lIns="91425" tIns="91425" rIns="91425" bIns="91425" anchor="ctr" anchorCtr="0">
-            <a:noAutofit/>
-          </a:bodyPr>
-          <a:lstStyle/>
-          <a:p>
-            <a:pPr marL="0" lvl="0" indent="0" algn="l" rtl="0">
-              <a:spcBef>
-                <a:spcPts val="0"/>
-              </a:spcBef>
-              <a:spcAft>
-                <a:spcPts val="0"/>
-              </a:spcAft>
-              <a:buNone/>
-            </a:pPr>
-            <a:r>
-              <a:rPr lang="en-US" sz="900" dirty="0"/>
-              <a:t>Professional Practice</a:t>
-            </a:r>
-            <a:br>
-              <a:rPr lang="en-US" sz="900" dirty="0"/>
-            </a:br>
-            <a:endParaRPr sz="900" dirty="0"/>
-          </a:p>
-        </p:txBody>
-      </p:sp>
-    </p:spTree>
-  </p:cSld>
-  <p:clrMapOvr>
-    <a:masterClrMapping/>
-  </p:clrMapOvr>
-</p:sld>
-</file>
-
-<file path=ppt/slides/slide28.xml><?xml version="1.0" encoding="utf-8"?>
-<p:sld xmlns:a="http://schemas.openxmlformats.org/drawingml/2006/main" xmlns:r="http://schemas.openxmlformats.org/officeDocument/2006/relationships" xmlns:p="http://schemas.openxmlformats.org/presentationml/2006/main">
-  <p:cSld>
-    <p:spTree>
-      <p:nvGrpSpPr>
-        <p:cNvPr id="1" name="Shape 392"/>
-        <p:cNvGrpSpPr/>
-        <p:nvPr/>
-      </p:nvGrpSpPr>
-      <p:grpSpPr>
-        <a:xfrm>
-          <a:off x="0" y="0"/>
-          <a:ext cx="0" cy="0"/>
-          <a:chOff x="0" y="0"/>
-          <a:chExt cx="0" cy="0"/>
-        </a:xfrm>
-      </p:grpSpPr>
-      <p:sp>
-        <p:nvSpPr>
-          <p:cNvPr id="393" name="Google Shape;393;p42"/>
-          <p:cNvSpPr txBox="1">
-            <a:spLocks noGrp="1"/>
-          </p:cNvSpPr>
-          <p:nvPr>
-            <p:ph type="title"/>
-          </p:nvPr>
-        </p:nvSpPr>
-        <p:spPr>
-          <a:xfrm>
-            <a:off x="68250" y="0"/>
-            <a:ext cx="777300" cy="576000"/>
-          </a:xfrm>
-          <a:prstGeom prst="rect">
-            <a:avLst/>
-          </a:prstGeom>
-        </p:spPr>
-        <p:txBody>
-          <a:bodyPr spcFirstLastPara="1" wrap="square" lIns="91425" tIns="91425" rIns="91425" bIns="91425" anchor="ctr" anchorCtr="0">
-            <a:noAutofit/>
-          </a:bodyPr>
-          <a:lstStyle/>
-          <a:p>
-            <a:pPr marL="0" lvl="0" indent="0" algn="l" rtl="0">
-              <a:spcBef>
-                <a:spcPts val="0"/>
-              </a:spcBef>
-              <a:spcAft>
-                <a:spcPts val="0"/>
-              </a:spcAft>
-              <a:buNone/>
-            </a:pPr>
-            <a:r>
-              <a:rPr lang="en"/>
-              <a:t>ILO 1</a:t>
-            </a:r>
-            <a:endParaRPr/>
-          </a:p>
-        </p:txBody>
-      </p:sp>
-      <p:sp>
-        <p:nvSpPr>
-          <p:cNvPr id="394" name="Google Shape;394;p42"/>
-          <p:cNvSpPr txBox="1">
-            <a:spLocks noGrp="1"/>
-          </p:cNvSpPr>
-          <p:nvPr>
-            <p:ph type="title" idx="2"/>
-          </p:nvPr>
-        </p:nvSpPr>
-        <p:spPr>
-          <a:xfrm>
-            <a:off x="7068300" y="0"/>
-            <a:ext cx="1984200" cy="576000"/>
-          </a:xfrm>
-          <a:prstGeom prst="rect">
-            <a:avLst/>
-          </a:prstGeom>
-        </p:spPr>
-        <p:txBody>
-          <a:bodyPr spcFirstLastPara="1" wrap="square" lIns="91425" tIns="91425" rIns="91425" bIns="91425" anchor="b" anchorCtr="0">
-            <a:noAutofit/>
-          </a:bodyPr>
-          <a:lstStyle/>
-          <a:p>
-            <a:pPr marL="0" lvl="0" indent="0" algn="r" rtl="0">
-              <a:spcBef>
-                <a:spcPts val="0"/>
-              </a:spcBef>
-              <a:spcAft>
-                <a:spcPts val="0"/>
-              </a:spcAft>
-              <a:buNone/>
-            </a:pPr>
-            <a:r>
-              <a:rPr lang="en"/>
-              <a:t>3/4</a:t>
-            </a:r>
-            <a:endParaRPr/>
-          </a:p>
-        </p:txBody>
-      </p:sp>
-      <p:sp>
-        <p:nvSpPr>
-          <p:cNvPr id="395" name="Google Shape;395;p42"/>
-          <p:cNvSpPr txBox="1">
-            <a:spLocks noGrp="1"/>
-          </p:cNvSpPr>
-          <p:nvPr>
-            <p:ph type="body" idx="1"/>
-          </p:nvPr>
-        </p:nvSpPr>
-        <p:spPr>
-          <a:xfrm>
-            <a:off x="182880" y="1069848"/>
-            <a:ext cx="5486400" cy="3895200"/>
-          </a:xfrm>
-          <a:prstGeom prst="rect">
-            <a:avLst/>
-          </a:prstGeom>
-        </p:spPr>
-        <p:txBody>
-          <a:bodyPr spcFirstLastPara="1" wrap="square" lIns="91425" tIns="91425" rIns="91425" bIns="91425" anchor="t" anchorCtr="0">
-            <a:noAutofit/>
-          </a:bodyPr>
-          <a:lstStyle/>
-          <a:p>
-            <a:pPr marL="0" lvl="0" indent="0" algn="l" rtl="0">
-              <a:lnSpc>
-                <a:spcPct val="115000"/>
-              </a:lnSpc>
-              <a:spcBef>
-                <a:spcPts val="0"/>
-              </a:spcBef>
-              <a:spcAft>
-                <a:spcPts val="0"/>
-              </a:spcAft>
-              <a:buNone/>
-            </a:pPr>
-            <a:r>
-              <a:rPr lang="en" sz="900" i="1">
-                <a:solidFill>
-                  <a:schemeClr val="lt1"/>
-                </a:solidFill>
-                <a:latin typeface="Helvetica Neue"/>
-                <a:ea typeface="Helvetica Neue"/>
-                <a:cs typeface="Helvetica Neue"/>
-                <a:sym typeface="Helvetica Neue"/>
-              </a:rPr>
-              <a:t>Show your best examples, do not go overboard, add in short description, you are free to alter this layout (or add slides per evidence) to suit your needs. Just be sure that it is clear.</a:t>
-            </a:r>
-            <a:endParaRPr sz="900">
-              <a:solidFill>
-                <a:schemeClr val="lt1"/>
-              </a:solidFill>
-            </a:endParaRPr>
-          </a:p>
-          <a:p>
-            <a:pPr marL="0" lvl="0" indent="0" algn="l" rtl="0">
-              <a:lnSpc>
-                <a:spcPct val="115000"/>
-              </a:lnSpc>
-              <a:spcBef>
-                <a:spcPts val="0"/>
-              </a:spcBef>
-              <a:spcAft>
-                <a:spcPts val="0"/>
-              </a:spcAft>
-              <a:buNone/>
-            </a:pPr>
-            <a:endParaRPr sz="700" i="1">
-              <a:solidFill>
-                <a:schemeClr val="lt1"/>
-              </a:solidFill>
-              <a:latin typeface="Helvetica Neue"/>
-              <a:ea typeface="Helvetica Neue"/>
-              <a:cs typeface="Helvetica Neue"/>
-              <a:sym typeface="Helvetica Neue"/>
-            </a:endParaRPr>
-          </a:p>
-        </p:txBody>
-      </p:sp>
-      <p:sp>
-        <p:nvSpPr>
-          <p:cNvPr id="396" name="Google Shape;396;p42"/>
-          <p:cNvSpPr txBox="1">
-            <a:spLocks noGrp="1"/>
-          </p:cNvSpPr>
-          <p:nvPr>
-            <p:ph type="title" idx="3"/>
-          </p:nvPr>
-        </p:nvSpPr>
-        <p:spPr>
-          <a:xfrm>
-            <a:off x="2049462" y="0"/>
-            <a:ext cx="4206300" cy="576000"/>
-          </a:xfrm>
-          <a:prstGeom prst="rect">
-            <a:avLst/>
-          </a:prstGeom>
-        </p:spPr>
-        <p:txBody>
-          <a:bodyPr spcFirstLastPara="1" wrap="square" lIns="91425" tIns="91425" rIns="91425" bIns="91425" anchor="ctr" anchorCtr="0">
-            <a:noAutofit/>
-          </a:bodyPr>
-          <a:lstStyle/>
-          <a:p>
-            <a:pPr marL="0" lvl="0" indent="0" algn="l" rtl="0">
-              <a:spcBef>
-                <a:spcPts val="0"/>
-              </a:spcBef>
-              <a:spcAft>
-                <a:spcPts val="0"/>
-              </a:spcAft>
-              <a:buNone/>
-            </a:pPr>
-            <a:r>
-              <a:rPr lang="en-GB" dirty="0"/>
-              <a:t>Demonstrates professional </a:t>
-            </a:r>
-            <a:r>
-              <a:rPr lang="en-GB" dirty="0" err="1"/>
-              <a:t>behavior</a:t>
-            </a:r>
-            <a:r>
-              <a:rPr lang="en-GB" dirty="0"/>
-              <a:t> as well as accountability and ethics in the application of industry best practices for planning, communication, collaboration, and responsible execution of work assignments,.</a:t>
-            </a:r>
-          </a:p>
-        </p:txBody>
-      </p:sp>
-      <p:sp>
-        <p:nvSpPr>
-          <p:cNvPr id="397" name="Google Shape;397;p42"/>
-          <p:cNvSpPr txBox="1">
-            <a:spLocks noGrp="1"/>
-          </p:cNvSpPr>
-          <p:nvPr>
-            <p:ph type="title" idx="4"/>
-          </p:nvPr>
-        </p:nvSpPr>
-        <p:spPr>
-          <a:xfrm>
-            <a:off x="68250" y="576000"/>
-            <a:ext cx="839700" cy="493800"/>
-          </a:xfrm>
-          <a:prstGeom prst="rect">
-            <a:avLst/>
-          </a:prstGeom>
-        </p:spPr>
-        <p:txBody>
-          <a:bodyPr spcFirstLastPara="1" wrap="square" lIns="91425" tIns="91425" rIns="91425" bIns="91425" anchor="ctr" anchorCtr="0">
-            <a:noAutofit/>
-          </a:bodyPr>
-          <a:lstStyle/>
-          <a:p>
-            <a:pPr marL="0" lvl="0" indent="0" algn="l" rtl="0">
-              <a:spcBef>
-                <a:spcPts val="0"/>
-              </a:spcBef>
-              <a:spcAft>
-                <a:spcPts val="0"/>
-              </a:spcAft>
-              <a:buNone/>
-            </a:pPr>
-            <a:r>
-              <a:rPr lang="en" dirty="0"/>
-              <a:t>1.</a:t>
-            </a:r>
-            <a:r>
-              <a:rPr lang="en-NL" dirty="0"/>
-              <a:t>4</a:t>
-            </a:r>
-            <a:endParaRPr dirty="0"/>
-          </a:p>
-        </p:txBody>
-      </p:sp>
-      <p:sp>
-        <p:nvSpPr>
-          <p:cNvPr id="398" name="Google Shape;398;p42"/>
-          <p:cNvSpPr txBox="1">
-            <a:spLocks noGrp="1"/>
-          </p:cNvSpPr>
-          <p:nvPr>
-            <p:ph type="title" idx="5"/>
-          </p:nvPr>
-        </p:nvSpPr>
-        <p:spPr>
-          <a:xfrm>
-            <a:off x="845550" y="576000"/>
-            <a:ext cx="7315200" cy="493800"/>
-          </a:xfrm>
-          <a:prstGeom prst="rect">
-            <a:avLst/>
-          </a:prstGeom>
-        </p:spPr>
-        <p:txBody>
-          <a:bodyPr spcFirstLastPara="1" wrap="square" lIns="91425" tIns="91425" rIns="91425" bIns="91425" anchor="ctr" anchorCtr="0">
-            <a:noAutofit/>
-          </a:bodyPr>
-          <a:lstStyle/>
-          <a:p>
-            <a:pPr marL="0" lvl="0" indent="0" algn="l" rtl="0">
-              <a:spcBef>
-                <a:spcPts val="0"/>
-              </a:spcBef>
-              <a:spcAft>
-                <a:spcPts val="0"/>
-              </a:spcAft>
-              <a:buNone/>
-            </a:pPr>
-            <a:r>
-              <a:rPr lang="en-GB" dirty="0"/>
-              <a:t>Regularly and objectively reviews progress on project and team goals and processes, reflecting on the strengths and weaknesses through project and peer reviews.	</a:t>
-            </a:r>
-            <a:endParaRPr dirty="0"/>
-          </a:p>
-        </p:txBody>
-      </p:sp>
-      <p:sp>
-        <p:nvSpPr>
-          <p:cNvPr id="399" name="Google Shape;399;p42"/>
-          <p:cNvSpPr txBox="1">
-            <a:spLocks noGrp="1"/>
-          </p:cNvSpPr>
-          <p:nvPr>
-            <p:ph type="title" idx="6"/>
-          </p:nvPr>
-        </p:nvSpPr>
-        <p:spPr>
-          <a:xfrm>
-            <a:off x="845550" y="0"/>
-            <a:ext cx="1368600" cy="576000"/>
-          </a:xfrm>
-          <a:prstGeom prst="rect">
-            <a:avLst/>
-          </a:prstGeom>
-        </p:spPr>
-        <p:txBody>
-          <a:bodyPr spcFirstLastPara="1" wrap="square" lIns="91425" tIns="91425" rIns="91425" bIns="91425" anchor="ctr" anchorCtr="0">
-            <a:noAutofit/>
-          </a:bodyPr>
-          <a:lstStyle/>
-          <a:p>
-            <a:pPr marL="0" lvl="0" indent="0" algn="l" rtl="0">
-              <a:spcBef>
-                <a:spcPts val="0"/>
-              </a:spcBef>
-              <a:spcAft>
-                <a:spcPts val="0"/>
-              </a:spcAft>
-              <a:buNone/>
-            </a:pPr>
-            <a:r>
-              <a:rPr lang="en-US" sz="900" dirty="0"/>
-              <a:t>Professional Practice</a:t>
-            </a:r>
-            <a:br>
-              <a:rPr lang="en-US" sz="900" dirty="0"/>
-            </a:br>
-            <a:endParaRPr sz="900" dirty="0"/>
-          </a:p>
-        </p:txBody>
-      </p:sp>
-    </p:spTree>
-    <p:extLst>
-      <p:ext uri="{BB962C8B-B14F-4D97-AF65-F5344CB8AC3E}">
-        <p14:creationId xmlns:p14="http://schemas.microsoft.com/office/powerpoint/2010/main" val="2263231173"/>
-      </p:ext>
-    </p:extLst>
   </p:cSld>
   <p:clrMapOvr>
     <a:masterClrMapping/>
@@ -23239,7 +23769,7 @@
             </a:r>
             <a:r>
               <a:rPr lang="en-NL" dirty="0"/>
-              <a:t>5</a:t>
+              <a:t>1</a:t>
             </a:r>
             <a:endParaRPr dirty="0"/>
           </a:p>
@@ -23281,7 +23811,7 @@
             </a:pPr>
             <a:r>
               <a:rPr lang="en-GB" dirty="0"/>
-              <a:t>Communicates productively while effectively adjusting to varied communication styles and intercultural differences in team work.	</a:t>
+              <a:t>Creates and updates plans to work effectively based on agreed upon priorities with consideration of dependencies and risk, using sound estimates to achieve short and long-term project goals.	</a:t>
             </a:r>
             <a:endParaRPr dirty="0"/>
           </a:p>
@@ -23333,11 +23863,6 @@
         </p:txBody>
       </p:sp>
     </p:spTree>
-    <p:extLst>
-      <p:ext uri="{BB962C8B-B14F-4D97-AF65-F5344CB8AC3E}">
-        <p14:creationId xmlns:p14="http://schemas.microsoft.com/office/powerpoint/2010/main" val="4028970839"/>
-      </p:ext>
-    </p:extLst>
   </p:cSld>
   <p:clrMapOvr>
     <a:masterClrMapping/>
@@ -23679,54 +24204,6 @@
             </a:pPr>
             <a:r>
               <a:rPr lang="en" sz="1200" b="1" u="sng" dirty="0"/>
-              <a:t>Section B - ILO’s		</a:t>
-            </a:r>
-            <a:r>
-              <a:rPr lang="en" i="1" dirty="0"/>
-              <a:t>Must be completed in </a:t>
-            </a:r>
-            <a:r>
-              <a:rPr lang="en" i="1" u="sng" dirty="0"/>
-              <a:t>week 8</a:t>
-            </a:r>
-            <a:r>
-              <a:rPr lang="en" i="1" dirty="0"/>
-              <a:t>, but should be updated </a:t>
-            </a:r>
-            <a:r>
-              <a:rPr lang="en" i="1" u="sng" dirty="0"/>
-              <a:t>regularly</a:t>
-            </a:r>
-            <a:endParaRPr i="1" u="sng" dirty="0"/>
-          </a:p>
-          <a:p>
-            <a:pPr marL="0" lvl="0" indent="0" algn="l" rtl="0">
-              <a:spcBef>
-                <a:spcPts val="800"/>
-              </a:spcBef>
-              <a:spcAft>
-                <a:spcPts val="0"/>
-              </a:spcAft>
-              <a:buNone/>
-            </a:pPr>
-            <a:r>
-              <a:rPr lang="en" dirty="0"/>
-              <a:t>This is where you link your evidence to each of the Intended Learning Outcomes of this block.</a:t>
-            </a:r>
-            <a:endParaRPr dirty="0"/>
-          </a:p>
-          <a:p>
-            <a:pPr marL="0" lvl="0" indent="0" algn="l" rtl="0">
-              <a:spcBef>
-                <a:spcPts val="800"/>
-              </a:spcBef>
-              <a:spcAft>
-                <a:spcPts val="0"/>
-              </a:spcAft>
-              <a:buNone/>
-            </a:pPr>
-            <a:r>
-              <a:rPr lang="en" sz="1200" b="1" u="sng" dirty="0"/>
               <a:t>Section B - Weekly Log	</a:t>
             </a:r>
             <a:r>
@@ -23788,18 +24265,78 @@
             <a:endParaRPr dirty="0"/>
           </a:p>
           <a:p>
-            <a:pPr marL="0" lvl="0" indent="0" algn="l" rtl="0">
+            <a:pPr marL="0" indent="0">
               <a:spcBef>
                 <a:spcPts val="800"/>
               </a:spcBef>
-              <a:spcAft>
-                <a:spcPts val="0"/>
-              </a:spcAft>
+              <a:buNone/>
+            </a:pPr>
+            <a:r>
+              <a:rPr lang="en" sz="1200" b="1" u="sng" dirty="0">
+                <a:latin typeface="Segoe UI"/>
+                <a:cs typeface="Segoe UI"/>
+              </a:rPr>
+              <a:t>Section C - ILO’s </a:t>
+            </a:r>
+            <a:r>
+              <a:rPr lang="en" i="1" dirty="0">
+                <a:latin typeface="Segoe UI"/>
+                <a:cs typeface="Segoe UI"/>
+              </a:rPr>
+              <a:t>Must be completed in </a:t>
+            </a:r>
+            <a:r>
+              <a:rPr lang="en" i="1" u="sng" dirty="0">
+                <a:latin typeface="Segoe UI"/>
+                <a:cs typeface="Segoe UI"/>
+              </a:rPr>
+              <a:t>week 8</a:t>
+            </a:r>
+            <a:r>
+              <a:rPr lang="en" i="1" dirty="0">
+                <a:latin typeface="Segoe UI"/>
+                <a:cs typeface="Segoe UI"/>
+              </a:rPr>
+              <a:t>, but should be updated </a:t>
+            </a:r>
+            <a:r>
+              <a:rPr lang="en" i="1" u="sng" dirty="0">
+                <a:latin typeface="Segoe UI"/>
+                <a:cs typeface="Segoe UI"/>
+              </a:rPr>
+              <a:t>regularly</a:t>
+            </a:r>
+            <a:endParaRPr lang="en-US" dirty="0">
+              <a:latin typeface="Segoe UI"/>
+              <a:cs typeface="Segoe UI"/>
+            </a:endParaRPr>
+          </a:p>
+          <a:p>
+            <a:pPr marL="0" indent="0">
+              <a:spcBef>
+                <a:spcPts val="800"/>
+              </a:spcBef>
+              <a:buNone/>
+            </a:pPr>
+            <a:r>
+              <a:rPr lang="en" dirty="0">
+                <a:latin typeface="Segoe UI"/>
+                <a:cs typeface="Segoe UI"/>
+              </a:rPr>
+              <a:t>This is where you link your evidence to each of the Intended Learning Outcomes of this block.</a:t>
+            </a:r>
+            <a:endParaRPr lang="en" dirty="0"/>
+          </a:p>
+          <a:p>
+            <a:pPr marL="0" indent="0">
+              <a:spcBef>
+                <a:spcPts val="800"/>
+              </a:spcBef>
               <a:buNone/>
             </a:pPr>
             <a:r>
               <a:rPr lang="en" sz="1200" b="1" u="sng" dirty="0"/>
-              <a:t>Section C - Reflection	</a:t>
+              <a:t>Section D - Reflection	</a:t>
             </a:r>
             <a:r>
               <a:rPr lang="en" i="1" dirty="0"/>
@@ -24107,6 +24644,758 @@
             </a:r>
             <a:r>
               <a:rPr lang="en-NL" dirty="0"/>
+              <a:t>4</a:t>
+            </a:r>
+            <a:endParaRPr dirty="0"/>
+          </a:p>
+        </p:txBody>
+      </p:sp>
+      <p:sp>
+        <p:nvSpPr>
+          <p:cNvPr id="398" name="Google Shape;398;p42"/>
+          <p:cNvSpPr txBox="1">
+            <a:spLocks noGrp="1"/>
+          </p:cNvSpPr>
+          <p:nvPr>
+            <p:ph type="title" idx="5"/>
+          </p:nvPr>
+        </p:nvSpPr>
+        <p:spPr>
+          <a:xfrm>
+            <a:off x="845550" y="576000"/>
+            <a:ext cx="7315200" cy="493800"/>
+          </a:xfrm>
+          <a:prstGeom prst="rect">
+            <a:avLst/>
+          </a:prstGeom>
+        </p:spPr>
+        <p:txBody>
+          <a:bodyPr spcFirstLastPara="1" wrap="square" lIns="91425" tIns="91425" rIns="91425" bIns="91425" anchor="ctr" anchorCtr="0">
+            <a:noAutofit/>
+          </a:bodyPr>
+          <a:lstStyle/>
+          <a:p>
+            <a:pPr marL="0" lvl="0" indent="0" algn="l" rtl="0">
+              <a:spcBef>
+                <a:spcPts val="0"/>
+              </a:spcBef>
+              <a:spcAft>
+                <a:spcPts val="0"/>
+              </a:spcAft>
+              <a:buNone/>
+            </a:pPr>
+            <a:r>
+              <a:rPr lang="en-GB" dirty="0"/>
+              <a:t>Regularly and objectively reviews progress on project and team goals and processes, reflecting on the strengths and weaknesses through project and peer reviews.	</a:t>
+            </a:r>
+            <a:endParaRPr dirty="0"/>
+          </a:p>
+        </p:txBody>
+      </p:sp>
+      <p:sp>
+        <p:nvSpPr>
+          <p:cNvPr id="399" name="Google Shape;399;p42"/>
+          <p:cNvSpPr txBox="1">
+            <a:spLocks noGrp="1"/>
+          </p:cNvSpPr>
+          <p:nvPr>
+            <p:ph type="title" idx="6"/>
+          </p:nvPr>
+        </p:nvSpPr>
+        <p:spPr>
+          <a:xfrm>
+            <a:off x="845550" y="0"/>
+            <a:ext cx="1368600" cy="576000"/>
+          </a:xfrm>
+          <a:prstGeom prst="rect">
+            <a:avLst/>
+          </a:prstGeom>
+        </p:spPr>
+        <p:txBody>
+          <a:bodyPr spcFirstLastPara="1" wrap="square" lIns="91425" tIns="91425" rIns="91425" bIns="91425" anchor="ctr" anchorCtr="0">
+            <a:noAutofit/>
+          </a:bodyPr>
+          <a:lstStyle/>
+          <a:p>
+            <a:pPr marL="0" lvl="0" indent="0" algn="l" rtl="0">
+              <a:spcBef>
+                <a:spcPts val="0"/>
+              </a:spcBef>
+              <a:spcAft>
+                <a:spcPts val="0"/>
+              </a:spcAft>
+              <a:buNone/>
+            </a:pPr>
+            <a:r>
+              <a:rPr lang="en-US" sz="900" dirty="0"/>
+              <a:t>Professional Practice</a:t>
+            </a:r>
+            <a:br>
+              <a:rPr lang="en-US" sz="900" dirty="0"/>
+            </a:br>
+            <a:endParaRPr sz="900" dirty="0"/>
+          </a:p>
+        </p:txBody>
+      </p:sp>
+    </p:spTree>
+    <p:extLst>
+      <p:ext uri="{BB962C8B-B14F-4D97-AF65-F5344CB8AC3E}">
+        <p14:creationId xmlns:p14="http://schemas.microsoft.com/office/powerpoint/2010/main" val="2263231173"/>
+      </p:ext>
+    </p:extLst>
+  </p:cSld>
+  <p:clrMapOvr>
+    <a:masterClrMapping/>
+  </p:clrMapOvr>
+</p:sld>
+</file>
+
+<file path=ppt/slides/slide31.xml><?xml version="1.0" encoding="utf-8"?>
+<p:sld xmlns:a="http://schemas.openxmlformats.org/drawingml/2006/main" xmlns:r="http://schemas.openxmlformats.org/officeDocument/2006/relationships" xmlns:p="http://schemas.openxmlformats.org/presentationml/2006/main">
+  <p:cSld>
+    <p:spTree>
+      <p:nvGrpSpPr>
+        <p:cNvPr id="1" name="Shape 392"/>
+        <p:cNvGrpSpPr/>
+        <p:nvPr/>
+      </p:nvGrpSpPr>
+      <p:grpSpPr>
+        <a:xfrm>
+          <a:off x="0" y="0"/>
+          <a:ext cx="0" cy="0"/>
+          <a:chOff x="0" y="0"/>
+          <a:chExt cx="0" cy="0"/>
+        </a:xfrm>
+      </p:grpSpPr>
+      <p:sp>
+        <p:nvSpPr>
+          <p:cNvPr id="393" name="Google Shape;393;p42"/>
+          <p:cNvSpPr txBox="1">
+            <a:spLocks noGrp="1"/>
+          </p:cNvSpPr>
+          <p:nvPr>
+            <p:ph type="title"/>
+          </p:nvPr>
+        </p:nvSpPr>
+        <p:spPr>
+          <a:xfrm>
+            <a:off x="68250" y="0"/>
+            <a:ext cx="777300" cy="576000"/>
+          </a:xfrm>
+          <a:prstGeom prst="rect">
+            <a:avLst/>
+          </a:prstGeom>
+        </p:spPr>
+        <p:txBody>
+          <a:bodyPr spcFirstLastPara="1" wrap="square" lIns="91425" tIns="91425" rIns="91425" bIns="91425" anchor="ctr" anchorCtr="0">
+            <a:noAutofit/>
+          </a:bodyPr>
+          <a:lstStyle/>
+          <a:p>
+            <a:pPr marL="0" lvl="0" indent="0" algn="l" rtl="0">
+              <a:spcBef>
+                <a:spcPts val="0"/>
+              </a:spcBef>
+              <a:spcAft>
+                <a:spcPts val="0"/>
+              </a:spcAft>
+              <a:buNone/>
+            </a:pPr>
+            <a:r>
+              <a:rPr lang="en"/>
+              <a:t>ILO 1</a:t>
+            </a:r>
+            <a:endParaRPr/>
+          </a:p>
+        </p:txBody>
+      </p:sp>
+      <p:sp>
+        <p:nvSpPr>
+          <p:cNvPr id="394" name="Google Shape;394;p42"/>
+          <p:cNvSpPr txBox="1">
+            <a:spLocks noGrp="1"/>
+          </p:cNvSpPr>
+          <p:nvPr>
+            <p:ph type="title" idx="2"/>
+          </p:nvPr>
+        </p:nvSpPr>
+        <p:spPr>
+          <a:xfrm>
+            <a:off x="7068300" y="0"/>
+            <a:ext cx="1984200" cy="576000"/>
+          </a:xfrm>
+          <a:prstGeom prst="rect">
+            <a:avLst/>
+          </a:prstGeom>
+        </p:spPr>
+        <p:txBody>
+          <a:bodyPr spcFirstLastPara="1" wrap="square" lIns="91425" tIns="91425" rIns="91425" bIns="91425" anchor="b" anchorCtr="0">
+            <a:noAutofit/>
+          </a:bodyPr>
+          <a:lstStyle/>
+          <a:p>
+            <a:pPr marL="0" lvl="0" indent="0" algn="r" rtl="0">
+              <a:spcBef>
+                <a:spcPts val="0"/>
+              </a:spcBef>
+              <a:spcAft>
+                <a:spcPts val="0"/>
+              </a:spcAft>
+              <a:buNone/>
+            </a:pPr>
+            <a:r>
+              <a:rPr lang="en"/>
+              <a:t>3/4</a:t>
+            </a:r>
+            <a:endParaRPr/>
+          </a:p>
+        </p:txBody>
+      </p:sp>
+      <p:sp>
+        <p:nvSpPr>
+          <p:cNvPr id="395" name="Google Shape;395;p42"/>
+          <p:cNvSpPr txBox="1">
+            <a:spLocks noGrp="1"/>
+          </p:cNvSpPr>
+          <p:nvPr>
+            <p:ph type="body" idx="1"/>
+          </p:nvPr>
+        </p:nvSpPr>
+        <p:spPr>
+          <a:xfrm>
+            <a:off x="182880" y="1069848"/>
+            <a:ext cx="5486400" cy="3895200"/>
+          </a:xfrm>
+          <a:prstGeom prst="rect">
+            <a:avLst/>
+          </a:prstGeom>
+        </p:spPr>
+        <p:txBody>
+          <a:bodyPr spcFirstLastPara="1" wrap="square" lIns="91425" tIns="91425" rIns="91425" bIns="91425" anchor="t" anchorCtr="0">
+            <a:noAutofit/>
+          </a:bodyPr>
+          <a:lstStyle/>
+          <a:p>
+            <a:pPr marL="0" lvl="0" indent="0" algn="l" rtl="0">
+              <a:lnSpc>
+                <a:spcPct val="115000"/>
+              </a:lnSpc>
+              <a:spcBef>
+                <a:spcPts val="0"/>
+              </a:spcBef>
+              <a:spcAft>
+                <a:spcPts val="0"/>
+              </a:spcAft>
+              <a:buNone/>
+            </a:pPr>
+            <a:r>
+              <a:rPr lang="en" sz="900" i="1">
+                <a:solidFill>
+                  <a:schemeClr val="lt1"/>
+                </a:solidFill>
+                <a:latin typeface="Helvetica Neue"/>
+                <a:ea typeface="Helvetica Neue"/>
+                <a:cs typeface="Helvetica Neue"/>
+                <a:sym typeface="Helvetica Neue"/>
+              </a:rPr>
+              <a:t>Show your best examples, do not go overboard, add in short description, you are free to alter this layout (or add slides per evidence) to suit your needs. Just be sure that it is clear.</a:t>
+            </a:r>
+            <a:endParaRPr sz="900">
+              <a:solidFill>
+                <a:schemeClr val="lt1"/>
+              </a:solidFill>
+            </a:endParaRPr>
+          </a:p>
+          <a:p>
+            <a:pPr marL="0" lvl="0" indent="0" algn="l" rtl="0">
+              <a:lnSpc>
+                <a:spcPct val="115000"/>
+              </a:lnSpc>
+              <a:spcBef>
+                <a:spcPts val="0"/>
+              </a:spcBef>
+              <a:spcAft>
+                <a:spcPts val="0"/>
+              </a:spcAft>
+              <a:buNone/>
+            </a:pPr>
+            <a:endParaRPr sz="700" i="1">
+              <a:solidFill>
+                <a:schemeClr val="lt1"/>
+              </a:solidFill>
+              <a:latin typeface="Helvetica Neue"/>
+              <a:ea typeface="Helvetica Neue"/>
+              <a:cs typeface="Helvetica Neue"/>
+              <a:sym typeface="Helvetica Neue"/>
+            </a:endParaRPr>
+          </a:p>
+        </p:txBody>
+      </p:sp>
+      <p:sp>
+        <p:nvSpPr>
+          <p:cNvPr id="396" name="Google Shape;396;p42"/>
+          <p:cNvSpPr txBox="1">
+            <a:spLocks noGrp="1"/>
+          </p:cNvSpPr>
+          <p:nvPr>
+            <p:ph type="title" idx="3"/>
+          </p:nvPr>
+        </p:nvSpPr>
+        <p:spPr>
+          <a:xfrm>
+            <a:off x="2049462" y="0"/>
+            <a:ext cx="4206300" cy="576000"/>
+          </a:xfrm>
+          <a:prstGeom prst="rect">
+            <a:avLst/>
+          </a:prstGeom>
+        </p:spPr>
+        <p:txBody>
+          <a:bodyPr spcFirstLastPara="1" wrap="square" lIns="91425" tIns="91425" rIns="91425" bIns="91425" anchor="ctr" anchorCtr="0">
+            <a:noAutofit/>
+          </a:bodyPr>
+          <a:lstStyle/>
+          <a:p>
+            <a:pPr marL="0" lvl="0" indent="0" algn="l" rtl="0">
+              <a:spcBef>
+                <a:spcPts val="0"/>
+              </a:spcBef>
+              <a:spcAft>
+                <a:spcPts val="0"/>
+              </a:spcAft>
+              <a:buNone/>
+            </a:pPr>
+            <a:r>
+              <a:rPr lang="en-GB" dirty="0"/>
+              <a:t>Demonstrates professional </a:t>
+            </a:r>
+            <a:r>
+              <a:rPr lang="en-GB" dirty="0" err="1"/>
+              <a:t>behavior</a:t>
+            </a:r>
+            <a:r>
+              <a:rPr lang="en-GB" dirty="0"/>
+              <a:t> as well as accountability and ethics in the application of industry best practices for planning, communication, collaboration, and responsible execution of work assignments,.</a:t>
+            </a:r>
+          </a:p>
+        </p:txBody>
+      </p:sp>
+      <p:sp>
+        <p:nvSpPr>
+          <p:cNvPr id="397" name="Google Shape;397;p42"/>
+          <p:cNvSpPr txBox="1">
+            <a:spLocks noGrp="1"/>
+          </p:cNvSpPr>
+          <p:nvPr>
+            <p:ph type="title" idx="4"/>
+          </p:nvPr>
+        </p:nvSpPr>
+        <p:spPr>
+          <a:xfrm>
+            <a:off x="68250" y="576000"/>
+            <a:ext cx="839700" cy="493800"/>
+          </a:xfrm>
+          <a:prstGeom prst="rect">
+            <a:avLst/>
+          </a:prstGeom>
+        </p:spPr>
+        <p:txBody>
+          <a:bodyPr spcFirstLastPara="1" wrap="square" lIns="91425" tIns="91425" rIns="91425" bIns="91425" anchor="ctr" anchorCtr="0">
+            <a:noAutofit/>
+          </a:bodyPr>
+          <a:lstStyle/>
+          <a:p>
+            <a:pPr marL="0" lvl="0" indent="0" algn="l" rtl="0">
+              <a:spcBef>
+                <a:spcPts val="0"/>
+              </a:spcBef>
+              <a:spcAft>
+                <a:spcPts val="0"/>
+              </a:spcAft>
+              <a:buNone/>
+            </a:pPr>
+            <a:r>
+              <a:rPr lang="en" dirty="0"/>
+              <a:t>1.</a:t>
+            </a:r>
+            <a:r>
+              <a:rPr lang="en-NL" dirty="0"/>
+              <a:t>5</a:t>
+            </a:r>
+            <a:endParaRPr dirty="0"/>
+          </a:p>
+        </p:txBody>
+      </p:sp>
+      <p:sp>
+        <p:nvSpPr>
+          <p:cNvPr id="398" name="Google Shape;398;p42"/>
+          <p:cNvSpPr txBox="1">
+            <a:spLocks noGrp="1"/>
+          </p:cNvSpPr>
+          <p:nvPr>
+            <p:ph type="title" idx="5"/>
+          </p:nvPr>
+        </p:nvSpPr>
+        <p:spPr>
+          <a:xfrm>
+            <a:off x="845550" y="576000"/>
+            <a:ext cx="7315200" cy="493800"/>
+          </a:xfrm>
+          <a:prstGeom prst="rect">
+            <a:avLst/>
+          </a:prstGeom>
+        </p:spPr>
+        <p:txBody>
+          <a:bodyPr spcFirstLastPara="1" wrap="square" lIns="91425" tIns="91425" rIns="91425" bIns="91425" anchor="ctr" anchorCtr="0">
+            <a:noAutofit/>
+          </a:bodyPr>
+          <a:lstStyle/>
+          <a:p>
+            <a:pPr marL="0" lvl="0" indent="0" algn="l" rtl="0">
+              <a:spcBef>
+                <a:spcPts val="0"/>
+              </a:spcBef>
+              <a:spcAft>
+                <a:spcPts val="0"/>
+              </a:spcAft>
+              <a:buNone/>
+            </a:pPr>
+            <a:r>
+              <a:rPr lang="en-GB" dirty="0"/>
+              <a:t>Communicates productively while effectively adjusting to varied communication styles and intercultural differences in team work.	</a:t>
+            </a:r>
+            <a:endParaRPr dirty="0"/>
+          </a:p>
+        </p:txBody>
+      </p:sp>
+      <p:sp>
+        <p:nvSpPr>
+          <p:cNvPr id="399" name="Google Shape;399;p42"/>
+          <p:cNvSpPr txBox="1">
+            <a:spLocks noGrp="1"/>
+          </p:cNvSpPr>
+          <p:nvPr>
+            <p:ph type="title" idx="6"/>
+          </p:nvPr>
+        </p:nvSpPr>
+        <p:spPr>
+          <a:xfrm>
+            <a:off x="845550" y="0"/>
+            <a:ext cx="1368600" cy="576000"/>
+          </a:xfrm>
+          <a:prstGeom prst="rect">
+            <a:avLst/>
+          </a:prstGeom>
+        </p:spPr>
+        <p:txBody>
+          <a:bodyPr spcFirstLastPara="1" wrap="square" lIns="91425" tIns="91425" rIns="91425" bIns="91425" anchor="ctr" anchorCtr="0">
+            <a:noAutofit/>
+          </a:bodyPr>
+          <a:lstStyle/>
+          <a:p>
+            <a:pPr marL="0" lvl="0" indent="0" algn="l" rtl="0">
+              <a:spcBef>
+                <a:spcPts val="0"/>
+              </a:spcBef>
+              <a:spcAft>
+                <a:spcPts val="0"/>
+              </a:spcAft>
+              <a:buNone/>
+            </a:pPr>
+            <a:r>
+              <a:rPr lang="en-US" sz="900" dirty="0"/>
+              <a:t>Professional Practice</a:t>
+            </a:r>
+            <a:br>
+              <a:rPr lang="en-US" sz="900" dirty="0"/>
+            </a:br>
+            <a:endParaRPr sz="900" dirty="0"/>
+          </a:p>
+        </p:txBody>
+      </p:sp>
+    </p:spTree>
+    <p:extLst>
+      <p:ext uri="{BB962C8B-B14F-4D97-AF65-F5344CB8AC3E}">
+        <p14:creationId xmlns:p14="http://schemas.microsoft.com/office/powerpoint/2010/main" val="4028970839"/>
+      </p:ext>
+    </p:extLst>
+  </p:cSld>
+  <p:clrMapOvr>
+    <a:masterClrMapping/>
+  </p:clrMapOvr>
+</p:sld>
+</file>
+
+<file path=ppt/slides/slide32.xml><?xml version="1.0" encoding="utf-8"?>
+<p:sld xmlns:a="http://schemas.openxmlformats.org/drawingml/2006/main" xmlns:r="http://schemas.openxmlformats.org/officeDocument/2006/relationships" xmlns:p="http://schemas.openxmlformats.org/presentationml/2006/main">
+  <p:cSld>
+    <p:spTree>
+      <p:nvGrpSpPr>
+        <p:cNvPr id="1" name="Shape 392"/>
+        <p:cNvGrpSpPr/>
+        <p:nvPr/>
+      </p:nvGrpSpPr>
+      <p:grpSpPr>
+        <a:xfrm>
+          <a:off x="0" y="0"/>
+          <a:ext cx="0" cy="0"/>
+          <a:chOff x="0" y="0"/>
+          <a:chExt cx="0" cy="0"/>
+        </a:xfrm>
+      </p:grpSpPr>
+      <p:sp>
+        <p:nvSpPr>
+          <p:cNvPr id="393" name="Google Shape;393;p42"/>
+          <p:cNvSpPr txBox="1">
+            <a:spLocks noGrp="1"/>
+          </p:cNvSpPr>
+          <p:nvPr>
+            <p:ph type="title"/>
+          </p:nvPr>
+        </p:nvSpPr>
+        <p:spPr>
+          <a:xfrm>
+            <a:off x="68250" y="0"/>
+            <a:ext cx="777300" cy="576000"/>
+          </a:xfrm>
+          <a:prstGeom prst="rect">
+            <a:avLst/>
+          </a:prstGeom>
+        </p:spPr>
+        <p:txBody>
+          <a:bodyPr spcFirstLastPara="1" wrap="square" lIns="91425" tIns="91425" rIns="91425" bIns="91425" anchor="ctr" anchorCtr="0">
+            <a:noAutofit/>
+          </a:bodyPr>
+          <a:lstStyle/>
+          <a:p>
+            <a:pPr marL="0" lvl="0" indent="0" algn="l" rtl="0">
+              <a:spcBef>
+                <a:spcPts val="0"/>
+              </a:spcBef>
+              <a:spcAft>
+                <a:spcPts val="0"/>
+              </a:spcAft>
+              <a:buNone/>
+            </a:pPr>
+            <a:r>
+              <a:rPr lang="en"/>
+              <a:t>ILO 1</a:t>
+            </a:r>
+            <a:endParaRPr/>
+          </a:p>
+        </p:txBody>
+      </p:sp>
+      <p:sp>
+        <p:nvSpPr>
+          <p:cNvPr id="394" name="Google Shape;394;p42"/>
+          <p:cNvSpPr txBox="1">
+            <a:spLocks noGrp="1"/>
+          </p:cNvSpPr>
+          <p:nvPr>
+            <p:ph type="title" idx="2"/>
+          </p:nvPr>
+        </p:nvSpPr>
+        <p:spPr>
+          <a:xfrm>
+            <a:off x="7068300" y="0"/>
+            <a:ext cx="1984200" cy="576000"/>
+          </a:xfrm>
+          <a:prstGeom prst="rect">
+            <a:avLst/>
+          </a:prstGeom>
+        </p:spPr>
+        <p:txBody>
+          <a:bodyPr spcFirstLastPara="1" wrap="square" lIns="91425" tIns="91425" rIns="91425" bIns="91425" anchor="b" anchorCtr="0">
+            <a:noAutofit/>
+          </a:bodyPr>
+          <a:lstStyle/>
+          <a:p>
+            <a:pPr marL="0" lvl="0" indent="0" algn="r" rtl="0">
+              <a:spcBef>
+                <a:spcPts val="0"/>
+              </a:spcBef>
+              <a:spcAft>
+                <a:spcPts val="0"/>
+              </a:spcAft>
+              <a:buNone/>
+            </a:pPr>
+            <a:r>
+              <a:rPr lang="en"/>
+              <a:t>3/4</a:t>
+            </a:r>
+            <a:endParaRPr/>
+          </a:p>
+        </p:txBody>
+      </p:sp>
+      <p:sp>
+        <p:nvSpPr>
+          <p:cNvPr id="395" name="Google Shape;395;p42"/>
+          <p:cNvSpPr txBox="1">
+            <a:spLocks noGrp="1"/>
+          </p:cNvSpPr>
+          <p:nvPr>
+            <p:ph type="body" idx="1"/>
+          </p:nvPr>
+        </p:nvSpPr>
+        <p:spPr>
+          <a:xfrm>
+            <a:off x="182880" y="1069848"/>
+            <a:ext cx="5486400" cy="3895200"/>
+          </a:xfrm>
+          <a:prstGeom prst="rect">
+            <a:avLst/>
+          </a:prstGeom>
+        </p:spPr>
+        <p:txBody>
+          <a:bodyPr spcFirstLastPara="1" wrap="square" lIns="91425" tIns="91425" rIns="91425" bIns="91425" anchor="t" anchorCtr="0">
+            <a:noAutofit/>
+          </a:bodyPr>
+          <a:lstStyle/>
+          <a:p>
+            <a:pPr marL="0" lvl="0" indent="0" algn="l" rtl="0">
+              <a:lnSpc>
+                <a:spcPct val="115000"/>
+              </a:lnSpc>
+              <a:spcBef>
+                <a:spcPts val="0"/>
+              </a:spcBef>
+              <a:spcAft>
+                <a:spcPts val="0"/>
+              </a:spcAft>
+              <a:buNone/>
+            </a:pPr>
+            <a:r>
+              <a:rPr lang="en" sz="900" i="1">
+                <a:solidFill>
+                  <a:schemeClr val="lt1"/>
+                </a:solidFill>
+                <a:latin typeface="Helvetica Neue"/>
+                <a:ea typeface="Helvetica Neue"/>
+                <a:cs typeface="Helvetica Neue"/>
+                <a:sym typeface="Helvetica Neue"/>
+              </a:rPr>
+              <a:t>Show your best examples, do not go overboard, add in short description, you are free to alter this layout (or add slides per evidence) to suit your needs. Just be sure that it is clear.</a:t>
+            </a:r>
+            <a:endParaRPr sz="900">
+              <a:solidFill>
+                <a:schemeClr val="lt1"/>
+              </a:solidFill>
+            </a:endParaRPr>
+          </a:p>
+          <a:p>
+            <a:pPr marL="0" lvl="0" indent="0" algn="l" rtl="0">
+              <a:lnSpc>
+                <a:spcPct val="115000"/>
+              </a:lnSpc>
+              <a:spcBef>
+                <a:spcPts val="0"/>
+              </a:spcBef>
+              <a:spcAft>
+                <a:spcPts val="0"/>
+              </a:spcAft>
+              <a:buNone/>
+            </a:pPr>
+            <a:endParaRPr sz="700" i="1">
+              <a:solidFill>
+                <a:schemeClr val="lt1"/>
+              </a:solidFill>
+              <a:latin typeface="Helvetica Neue"/>
+              <a:ea typeface="Helvetica Neue"/>
+              <a:cs typeface="Helvetica Neue"/>
+              <a:sym typeface="Helvetica Neue"/>
+            </a:endParaRPr>
+          </a:p>
+        </p:txBody>
+      </p:sp>
+      <p:sp>
+        <p:nvSpPr>
+          <p:cNvPr id="396" name="Google Shape;396;p42"/>
+          <p:cNvSpPr txBox="1">
+            <a:spLocks noGrp="1"/>
+          </p:cNvSpPr>
+          <p:nvPr>
+            <p:ph type="title" idx="3"/>
+          </p:nvPr>
+        </p:nvSpPr>
+        <p:spPr>
+          <a:xfrm>
+            <a:off x="2049462" y="0"/>
+            <a:ext cx="4206300" cy="576000"/>
+          </a:xfrm>
+          <a:prstGeom prst="rect">
+            <a:avLst/>
+          </a:prstGeom>
+        </p:spPr>
+        <p:txBody>
+          <a:bodyPr spcFirstLastPara="1" wrap="square" lIns="91425" tIns="91425" rIns="91425" bIns="91425" anchor="ctr" anchorCtr="0">
+            <a:noAutofit/>
+          </a:bodyPr>
+          <a:lstStyle/>
+          <a:p>
+            <a:pPr marL="0" lvl="0" indent="0" algn="l" rtl="0">
+              <a:spcBef>
+                <a:spcPts val="0"/>
+              </a:spcBef>
+              <a:spcAft>
+                <a:spcPts val="0"/>
+              </a:spcAft>
+              <a:buNone/>
+            </a:pPr>
+            <a:r>
+              <a:rPr lang="en-GB" dirty="0"/>
+              <a:t>Demonstrates professional </a:t>
+            </a:r>
+            <a:r>
+              <a:rPr lang="en-GB" dirty="0" err="1"/>
+              <a:t>behavior</a:t>
+            </a:r>
+            <a:r>
+              <a:rPr lang="en-GB" dirty="0"/>
+              <a:t> as well as accountability and ethics in the application of industry best practices for planning, communication, collaboration, and responsible execution of work assignments,.</a:t>
+            </a:r>
+          </a:p>
+        </p:txBody>
+      </p:sp>
+      <p:sp>
+        <p:nvSpPr>
+          <p:cNvPr id="397" name="Google Shape;397;p42"/>
+          <p:cNvSpPr txBox="1">
+            <a:spLocks noGrp="1"/>
+          </p:cNvSpPr>
+          <p:nvPr>
+            <p:ph type="title" idx="4"/>
+          </p:nvPr>
+        </p:nvSpPr>
+        <p:spPr>
+          <a:xfrm>
+            <a:off x="68250" y="576000"/>
+            <a:ext cx="839700" cy="493800"/>
+          </a:xfrm>
+          <a:prstGeom prst="rect">
+            <a:avLst/>
+          </a:prstGeom>
+        </p:spPr>
+        <p:txBody>
+          <a:bodyPr spcFirstLastPara="1" wrap="square" lIns="91425" tIns="91425" rIns="91425" bIns="91425" anchor="ctr" anchorCtr="0">
+            <a:noAutofit/>
+          </a:bodyPr>
+          <a:lstStyle/>
+          <a:p>
+            <a:pPr marL="0" lvl="0" indent="0" algn="l" rtl="0">
+              <a:spcBef>
+                <a:spcPts val="0"/>
+              </a:spcBef>
+              <a:spcAft>
+                <a:spcPts val="0"/>
+              </a:spcAft>
+              <a:buNone/>
+            </a:pPr>
+            <a:r>
+              <a:rPr lang="en" dirty="0"/>
+              <a:t>1.</a:t>
+            </a:r>
+            <a:r>
+              <a:rPr lang="en-NL" dirty="0"/>
               <a:t>6</a:t>
             </a:r>
             <a:endParaRPr dirty="0"/>
@@ -24213,7 +25502,7 @@
 </p:sld>
 </file>
 
-<file path=ppt/slides/slide31.xml><?xml version="1.0" encoding="utf-8"?>
+<file path=ppt/slides/slide33.xml><?xml version="1.0" encoding="utf-8"?>
 <p:sld xmlns:a="http://schemas.openxmlformats.org/drawingml/2006/main" xmlns:r="http://schemas.openxmlformats.org/officeDocument/2006/relationships" xmlns:p="http://schemas.openxmlformats.org/presentationml/2006/main">
   <p:cSld>
     <p:spTree>
@@ -24446,7 +25735,7 @@
 </p:sld>
 </file>
 
-<file path=ppt/slides/slide32.xml><?xml version="1.0" encoding="utf-8"?>
+<file path=ppt/slides/slide34.xml><?xml version="1.0" encoding="utf-8"?>
 <p:sld xmlns:a="http://schemas.openxmlformats.org/drawingml/2006/main" xmlns:r="http://schemas.openxmlformats.org/officeDocument/2006/relationships" xmlns:p="http://schemas.openxmlformats.org/presentationml/2006/main">
   <p:cSld>
     <p:spTree>
@@ -24768,550 +26057,6 @@
               <a:t>Professional Practice</a:t>
             </a:r>
             <a:endParaRPr/>
-          </a:p>
-        </p:txBody>
-      </p:sp>
-    </p:spTree>
-  </p:cSld>
-  <p:clrMapOvr>
-    <a:masterClrMapping/>
-  </p:clrMapOvr>
-</p:sld>
-</file>
-
-<file path=ppt/slides/slide33.xml><?xml version="1.0" encoding="utf-8"?>
-<p:sld xmlns:a="http://schemas.openxmlformats.org/drawingml/2006/main" xmlns:r="http://schemas.openxmlformats.org/officeDocument/2006/relationships" xmlns:p="http://schemas.openxmlformats.org/presentationml/2006/main">
-  <p:cSld>
-    <p:spTree>
-      <p:nvGrpSpPr>
-        <p:cNvPr id="1" name="Shape 466"/>
-        <p:cNvGrpSpPr/>
-        <p:nvPr/>
-      </p:nvGrpSpPr>
-      <p:grpSpPr>
-        <a:xfrm>
-          <a:off x="0" y="0"/>
-          <a:ext cx="0" cy="0"/>
-          <a:chOff x="0" y="0"/>
-          <a:chExt cx="0" cy="0"/>
-        </a:xfrm>
-      </p:grpSpPr>
-      <p:sp>
-        <p:nvSpPr>
-          <p:cNvPr id="467" name="Google Shape;467;p49"/>
-          <p:cNvSpPr txBox="1">
-            <a:spLocks noGrp="1"/>
-          </p:cNvSpPr>
-          <p:nvPr>
-            <p:ph type="ctrTitle"/>
-          </p:nvPr>
-        </p:nvSpPr>
-        <p:spPr>
-          <a:xfrm>
-            <a:off x="2286000" y="1104139"/>
-            <a:ext cx="6400800" cy="1501800"/>
-          </a:xfrm>
-          <a:prstGeom prst="rect">
-            <a:avLst/>
-          </a:prstGeom>
-        </p:spPr>
-        <p:txBody>
-          <a:bodyPr spcFirstLastPara="1" wrap="square" lIns="91425" tIns="91425" rIns="91425" bIns="91425" anchor="ctr" anchorCtr="0">
-            <a:noAutofit/>
-          </a:bodyPr>
-          <a:lstStyle/>
-          <a:p>
-            <a:pPr marL="0" lvl="0" indent="0" algn="ctr" rtl="0">
-              <a:spcBef>
-                <a:spcPts val="0"/>
-              </a:spcBef>
-              <a:spcAft>
-                <a:spcPts val="0"/>
-              </a:spcAft>
-              <a:buNone/>
-            </a:pPr>
-            <a:r>
-              <a:rPr lang="en"/>
-              <a:t>ILO 3</a:t>
-            </a:r>
-            <a:endParaRPr/>
-          </a:p>
-        </p:txBody>
-      </p:sp>
-      <p:sp>
-        <p:nvSpPr>
-          <p:cNvPr id="468" name="Google Shape;468;p49"/>
-          <p:cNvSpPr txBox="1">
-            <a:spLocks noGrp="1"/>
-          </p:cNvSpPr>
-          <p:nvPr>
-            <p:ph type="subTitle" idx="1"/>
-          </p:nvPr>
-        </p:nvSpPr>
-        <p:spPr>
-          <a:xfrm>
-            <a:off x="2286000" y="2503171"/>
-            <a:ext cx="6400800" cy="685800"/>
-          </a:xfrm>
-          <a:prstGeom prst="rect">
-            <a:avLst/>
-          </a:prstGeom>
-        </p:spPr>
-        <p:txBody>
-          <a:bodyPr spcFirstLastPara="1" wrap="square" lIns="91425" tIns="91425" rIns="91425" bIns="91425" anchor="ctr" anchorCtr="0">
-            <a:noAutofit/>
-          </a:bodyPr>
-          <a:lstStyle/>
-          <a:p>
-            <a:pPr marL="0" lvl="0" indent="0" algn="ctr" rtl="0">
-              <a:spcBef>
-                <a:spcPts val="0"/>
-              </a:spcBef>
-              <a:spcAft>
-                <a:spcPts val="0"/>
-              </a:spcAft>
-              <a:buNone/>
-            </a:pPr>
-            <a:r>
-              <a:rPr lang="en-NL" dirty="0"/>
-              <a:t>Legal</a:t>
-            </a:r>
-            <a:endParaRPr dirty="0"/>
-          </a:p>
-        </p:txBody>
-      </p:sp>
-      <p:sp>
-        <p:nvSpPr>
-          <p:cNvPr id="469" name="Google Shape;469;p49"/>
-          <p:cNvSpPr txBox="1">
-            <a:spLocks noGrp="1"/>
-          </p:cNvSpPr>
-          <p:nvPr>
-            <p:ph type="subTitle" idx="2"/>
-          </p:nvPr>
-        </p:nvSpPr>
-        <p:spPr>
-          <a:xfrm>
-            <a:off x="3200400" y="3353563"/>
-            <a:ext cx="5486400" cy="685800"/>
-          </a:xfrm>
-          <a:prstGeom prst="rect">
-            <a:avLst/>
-          </a:prstGeom>
-        </p:spPr>
-        <p:txBody>
-          <a:bodyPr spcFirstLastPara="1" wrap="square" lIns="91425" tIns="91425" rIns="91425" bIns="91425" anchor="ctr" anchorCtr="0">
-            <a:noAutofit/>
-          </a:bodyPr>
-          <a:lstStyle/>
-          <a:p>
-            <a:pPr marL="0" lvl="0" indent="0" algn="r" rtl="0">
-              <a:spcBef>
-                <a:spcPts val="0"/>
-              </a:spcBef>
-              <a:spcAft>
-                <a:spcPts val="0"/>
-              </a:spcAft>
-              <a:buNone/>
-            </a:pPr>
-            <a:r>
-              <a:rPr lang="en-GB" dirty="0"/>
-              <a:t>The student demonstrates the basic knowledge of legal frameworks governing AI by providing evidence of legal decision-making while working with privacy-sensitive data.</a:t>
-            </a:r>
-            <a:endParaRPr dirty="0"/>
-          </a:p>
-        </p:txBody>
-      </p:sp>
-      <p:sp>
-        <p:nvSpPr>
-          <p:cNvPr id="470" name="Google Shape;470;p49"/>
-          <p:cNvSpPr txBox="1"/>
-          <p:nvPr/>
-        </p:nvSpPr>
-        <p:spPr>
-          <a:xfrm>
-            <a:off x="-420624" y="749808"/>
-            <a:ext cx="3383400" cy="5120700"/>
-          </a:xfrm>
-          <a:prstGeom prst="rect">
-            <a:avLst/>
-          </a:prstGeom>
-          <a:noFill/>
-          <a:ln>
-            <a:noFill/>
-          </a:ln>
-        </p:spPr>
-        <p:txBody>
-          <a:bodyPr spcFirstLastPara="1" wrap="square" lIns="0" tIns="0" rIns="0" bIns="0" anchor="ctr" anchorCtr="0">
-            <a:noAutofit/>
-          </a:bodyPr>
-          <a:lstStyle/>
-          <a:p>
-            <a:pPr marL="0" lvl="0" indent="0" algn="l" rtl="0">
-              <a:spcBef>
-                <a:spcPts val="0"/>
-              </a:spcBef>
-              <a:spcAft>
-                <a:spcPts val="0"/>
-              </a:spcAft>
-              <a:buNone/>
-            </a:pPr>
-            <a:r>
-              <a:rPr lang="en" sz="40000">
-                <a:solidFill>
-                  <a:srgbClr val="999999"/>
-                </a:solidFill>
-                <a:latin typeface="Roboto"/>
-                <a:ea typeface="Roboto"/>
-                <a:cs typeface="Roboto"/>
-                <a:sym typeface="Roboto"/>
-              </a:rPr>
-              <a:t>3</a:t>
-            </a:r>
-            <a:endParaRPr sz="40000">
-              <a:solidFill>
-                <a:srgbClr val="999999"/>
-              </a:solidFill>
-              <a:latin typeface="Roboto"/>
-              <a:ea typeface="Roboto"/>
-              <a:cs typeface="Roboto"/>
-              <a:sym typeface="Roboto"/>
-            </a:endParaRPr>
-          </a:p>
-        </p:txBody>
-      </p:sp>
-    </p:spTree>
-  </p:cSld>
-  <p:clrMapOvr>
-    <a:masterClrMapping/>
-  </p:clrMapOvr>
-</p:sld>
-</file>
-
-<file path=ppt/slides/slide34.xml><?xml version="1.0" encoding="utf-8"?>
-<p:sld xmlns:a="http://schemas.openxmlformats.org/drawingml/2006/main" xmlns:r="http://schemas.openxmlformats.org/officeDocument/2006/relationships" xmlns:p="http://schemas.openxmlformats.org/presentationml/2006/main">
-  <p:cSld>
-    <p:spTree>
-      <p:nvGrpSpPr>
-        <p:cNvPr id="1" name="Shape 474"/>
-        <p:cNvGrpSpPr/>
-        <p:nvPr/>
-      </p:nvGrpSpPr>
-      <p:grpSpPr>
-        <a:xfrm>
-          <a:off x="0" y="0"/>
-          <a:ext cx="0" cy="0"/>
-          <a:chOff x="0" y="0"/>
-          <a:chExt cx="0" cy="0"/>
-        </a:xfrm>
-      </p:grpSpPr>
-      <p:sp>
-        <p:nvSpPr>
-          <p:cNvPr id="475" name="Google Shape;475;p50"/>
-          <p:cNvSpPr txBox="1">
-            <a:spLocks noGrp="1"/>
-          </p:cNvSpPr>
-          <p:nvPr>
-            <p:ph type="title"/>
-          </p:nvPr>
-        </p:nvSpPr>
-        <p:spPr>
-          <a:xfrm>
-            <a:off x="68250" y="0"/>
-            <a:ext cx="777300" cy="576000"/>
-          </a:xfrm>
-          <a:prstGeom prst="rect">
-            <a:avLst/>
-          </a:prstGeom>
-        </p:spPr>
-        <p:txBody>
-          <a:bodyPr spcFirstLastPara="1" wrap="square" lIns="91425" tIns="91425" rIns="91425" bIns="91425" anchor="ctr" anchorCtr="0">
-            <a:noAutofit/>
-          </a:bodyPr>
-          <a:lstStyle/>
-          <a:p>
-            <a:pPr marL="0" lvl="0" indent="0" algn="l" rtl="0">
-              <a:spcBef>
-                <a:spcPts val="0"/>
-              </a:spcBef>
-              <a:spcAft>
-                <a:spcPts val="0"/>
-              </a:spcAft>
-              <a:buNone/>
-            </a:pPr>
-            <a:r>
-              <a:rPr lang="en" dirty="0"/>
-              <a:t>ILO 3</a:t>
-            </a:r>
-            <a:endParaRPr dirty="0"/>
-          </a:p>
-        </p:txBody>
-      </p:sp>
-      <p:sp>
-        <p:nvSpPr>
-          <p:cNvPr id="476" name="Google Shape;476;p50"/>
-          <p:cNvSpPr txBox="1">
-            <a:spLocks noGrp="1"/>
-          </p:cNvSpPr>
-          <p:nvPr>
-            <p:ph type="title" idx="2"/>
-          </p:nvPr>
-        </p:nvSpPr>
-        <p:spPr>
-          <a:xfrm>
-            <a:off x="7068300" y="0"/>
-            <a:ext cx="1984200" cy="576000"/>
-          </a:xfrm>
-          <a:prstGeom prst="rect">
-            <a:avLst/>
-          </a:prstGeom>
-        </p:spPr>
-        <p:txBody>
-          <a:bodyPr spcFirstLastPara="1" wrap="square" lIns="91425" tIns="91425" rIns="91425" bIns="91425" anchor="b" anchorCtr="0">
-            <a:noAutofit/>
-          </a:bodyPr>
-          <a:lstStyle/>
-          <a:p>
-            <a:pPr marL="0" lvl="0" indent="0" algn="r" rtl="0">
-              <a:spcBef>
-                <a:spcPts val="0"/>
-              </a:spcBef>
-              <a:spcAft>
-                <a:spcPts val="0"/>
-              </a:spcAft>
-              <a:buNone/>
-            </a:pPr>
-            <a:r>
-              <a:rPr lang="en"/>
-              <a:t>1/1</a:t>
-            </a:r>
-            <a:endParaRPr/>
-          </a:p>
-        </p:txBody>
-      </p:sp>
-      <p:sp>
-        <p:nvSpPr>
-          <p:cNvPr id="477" name="Google Shape;477;p50"/>
-          <p:cNvSpPr txBox="1">
-            <a:spLocks noGrp="1"/>
-          </p:cNvSpPr>
-          <p:nvPr>
-            <p:ph type="body" idx="1"/>
-          </p:nvPr>
-        </p:nvSpPr>
-        <p:spPr>
-          <a:xfrm>
-            <a:off x="182880" y="1069848"/>
-            <a:ext cx="5486400" cy="3895200"/>
-          </a:xfrm>
-          <a:prstGeom prst="rect">
-            <a:avLst/>
-          </a:prstGeom>
-        </p:spPr>
-        <p:txBody>
-          <a:bodyPr spcFirstLastPara="1" wrap="square" lIns="91425" tIns="91425" rIns="91425" bIns="91425" anchor="t" anchorCtr="0">
-            <a:noAutofit/>
-          </a:bodyPr>
-          <a:lstStyle/>
-          <a:p>
-            <a:pPr marL="0" lvl="0" indent="0" algn="l" rtl="0">
-              <a:lnSpc>
-                <a:spcPct val="115000"/>
-              </a:lnSpc>
-              <a:spcBef>
-                <a:spcPts val="0"/>
-              </a:spcBef>
-              <a:spcAft>
-                <a:spcPts val="0"/>
-              </a:spcAft>
-              <a:buNone/>
-            </a:pPr>
-            <a:r>
-              <a:rPr lang="en" sz="900" i="1" dirty="0">
-                <a:solidFill>
-                  <a:schemeClr val="lt1"/>
-                </a:solidFill>
-                <a:latin typeface="Helvetica Neue"/>
-                <a:ea typeface="Helvetica Neue"/>
-                <a:cs typeface="Helvetica Neue"/>
-                <a:sym typeface="Helvetica Neue"/>
-              </a:rPr>
-              <a:t>Show your best examples, do not go overboard, add in short description, you are free to alter this layout (or add slides per evidence) to suit your needs. Just be sure that it is clear.</a:t>
-            </a:r>
-            <a:endParaRPr sz="900" dirty="0">
-              <a:solidFill>
-                <a:schemeClr val="lt1"/>
-              </a:solidFill>
-            </a:endParaRPr>
-          </a:p>
-          <a:p>
-            <a:pPr marL="0" lvl="0" indent="0" algn="l" rtl="0">
-              <a:lnSpc>
-                <a:spcPct val="115000"/>
-              </a:lnSpc>
-              <a:spcBef>
-                <a:spcPts val="0"/>
-              </a:spcBef>
-              <a:spcAft>
-                <a:spcPts val="0"/>
-              </a:spcAft>
-              <a:buNone/>
-            </a:pPr>
-            <a:endParaRPr sz="700" i="1" dirty="0">
-              <a:solidFill>
-                <a:schemeClr val="lt1"/>
-              </a:solidFill>
-              <a:latin typeface="Helvetica Neue"/>
-              <a:ea typeface="Helvetica Neue"/>
-              <a:cs typeface="Helvetica Neue"/>
-              <a:sym typeface="Helvetica Neue"/>
-            </a:endParaRPr>
-          </a:p>
-        </p:txBody>
-      </p:sp>
-      <p:sp>
-        <p:nvSpPr>
-          <p:cNvPr id="479" name="Google Shape;479;p50"/>
-          <p:cNvSpPr txBox="1">
-            <a:spLocks noGrp="1"/>
-          </p:cNvSpPr>
-          <p:nvPr>
-            <p:ph type="title" idx="4"/>
-          </p:nvPr>
-        </p:nvSpPr>
-        <p:spPr>
-          <a:xfrm>
-            <a:off x="68250" y="576000"/>
-            <a:ext cx="839700" cy="493800"/>
-          </a:xfrm>
-          <a:prstGeom prst="rect">
-            <a:avLst/>
-          </a:prstGeom>
-        </p:spPr>
-        <p:txBody>
-          <a:bodyPr spcFirstLastPara="1" wrap="square" lIns="91425" tIns="91425" rIns="91425" bIns="91425" anchor="ctr" anchorCtr="0">
-            <a:noAutofit/>
-          </a:bodyPr>
-          <a:lstStyle/>
-          <a:p>
-            <a:pPr marL="0" lvl="0" indent="0" algn="l" rtl="0">
-              <a:spcBef>
-                <a:spcPts val="0"/>
-              </a:spcBef>
-              <a:spcAft>
-                <a:spcPts val="0"/>
-              </a:spcAft>
-              <a:buNone/>
-            </a:pPr>
-            <a:r>
-              <a:rPr lang="en">
-                <a:solidFill>
-                  <a:srgbClr val="FFFFFF"/>
-                </a:solidFill>
-              </a:rPr>
-              <a:t>3.1</a:t>
-            </a:r>
-            <a:endParaRPr>
-              <a:solidFill>
-                <a:srgbClr val="FFFFFF"/>
-              </a:solidFill>
-            </a:endParaRPr>
-          </a:p>
-        </p:txBody>
-      </p:sp>
-      <p:sp>
-        <p:nvSpPr>
-          <p:cNvPr id="480" name="Google Shape;480;p50"/>
-          <p:cNvSpPr txBox="1">
-            <a:spLocks noGrp="1"/>
-          </p:cNvSpPr>
-          <p:nvPr>
-            <p:ph type="title" idx="5"/>
-          </p:nvPr>
-        </p:nvSpPr>
-        <p:spPr>
-          <a:xfrm>
-            <a:off x="845550" y="576000"/>
-            <a:ext cx="7315200" cy="493800"/>
-          </a:xfrm>
-          <a:prstGeom prst="rect">
-            <a:avLst/>
-          </a:prstGeom>
-        </p:spPr>
-        <p:txBody>
-          <a:bodyPr spcFirstLastPara="1" wrap="square" lIns="91425" tIns="91425" rIns="91425" bIns="91425" anchor="ctr" anchorCtr="0">
-            <a:noAutofit/>
-          </a:bodyPr>
-          <a:lstStyle/>
-          <a:p>
-            <a:pPr marL="0" lvl="0" indent="0" algn="l" rtl="0">
-              <a:spcBef>
-                <a:spcPts val="0"/>
-              </a:spcBef>
-              <a:spcAft>
-                <a:spcPts val="0"/>
-              </a:spcAft>
-              <a:buNone/>
-            </a:pPr>
-            <a:r>
-              <a:rPr lang="en-GB" dirty="0"/>
-              <a:t> Demonstrates the basic knowledge of legal frameworks governing AI by providing evidence of legal decision-making while working with privacy-sensitive data.</a:t>
-            </a:r>
-            <a:endParaRPr dirty="0"/>
-          </a:p>
-        </p:txBody>
-      </p:sp>
-      <p:sp>
-        <p:nvSpPr>
-          <p:cNvPr id="8" name="Google Shape;459;p48">
-            <a:extLst>
-              <a:ext uri="{FF2B5EF4-FFF2-40B4-BE49-F238E27FC236}">
-                <a16:creationId xmlns:a16="http://schemas.microsoft.com/office/drawing/2014/main" id="{DE8B85CC-86BE-FFBA-5E25-9E5D1318CD48}"/>
-              </a:ext>
-            </a:extLst>
-          </p:cNvPr>
-          <p:cNvSpPr txBox="1">
-            <a:spLocks noGrp="1"/>
-          </p:cNvSpPr>
-          <p:nvPr>
-            <p:ph type="title" idx="3"/>
-          </p:nvPr>
-        </p:nvSpPr>
-        <p:spPr>
-          <a:xfrm>
-            <a:off x="2049462" y="0"/>
-            <a:ext cx="4206300" cy="576000"/>
-          </a:xfrm>
-          <a:prstGeom prst="rect">
-            <a:avLst/>
-          </a:prstGeom>
-        </p:spPr>
-        <p:txBody>
-          <a:bodyPr spcFirstLastPara="1" wrap="square" lIns="91425" tIns="91425" rIns="91425" bIns="91425" anchor="ctr" anchorCtr="0">
-            <a:noAutofit/>
-          </a:bodyPr>
-          <a:lstStyle/>
-          <a:p>
-            <a:pPr marL="0" lvl="0" indent="0" algn="l" rtl="0">
-              <a:spcBef>
-                <a:spcPts val="0"/>
-              </a:spcBef>
-              <a:spcAft>
-                <a:spcPts val="0"/>
-              </a:spcAft>
-              <a:buNone/>
-            </a:pPr>
-            <a:r>
-              <a:rPr lang="en-GB" dirty="0"/>
-              <a:t>Demonstrates self-exploration and personal development, good academic practices in learning how to learn and the acquisition of professional knowledge through research, study, analysis, applied practice, discussion and The student demonstrates the basic knowledge of legal frameworks governing AI by providing evidence of legal decision-making while working with privacy-sensitive data.</a:t>
-            </a:r>
-            <a:br>
-              <a:rPr lang="en-GB" dirty="0"/>
-            </a:br>
-            <a:r>
-              <a:rPr lang="en-GB" dirty="0"/>
-              <a:t>.</a:t>
-            </a:r>
           </a:p>
         </p:txBody>
       </p:sp>
@@ -25376,7 +26121,7 @@
             </a:pPr>
             <a:r>
               <a:rPr lang="en"/>
-              <a:t>ILO 4</a:t>
+              <a:t>ILO 3</a:t>
             </a:r>
             <a:endParaRPr/>
           </a:p>
@@ -25417,16 +26162,8 @@
               <a:buNone/>
             </a:pPr>
             <a:r>
-              <a:rPr lang="en-US" dirty="0"/>
-              <a:t>Business </a:t>
-            </a:r>
-            <a:r>
-              <a:rPr lang="en-US" dirty="0" err="1"/>
-              <a:t>understandin</a:t>
-            </a:r>
-            <a:r>
               <a:rPr lang="en-NL" dirty="0"/>
-              <a:t>g</a:t>
+              <a:t>Legal</a:t>
             </a:r>
             <a:endParaRPr dirty="0"/>
           </a:p>
@@ -25457,20 +26194,12 @@
           </a:bodyPr>
           <a:lstStyle/>
           <a:p>
-            <a:pPr marL="0" lvl="0" indent="0" algn="r" rtl="0">
-              <a:spcBef>
-                <a:spcPts val="0"/>
-              </a:spcBef>
-              <a:spcAft>
-                <a:spcPts val="0"/>
-              </a:spcAft>
-              <a:buNone/>
-            </a:pPr>
+            <a:pPr marL="0" indent="0"/>
             <a:r>
               <a:rPr lang="en-GB" dirty="0"/>
-              <a:t>The student is able to determine business objectives,  and produce a project plan.</a:t>
-            </a:r>
-            <a:endParaRPr dirty="0"/>
+              <a:t>The student demonstrates the basic knowledge of legal and ethical frameworks governing AI by providing evidence of legal and ethical decision-making while working with privacy-sensitive data.</a:t>
+            </a:r>
+            <a:endParaRPr lang="nl-NL" dirty="0"/>
           </a:p>
         </p:txBody>
       </p:sp>
@@ -25518,7 +26247,7 @@
                 <a:cs typeface="Roboto"/>
                 <a:sym typeface="Roboto"/>
               </a:rPr>
-              <a:t>4</a:t>
+              <a:t>3</a:t>
             </a:r>
             <a:endParaRPr sz="40000">
               <a:solidFill>
@@ -25533,11 +26262,6 @@
         </p:txBody>
       </p:sp>
     </p:spTree>
-    <p:extLst>
-      <p:ext uri="{BB962C8B-B14F-4D97-AF65-F5344CB8AC3E}">
-        <p14:creationId xmlns:p14="http://schemas.microsoft.com/office/powerpoint/2010/main" val="4111561620"/>
-      </p:ext>
-    </p:extLst>
   </p:cSld>
   <p:clrMapOvr>
     <a:masterClrMapping/>
@@ -25597,10 +26321,10 @@
               <a:buNone/>
             </a:pPr>
             <a:r>
-              <a:rPr lang="en"/>
-              <a:t>ILO 4</a:t>
-            </a:r>
-            <a:endParaRPr/>
+              <a:rPr lang="en" dirty="0"/>
+              <a:t>ILO 3</a:t>
+            </a:r>
+            <a:endParaRPr dirty="0"/>
           </a:p>
         </p:txBody>
       </p:sp>
@@ -25684,7 +26408,7 @@
               <a:buNone/>
             </a:pPr>
             <a:r>
-              <a:rPr lang="en" sz="900" i="1">
+              <a:rPr lang="en" sz="900" i="1" dirty="0">
                 <a:solidFill>
                   <a:schemeClr val="lt1"/>
                 </a:solidFill>
@@ -25695,7 +26419,7 @@
               </a:rPr>
               <a:t>Show your best examples, do not go overboard, add in short description, you are free to alter this layout (or add slides per evidence) to suit your needs. Just be sure that it is clear.</a:t>
             </a:r>
-            <a:endParaRPr sz="900">
+            <a:endParaRPr sz="900" dirty="0">
               <a:solidFill>
                 <a:schemeClr val="lt1"/>
               </a:solidFill>
@@ -25714,7 +26438,7 @@
               </a:spcAft>
               <a:buNone/>
             </a:pPr>
-            <a:endParaRPr sz="700" i="1">
+            <a:endParaRPr sz="700" i="1" dirty="0">
               <a:solidFill>
                 <a:schemeClr val="lt1"/>
               </a:solidFill>
@@ -25761,16 +26485,12 @@
               <a:buNone/>
             </a:pPr>
             <a:r>
-              <a:rPr lang="en"/>
-              <a:t>4</a:t>
-            </a:r>
-            <a:r>
               <a:rPr lang="en">
                 <a:solidFill>
                   <a:srgbClr val="FFFFFF"/>
                 </a:solidFill>
               </a:rPr>
-              <a:t>.1</a:t>
+              <a:t>3.1</a:t>
             </a:r>
             <a:endParaRPr>
               <a:solidFill>
@@ -25816,7 +26536,7 @@
             </a:pPr>
             <a:r>
               <a:rPr lang="en-GB" dirty="0"/>
-              <a:t>The student is able to show understanding of the business understanding phase by writing a project plan. </a:t>
+              <a:t> Demonstrates the basic knowledge of legal frameworks governing AI by providing evidence of legal decision-making while working with privacy-sensitive data.</a:t>
             </a:r>
             <a:endParaRPr dirty="0"/>
           </a:p>
@@ -25824,10 +26544,10 @@
       </p:sp>
       <p:sp>
         <p:nvSpPr>
-          <p:cNvPr id="7" name="Google Shape;459;p48">
+          <p:cNvPr id="8" name="Google Shape;459;p48">
             <a:extLst>
               <a:ext uri="{FF2B5EF4-FFF2-40B4-BE49-F238E27FC236}">
-                <a16:creationId xmlns:a16="http://schemas.microsoft.com/office/drawing/2014/main" id="{53BB9E1B-97C5-2DA9-6DD8-8B90626EFB7C}"/>
+                <a16:creationId xmlns:a16="http://schemas.microsoft.com/office/drawing/2014/main" id="{DE8B85CC-86BE-FFBA-5E25-9E5D1318CD48}"/>
               </a:ext>
             </a:extLst>
           </p:cNvPr>
@@ -25853,28 +26573,15 @@
           </a:bodyPr>
           <a:lstStyle/>
           <a:p>
-            <a:pPr marL="0" lvl="0" indent="0" algn="l" rtl="0">
-              <a:spcBef>
-                <a:spcPts val="0"/>
-              </a:spcBef>
-              <a:spcAft>
-                <a:spcPts val="0"/>
-              </a:spcAft>
-              <a:buNone/>
-            </a:pPr>
             <a:r>
               <a:rPr lang="en-GB" dirty="0"/>
-              <a:t>The student is able to determine business objectives,  and produce a project plan.</a:t>
-            </a:r>
+              <a:t>The student demonstrates the basic knowledge of legal and ethical frameworks governing AI by providing evidence of legal and ethical decision-making while working with privacy-sensitive data.</a:t>
+            </a:r>
+            <a:endParaRPr lang="nl-NL" dirty="0"/>
           </a:p>
         </p:txBody>
       </p:sp>
     </p:spTree>
-    <p:extLst>
-      <p:ext uri="{BB962C8B-B14F-4D97-AF65-F5344CB8AC3E}">
-        <p14:creationId xmlns:p14="http://schemas.microsoft.com/office/powerpoint/2010/main" val="3889067802"/>
-      </p:ext>
-    </p:extLst>
   </p:cSld>
   <p:clrMapOvr>
     <a:masterClrMapping/>
@@ -25935,7 +26642,7 @@
             </a:pPr>
             <a:r>
               <a:rPr lang="en"/>
-              <a:t>ILO 5</a:t>
+              <a:t>ILO 4</a:t>
             </a:r>
             <a:endParaRPr/>
           </a:p>
@@ -25977,7 +26684,15 @@
             </a:pPr>
             <a:r>
               <a:rPr lang="en-US" dirty="0"/>
-              <a:t>Data Modelling and Evaluation</a:t>
+              <a:t>Business </a:t>
+            </a:r>
+            <a:r>
+              <a:rPr lang="en-US" dirty="0" err="1"/>
+              <a:t>understandin</a:t>
+            </a:r>
+            <a:r>
+              <a:rPr lang="en-NL" dirty="0"/>
+              <a:t>g</a:t>
             </a:r>
             <a:endParaRPr dirty="0"/>
           </a:p>
@@ -26008,20 +26723,12 @@
           </a:bodyPr>
           <a:lstStyle/>
           <a:p>
-            <a:pPr marL="0" lvl="0" indent="0" algn="r" rtl="0">
-              <a:spcBef>
-                <a:spcPts val="0"/>
-              </a:spcBef>
-              <a:spcAft>
-                <a:spcPts val="0"/>
-              </a:spcAft>
-              <a:buNone/>
-            </a:pPr>
+            <a:pPr marL="0" indent="0"/>
             <a:r>
               <a:rPr lang="en-GB" dirty="0"/>
-              <a:t>The student is able to collect, combine, and explore the data. Further, they can assess data quality, and provide recommendations to improve the data management strategy. </a:t>
-            </a:r>
-            <a:endParaRPr dirty="0"/>
+              <a:t>The student is able to determine business objectives, produce a project plan and disseminate project results.</a:t>
+            </a:r>
+            <a:endParaRPr lang="nl-NL" dirty="0"/>
           </a:p>
         </p:txBody>
       </p:sp>
@@ -26069,7 +26776,7 @@
                 <a:cs typeface="Roboto"/>
                 <a:sym typeface="Roboto"/>
               </a:rPr>
-              <a:t>5</a:t>
+              <a:t>4</a:t>
             </a:r>
             <a:endParaRPr sz="40000">
               <a:solidFill>
@@ -26086,7 +26793,7 @@
     </p:spTree>
     <p:extLst>
       <p:ext uri="{BB962C8B-B14F-4D97-AF65-F5344CB8AC3E}">
-        <p14:creationId xmlns:p14="http://schemas.microsoft.com/office/powerpoint/2010/main" val="838485390"/>
+        <p14:creationId xmlns:p14="http://schemas.microsoft.com/office/powerpoint/2010/main" val="4111561620"/>
       </p:ext>
     </p:extLst>
   </p:cSld>
@@ -26149,7 +26856,7 @@
             </a:pPr>
             <a:r>
               <a:rPr lang="en"/>
-              <a:t>ILO 5</a:t>
+              <a:t>ILO 4</a:t>
             </a:r>
             <a:endParaRPr/>
           </a:p>
@@ -26312,12 +27019,16 @@
               <a:buNone/>
             </a:pPr>
             <a:r>
+              <a:rPr lang="en"/>
+              <a:t>4</a:t>
+            </a:r>
+            <a:r>
               <a:rPr lang="en">
                 <a:solidFill>
                   <a:srgbClr val="FFFFFF"/>
                 </a:solidFill>
               </a:rPr>
-              <a:t>5.1</a:t>
+              <a:t>.1</a:t>
             </a:r>
             <a:endParaRPr>
               <a:solidFill>
@@ -26352,37 +27063,20 @@
           </a:bodyPr>
           <a:lstStyle/>
           <a:p>
-            <a:pPr marL="0" lvl="0" indent="0" algn="l" rtl="0">
-              <a:spcBef>
-                <a:spcPts val="0"/>
-              </a:spcBef>
-              <a:spcAft>
-                <a:spcPts val="0"/>
-              </a:spcAft>
-              <a:buNone/>
-            </a:pPr>
             <a:r>
               <a:rPr lang="en-GB" dirty="0"/>
-              <a:t>Shows understanding of the data understanding and preparation stage by </a:t>
-            </a:r>
-            <a:r>
-              <a:rPr lang="en-GB" dirty="0" err="1"/>
-              <a:t>preprocessing</a:t>
-            </a:r>
-            <a:r>
-              <a:rPr lang="en-GB" dirty="0"/>
-              <a:t> a dataset which is suited for further modelling. </a:t>
-            </a:r>
-            <a:endParaRPr dirty="0"/>
-          </a:p>
-        </p:txBody>
-      </p:sp>
-      <p:sp>
-        <p:nvSpPr>
-          <p:cNvPr id="9" name="Google Shape;459;p48">
+              <a:t>The student is able to show understanding of the business understanding phase by writing a project plan and disseminate project results. </a:t>
+            </a:r>
+            <a:endParaRPr lang="nl-NL"/>
+          </a:p>
+        </p:txBody>
+      </p:sp>
+      <p:sp>
+        <p:nvSpPr>
+          <p:cNvPr id="7" name="Google Shape;459;p48">
             <a:extLst>
               <a:ext uri="{FF2B5EF4-FFF2-40B4-BE49-F238E27FC236}">
-                <a16:creationId xmlns:a16="http://schemas.microsoft.com/office/drawing/2014/main" id="{036C8E7A-7443-2E9F-2EE1-AED83B479FF4}"/>
+                <a16:creationId xmlns:a16="http://schemas.microsoft.com/office/drawing/2014/main" id="{53BB9E1B-97C5-2DA9-6DD8-8B90626EFB7C}"/>
               </a:ext>
             </a:extLst>
           </p:cNvPr>
@@ -26408,26 +27102,18 @@
           </a:bodyPr>
           <a:lstStyle/>
           <a:p>
-            <a:pPr marL="0" lvl="0" indent="0" algn="l" rtl="0">
-              <a:spcBef>
-                <a:spcPts val="0"/>
-              </a:spcBef>
-              <a:spcAft>
-                <a:spcPts val="0"/>
-              </a:spcAft>
-              <a:buNone/>
-            </a:pPr>
             <a:r>
               <a:rPr lang="en-GB" dirty="0"/>
-              <a:t>The student is able to collect, combine, and explore the data. Further, they can assess data quality, and provide recommendations to improve the data management strategy. </a:t>
-            </a:r>
+              <a:t>The student is able to determine business objectives, produce a project plan and disseminate project results.</a:t>
+            </a:r>
+            <a:endParaRPr lang="nl-NL" dirty="0"/>
           </a:p>
         </p:txBody>
       </p:sp>
     </p:spTree>
     <p:extLst>
       <p:ext uri="{BB962C8B-B14F-4D97-AF65-F5344CB8AC3E}">
-        <p14:creationId xmlns:p14="http://schemas.microsoft.com/office/powerpoint/2010/main" val="2864773729"/>
+        <p14:creationId xmlns:p14="http://schemas.microsoft.com/office/powerpoint/2010/main" val="3889067802"/>
       </p:ext>
     </p:extLst>
   </p:cSld>
@@ -26489,14 +27175,10 @@
               <a:buNone/>
             </a:pPr>
             <a:r>
-              <a:rPr lang="en" dirty="0"/>
-              <a:t>ILO </a:t>
-            </a:r>
-            <a:r>
-              <a:rPr lang="en-NL" dirty="0"/>
-              <a:t>6</a:t>
-            </a:r>
-            <a:endParaRPr dirty="0"/>
+              <a:rPr lang="en"/>
+              <a:t>ILO 5</a:t>
+            </a:r>
+            <a:endParaRPr/>
           </a:p>
         </p:txBody>
       </p:sp>
@@ -26525,20 +27207,12 @@
           </a:bodyPr>
           <a:lstStyle/>
           <a:p>
-            <a:pPr marL="0" lvl="0" indent="0" algn="ctr" rtl="0">
-              <a:spcBef>
-                <a:spcPts val="0"/>
-              </a:spcBef>
-              <a:spcAft>
-                <a:spcPts val="0"/>
-              </a:spcAft>
-              <a:buNone/>
-            </a:pPr>
+            <a:pPr marL="0" indent="0"/>
             <a:r>
               <a:rPr lang="en-US" dirty="0"/>
-              <a:t>Data Modelling and Evaluation</a:t>
-            </a:r>
-            <a:endParaRPr dirty="0"/>
+              <a:t>Data Understanding and Preparation</a:t>
+            </a:r>
+            <a:endParaRPr lang="nl-NL" dirty="0"/>
           </a:p>
         </p:txBody>
       </p:sp>
@@ -26567,20 +27241,12 @@
           </a:bodyPr>
           <a:lstStyle/>
           <a:p>
-            <a:pPr marL="0" lvl="0" indent="0" algn="r" rtl="0">
-              <a:spcBef>
-                <a:spcPts val="0"/>
-              </a:spcBef>
-              <a:spcAft>
-                <a:spcPts val="0"/>
-              </a:spcAft>
-              <a:buNone/>
-            </a:pPr>
+            <a:pPr marL="0" indent="0"/>
             <a:r>
               <a:rPr lang="en-GB" dirty="0"/>
-              <a:t>The student is able to select, implement and evaluate a machine learning model to meet the business requirement.</a:t>
-            </a:r>
-            <a:endParaRPr dirty="0"/>
+              <a:t>The student is able to collect, combine, and explore the data. Further, they can assess data quality, and provide recommendations to improve the data management strategy. </a:t>
+            </a:r>
+            <a:endParaRPr lang="nl-NL"/>
           </a:p>
         </p:txBody>
       </p:sp>
@@ -26619,7 +27285,7 @@
               <a:buNone/>
             </a:pPr>
             <a:r>
-              <a:rPr lang="en-NL" sz="40000" dirty="0">
+              <a:rPr lang="en" sz="40000">
                 <a:solidFill>
                   <a:srgbClr val="999999"/>
                 </a:solidFill>
@@ -26628,9 +27294,9 @@
                 <a:cs typeface="Roboto"/>
                 <a:sym typeface="Roboto"/>
               </a:rPr>
-              <a:t>6</a:t>
-            </a:r>
-            <a:endParaRPr sz="40000" dirty="0">
+              <a:t>5</a:t>
+            </a:r>
+            <a:endParaRPr sz="40000">
               <a:solidFill>
                 <a:srgbClr val="999999"/>
               </a:solidFill>
@@ -26645,7 +27311,7 @@
     </p:spTree>
     <p:extLst>
       <p:ext uri="{BB962C8B-B14F-4D97-AF65-F5344CB8AC3E}">
-        <p14:creationId xmlns:p14="http://schemas.microsoft.com/office/powerpoint/2010/main" val="2218588203"/>
+        <p14:creationId xmlns:p14="http://schemas.microsoft.com/office/powerpoint/2010/main" val="838485390"/>
       </p:ext>
     </p:extLst>
   </p:cSld>
@@ -26929,14 +27595,10 @@
               <a:buNone/>
             </a:pPr>
             <a:r>
-              <a:rPr lang="en" dirty="0"/>
-              <a:t>ILO </a:t>
-            </a:r>
-            <a:r>
-              <a:rPr lang="en-NL" dirty="0"/>
-              <a:t>6</a:t>
-            </a:r>
-            <a:endParaRPr dirty="0"/>
+              <a:rPr lang="en"/>
+              <a:t>ILO 5</a:t>
+            </a:r>
+            <a:endParaRPr/>
           </a:p>
         </p:txBody>
       </p:sp>
@@ -27097,22 +27759,14 @@
               <a:buNone/>
             </a:pPr>
             <a:r>
-              <a:rPr lang="en-NL" dirty="0"/>
-              <a:t>6</a:t>
-            </a:r>
-            <a:r>
-              <a:rPr lang="en" dirty="0">
+              <a:rPr lang="en">
                 <a:solidFill>
                   <a:srgbClr val="FFFFFF"/>
                 </a:solidFill>
               </a:rPr>
-              <a:t>.</a:t>
-            </a:r>
-            <a:r>
-              <a:rPr lang="en-NL" dirty="0"/>
-              <a:t>1</a:t>
-            </a:r>
-            <a:endParaRPr dirty="0">
+              <a:t>5.1</a:t>
+            </a:r>
+            <a:endParaRPr>
               <a:solidFill>
                 <a:srgbClr val="FFFFFF"/>
               </a:solidFill>
@@ -27145,29 +27799,28 @@
           </a:bodyPr>
           <a:lstStyle/>
           <a:p>
-            <a:pPr marL="0" lvl="0" indent="0" algn="l" rtl="0">
-              <a:spcBef>
-                <a:spcPts val="0"/>
-              </a:spcBef>
-              <a:spcAft>
-                <a:spcPts val="0"/>
-              </a:spcAft>
-              <a:buNone/>
-            </a:pPr>
             <a:r>
               <a:rPr lang="en-GB" dirty="0"/>
-              <a:t>Demonstrates an understanding of the modelling and evaluation stage by developing a model suitable for deployment.</a:t>
-            </a:r>
-            <a:endParaRPr dirty="0"/>
-          </a:p>
-        </p:txBody>
-      </p:sp>
-      <p:sp>
-        <p:nvSpPr>
-          <p:cNvPr id="7" name="Google Shape;459;p48">
+              <a:t>Shows understanding of the data understanding and preparation stage by </a:t>
+            </a:r>
+            <a:r>
+              <a:rPr lang="en-GB" dirty="0" err="1"/>
+              <a:t>preprocessing</a:t>
+            </a:r>
+            <a:r>
+              <a:rPr lang="en-GB" dirty="0"/>
+              <a:t> a dataset which is suited for further modelling. </a:t>
+            </a:r>
+            <a:endParaRPr lang="nl-NL"/>
+          </a:p>
+        </p:txBody>
+      </p:sp>
+      <p:sp>
+        <p:nvSpPr>
+          <p:cNvPr id="9" name="Google Shape;459;p48">
             <a:extLst>
               <a:ext uri="{FF2B5EF4-FFF2-40B4-BE49-F238E27FC236}">
-                <a16:creationId xmlns:a16="http://schemas.microsoft.com/office/drawing/2014/main" id="{5161B9CD-FD90-1846-8EE0-48554F0A839A}"/>
+                <a16:creationId xmlns:a16="http://schemas.microsoft.com/office/drawing/2014/main" id="{036C8E7A-7443-2E9F-2EE1-AED83B479FF4}"/>
               </a:ext>
             </a:extLst>
           </p:cNvPr>
@@ -27193,26 +27846,18 @@
           </a:bodyPr>
           <a:lstStyle/>
           <a:p>
-            <a:pPr marL="0" lvl="0" indent="0" algn="l" rtl="0">
-              <a:spcBef>
-                <a:spcPts val="0"/>
-              </a:spcBef>
-              <a:spcAft>
-                <a:spcPts val="0"/>
-              </a:spcAft>
-              <a:buNone/>
-            </a:pPr>
             <a:r>
               <a:rPr lang="en-GB" dirty="0"/>
-              <a:t>The student is able to select, implement and evaluate a machine learning model to meet the business requirement.</a:t>
-            </a:r>
+              <a:t>The student is able to collect, combine, and explore the data. Further, they can assess data quality, and provide recommendations to improve the data management strategy. </a:t>
+            </a:r>
+            <a:endParaRPr lang="nl-NL"/>
           </a:p>
         </p:txBody>
       </p:sp>
     </p:spTree>
     <p:extLst>
       <p:ext uri="{BB962C8B-B14F-4D97-AF65-F5344CB8AC3E}">
-        <p14:creationId xmlns:p14="http://schemas.microsoft.com/office/powerpoint/2010/main" val="229156798"/>
+        <p14:creationId xmlns:p14="http://schemas.microsoft.com/office/powerpoint/2010/main" val="2864773729"/>
       </p:ext>
     </p:extLst>
   </p:cSld>
@@ -27279,7 +27924,7 @@
             </a:r>
             <a:r>
               <a:rPr lang="en-NL" dirty="0"/>
-              <a:t>7</a:t>
+              <a:t>6</a:t>
             </a:r>
             <a:endParaRPr dirty="0"/>
           </a:p>
@@ -27321,7 +27966,7 @@
             </a:pPr>
             <a:r>
               <a:rPr lang="en-US" dirty="0"/>
-              <a:t>Deployment </a:t>
+              <a:t>Data Modelling and Evaluation</a:t>
             </a:r>
             <a:endParaRPr dirty="0"/>
           </a:p>
@@ -27352,20 +27997,12 @@
           </a:bodyPr>
           <a:lstStyle/>
           <a:p>
-            <a:pPr marL="0" lvl="0" indent="0" algn="r" rtl="0">
-              <a:spcBef>
-                <a:spcPts val="0"/>
-              </a:spcBef>
-              <a:spcAft>
-                <a:spcPts val="0"/>
-              </a:spcAft>
-              <a:buNone/>
-            </a:pPr>
+            <a:pPr marL="0" indent="0"/>
             <a:r>
               <a:rPr lang="en-GB" dirty="0"/>
-              <a:t>Is able to plan deployment, disseminate the project results, produce a final report and review the project.</a:t>
-            </a:r>
-            <a:endParaRPr dirty="0"/>
+              <a:t>The student is able to select, implement and evaluate a machine learning model to meet the business requirement. </a:t>
+            </a:r>
+            <a:endParaRPr lang="nl-NL"/>
           </a:p>
         </p:txBody>
       </p:sp>
@@ -27413,7 +28050,7 @@
                 <a:cs typeface="Roboto"/>
                 <a:sym typeface="Roboto"/>
               </a:rPr>
-              <a:t>7</a:t>
+              <a:t>6</a:t>
             </a:r>
             <a:endParaRPr sz="40000" dirty="0">
               <a:solidFill>
@@ -27430,7 +28067,7 @@
     </p:spTree>
     <p:extLst>
       <p:ext uri="{BB962C8B-B14F-4D97-AF65-F5344CB8AC3E}">
-        <p14:creationId xmlns:p14="http://schemas.microsoft.com/office/powerpoint/2010/main" val="2182435036"/>
+        <p14:creationId xmlns:p14="http://schemas.microsoft.com/office/powerpoint/2010/main" val="2218588203"/>
       </p:ext>
     </p:extLst>
   </p:cSld>
@@ -27497,7 +28134,7 @@
             </a:r>
             <a:r>
               <a:rPr lang="en-NL" dirty="0"/>
-              <a:t>7</a:t>
+              <a:t>6</a:t>
             </a:r>
             <a:endParaRPr dirty="0"/>
           </a:p>
@@ -27660,12 +28297,8 @@
               <a:buNone/>
             </a:pPr>
             <a:r>
-              <a:rPr lang="en-NL" dirty="0">
-                <a:solidFill>
-                  <a:srgbClr val="FFFFFF"/>
-                </a:solidFill>
-              </a:rPr>
-              <a:t>7</a:t>
+              <a:rPr lang="en-NL" dirty="0"/>
+              <a:t>6</a:t>
             </a:r>
             <a:r>
               <a:rPr lang="en" dirty="0">
@@ -27712,7 +28345,7 @@
           </a:bodyPr>
           <a:lstStyle/>
           <a:p>
-            <a:pPr marL="0" lvl="0" indent="0" algn="l" rtl="0">
+            <a:pPr marL="0" lvl="0" indent="0" algn="l">
               <a:spcBef>
                 <a:spcPts val="0"/>
               </a:spcBef>
@@ -27723,17 +28356,9 @@
             </a:pPr>
             <a:r>
               <a:rPr lang="en-GB" dirty="0"/>
-              <a:t>Demonstrates understanding of the deployment stage by disseminating the project findings and conducting a project </a:t>
-            </a:r>
-            <a:r>
-              <a:rPr lang="en-GB" dirty="0" err="1"/>
-              <a:t>restrospective</a:t>
-            </a:r>
-            <a:r>
-              <a:rPr lang="en-GB" dirty="0"/>
-              <a:t>.</a:t>
-            </a:r>
-            <a:endParaRPr dirty="0"/>
+              <a:t>Demonstrates an understanding of the modelling and evaluation stage by developing a model suitable for deployment.</a:t>
+            </a:r>
+            <a:endParaRPr lang="nl-NL" dirty="0"/>
           </a:p>
         </p:txBody>
       </p:sp>
@@ -27742,7 +28367,7 @@
           <p:cNvPr id="7" name="Google Shape;459;p48">
             <a:extLst>
               <a:ext uri="{FF2B5EF4-FFF2-40B4-BE49-F238E27FC236}">
-                <a16:creationId xmlns:a16="http://schemas.microsoft.com/office/drawing/2014/main" id="{08489BA6-ACAD-1AB4-6386-756898FD857B}"/>
+                <a16:creationId xmlns:a16="http://schemas.microsoft.com/office/drawing/2014/main" id="{5161B9CD-FD90-1846-8EE0-48554F0A839A}"/>
               </a:ext>
             </a:extLst>
           </p:cNvPr>
@@ -27768,26 +28393,18 @@
           </a:bodyPr>
           <a:lstStyle/>
           <a:p>
-            <a:pPr marL="0" lvl="0" indent="0" algn="l" rtl="0">
-              <a:spcBef>
-                <a:spcPts val="0"/>
-              </a:spcBef>
-              <a:spcAft>
-                <a:spcPts val="0"/>
-              </a:spcAft>
-              <a:buNone/>
-            </a:pPr>
             <a:r>
               <a:rPr lang="en-GB" dirty="0"/>
-              <a:t>Is able to plan deployment, disseminate the project results, produce a final report and review the project.</a:t>
-            </a:r>
+              <a:t>The student is able to select, implement and evaluate a machine learning model to meet the business requirement. </a:t>
+            </a:r>
+            <a:endParaRPr lang="nl-NL"/>
           </a:p>
         </p:txBody>
       </p:sp>
     </p:spTree>
     <p:extLst>
       <p:ext uri="{BB962C8B-B14F-4D97-AF65-F5344CB8AC3E}">
-        <p14:creationId xmlns:p14="http://schemas.microsoft.com/office/powerpoint/2010/main" val="1031311886"/>
+        <p14:creationId xmlns:p14="http://schemas.microsoft.com/office/powerpoint/2010/main" val="229156798"/>
       </p:ext>
     </p:extLst>
   </p:cSld>
@@ -27850,6 +28467,548 @@
             </a:pPr>
             <a:r>
               <a:rPr lang="en" dirty="0"/>
+              <a:t>ILO </a:t>
+            </a:r>
+            <a:r>
+              <a:rPr lang="en-NL" dirty="0"/>
+              <a:t>7</a:t>
+            </a:r>
+            <a:endParaRPr dirty="0"/>
+          </a:p>
+        </p:txBody>
+      </p:sp>
+      <p:sp>
+        <p:nvSpPr>
+          <p:cNvPr id="468" name="Google Shape;468;p49"/>
+          <p:cNvSpPr txBox="1">
+            <a:spLocks noGrp="1"/>
+          </p:cNvSpPr>
+          <p:nvPr>
+            <p:ph type="subTitle" idx="1"/>
+          </p:nvPr>
+        </p:nvSpPr>
+        <p:spPr>
+          <a:xfrm>
+            <a:off x="2286000" y="2503171"/>
+            <a:ext cx="6400800" cy="685800"/>
+          </a:xfrm>
+          <a:prstGeom prst="rect">
+            <a:avLst/>
+          </a:prstGeom>
+        </p:spPr>
+        <p:txBody>
+          <a:bodyPr spcFirstLastPara="1" wrap="square" lIns="91425" tIns="91425" rIns="91425" bIns="91425" anchor="ctr" anchorCtr="0">
+            <a:noAutofit/>
+          </a:bodyPr>
+          <a:lstStyle/>
+          <a:p>
+            <a:pPr marL="0" lvl="0" indent="0" algn="ctr" rtl="0">
+              <a:spcBef>
+                <a:spcPts val="0"/>
+              </a:spcBef>
+              <a:spcAft>
+                <a:spcPts val="0"/>
+              </a:spcAft>
+              <a:buNone/>
+            </a:pPr>
+            <a:r>
+              <a:rPr lang="en-US" dirty="0"/>
+              <a:t>Deployment </a:t>
+            </a:r>
+            <a:endParaRPr dirty="0"/>
+          </a:p>
+        </p:txBody>
+      </p:sp>
+      <p:sp>
+        <p:nvSpPr>
+          <p:cNvPr id="469" name="Google Shape;469;p49"/>
+          <p:cNvSpPr txBox="1">
+            <a:spLocks noGrp="1"/>
+          </p:cNvSpPr>
+          <p:nvPr>
+            <p:ph type="subTitle" idx="2"/>
+          </p:nvPr>
+        </p:nvSpPr>
+        <p:spPr>
+          <a:xfrm>
+            <a:off x="3200400" y="3353563"/>
+            <a:ext cx="5486400" cy="685800"/>
+          </a:xfrm>
+          <a:prstGeom prst="rect">
+            <a:avLst/>
+          </a:prstGeom>
+        </p:spPr>
+        <p:txBody>
+          <a:bodyPr spcFirstLastPara="1" wrap="square" lIns="91425" tIns="91425" rIns="91425" bIns="91425" anchor="ctr" anchorCtr="0">
+            <a:noAutofit/>
+          </a:bodyPr>
+          <a:lstStyle/>
+          <a:p>
+            <a:pPr marL="0" indent="0"/>
+            <a:r>
+              <a:rPr lang="en-GB" dirty="0"/>
+              <a:t>Is able to deliver value to the stakeholders and delivering production-ready code that is designed to be implemented into practical real-world scenarios such as applications or products.</a:t>
+            </a:r>
+            <a:endParaRPr lang="nl-NL" dirty="0"/>
+          </a:p>
+        </p:txBody>
+      </p:sp>
+      <p:sp>
+        <p:nvSpPr>
+          <p:cNvPr id="470" name="Google Shape;470;p49"/>
+          <p:cNvSpPr txBox="1"/>
+          <p:nvPr/>
+        </p:nvSpPr>
+        <p:spPr>
+          <a:xfrm>
+            <a:off x="-420624" y="749808"/>
+            <a:ext cx="3383400" cy="5120700"/>
+          </a:xfrm>
+          <a:prstGeom prst="rect">
+            <a:avLst/>
+          </a:prstGeom>
+          <a:noFill/>
+          <a:ln>
+            <a:noFill/>
+          </a:ln>
+        </p:spPr>
+        <p:txBody>
+          <a:bodyPr spcFirstLastPara="1" wrap="square" lIns="0" tIns="0" rIns="0" bIns="0" anchor="ctr" anchorCtr="0">
+            <a:noAutofit/>
+          </a:bodyPr>
+          <a:lstStyle/>
+          <a:p>
+            <a:pPr marL="0" lvl="0" indent="0" algn="l" rtl="0">
+              <a:spcBef>
+                <a:spcPts val="0"/>
+              </a:spcBef>
+              <a:spcAft>
+                <a:spcPts val="0"/>
+              </a:spcAft>
+              <a:buNone/>
+            </a:pPr>
+            <a:r>
+              <a:rPr lang="en-NL" sz="40000" dirty="0">
+                <a:solidFill>
+                  <a:srgbClr val="999999"/>
+                </a:solidFill>
+                <a:latin typeface="Roboto"/>
+                <a:ea typeface="Roboto"/>
+                <a:cs typeface="Roboto"/>
+                <a:sym typeface="Roboto"/>
+              </a:rPr>
+              <a:t>7</a:t>
+            </a:r>
+            <a:endParaRPr sz="40000" dirty="0">
+              <a:solidFill>
+                <a:srgbClr val="999999"/>
+              </a:solidFill>
+              <a:latin typeface="Roboto"/>
+              <a:ea typeface="Roboto"/>
+              <a:cs typeface="Roboto"/>
+              <a:sym typeface="Roboto"/>
+            </a:endParaRPr>
+          </a:p>
+        </p:txBody>
+      </p:sp>
+    </p:spTree>
+    <p:extLst>
+      <p:ext uri="{BB962C8B-B14F-4D97-AF65-F5344CB8AC3E}">
+        <p14:creationId xmlns:p14="http://schemas.microsoft.com/office/powerpoint/2010/main" val="2182435036"/>
+      </p:ext>
+    </p:extLst>
+  </p:cSld>
+  <p:clrMapOvr>
+    <a:masterClrMapping/>
+  </p:clrMapOvr>
+</p:sld>
+</file>
+
+<file path=ppt/slides/slide44.xml><?xml version="1.0" encoding="utf-8"?>
+<p:sld xmlns:a="http://schemas.openxmlformats.org/drawingml/2006/main" xmlns:r="http://schemas.openxmlformats.org/officeDocument/2006/relationships" xmlns:p="http://schemas.openxmlformats.org/presentationml/2006/main">
+  <p:cSld>
+    <p:spTree>
+      <p:nvGrpSpPr>
+        <p:cNvPr id="1" name="Shape 474"/>
+        <p:cNvGrpSpPr/>
+        <p:nvPr/>
+      </p:nvGrpSpPr>
+      <p:grpSpPr>
+        <a:xfrm>
+          <a:off x="0" y="0"/>
+          <a:ext cx="0" cy="0"/>
+          <a:chOff x="0" y="0"/>
+          <a:chExt cx="0" cy="0"/>
+        </a:xfrm>
+      </p:grpSpPr>
+      <p:sp>
+        <p:nvSpPr>
+          <p:cNvPr id="475" name="Google Shape;475;p50"/>
+          <p:cNvSpPr txBox="1">
+            <a:spLocks noGrp="1"/>
+          </p:cNvSpPr>
+          <p:nvPr>
+            <p:ph type="title"/>
+          </p:nvPr>
+        </p:nvSpPr>
+        <p:spPr>
+          <a:xfrm>
+            <a:off x="68250" y="0"/>
+            <a:ext cx="777300" cy="576000"/>
+          </a:xfrm>
+          <a:prstGeom prst="rect">
+            <a:avLst/>
+          </a:prstGeom>
+        </p:spPr>
+        <p:txBody>
+          <a:bodyPr spcFirstLastPara="1" wrap="square" lIns="91425" tIns="91425" rIns="91425" bIns="91425" anchor="ctr" anchorCtr="0">
+            <a:noAutofit/>
+          </a:bodyPr>
+          <a:lstStyle/>
+          <a:p>
+            <a:pPr marL="0" lvl="0" indent="0" algn="l" rtl="0">
+              <a:spcBef>
+                <a:spcPts val="0"/>
+              </a:spcBef>
+              <a:spcAft>
+                <a:spcPts val="0"/>
+              </a:spcAft>
+              <a:buNone/>
+            </a:pPr>
+            <a:r>
+              <a:rPr lang="en" dirty="0"/>
+              <a:t>ILO </a:t>
+            </a:r>
+            <a:r>
+              <a:rPr lang="en-NL" dirty="0"/>
+              <a:t>7</a:t>
+            </a:r>
+            <a:endParaRPr dirty="0"/>
+          </a:p>
+        </p:txBody>
+      </p:sp>
+      <p:sp>
+        <p:nvSpPr>
+          <p:cNvPr id="476" name="Google Shape;476;p50"/>
+          <p:cNvSpPr txBox="1">
+            <a:spLocks noGrp="1"/>
+          </p:cNvSpPr>
+          <p:nvPr>
+            <p:ph type="title" idx="2"/>
+          </p:nvPr>
+        </p:nvSpPr>
+        <p:spPr>
+          <a:xfrm>
+            <a:off x="7068300" y="0"/>
+            <a:ext cx="1984200" cy="576000"/>
+          </a:xfrm>
+          <a:prstGeom prst="rect">
+            <a:avLst/>
+          </a:prstGeom>
+        </p:spPr>
+        <p:txBody>
+          <a:bodyPr spcFirstLastPara="1" wrap="square" lIns="91425" tIns="91425" rIns="91425" bIns="91425" anchor="b" anchorCtr="0">
+            <a:noAutofit/>
+          </a:bodyPr>
+          <a:lstStyle/>
+          <a:p>
+            <a:pPr marL="0" lvl="0" indent="0" algn="r" rtl="0">
+              <a:spcBef>
+                <a:spcPts val="0"/>
+              </a:spcBef>
+              <a:spcAft>
+                <a:spcPts val="0"/>
+              </a:spcAft>
+              <a:buNone/>
+            </a:pPr>
+            <a:r>
+              <a:rPr lang="en"/>
+              <a:t>1/1</a:t>
+            </a:r>
+            <a:endParaRPr/>
+          </a:p>
+        </p:txBody>
+      </p:sp>
+      <p:sp>
+        <p:nvSpPr>
+          <p:cNvPr id="477" name="Google Shape;477;p50"/>
+          <p:cNvSpPr txBox="1">
+            <a:spLocks noGrp="1"/>
+          </p:cNvSpPr>
+          <p:nvPr>
+            <p:ph type="body" idx="1"/>
+          </p:nvPr>
+        </p:nvSpPr>
+        <p:spPr>
+          <a:xfrm>
+            <a:off x="182880" y="1069848"/>
+            <a:ext cx="5486400" cy="3895200"/>
+          </a:xfrm>
+          <a:prstGeom prst="rect">
+            <a:avLst/>
+          </a:prstGeom>
+        </p:spPr>
+        <p:txBody>
+          <a:bodyPr spcFirstLastPara="1" wrap="square" lIns="91425" tIns="91425" rIns="91425" bIns="91425" anchor="t" anchorCtr="0">
+            <a:noAutofit/>
+          </a:bodyPr>
+          <a:lstStyle/>
+          <a:p>
+            <a:pPr marL="0" lvl="0" indent="0" algn="l" rtl="0">
+              <a:lnSpc>
+                <a:spcPct val="115000"/>
+              </a:lnSpc>
+              <a:spcBef>
+                <a:spcPts val="0"/>
+              </a:spcBef>
+              <a:spcAft>
+                <a:spcPts val="0"/>
+              </a:spcAft>
+              <a:buNone/>
+            </a:pPr>
+            <a:r>
+              <a:rPr lang="en" sz="900" i="1">
+                <a:solidFill>
+                  <a:schemeClr val="lt1"/>
+                </a:solidFill>
+                <a:latin typeface="Helvetica Neue"/>
+                <a:ea typeface="Helvetica Neue"/>
+                <a:cs typeface="Helvetica Neue"/>
+                <a:sym typeface="Helvetica Neue"/>
+              </a:rPr>
+              <a:t>Show your best examples, do not go overboard, add in short description, you are free to alter this layout (or add slides per evidence) to suit your needs. Just be sure that it is clear.</a:t>
+            </a:r>
+            <a:endParaRPr sz="900">
+              <a:solidFill>
+                <a:schemeClr val="lt1"/>
+              </a:solidFill>
+            </a:endParaRPr>
+          </a:p>
+          <a:p>
+            <a:pPr marL="0" lvl="0" indent="0" algn="l" rtl="0">
+              <a:lnSpc>
+                <a:spcPct val="115000"/>
+              </a:lnSpc>
+              <a:spcBef>
+                <a:spcPts val="0"/>
+              </a:spcBef>
+              <a:spcAft>
+                <a:spcPts val="0"/>
+              </a:spcAft>
+              <a:buNone/>
+            </a:pPr>
+            <a:endParaRPr sz="700" i="1">
+              <a:solidFill>
+                <a:schemeClr val="lt1"/>
+              </a:solidFill>
+              <a:latin typeface="Helvetica Neue"/>
+              <a:ea typeface="Helvetica Neue"/>
+              <a:cs typeface="Helvetica Neue"/>
+              <a:sym typeface="Helvetica Neue"/>
+            </a:endParaRPr>
+          </a:p>
+        </p:txBody>
+      </p:sp>
+      <p:sp>
+        <p:nvSpPr>
+          <p:cNvPr id="479" name="Google Shape;479;p50"/>
+          <p:cNvSpPr txBox="1">
+            <a:spLocks noGrp="1"/>
+          </p:cNvSpPr>
+          <p:nvPr>
+            <p:ph type="title" idx="4"/>
+          </p:nvPr>
+        </p:nvSpPr>
+        <p:spPr>
+          <a:xfrm>
+            <a:off x="68250" y="576000"/>
+            <a:ext cx="839700" cy="493800"/>
+          </a:xfrm>
+          <a:prstGeom prst="rect">
+            <a:avLst/>
+          </a:prstGeom>
+        </p:spPr>
+        <p:txBody>
+          <a:bodyPr spcFirstLastPara="1" wrap="square" lIns="91425" tIns="91425" rIns="91425" bIns="91425" anchor="ctr" anchorCtr="0">
+            <a:noAutofit/>
+          </a:bodyPr>
+          <a:lstStyle/>
+          <a:p>
+            <a:pPr marL="0" lvl="0" indent="0" algn="l" rtl="0">
+              <a:spcBef>
+                <a:spcPts val="0"/>
+              </a:spcBef>
+              <a:spcAft>
+                <a:spcPts val="0"/>
+              </a:spcAft>
+              <a:buNone/>
+            </a:pPr>
+            <a:r>
+              <a:rPr lang="en-NL" dirty="0">
+                <a:solidFill>
+                  <a:srgbClr val="FFFFFF"/>
+                </a:solidFill>
+              </a:rPr>
+              <a:t>7</a:t>
+            </a:r>
+            <a:r>
+              <a:rPr lang="en" dirty="0">
+                <a:solidFill>
+                  <a:srgbClr val="FFFFFF"/>
+                </a:solidFill>
+              </a:rPr>
+              <a:t>.</a:t>
+            </a:r>
+            <a:r>
+              <a:rPr lang="en-NL" dirty="0"/>
+              <a:t>1</a:t>
+            </a:r>
+            <a:endParaRPr dirty="0">
+              <a:solidFill>
+                <a:srgbClr val="FFFFFF"/>
+              </a:solidFill>
+            </a:endParaRPr>
+          </a:p>
+        </p:txBody>
+      </p:sp>
+      <p:sp>
+        <p:nvSpPr>
+          <p:cNvPr id="480" name="Google Shape;480;p50"/>
+          <p:cNvSpPr txBox="1">
+            <a:spLocks noGrp="1"/>
+          </p:cNvSpPr>
+          <p:nvPr>
+            <p:ph type="title" idx="5"/>
+          </p:nvPr>
+        </p:nvSpPr>
+        <p:spPr>
+          <a:xfrm>
+            <a:off x="845550" y="576000"/>
+            <a:ext cx="7315200" cy="493800"/>
+          </a:xfrm>
+          <a:prstGeom prst="rect">
+            <a:avLst/>
+          </a:prstGeom>
+        </p:spPr>
+        <p:txBody>
+          <a:bodyPr spcFirstLastPara="1" wrap="square" lIns="91425" tIns="91425" rIns="91425" bIns="91425" anchor="ctr" anchorCtr="0">
+            <a:noAutofit/>
+          </a:bodyPr>
+          <a:lstStyle/>
+          <a:p>
+            <a:r>
+              <a:rPr lang="en-GB" dirty="0"/>
+              <a:t>Is able to deliver value to the stakeholders and delivering production-ready code that is designed to be implemented into practical real-world scenarios such as applications or products.</a:t>
+            </a:r>
+            <a:endParaRPr lang="nl-NL" dirty="0"/>
+          </a:p>
+        </p:txBody>
+      </p:sp>
+      <p:sp>
+        <p:nvSpPr>
+          <p:cNvPr id="7" name="Google Shape;459;p48">
+            <a:extLst>
+              <a:ext uri="{FF2B5EF4-FFF2-40B4-BE49-F238E27FC236}">
+                <a16:creationId xmlns:a16="http://schemas.microsoft.com/office/drawing/2014/main" id="{08489BA6-ACAD-1AB4-6386-756898FD857B}"/>
+              </a:ext>
+            </a:extLst>
+          </p:cNvPr>
+          <p:cNvSpPr txBox="1">
+            <a:spLocks noGrp="1"/>
+          </p:cNvSpPr>
+          <p:nvPr>
+            <p:ph type="title" idx="3"/>
+          </p:nvPr>
+        </p:nvSpPr>
+        <p:spPr>
+          <a:xfrm>
+            <a:off x="2049462" y="0"/>
+            <a:ext cx="4206300" cy="576000"/>
+          </a:xfrm>
+          <a:prstGeom prst="rect">
+            <a:avLst/>
+          </a:prstGeom>
+        </p:spPr>
+        <p:txBody>
+          <a:bodyPr spcFirstLastPara="1" wrap="square" lIns="91425" tIns="91425" rIns="91425" bIns="91425" anchor="ctr" anchorCtr="0">
+            <a:noAutofit/>
+          </a:bodyPr>
+          <a:lstStyle/>
+          <a:p>
+            <a:r>
+              <a:rPr lang="en-GB" dirty="0"/>
+              <a:t>Is able to deliver value to the stakeholders and delivering production-ready code that is designed to be implemented into practical real-world scenarios such as applications or products.</a:t>
+            </a:r>
+            <a:endParaRPr lang="nl-NL" dirty="0"/>
+          </a:p>
+        </p:txBody>
+      </p:sp>
+    </p:spTree>
+    <p:extLst>
+      <p:ext uri="{BB962C8B-B14F-4D97-AF65-F5344CB8AC3E}">
+        <p14:creationId xmlns:p14="http://schemas.microsoft.com/office/powerpoint/2010/main" val="1031311886"/>
+      </p:ext>
+    </p:extLst>
+  </p:cSld>
+  <p:clrMapOvr>
+    <a:masterClrMapping/>
+  </p:clrMapOvr>
+</p:sld>
+</file>
+
+<file path=ppt/slides/slide45.xml><?xml version="1.0" encoding="utf-8"?>
+<p:sld xmlns:a="http://schemas.openxmlformats.org/drawingml/2006/main" xmlns:r="http://schemas.openxmlformats.org/officeDocument/2006/relationships" xmlns:p="http://schemas.openxmlformats.org/presentationml/2006/main">
+  <p:cSld>
+    <p:spTree>
+      <p:nvGrpSpPr>
+        <p:cNvPr id="1" name="Shape 466"/>
+        <p:cNvGrpSpPr/>
+        <p:nvPr/>
+      </p:nvGrpSpPr>
+      <p:grpSpPr>
+        <a:xfrm>
+          <a:off x="0" y="0"/>
+          <a:ext cx="0" cy="0"/>
+          <a:chOff x="0" y="0"/>
+          <a:chExt cx="0" cy="0"/>
+        </a:xfrm>
+      </p:grpSpPr>
+      <p:sp>
+        <p:nvSpPr>
+          <p:cNvPr id="467" name="Google Shape;467;p49"/>
+          <p:cNvSpPr txBox="1">
+            <a:spLocks noGrp="1"/>
+          </p:cNvSpPr>
+          <p:nvPr>
+            <p:ph type="ctrTitle"/>
+          </p:nvPr>
+        </p:nvSpPr>
+        <p:spPr>
+          <a:xfrm>
+            <a:off x="2286000" y="1104139"/>
+            <a:ext cx="6400800" cy="1501800"/>
+          </a:xfrm>
+          <a:prstGeom prst="rect">
+            <a:avLst/>
+          </a:prstGeom>
+        </p:spPr>
+        <p:txBody>
+          <a:bodyPr spcFirstLastPara="1" wrap="square" lIns="91425" tIns="91425" rIns="91425" bIns="91425" anchor="ctr" anchorCtr="0">
+            <a:noAutofit/>
+          </a:bodyPr>
+          <a:lstStyle/>
+          <a:p>
+            <a:pPr marL="0" lvl="0" indent="0" algn="ctr" rtl="0">
+              <a:spcBef>
+                <a:spcPts val="0"/>
+              </a:spcBef>
+              <a:spcAft>
+                <a:spcPts val="0"/>
+              </a:spcAft>
+              <a:buNone/>
+            </a:pPr>
+            <a:r>
+              <a:rPr lang="en" dirty="0"/>
               <a:t>M</a:t>
             </a:r>
             <a:r>
@@ -27955,7 +29114,7 @@
 </p:sld>
 </file>
 
-<file path=ppt/slides/slide44.xml><?xml version="1.0" encoding="utf-8"?>
+<file path=ppt/slides/slide46.xml><?xml version="1.0" encoding="utf-8"?>
 <p:sld xmlns:a="http://schemas.openxmlformats.org/drawingml/2006/main" xmlns:r="http://schemas.openxmlformats.org/officeDocument/2006/relationships" xmlns:p="http://schemas.openxmlformats.org/presentationml/2006/main">
   <p:cSld>
     <p:spTree>
@@ -28289,7 +29448,7 @@
 </p:sld>
 </file>
 
-<file path=ppt/slides/slide45.xml><?xml version="1.0" encoding="utf-8"?>
+<file path=ppt/slides/slide47.xml><?xml version="1.0" encoding="utf-8"?>
 <p:sld xmlns:a="http://schemas.openxmlformats.org/drawingml/2006/main" xmlns:r="http://schemas.openxmlformats.org/officeDocument/2006/relationships" xmlns:p="http://schemas.openxmlformats.org/presentationml/2006/main">
   <p:cSld>
     <p:spTree>
@@ -28460,7 +29619,7 @@
 </p:sld>
 </file>
 
-<file path=ppt/slides/slide46.xml><?xml version="1.0" encoding="utf-8"?>
+<file path=ppt/slides/slide48.xml><?xml version="1.0" encoding="utf-8"?>
 <p:sld xmlns:a="http://schemas.openxmlformats.org/drawingml/2006/main" xmlns:r="http://schemas.openxmlformats.org/officeDocument/2006/relationships" xmlns:p="http://schemas.openxmlformats.org/presentationml/2006/main">
   <p:cSld>
     <p:spTree>
@@ -28768,10 +29927,10 @@
               <a:buNone/>
             </a:pPr>
             <a:r>
-              <a:rPr lang="en"/>
-              <a:t>C</a:t>
-            </a:r>
-            <a:endParaRPr/>
+              <a:rPr lang="en" dirty="0"/>
+              <a:t>D</a:t>
+            </a:r>
+            <a:endParaRPr dirty="0"/>
           </a:p>
         </p:txBody>
       </p:sp>
@@ -28783,7 +29942,7 @@
 </p:sld>
 </file>
 
-<file path=ppt/slides/slide47.xml><?xml version="1.0" encoding="utf-8"?>
+<file path=ppt/slides/slide49.xml><?xml version="1.0" encoding="utf-8"?>
 <p:sld xmlns:a="http://schemas.openxmlformats.org/drawingml/2006/main" xmlns:r="http://schemas.openxmlformats.org/officeDocument/2006/relationships" xmlns:p="http://schemas.openxmlformats.org/presentationml/2006/main">
   <p:cSld>
     <p:spTree>
@@ -28835,10 +29994,10 @@
               <a:buNone/>
             </a:pPr>
             <a:r>
-              <a:rPr lang="en"/>
+              <a:rPr lang="en" dirty="0"/>
               <a:t>How well am I progressing?</a:t>
             </a:r>
-            <a:endParaRPr/>
+            <a:endParaRPr dirty="0"/>
           </a:p>
         </p:txBody>
       </p:sp>
@@ -28877,18 +30036,18 @@
               <a:buNone/>
             </a:pPr>
             <a:r>
-              <a:rPr lang="en"/>
+              <a:rPr lang="en" dirty="0"/>
               <a:t>2</a:t>
             </a:r>
             <a:r>
-              <a:rPr lang="en" sz="1400"/>
+              <a:rPr lang="en" sz="1400" dirty="0"/>
               <a:t>/</a:t>
             </a:r>
             <a:r>
-              <a:rPr lang="en"/>
+              <a:rPr lang="en" dirty="0"/>
               <a:t>2</a:t>
             </a:r>
-            <a:endParaRPr sz="1400"/>
+            <a:endParaRPr sz="1400" dirty="0"/>
           </a:p>
         </p:txBody>
       </p:sp>
@@ -28927,10 +30086,10 @@
               <a:buNone/>
             </a:pPr>
             <a:r>
-              <a:rPr lang="en"/>
-              <a:t>C</a:t>
-            </a:r>
-            <a:endParaRPr/>
+              <a:rPr lang="en" dirty="0"/>
+              <a:t>D</a:t>
+            </a:r>
+            <a:endParaRPr dirty="0"/>
           </a:p>
         </p:txBody>
       </p:sp>
@@ -28969,10 +30128,10 @@
               <a:buNone/>
             </a:pPr>
             <a:r>
-              <a:rPr lang="en"/>
+              <a:rPr lang="en" dirty="0"/>
               <a:t>Reflection on my self assessment						My self assessment grade is a</a:t>
             </a:r>
-            <a:endParaRPr b="0" i="1"/>
+            <a:endParaRPr b="0" i="1" dirty="0"/>
           </a:p>
         </p:txBody>
       </p:sp>
@@ -29011,9 +30170,21 @@
               <a:buNone/>
             </a:pPr>
             <a:r>
-              <a:rPr lang="en"/>
+              <a:rPr lang="en" dirty="0"/>
               <a:t>...</a:t>
             </a:r>
+            <a:endParaRPr dirty="0"/>
+          </a:p>
+          <a:p>
+            <a:pPr marL="0" lvl="0" indent="0" algn="just" rtl="0">
+              <a:spcBef>
+                <a:spcPts val="800"/>
+              </a:spcBef>
+              <a:spcAft>
+                <a:spcPts val="0"/>
+              </a:spcAft>
+              <a:buNone/>
+            </a:pPr>
             <a:endParaRPr/>
           </a:p>
           <a:p>
@@ -29026,7 +30197,11 @@
               </a:spcAft>
               <a:buNone/>
             </a:pPr>
-            <a:endParaRPr/>
+            <a:r>
+              <a:rPr lang="en" sz="1400" b="1" dirty="0"/>
+              <a:t>How I plan to improve next block</a:t>
+            </a:r>
+            <a:endParaRPr sz="1400" b="1" dirty="0"/>
           </a:p>
           <a:p>
             <a:pPr marL="0" lvl="0" indent="0" algn="just" rtl="0">
@@ -29034,31 +30209,15 @@
                 <a:spcPts val="800"/>
               </a:spcBef>
               <a:spcAft>
-                <a:spcPts val="0"/>
-              </a:spcAft>
-              <a:buNone/>
-            </a:pPr>
-            <a:r>
-              <a:rPr lang="en" sz="1400" b="1"/>
-              <a:t>How I plan to improve next block</a:t>
-            </a:r>
-            <a:endParaRPr sz="1400" b="1"/>
-          </a:p>
-          <a:p>
-            <a:pPr marL="0" lvl="0" indent="0" algn="just" rtl="0">
-              <a:spcBef>
                 <a:spcPts val="800"/>
-              </a:spcBef>
-              <a:spcAft>
-                <a:spcPts val="800"/>
-              </a:spcAft>
-              <a:buNone/>
-            </a:pPr>
-            <a:r>
-              <a:rPr lang="en"/>
+              </a:spcAft>
+              <a:buNone/>
+            </a:pPr>
+            <a:r>
+              <a:rPr lang="en" dirty="0"/>
               <a:t>...</a:t>
             </a:r>
-            <a:endParaRPr/>
+            <a:endParaRPr dirty="0"/>
           </a:p>
         </p:txBody>
       </p:sp>
@@ -29097,7 +30256,7 @@
               <a:buNone/>
             </a:pPr>
             <a:r>
-              <a:rPr lang="en" sz="3600" b="1">
+              <a:rPr lang="en" sz="3600" b="1" dirty="0" err="1">
                 <a:solidFill>
                   <a:srgbClr val="434343"/>
                 </a:solidFill>
@@ -29108,7 +30267,7 @@
               </a:rPr>
               <a:t>x.x</a:t>
             </a:r>
-            <a:endParaRPr sz="3600" b="1">
+            <a:endParaRPr sz="3600" b="1" dirty="0" err="1">
               <a:solidFill>
                 <a:srgbClr val="434343"/>
               </a:solidFill>
@@ -29956,10 +31115,10 @@
               <a:buNone/>
             </a:pPr>
             <a:r>
-              <a:rPr lang="en"/>
+              <a:rPr lang="en" dirty="0"/>
               <a:t>...</a:t>
             </a:r>
-            <a:endParaRPr/>
+            <a:endParaRPr dirty="0"/>
           </a:p>
           <a:p>
             <a:pPr marL="0" lvl="0" indent="0" algn="l" rtl="0">
@@ -29971,7 +31130,7 @@
               </a:spcAft>
               <a:buNone/>
             </a:pPr>
-            <a:endParaRPr/>
+            <a:endParaRPr dirty="0"/>
           </a:p>
           <a:p>
             <a:pPr marL="0" lvl="0" indent="0" algn="l" rtl="0">
@@ -29984,10 +31143,10 @@
               <a:buNone/>
             </a:pPr>
             <a:r>
-              <a:rPr lang="en" sz="1400" b="1"/>
+              <a:rPr lang="en" sz="1400" b="1" dirty="0"/>
               <a:t>Personal and professional development goals</a:t>
             </a:r>
-            <a:endParaRPr sz="1400" b="1"/>
+            <a:endParaRPr sz="1400" b="1" dirty="0"/>
           </a:p>
           <a:p>
             <a:pPr marL="0" lvl="0" indent="0" algn="just" rtl="0">
@@ -30000,10 +31159,10 @@
               <a:buNone/>
             </a:pPr>
             <a:r>
-              <a:rPr lang="en"/>
+              <a:rPr lang="en" dirty="0"/>
               <a:t>...</a:t>
             </a:r>
-            <a:endParaRPr/>
+            <a:endParaRPr dirty="0"/>
           </a:p>
         </p:txBody>
       </p:sp>
@@ -30126,14 +31285,14 @@
               <a:buNone/>
             </a:pPr>
             <a:r>
-              <a:rPr lang="en"/>
-              <a:t>The roles I am taking responsibility for</a:t>
-            </a:r>
-            <a:r>
-              <a:rPr lang="en" b="0" i="1"/>
+              <a:rPr lang="en" dirty="0"/>
+              <a:t>I am taking responsibility for</a:t>
+            </a:r>
+            <a:r>
+              <a:rPr lang="en" b="0" i="1" dirty="0"/>
               <a:t> (if multiple add in percentages)</a:t>
             </a:r>
-            <a:endParaRPr b="0" i="1"/>
+            <a:endParaRPr b="0" i="1" dirty="0"/>
           </a:p>
         </p:txBody>
       </p:sp>
@@ -30183,7 +31342,13 @@
         <p:nvGraphicFramePr>
           <p:cNvPr id="148" name="Google Shape;148;p18"/>
           <p:cNvGraphicFramePr/>
-          <p:nvPr/>
+          <p:nvPr>
+            <p:extLst>
+              <p:ext uri="{D42A27DB-BD31-4B8C-83A1-F6EECF244321}">
+                <p14:modId xmlns:p14="http://schemas.microsoft.com/office/powerpoint/2010/main" val="2727034024"/>
+              </p:ext>
+            </p:extLst>
+          </p:nvPr>
         </p:nvGraphicFramePr>
         <p:xfrm>
           <a:off x="182880" y="658368"/>
@@ -30487,24 +31652,24 @@
                         <a:buNone/>
                       </a:pPr>
                       <a:r>
-                        <a:rPr lang="en" sz="600" b="1">
+                        <a:rPr lang="en" sz="600" b="1" dirty="0">
                           <a:latin typeface="Roboto"/>
                           <a:ea typeface="Roboto"/>
                           <a:cs typeface="Roboto"/>
                           <a:sym typeface="Roboto"/>
                         </a:rPr>
-                        <a:t>Meaningful:</a:t>
+                        <a:t>Measurable:</a:t>
                       </a:r>
                       <a:r>
-                        <a:rPr lang="en" sz="600">
+                        <a:rPr lang="en" sz="600" dirty="0">
                           <a:latin typeface="Roboto"/>
                           <a:ea typeface="Roboto"/>
                           <a:cs typeface="Roboto"/>
                           <a:sym typeface="Roboto"/>
                         </a:rPr>
-                        <a:t> This is the WHY of your goal setting. When your specific goal has enough meaning for you, you will do whatever it takes to achieve it. When your goal is meaningful the more profound and life altering the results are.</a:t>
+                        <a:t> This where you define a measurable and meaningful goal. It’s important to be able to track your progress. Without meaningful and measurable goals which you can track it’s easy to lose heart and focus.</a:t>
                       </a:r>
-                      <a:endParaRPr sz="600">
+                      <a:endParaRPr sz="600" dirty="0">
                         <a:latin typeface="Roboto"/>
                         <a:ea typeface="Roboto"/>
                         <a:cs typeface="Roboto"/>
@@ -31357,7 +32522,7 @@
                         <a:buNone/>
                       </a:pPr>
                       <a:r>
-                        <a:rPr lang="en" sz="600" b="1">
+                        <a:rPr lang="en" sz="600" b="1" dirty="0">
                           <a:latin typeface="Roboto"/>
                           <a:ea typeface="Roboto"/>
                           <a:cs typeface="Roboto"/>
@@ -31366,7 +32531,7 @@
                         <a:t>Readjust:</a:t>
                       </a:r>
                       <a:r>
-                        <a:rPr lang="en" sz="600">
+                        <a:rPr lang="en" sz="600" dirty="0">
                           <a:latin typeface="Roboto"/>
                           <a:ea typeface="Roboto"/>
                           <a:cs typeface="Roboto"/>
@@ -31374,7 +32539,7 @@
                         </a:rPr>
                         <a:t> Readjustments occur when goals are determined, through re-evaluation, to be misaligned with your values or long-term goals. This is especially helpful when you have been unable to achieve a goal in the time limits you set. This gives you the opportunity to modify your approach and increase your chances of success.</a:t>
                       </a:r>
-                      <a:endParaRPr sz="600">
+                      <a:endParaRPr sz="600" dirty="0">
                         <a:latin typeface="Roboto"/>
                         <a:ea typeface="Roboto"/>
                         <a:cs typeface="Roboto"/>
@@ -32635,10 +33800,10 @@
 </file>
 
 <file path=customXml/item1.xml><?xml version="1.0" encoding="utf-8"?>
-<ct:contentTypeSchema xmlns:ct="http://schemas.microsoft.com/office/2006/metadata/contentType" xmlns:ma="http://schemas.microsoft.com/office/2006/metadata/properties/metaAttributes" ct:_="" ma:_="" ma:contentTypeName="Document" ma:contentTypeID="0x010100DB06FA0A2AD4DA488583749EC2534234" ma:contentTypeVersion="12" ma:contentTypeDescription="Create a new document." ma:contentTypeScope="" ma:versionID="886b513cfe8a01d235b598bb5d9e3280">
-  <xsd:schema xmlns:xsd="http://www.w3.org/2001/XMLSchema" xmlns:xs="http://www.w3.org/2001/XMLSchema" xmlns:p="http://schemas.microsoft.com/office/2006/metadata/properties" xmlns:ns2="60348849-ecd6-40c5-8069-7b4f665118aa" xmlns:ns3="d3efc331-58f4-463c-b792-81d907c25a2d" targetNamespace="http://schemas.microsoft.com/office/2006/metadata/properties" ma:root="true" ma:fieldsID="ea6c152a0770c3b66e26597cca1a51d2" ns2:_="" ns3:_="">
-    <xsd:import namespace="60348849-ecd6-40c5-8069-7b4f665118aa"/>
-    <xsd:import namespace="d3efc331-58f4-463c-b792-81d907c25a2d"/>
+<ct:contentTypeSchema xmlns:ct="http://schemas.microsoft.com/office/2006/metadata/contentType" xmlns:ma="http://schemas.microsoft.com/office/2006/metadata/properties/metaAttributes" ct:_="" ma:_="" ma:contentTypeName="Document" ma:contentTypeID="0x01010064DEF28CA2629948A9F801C782641252" ma:contentTypeVersion="18" ma:contentTypeDescription="Create a new document." ma:contentTypeScope="" ma:versionID="4e29c08bd2fa8ab5d37e806398c14b17">
+  <xsd:schema xmlns:xsd="http://www.w3.org/2001/XMLSchema" xmlns:xs="http://www.w3.org/2001/XMLSchema" xmlns:p="http://schemas.microsoft.com/office/2006/metadata/properties" xmlns:ns2="bd38d267-56bb-4e22-b975-199a06fd69fa" xmlns:ns3="d8c712e5-67fc-4595-93cb-a4164dd8eff3" targetNamespace="http://schemas.microsoft.com/office/2006/metadata/properties" ma:root="true" ma:fieldsID="30fadebd201830d804edab1b035af467" ns2:_="" ns3:_="">
+    <xsd:import namespace="bd38d267-56bb-4e22-b975-199a06fd69fa"/>
+    <xsd:import namespace="d8c712e5-67fc-4595-93cb-a4164dd8eff3"/>
     <xsd:element name="properties">
       <xsd:complexType>
         <xsd:sequence>
@@ -32647,16 +33812,21 @@
               <xsd:all>
                 <xsd:element ref="ns2:MediaServiceMetadata" minOccurs="0"/>
                 <xsd:element ref="ns2:MediaServiceFastMetadata" minOccurs="0"/>
+                <xsd:element ref="ns2:MediaServiceDateTaken" minOccurs="0"/>
+                <xsd:element ref="ns2:MediaLengthInSeconds" minOccurs="0"/>
+                <xsd:element ref="ns2:MediaServiceAutoTags" minOccurs="0"/>
+                <xsd:element ref="ns2:MediaServiceLocation" minOccurs="0"/>
+                <xsd:element ref="ns2:MediaServiceGenerationTime" minOccurs="0"/>
+                <xsd:element ref="ns2:MediaServiceEventHashCode" minOccurs="0"/>
                 <xsd:element ref="ns2:MediaServiceAutoKeyPoints" minOccurs="0"/>
                 <xsd:element ref="ns2:MediaServiceKeyPoints" minOccurs="0"/>
-                <xsd:element ref="ns2:MediaServiceAutoTags" minOccurs="0"/>
-                <xsd:element ref="ns2:MediaServiceOCR" minOccurs="0"/>
-                <xsd:element ref="ns2:MediaServiceGenerationTime" minOccurs="0"/>
-                <xsd:element ref="ns2:MediaServiceEventHashCode" minOccurs="0"/>
-                <xsd:element ref="ns2:MediaServiceDateTaken" minOccurs="0"/>
-                <xsd:element ref="ns2:MediaLengthInSeconds" minOccurs="0"/>
                 <xsd:element ref="ns3:SharedWithUsers" minOccurs="0"/>
                 <xsd:element ref="ns3:SharedWithDetails" minOccurs="0"/>
+                <xsd:element ref="ns2:lcf76f155ced4ddcb4097134ff3c332f" minOccurs="0"/>
+                <xsd:element ref="ns3:TaxCatchAll" minOccurs="0"/>
+                <xsd:element ref="ns2:MediaServiceOCR" minOccurs="0"/>
+                <xsd:element ref="ns2:MediaServiceSearchProperties" minOccurs="0"/>
+                <xsd:element ref="ns2:MediaServiceObjectDetectorVersions" minOccurs="0"/>
               </xsd:all>
             </xsd:complexType>
           </xsd:element>
@@ -32664,7 +33834,7 @@
       </xsd:complexType>
     </xsd:element>
   </xsd:schema>
-  <xsd:schema xmlns:xsd="http://www.w3.org/2001/XMLSchema" xmlns:xs="http://www.w3.org/2001/XMLSchema" xmlns:dms="http://schemas.microsoft.com/office/2006/documentManagement/types" xmlns:pc="http://schemas.microsoft.com/office/infopath/2007/PartnerControls" targetNamespace="60348849-ecd6-40c5-8069-7b4f665118aa" elementFormDefault="qualified">
+  <xsd:schema xmlns:xsd="http://www.w3.org/2001/XMLSchema" xmlns:xs="http://www.w3.org/2001/XMLSchema" xmlns:dms="http://schemas.microsoft.com/office/2006/documentManagement/types" xmlns:pc="http://schemas.microsoft.com/office/infopath/2007/PartnerControls" targetNamespace="bd38d267-56bb-4e22-b975-199a06fd69fa" elementFormDefault="qualified">
     <xsd:import namespace="http://schemas.microsoft.com/office/2006/documentManagement/types"/>
     <xsd:import namespace="http://schemas.microsoft.com/office/infopath/2007/PartnerControls"/>
     <xsd:element name="MediaServiceMetadata" ma:index="8" nillable="true" ma:displayName="MediaServiceMetadata" ma:hidden="true" ma:internalName="MediaServiceMetadata" ma:readOnly="true">
@@ -32677,16 +33847,14 @@
         <xsd:restriction base="dms:Note"/>
       </xsd:simpleType>
     </xsd:element>
-    <xsd:element name="MediaServiceAutoKeyPoints" ma:index="10" nillable="true" ma:displayName="MediaServiceAutoKeyPoints" ma:hidden="true" ma:internalName="MediaServiceAutoKeyPoints" ma:readOnly="true">
+    <xsd:element name="MediaServiceDateTaken" ma:index="10" nillable="true" ma:displayName="MediaServiceDateTaken" ma:hidden="true" ma:internalName="MediaServiceDateTaken" ma:readOnly="true">
       <xsd:simpleType>
-        <xsd:restriction base="dms:Note"/>
+        <xsd:restriction base="dms:Text"/>
       </xsd:simpleType>
     </xsd:element>
-    <xsd:element name="MediaServiceKeyPoints" ma:index="11" nillable="true" ma:displayName="KeyPoints" ma:internalName="MediaServiceKeyPoints" ma:readOnly="true">
+    <xsd:element name="MediaLengthInSeconds" ma:index="11" nillable="true" ma:displayName="MediaLengthInSeconds" ma:hidden="true" ma:internalName="MediaLengthInSeconds" ma:readOnly="true">
       <xsd:simpleType>
-        <xsd:restriction base="dms:Note">
-          <xsd:maxLength value="255"/>
-        </xsd:restriction>
+        <xsd:restriction base="dms:Unknown"/>
       </xsd:simpleType>
     </xsd:element>
     <xsd:element name="MediaServiceAutoTags" ma:index="12" nillable="true" ma:displayName="Tags" ma:internalName="MediaServiceAutoTags" ma:readOnly="true">
@@ -32694,11 +33862,9 @@
         <xsd:restriction base="dms:Text"/>
       </xsd:simpleType>
     </xsd:element>
-    <xsd:element name="MediaServiceOCR" ma:index="13" nillable="true" ma:displayName="Extracted Text" ma:internalName="MediaServiceOCR" ma:readOnly="true">
+    <xsd:element name="MediaServiceLocation" ma:index="13" nillable="true" ma:displayName="Location" ma:internalName="MediaServiceLocation" ma:readOnly="true">
       <xsd:simpleType>
-        <xsd:restriction base="dms:Note">
-          <xsd:maxLength value="255"/>
-        </xsd:restriction>
+        <xsd:restriction base="dms:Text"/>
       </xsd:simpleType>
     </xsd:element>
     <xsd:element name="MediaServiceGenerationTime" ma:index="14" nillable="true" ma:displayName="MediaServiceGenerationTime" ma:hidden="true" ma:internalName="MediaServiceGenerationTime" ma:readOnly="true">
@@ -32711,18 +33877,44 @@
         <xsd:restriction base="dms:Text"/>
       </xsd:simpleType>
     </xsd:element>
-    <xsd:element name="MediaServiceDateTaken" ma:index="16" nillable="true" ma:displayName="MediaServiceDateTaken" ma:hidden="true" ma:internalName="MediaServiceDateTaken" ma:readOnly="true">
+    <xsd:element name="MediaServiceAutoKeyPoints" ma:index="16" nillable="true" ma:displayName="MediaServiceAutoKeyPoints" ma:hidden="true" ma:internalName="MediaServiceAutoKeyPoints" ma:readOnly="true">
+      <xsd:simpleType>
+        <xsd:restriction base="dms:Note"/>
+      </xsd:simpleType>
+    </xsd:element>
+    <xsd:element name="MediaServiceKeyPoints" ma:index="17" nillable="true" ma:displayName="KeyPoints" ma:internalName="MediaServiceKeyPoints" ma:readOnly="true">
+      <xsd:simpleType>
+        <xsd:restriction base="dms:Note">
+          <xsd:maxLength value="255"/>
+        </xsd:restriction>
+      </xsd:simpleType>
+    </xsd:element>
+    <xsd:element name="lcf76f155ced4ddcb4097134ff3c332f" ma:index="21" nillable="true" ma:taxonomy="true" ma:internalName="lcf76f155ced4ddcb4097134ff3c332f" ma:taxonomyFieldName="MediaServiceImageTags" ma:displayName="Image Tags" ma:readOnly="false" ma:fieldId="{5cf76f15-5ced-4ddc-b409-7134ff3c332f}" ma:taxonomyMulti="true" ma:sspId="365a90ea-d0e7-4aae-8ef9-9f5dd1eb65e3" ma:termSetId="09814cd3-568e-fe90-9814-8d621ff8fb84" ma:anchorId="fba54fb3-c3e1-fe81-a776-ca4b69148c4d" ma:open="true" ma:isKeyword="false">
+      <xsd:complexType>
+        <xsd:sequence>
+          <xsd:element ref="pc:Terms" minOccurs="0" maxOccurs="1"/>
+        </xsd:sequence>
+      </xsd:complexType>
+    </xsd:element>
+    <xsd:element name="MediaServiceOCR" ma:index="23" nillable="true" ma:displayName="Extracted Text" ma:internalName="MediaServiceOCR" ma:readOnly="true">
+      <xsd:simpleType>
+        <xsd:restriction base="dms:Note">
+          <xsd:maxLength value="255"/>
+        </xsd:restriction>
+      </xsd:simpleType>
+    </xsd:element>
+    <xsd:element name="MediaServiceSearchProperties" ma:index="24" nillable="true" ma:displayName="MediaServiceSearchProperties" ma:hidden="true" ma:internalName="MediaServiceSearchProperties" ma:readOnly="true">
+      <xsd:simpleType>
+        <xsd:restriction base="dms:Note"/>
+      </xsd:simpleType>
+    </xsd:element>
+    <xsd:element name="MediaServiceObjectDetectorVersions" ma:index="25" nillable="true" ma:displayName="MediaServiceObjectDetectorVersions" ma:hidden="true" ma:indexed="true" ma:internalName="MediaServiceObjectDetectorVersions" ma:readOnly="true">
       <xsd:simpleType>
         <xsd:restriction base="dms:Text"/>
       </xsd:simpleType>
     </xsd:element>
-    <xsd:element name="MediaLengthInSeconds" ma:index="17" nillable="true" ma:displayName="Length (seconds)" ma:internalName="MediaLengthInSeconds" ma:readOnly="true">
-      <xsd:simpleType>
-        <xsd:restriction base="dms:Unknown"/>
-      </xsd:simpleType>
-    </xsd:element>
   </xsd:schema>
-  <xsd:schema xmlns:xsd="http://www.w3.org/2001/XMLSchema" xmlns:xs="http://www.w3.org/2001/XMLSchema" xmlns:dms="http://schemas.microsoft.com/office/2006/documentManagement/types" xmlns:pc="http://schemas.microsoft.com/office/infopath/2007/PartnerControls" targetNamespace="d3efc331-58f4-463c-b792-81d907c25a2d" elementFormDefault="qualified">
+  <xsd:schema xmlns:xsd="http://www.w3.org/2001/XMLSchema" xmlns:xs="http://www.w3.org/2001/XMLSchema" xmlns:dms="http://schemas.microsoft.com/office/2006/documentManagement/types" xmlns:pc="http://schemas.microsoft.com/office/infopath/2007/PartnerControls" targetNamespace="d8c712e5-67fc-4595-93cb-a4164dd8eff3" elementFormDefault="qualified">
     <xsd:import namespace="http://schemas.microsoft.com/office/2006/documentManagement/types"/>
     <xsd:import namespace="http://schemas.microsoft.com/office/infopath/2007/PartnerControls"/>
     <xsd:element name="SharedWithUsers" ma:index="18" nillable="true" ma:displayName="Shared With" ma:internalName="SharedWithUsers" ma:readOnly="true">
@@ -32750,6 +33942,17 @@
           <xsd:maxLength value="255"/>
         </xsd:restriction>
       </xsd:simpleType>
+    </xsd:element>
+    <xsd:element name="TaxCatchAll" ma:index="22" nillable="true" ma:displayName="Taxonomy Catch All Column" ma:hidden="true" ma:list="{5e624992-a676-4554-99c9-a3d8ae70b3e3}" ma:internalName="TaxCatchAll" ma:showField="CatchAllData" ma:web="d8c712e5-67fc-4595-93cb-a4164dd8eff3">
+      <xsd:complexType>
+        <xsd:complexContent>
+          <xsd:extension base="dms:MultiChoiceLookup">
+            <xsd:sequence>
+              <xsd:element name="Value" type="dms:Lookup" maxOccurs="unbounded" minOccurs="0" nillable="true"/>
+            </xsd:sequence>
+          </xsd:extension>
+        </xsd:complexContent>
+      </xsd:complexType>
     </xsd:element>
   </xsd:schema>
   <xsd:schema xmlns="http://schemas.openxmlformats.org/package/2006/metadata/core-properties" xmlns:xsd="http://www.w3.org/2001/XMLSchema" xmlns:xsi="http://www.w3.org/2001/XMLSchema-instance" xmlns:dc="http://purl.org/dc/elements/1.1/" xmlns:dcterms="http://purl.org/dc/terms/" xmlns:odoc="http://schemas.microsoft.com/internal/obd" targetNamespace="http://schemas.openxmlformats.org/package/2006/metadata/core-properties" elementFormDefault="qualified" attributeFormDefault="unqualified" blockDefault="#all">
@@ -32852,12 +34055,6 @@
 </file>
 
 <file path=customXml/item2.xml><?xml version="1.0" encoding="utf-8"?>
-<p:properties xmlns:p="http://schemas.microsoft.com/office/2006/metadata/properties" xmlns:xsi="http://www.w3.org/2001/XMLSchema-instance" xmlns:pc="http://schemas.microsoft.com/office/infopath/2007/PartnerControls">
-  <documentManagement/>
-</p:properties>
-</file>
-
-<file path=customXml/item3.xml><?xml version="1.0" encoding="utf-8"?>
 <?mso-contentType ?>
 <FormTemplates xmlns="http://schemas.microsoft.com/sharepoint/v3/contenttype/forms">
   <Display>DocumentLibraryForm</Display>
@@ -32866,15 +34063,26 @@
 </FormTemplates>
 </file>
 
+<file path=customXml/item3.xml><?xml version="1.0" encoding="utf-8"?>
+<p:properties xmlns:p="http://schemas.microsoft.com/office/2006/metadata/properties" xmlns:xsi="http://www.w3.org/2001/XMLSchema-instance" xmlns:pc="http://schemas.microsoft.com/office/infopath/2007/PartnerControls">
+  <documentManagement>
+    <lcf76f155ced4ddcb4097134ff3c332f xmlns="bd38d267-56bb-4e22-b975-199a06fd69fa">
+      <Terms xmlns="http://schemas.microsoft.com/office/infopath/2007/PartnerControls"/>
+    </lcf76f155ced4ddcb4097134ff3c332f>
+    <TaxCatchAll xmlns="d8c712e5-67fc-4595-93cb-a4164dd8eff3" xsi:nil="true"/>
+  </documentManagement>
+</p:properties>
+</file>
+
 <file path=customXml/itemProps1.xml><?xml version="1.0" encoding="utf-8"?>
-<ds:datastoreItem xmlns:ds="http://schemas.openxmlformats.org/officeDocument/2006/customXml" ds:itemID="{DD6AE36C-DA72-47BC-B734-316C2170376B}">
+<ds:datastoreItem xmlns:ds="http://schemas.openxmlformats.org/officeDocument/2006/customXml" ds:itemID="{D6BB557C-2E4D-4866-895D-34650962386A}">
   <ds:schemaRefs>
     <ds:schemaRef ds:uri="http://schemas.microsoft.com/office/2006/metadata/contentType"/>
     <ds:schemaRef ds:uri="http://schemas.microsoft.com/office/2006/metadata/properties/metaAttributes"/>
     <ds:schemaRef ds:uri="http://www.w3.org/2001/XMLSchema"/>
     <ds:schemaRef ds:uri="http://schemas.microsoft.com/office/2006/metadata/properties"/>
-    <ds:schemaRef ds:uri="60348849-ecd6-40c5-8069-7b4f665118aa"/>
-    <ds:schemaRef ds:uri="d3efc331-58f4-463c-b792-81d907c25a2d"/>
+    <ds:schemaRef ds:uri="bd38d267-56bb-4e22-b975-199a06fd69fa"/>
+    <ds:schemaRef ds:uri="d8c712e5-67fc-4595-93cb-a4164dd8eff3"/>
     <ds:schemaRef ds:uri="http://schemas.microsoft.com/office/2006/documentManagement/types"/>
     <ds:schemaRef ds:uri="http://schemas.microsoft.com/office/infopath/2007/PartnerControls"/>
     <ds:schemaRef ds:uri="http://schemas.openxmlformats.org/package/2006/metadata/core-properties"/>
@@ -32886,25 +34094,26 @@
 </file>
 
 <file path=customXml/itemProps2.xml><?xml version="1.0" encoding="utf-8"?>
-<ds:datastoreItem xmlns:ds="http://schemas.openxmlformats.org/officeDocument/2006/customXml" ds:itemID="{3067B86F-F5BB-4BE6-9A37-0E19E53CB68B}">
+<ds:datastoreItem xmlns:ds="http://schemas.openxmlformats.org/officeDocument/2006/customXml" ds:itemID="{98D9791E-52D0-4ABB-925A-4EAECF798D9B}">
   <ds:schemaRefs>
-    <ds:schemaRef ds:uri="04457b0b-0490-4995-8f27-e0b7141e5786"/>
-    <ds:schemaRef ds:uri="http://purl.org/dc/dcmitype/"/>
-    <ds:schemaRef ds:uri="http://purl.org/dc/elements/1.1/"/>
-    <ds:schemaRef ds:uri="http://purl.org/dc/terms/"/>
-    <ds:schemaRef ds:uri="http://schemas.microsoft.com/office/2006/documentManagement/types"/>
-    <ds:schemaRef ds:uri="http://schemas.microsoft.com/office/2006/metadata/properties"/>
-    <ds:schemaRef ds:uri="http://schemas.microsoft.com/office/infopath/2007/PartnerControls"/>
-    <ds:schemaRef ds:uri="http://schemas.openxmlformats.org/package/2006/metadata/core-properties"/>
-    <ds:schemaRef ds:uri="http://www.w3.org/XML/1998/namespace"/>
+    <ds:schemaRef ds:uri="http://schemas.microsoft.com/sharepoint/v3/contenttype/forms"/>
   </ds:schemaRefs>
 </ds:datastoreItem>
 </file>
 
 <file path=customXml/itemProps3.xml><?xml version="1.0" encoding="utf-8"?>
-<ds:datastoreItem xmlns:ds="http://schemas.openxmlformats.org/officeDocument/2006/customXml" ds:itemID="{98D9791E-52D0-4ABB-925A-4EAECF798D9B}">
+<ds:datastoreItem xmlns:ds="http://schemas.openxmlformats.org/officeDocument/2006/customXml" ds:itemID="{3067B86F-F5BB-4BE6-9A37-0E19E53CB68B}">
   <ds:schemaRefs>
-    <ds:schemaRef ds:uri="http://schemas.microsoft.com/sharepoint/v3/contenttype/forms"/>
+    <ds:schemaRef ds:uri="http://schemas.openxmlformats.org/package/2006/metadata/core-properties"/>
+    <ds:schemaRef ds:uri="http://purl.org/dc/elements/1.1/"/>
+    <ds:schemaRef ds:uri="http://schemas.microsoft.com/office/2006/documentManagement/types"/>
+    <ds:schemaRef ds:uri="http://purl.org/dc/terms/"/>
+    <ds:schemaRef ds:uri="d8c712e5-67fc-4595-93cb-a4164dd8eff3"/>
+    <ds:schemaRef ds:uri="http://purl.org/dc/dcmitype/"/>
+    <ds:schemaRef ds:uri="http://schemas.microsoft.com/office/2006/metadata/properties"/>
+    <ds:schemaRef ds:uri="http://schemas.microsoft.com/office/infopath/2007/PartnerControls"/>
+    <ds:schemaRef ds:uri="bd38d267-56bb-4e22-b975-199a06fd69fa"/>
+    <ds:schemaRef ds:uri="http://www.w3.org/XML/1998/namespace"/>
   </ds:schemaRefs>
 </ds:datastoreItem>
 </file>